--- a/Präsentation/Abschluss_Präsentation.pptx
+++ b/Präsentation/Abschluss_Präsentation.pptx
@@ -2,22 +2,23 @@
 <file path=ppt/presentation.xml><?xml version="1.0" encoding="utf-8"?>
 <p:presentation xmlns:a="http://schemas.openxmlformats.org/drawingml/2006/main" xmlns:r="http://schemas.openxmlformats.org/officeDocument/2006/relationships" xmlns:p="http://schemas.openxmlformats.org/presentationml/2006/main" saveSubsetFonts="1">
   <p:sldMasterIdLst>
-    <p:sldMasterId id="2147483648" r:id="rId1"/>
+    <p:sldMasterId id="2147483648" r:id="rId2"/>
   </p:sldMasterIdLst>
   <p:notesMasterIdLst>
-    <p:notesMasterId r:id="rId9"/>
+    <p:notesMasterId r:id="rId11"/>
   </p:notesMasterIdLst>
   <p:handoutMasterIdLst>
-    <p:handoutMasterId r:id="rId10"/>
+    <p:handoutMasterId r:id="rId12"/>
   </p:handoutMasterIdLst>
   <p:sldIdLst>
-    <p:sldId id="256" r:id="rId2"/>
-    <p:sldId id="257" r:id="rId3"/>
-    <p:sldId id="258" r:id="rId4"/>
-    <p:sldId id="259" r:id="rId5"/>
-    <p:sldId id="262" r:id="rId6"/>
-    <p:sldId id="263" r:id="rId7"/>
-    <p:sldId id="265" r:id="rId8"/>
+    <p:sldId id="256" r:id="rId3"/>
+    <p:sldId id="266" r:id="rId4"/>
+    <p:sldId id="257" r:id="rId5"/>
+    <p:sldId id="258" r:id="rId6"/>
+    <p:sldId id="259" r:id="rId7"/>
+    <p:sldId id="262" r:id="rId8"/>
+    <p:sldId id="263" r:id="rId9"/>
+    <p:sldId id="265" r:id="rId10"/>
   </p:sldIdLst>
   <p:sldSz cx="9144000" cy="6858000" type="screen4x3"/>
   <p:notesSz cx="6858000" cy="9144000"/>
@@ -168,6 +169,10 @@
 </p:presentation>
 </file>
 
+<file path=ppt/revisionInfo.xml><?xml version="1.0" encoding="utf-8"?>
+<p1510:revInfo xmlns:a="http://schemas.openxmlformats.org/drawingml/2006/main" xmlns:r="http://schemas.openxmlformats.org/officeDocument/2006/relationships" xmlns:p1510="http://schemas.microsoft.com/office/powerpoint/2015/10/main"/>
+</file>
+
 <file path=ppt/handoutMasters/handoutMaster1.xml><?xml version="1.0" encoding="utf-8"?>
 <p:handoutMaster xmlns:a="http://schemas.openxmlformats.org/drawingml/2006/main" xmlns:r="http://schemas.openxmlformats.org/officeDocument/2006/relationships" xmlns:p="http://schemas.openxmlformats.org/presentationml/2006/main">
   <p:cSld>
@@ -285,7 +290,7 @@
             <a:fld id="{A32DC80D-291A-4ABB-A78B-0417274A267C}" type="datetime4">
               <a:rPr lang="de-DE"/>
               <a:pPr/>
-              <a:t>20. Juni 2017</a:t>
+              <a:t>5. Juli 2017</a:t>
             </a:fld>
             <a:endParaRPr lang="de-DE"/>
           </a:p>
@@ -668,7 +673,7 @@
             <a:fld id="{065B079B-E513-489A-8A1B-D7C78493EA86}" type="datetime4">
               <a:rPr lang="de-DE"/>
               <a:pPr/>
-              <a:t>20. Juni 2017</a:t>
+              <a:t>5. Juli 2017</a:t>
             </a:fld>
             <a:endParaRPr lang="de-DE"/>
           </a:p>
@@ -1599,7 +1604,7 @@
                 <a:tabLst/>
                 <a:defRPr/>
               </a:pPr>
-              <a:t>20.06.2017</a:t>
+              <a:t>05.07.2017</a:t>
             </a:fld>
             <a:r>
               <a:rPr kumimoji="0" lang="de-DE" sz="1000" b="0" i="0" u="none" strike="noStrike" kern="1200" cap="none" spc="0" normalizeH="0" baseline="0" noProof="0" dirty="0">
@@ -1853,904 +1858,7 @@
 </p:sldLayout>
 </file>
 
-<file path=ppt/slideLayouts/slideLayout2.xml><?xml version="1.0" encoding="utf-8"?>
-<p:sldLayout xmlns:a="http://schemas.openxmlformats.org/drawingml/2006/main" xmlns:r="http://schemas.openxmlformats.org/officeDocument/2006/relationships" xmlns:p="http://schemas.openxmlformats.org/presentationml/2006/main" type="obj" preserve="1">
-  <p:cSld name="Titel und Inhalt">
-    <p:spTree>
-      <p:nvGrpSpPr>
-        <p:cNvPr id="1" name=""/>
-        <p:cNvGrpSpPr/>
-        <p:nvPr/>
-      </p:nvGrpSpPr>
-      <p:grpSpPr>
-        <a:xfrm>
-          <a:off x="0" y="0"/>
-          <a:ext cx="0" cy="0"/>
-          <a:chOff x="0" y="0"/>
-          <a:chExt cx="0" cy="0"/>
-        </a:xfrm>
-      </p:grpSpPr>
-      <p:sp>
-        <p:nvSpPr>
-          <p:cNvPr id="2" name="Titel 1"/>
-          <p:cNvSpPr>
-            <a:spLocks noGrp="1"/>
-          </p:cNvSpPr>
-          <p:nvPr>
-            <p:ph type="title"/>
-          </p:nvPr>
-        </p:nvSpPr>
-        <p:spPr/>
-        <p:txBody>
-          <a:bodyPr/>
-          <a:lstStyle/>
-          <a:p>
-            <a:r>
-              <a:rPr lang="de-DE"/>
-              <a:t>Titelmasterformat durch Klicken bearbeiten</a:t>
-            </a:r>
-          </a:p>
-        </p:txBody>
-      </p:sp>
-      <p:sp>
-        <p:nvSpPr>
-          <p:cNvPr id="3" name="Inhaltsplatzhalter 2"/>
-          <p:cNvSpPr>
-            <a:spLocks noGrp="1"/>
-          </p:cNvSpPr>
-          <p:nvPr>
-            <p:ph idx="1"/>
-          </p:nvPr>
-        </p:nvSpPr>
-        <p:spPr>
-          <a:xfrm>
-            <a:off x="360000" y="1620000"/>
-            <a:ext cx="6823569" cy="4479943"/>
-          </a:xfrm>
-        </p:spPr>
-        <p:txBody>
-          <a:bodyPr/>
-          <a:lstStyle/>
-          <a:p>
-            <a:pPr lvl="0"/>
-            <a:r>
-              <a:rPr lang="de-DE" dirty="0"/>
-              <a:t>Textmasterformate durch Klicken bearbeiten</a:t>
-            </a:r>
-          </a:p>
-          <a:p>
-            <a:pPr lvl="1"/>
-            <a:r>
-              <a:rPr lang="de-DE" dirty="0"/>
-              <a:t>Zweite Ebene</a:t>
-            </a:r>
-          </a:p>
-          <a:p>
-            <a:pPr lvl="2"/>
-            <a:r>
-              <a:rPr lang="de-DE" dirty="0"/>
-              <a:t>Dritte Ebene</a:t>
-            </a:r>
-          </a:p>
-          <a:p>
-            <a:pPr lvl="3"/>
-            <a:r>
-              <a:rPr lang="de-DE" dirty="0"/>
-              <a:t>Vierte Ebene</a:t>
-            </a:r>
-          </a:p>
-          <a:p>
-            <a:pPr lvl="4"/>
-            <a:r>
-              <a:rPr lang="de-DE" dirty="0"/>
-              <a:t>Fünfte Ebene</a:t>
-            </a:r>
-          </a:p>
-        </p:txBody>
-      </p:sp>
-    </p:spTree>
-  </p:cSld>
-  <p:clrMapOvr>
-    <a:masterClrMapping/>
-  </p:clrMapOvr>
-</p:sldLayout>
-</file>
-
-<file path=ppt/slideLayouts/slideLayout3.xml><?xml version="1.0" encoding="utf-8"?>
-<p:sldLayout xmlns:a="http://schemas.openxmlformats.org/drawingml/2006/main" xmlns:r="http://schemas.openxmlformats.org/officeDocument/2006/relationships" xmlns:p="http://schemas.openxmlformats.org/presentationml/2006/main" type="secHead" preserve="1">
-  <p:cSld name="Abschnittsüberschrift">
-    <p:spTree>
-      <p:nvGrpSpPr>
-        <p:cNvPr id="1" name=""/>
-        <p:cNvGrpSpPr/>
-        <p:nvPr/>
-      </p:nvGrpSpPr>
-      <p:grpSpPr>
-        <a:xfrm>
-          <a:off x="0" y="0"/>
-          <a:ext cx="0" cy="0"/>
-          <a:chOff x="0" y="0"/>
-          <a:chExt cx="0" cy="0"/>
-        </a:xfrm>
-      </p:grpSpPr>
-      <p:sp>
-        <p:nvSpPr>
-          <p:cNvPr id="2" name="Titel 1"/>
-          <p:cNvSpPr>
-            <a:spLocks noGrp="1"/>
-          </p:cNvSpPr>
-          <p:nvPr>
-            <p:ph type="title"/>
-          </p:nvPr>
-        </p:nvSpPr>
-        <p:spPr>
-          <a:xfrm>
-            <a:off x="722313" y="4406900"/>
-            <a:ext cx="6421455" cy="1362075"/>
-          </a:xfrm>
-        </p:spPr>
-        <p:txBody>
-          <a:bodyPr anchor="t"/>
-          <a:lstStyle>
-            <a:lvl1pPr algn="l">
-              <a:defRPr sz="3200" b="1" cap="all"/>
-            </a:lvl1pPr>
-          </a:lstStyle>
-          <a:p>
-            <a:r>
-              <a:rPr lang="de-DE" dirty="0"/>
-              <a:t>Titelmasterformat durch Klicken bearbeiten</a:t>
-            </a:r>
-          </a:p>
-        </p:txBody>
-      </p:sp>
-      <p:sp>
-        <p:nvSpPr>
-          <p:cNvPr id="3" name="Textplatzhalter 2"/>
-          <p:cNvSpPr>
-            <a:spLocks noGrp="1"/>
-          </p:cNvSpPr>
-          <p:nvPr>
-            <p:ph type="body" idx="1"/>
-          </p:nvPr>
-        </p:nvSpPr>
-        <p:spPr>
-          <a:xfrm>
-            <a:off x="722313" y="2906713"/>
-            <a:ext cx="6421455" cy="1500187"/>
-          </a:xfrm>
-        </p:spPr>
-        <p:txBody>
-          <a:bodyPr anchor="b"/>
-          <a:lstStyle>
-            <a:lvl1pPr marL="0" indent="0">
-              <a:buNone/>
-              <a:defRPr sz="2000"/>
-            </a:lvl1pPr>
-            <a:lvl2pPr marL="457200" indent="0">
-              <a:buNone/>
-              <a:defRPr sz="1800"/>
-            </a:lvl2pPr>
-            <a:lvl3pPr marL="914400" indent="0">
-              <a:buNone/>
-              <a:defRPr sz="1600"/>
-            </a:lvl3pPr>
-            <a:lvl4pPr marL="1371600" indent="0">
-              <a:buNone/>
-              <a:defRPr sz="1400"/>
-            </a:lvl4pPr>
-            <a:lvl5pPr marL="1828800" indent="0">
-              <a:buNone/>
-              <a:defRPr sz="1400"/>
-            </a:lvl5pPr>
-            <a:lvl6pPr marL="2286000" indent="0">
-              <a:buNone/>
-              <a:defRPr sz="1400"/>
-            </a:lvl6pPr>
-            <a:lvl7pPr marL="2743200" indent="0">
-              <a:buNone/>
-              <a:defRPr sz="1400"/>
-            </a:lvl7pPr>
-            <a:lvl8pPr marL="3200400" indent="0">
-              <a:buNone/>
-              <a:defRPr sz="1400"/>
-            </a:lvl8pPr>
-            <a:lvl9pPr marL="3657600" indent="0">
-              <a:buNone/>
-              <a:defRPr sz="1400"/>
-            </a:lvl9pPr>
-          </a:lstStyle>
-          <a:p>
-            <a:pPr lvl="0"/>
-            <a:r>
-              <a:rPr lang="de-DE"/>
-              <a:t>Textmasterformate durch Klicken bearbeiten</a:t>
-            </a:r>
-          </a:p>
-        </p:txBody>
-      </p:sp>
-    </p:spTree>
-  </p:cSld>
-  <p:clrMapOvr>
-    <a:masterClrMapping/>
-  </p:clrMapOvr>
-</p:sldLayout>
-</file>
-
-<file path=ppt/slideLayouts/slideLayout4.xml><?xml version="1.0" encoding="utf-8"?>
-<p:sldLayout xmlns:a="http://schemas.openxmlformats.org/drawingml/2006/main" xmlns:r="http://schemas.openxmlformats.org/officeDocument/2006/relationships" xmlns:p="http://schemas.openxmlformats.org/presentationml/2006/main" type="twoObj" preserve="1">
-  <p:cSld name="Zwei Inhalte">
-    <p:spTree>
-      <p:nvGrpSpPr>
-        <p:cNvPr id="1" name=""/>
-        <p:cNvGrpSpPr/>
-        <p:nvPr/>
-      </p:nvGrpSpPr>
-      <p:grpSpPr>
-        <a:xfrm>
-          <a:off x="0" y="0"/>
-          <a:ext cx="0" cy="0"/>
-          <a:chOff x="0" y="0"/>
-          <a:chExt cx="0" cy="0"/>
-        </a:xfrm>
-      </p:grpSpPr>
-      <p:sp>
-        <p:nvSpPr>
-          <p:cNvPr id="2" name="Titel 1"/>
-          <p:cNvSpPr>
-            <a:spLocks noGrp="1"/>
-          </p:cNvSpPr>
-          <p:nvPr>
-            <p:ph type="title"/>
-          </p:nvPr>
-        </p:nvSpPr>
-        <p:spPr/>
-        <p:txBody>
-          <a:bodyPr/>
-          <a:lstStyle/>
-          <a:p>
-            <a:r>
-              <a:rPr lang="de-DE"/>
-              <a:t>Titelmasterformat durch Klicken bearbeiten</a:t>
-            </a:r>
-          </a:p>
-        </p:txBody>
-      </p:sp>
-      <p:sp>
-        <p:nvSpPr>
-          <p:cNvPr id="3" name="Inhaltsplatzhalter 2"/>
-          <p:cNvSpPr>
-            <a:spLocks noGrp="1"/>
-          </p:cNvSpPr>
-          <p:nvPr>
-            <p:ph sz="half" idx="1"/>
-          </p:nvPr>
-        </p:nvSpPr>
-        <p:spPr>
-          <a:xfrm>
-            <a:off x="358775" y="1592263"/>
-            <a:ext cx="4135438" cy="4551381"/>
-          </a:xfrm>
-        </p:spPr>
-        <p:txBody>
-          <a:bodyPr/>
-          <a:lstStyle>
-            <a:lvl1pPr marL="0" indent="0">
-              <a:defRPr sz="2000"/>
-            </a:lvl1pPr>
-            <a:lvl2pPr>
-              <a:defRPr sz="2000"/>
-            </a:lvl2pPr>
-            <a:lvl3pPr>
-              <a:defRPr sz="2000"/>
-            </a:lvl3pPr>
-            <a:lvl4pPr>
-              <a:defRPr sz="1800"/>
-            </a:lvl4pPr>
-            <a:lvl5pPr>
-              <a:defRPr sz="1800"/>
-            </a:lvl5pPr>
-            <a:lvl6pPr>
-              <a:defRPr sz="1800"/>
-            </a:lvl6pPr>
-            <a:lvl7pPr>
-              <a:defRPr sz="1800"/>
-            </a:lvl7pPr>
-            <a:lvl8pPr>
-              <a:defRPr sz="1800"/>
-            </a:lvl8pPr>
-            <a:lvl9pPr>
-              <a:defRPr sz="1800"/>
-            </a:lvl9pPr>
-          </a:lstStyle>
-          <a:p>
-            <a:pPr lvl="0"/>
-            <a:r>
-              <a:rPr lang="de-DE" dirty="0"/>
-              <a:t>Textmasterformate durch Klicken bearbeiten</a:t>
-            </a:r>
-          </a:p>
-          <a:p>
-            <a:pPr lvl="1"/>
-            <a:r>
-              <a:rPr lang="de-DE" dirty="0"/>
-              <a:t>Zweite Ebene</a:t>
-            </a:r>
-          </a:p>
-          <a:p>
-            <a:pPr lvl="2"/>
-            <a:r>
-              <a:rPr lang="de-DE" dirty="0"/>
-              <a:t>Dritte Ebene</a:t>
-            </a:r>
-          </a:p>
-          <a:p>
-            <a:pPr lvl="3"/>
-            <a:r>
-              <a:rPr lang="de-DE" dirty="0"/>
-              <a:t>Vierte Ebene</a:t>
-            </a:r>
-          </a:p>
-          <a:p>
-            <a:pPr lvl="4"/>
-            <a:r>
-              <a:rPr lang="de-DE" dirty="0"/>
-              <a:t>Fünfte Ebene</a:t>
-            </a:r>
-          </a:p>
-        </p:txBody>
-      </p:sp>
-      <p:sp>
-        <p:nvSpPr>
-          <p:cNvPr id="4" name="Inhaltsplatzhalter 3"/>
-          <p:cNvSpPr>
-            <a:spLocks noGrp="1"/>
-          </p:cNvSpPr>
-          <p:nvPr>
-            <p:ph sz="half" idx="2"/>
-          </p:nvPr>
-        </p:nvSpPr>
-        <p:spPr>
-          <a:xfrm>
-            <a:off x="4786314" y="1592263"/>
-            <a:ext cx="4105274" cy="4551381"/>
-          </a:xfrm>
-        </p:spPr>
-        <p:txBody>
-          <a:bodyPr/>
-          <a:lstStyle>
-            <a:lvl1pPr marL="0" indent="0">
-              <a:defRPr sz="2000"/>
-            </a:lvl1pPr>
-            <a:lvl2pPr>
-              <a:defRPr sz="2000"/>
-            </a:lvl2pPr>
-            <a:lvl3pPr>
-              <a:defRPr sz="2000"/>
-            </a:lvl3pPr>
-            <a:lvl4pPr>
-              <a:defRPr sz="1800"/>
-            </a:lvl4pPr>
-            <a:lvl5pPr>
-              <a:defRPr sz="1800"/>
-            </a:lvl5pPr>
-            <a:lvl6pPr>
-              <a:defRPr sz="1800"/>
-            </a:lvl6pPr>
-            <a:lvl7pPr>
-              <a:defRPr sz="1800"/>
-            </a:lvl7pPr>
-            <a:lvl8pPr>
-              <a:defRPr sz="1800"/>
-            </a:lvl8pPr>
-            <a:lvl9pPr>
-              <a:defRPr sz="1800"/>
-            </a:lvl9pPr>
-          </a:lstStyle>
-          <a:p>
-            <a:pPr lvl="0"/>
-            <a:r>
-              <a:rPr lang="de-DE" dirty="0"/>
-              <a:t>Textmasterformate durch Klicken bearbeiten</a:t>
-            </a:r>
-          </a:p>
-          <a:p>
-            <a:pPr lvl="1"/>
-            <a:r>
-              <a:rPr lang="de-DE" dirty="0"/>
-              <a:t>Zweite Ebene</a:t>
-            </a:r>
-          </a:p>
-          <a:p>
-            <a:pPr lvl="2"/>
-            <a:r>
-              <a:rPr lang="de-DE" dirty="0"/>
-              <a:t>Dritte Ebene</a:t>
-            </a:r>
-          </a:p>
-          <a:p>
-            <a:pPr lvl="3"/>
-            <a:r>
-              <a:rPr lang="de-DE" dirty="0"/>
-              <a:t>Vierte Ebene</a:t>
-            </a:r>
-          </a:p>
-          <a:p>
-            <a:pPr lvl="4"/>
-            <a:r>
-              <a:rPr lang="de-DE" dirty="0"/>
-              <a:t>Fünfte Ebene</a:t>
-            </a:r>
-          </a:p>
-        </p:txBody>
-      </p:sp>
-    </p:spTree>
-  </p:cSld>
-  <p:clrMapOvr>
-    <a:masterClrMapping/>
-  </p:clrMapOvr>
-</p:sldLayout>
-</file>
-
-<file path=ppt/slideLayouts/slideLayout5.xml><?xml version="1.0" encoding="utf-8"?>
-<p:sldLayout xmlns:a="http://schemas.openxmlformats.org/drawingml/2006/main" xmlns:r="http://schemas.openxmlformats.org/officeDocument/2006/relationships" xmlns:p="http://schemas.openxmlformats.org/presentationml/2006/main" type="titleOnly" preserve="1">
-  <p:cSld name="Nur Titel">
-    <p:spTree>
-      <p:nvGrpSpPr>
-        <p:cNvPr id="1" name=""/>
-        <p:cNvGrpSpPr/>
-        <p:nvPr/>
-      </p:nvGrpSpPr>
-      <p:grpSpPr>
-        <a:xfrm>
-          <a:off x="0" y="0"/>
-          <a:ext cx="0" cy="0"/>
-          <a:chOff x="0" y="0"/>
-          <a:chExt cx="0" cy="0"/>
-        </a:xfrm>
-      </p:grpSpPr>
-      <p:sp>
-        <p:nvSpPr>
-          <p:cNvPr id="2" name="Titel 1"/>
-          <p:cNvSpPr>
-            <a:spLocks noGrp="1"/>
-          </p:cNvSpPr>
-          <p:nvPr>
-            <p:ph type="title"/>
-          </p:nvPr>
-        </p:nvSpPr>
-        <p:spPr/>
-        <p:txBody>
-          <a:bodyPr/>
-          <a:lstStyle/>
-          <a:p>
-            <a:r>
-              <a:rPr lang="de-DE" dirty="0"/>
-              <a:t>Titelmasterformat durch Klicken bearbeiten</a:t>
-            </a:r>
-          </a:p>
-        </p:txBody>
-      </p:sp>
-    </p:spTree>
-  </p:cSld>
-  <p:clrMapOvr>
-    <a:masterClrMapping/>
-  </p:clrMapOvr>
-</p:sldLayout>
-</file>
-
-<file path=ppt/slideLayouts/slideLayout6.xml><?xml version="1.0" encoding="utf-8"?>
-<p:sldLayout xmlns:a="http://schemas.openxmlformats.org/drawingml/2006/main" xmlns:r="http://schemas.openxmlformats.org/officeDocument/2006/relationships" xmlns:p="http://schemas.openxmlformats.org/presentationml/2006/main" type="blank" preserve="1">
-  <p:cSld name="Leer">
-    <p:spTree>
-      <p:nvGrpSpPr>
-        <p:cNvPr id="1" name=""/>
-        <p:cNvGrpSpPr/>
-        <p:nvPr/>
-      </p:nvGrpSpPr>
-      <p:grpSpPr>
-        <a:xfrm>
-          <a:off x="0" y="0"/>
-          <a:ext cx="0" cy="0"/>
-          <a:chOff x="0" y="0"/>
-          <a:chExt cx="0" cy="0"/>
-        </a:xfrm>
-      </p:grpSpPr>
-    </p:spTree>
-  </p:cSld>
-  <p:clrMapOvr>
-    <a:masterClrMapping/>
-  </p:clrMapOvr>
-</p:sldLayout>
-</file>
-
-<file path=ppt/slideLayouts/slideLayout7.xml><?xml version="1.0" encoding="utf-8"?>
-<p:sldLayout xmlns:a="http://schemas.openxmlformats.org/drawingml/2006/main" xmlns:r="http://schemas.openxmlformats.org/officeDocument/2006/relationships" xmlns:p="http://schemas.openxmlformats.org/presentationml/2006/main" preserve="1" userDrawn="1">
-  <p:cSld name="Inhalt mit Überschrift">
-    <p:spTree>
-      <p:nvGrpSpPr>
-        <p:cNvPr id="1" name=""/>
-        <p:cNvGrpSpPr/>
-        <p:nvPr/>
-      </p:nvGrpSpPr>
-      <p:grpSpPr>
-        <a:xfrm>
-          <a:off x="0" y="0"/>
-          <a:ext cx="0" cy="0"/>
-          <a:chOff x="0" y="0"/>
-          <a:chExt cx="0" cy="0"/>
-        </a:xfrm>
-      </p:grpSpPr>
-      <p:sp>
-        <p:nvSpPr>
-          <p:cNvPr id="3" name="Inhaltsplatzhalter 2"/>
-          <p:cNvSpPr>
-            <a:spLocks noGrp="1"/>
-          </p:cNvSpPr>
-          <p:nvPr>
-            <p:ph idx="1"/>
-          </p:nvPr>
-        </p:nvSpPr>
-        <p:spPr>
-          <a:xfrm>
-            <a:off x="3857620" y="1620000"/>
-            <a:ext cx="5000660" cy="4506163"/>
-          </a:xfrm>
-        </p:spPr>
-        <p:txBody>
-          <a:bodyPr/>
-          <a:lstStyle>
-            <a:lvl1pPr>
-              <a:defRPr sz="2000"/>
-            </a:lvl1pPr>
-            <a:lvl2pPr>
-              <a:defRPr sz="2000"/>
-            </a:lvl2pPr>
-            <a:lvl3pPr>
-              <a:defRPr sz="1600"/>
-            </a:lvl3pPr>
-            <a:lvl4pPr>
-              <a:defRPr sz="1600"/>
-            </a:lvl4pPr>
-            <a:lvl5pPr>
-              <a:defRPr sz="1600"/>
-            </a:lvl5pPr>
-            <a:lvl6pPr>
-              <a:defRPr sz="2000"/>
-            </a:lvl6pPr>
-            <a:lvl7pPr>
-              <a:defRPr sz="2000"/>
-            </a:lvl7pPr>
-            <a:lvl8pPr>
-              <a:defRPr sz="2000"/>
-            </a:lvl8pPr>
-            <a:lvl9pPr>
-              <a:defRPr sz="2000"/>
-            </a:lvl9pPr>
-          </a:lstStyle>
-          <a:p>
-            <a:pPr lvl="0"/>
-            <a:r>
-              <a:rPr lang="de-DE" dirty="0"/>
-              <a:t>Textmasterformate durch Klicken bearbeiten</a:t>
-            </a:r>
-          </a:p>
-          <a:p>
-            <a:pPr lvl="1"/>
-            <a:r>
-              <a:rPr lang="de-DE" dirty="0"/>
-              <a:t>Zweite Ebene</a:t>
-            </a:r>
-          </a:p>
-          <a:p>
-            <a:pPr lvl="2"/>
-            <a:r>
-              <a:rPr lang="de-DE" dirty="0"/>
-              <a:t>Dritte Ebene</a:t>
-            </a:r>
-          </a:p>
-          <a:p>
-            <a:pPr lvl="3"/>
-            <a:r>
-              <a:rPr lang="de-DE" dirty="0"/>
-              <a:t>Vierte Ebene</a:t>
-            </a:r>
-          </a:p>
-          <a:p>
-            <a:pPr lvl="4"/>
-            <a:r>
-              <a:rPr lang="de-DE" dirty="0"/>
-              <a:t>Fünfte Ebene</a:t>
-            </a:r>
-          </a:p>
-        </p:txBody>
-      </p:sp>
-      <p:sp>
-        <p:nvSpPr>
-          <p:cNvPr id="4" name="Textplatzhalter 3"/>
-          <p:cNvSpPr>
-            <a:spLocks noGrp="1"/>
-          </p:cNvSpPr>
-          <p:nvPr>
-            <p:ph type="body" sz="half" idx="2"/>
-          </p:nvPr>
-        </p:nvSpPr>
-        <p:spPr>
-          <a:xfrm>
-            <a:off x="358776" y="1620000"/>
-            <a:ext cx="3106738" cy="4506163"/>
-          </a:xfrm>
-        </p:spPr>
-        <p:txBody>
-          <a:bodyPr/>
-          <a:lstStyle>
-            <a:lvl1pPr marL="0" indent="0">
-              <a:buNone/>
-              <a:defRPr sz="2000"/>
-            </a:lvl1pPr>
-            <a:lvl2pPr marL="457200" indent="0">
-              <a:buNone/>
-              <a:defRPr sz="1200"/>
-            </a:lvl2pPr>
-            <a:lvl3pPr marL="914400" indent="0">
-              <a:buNone/>
-              <a:defRPr sz="1000"/>
-            </a:lvl3pPr>
-            <a:lvl4pPr marL="1371600" indent="0">
-              <a:buNone/>
-              <a:defRPr sz="900"/>
-            </a:lvl4pPr>
-            <a:lvl5pPr marL="1828800" indent="0">
-              <a:buNone/>
-              <a:defRPr sz="900"/>
-            </a:lvl5pPr>
-            <a:lvl6pPr marL="2286000" indent="0">
-              <a:buNone/>
-              <a:defRPr sz="900"/>
-            </a:lvl6pPr>
-            <a:lvl7pPr marL="2743200" indent="0">
-              <a:buNone/>
-              <a:defRPr sz="900"/>
-            </a:lvl7pPr>
-            <a:lvl8pPr marL="3200400" indent="0">
-              <a:buNone/>
-              <a:defRPr sz="900"/>
-            </a:lvl8pPr>
-            <a:lvl9pPr marL="3657600" indent="0">
-              <a:buNone/>
-              <a:defRPr sz="900"/>
-            </a:lvl9pPr>
-          </a:lstStyle>
-          <a:p>
-            <a:pPr lvl="0"/>
-            <a:r>
-              <a:rPr lang="de-DE" dirty="0"/>
-              <a:t>Textmasterformate durch Klicken bearbeiten</a:t>
-            </a:r>
-          </a:p>
-        </p:txBody>
-      </p:sp>
-      <p:sp>
-        <p:nvSpPr>
-          <p:cNvPr id="5" name="Titel 1"/>
-          <p:cNvSpPr>
-            <a:spLocks noGrp="1"/>
-          </p:cNvSpPr>
-          <p:nvPr>
-            <p:ph type="title"/>
-          </p:nvPr>
-        </p:nvSpPr>
-        <p:spPr>
-          <a:xfrm>
-            <a:off x="358775" y="488950"/>
-            <a:ext cx="6840000" cy="838200"/>
-          </a:xfrm>
-        </p:spPr>
-        <p:txBody>
-          <a:bodyPr/>
-          <a:lstStyle/>
-          <a:p>
-            <a:r>
-              <a:rPr lang="de-DE"/>
-              <a:t>Titelmasterformat durch Klicken bearbeiten</a:t>
-            </a:r>
-          </a:p>
-        </p:txBody>
-      </p:sp>
-    </p:spTree>
-  </p:cSld>
-  <p:clrMapOvr>
-    <a:masterClrMapping/>
-  </p:clrMapOvr>
-</p:sldLayout>
-</file>
-
-<file path=ppt/slideLayouts/slideLayout8.xml><?xml version="1.0" encoding="utf-8"?>
-<p:sldLayout xmlns:a="http://schemas.openxmlformats.org/drawingml/2006/main" xmlns:r="http://schemas.openxmlformats.org/officeDocument/2006/relationships" xmlns:p="http://schemas.openxmlformats.org/presentationml/2006/main" type="picTx" preserve="1">
-  <p:cSld name="Bild mit Überschrift">
-    <p:spTree>
-      <p:nvGrpSpPr>
-        <p:cNvPr id="1" name=""/>
-        <p:cNvGrpSpPr/>
-        <p:nvPr/>
-      </p:nvGrpSpPr>
-      <p:grpSpPr>
-        <a:xfrm>
-          <a:off x="0" y="0"/>
-          <a:ext cx="0" cy="0"/>
-          <a:chOff x="0" y="0"/>
-          <a:chExt cx="0" cy="0"/>
-        </a:xfrm>
-      </p:grpSpPr>
-      <p:sp>
-        <p:nvSpPr>
-          <p:cNvPr id="2" name="Titel 1"/>
-          <p:cNvSpPr>
-            <a:spLocks noGrp="1"/>
-          </p:cNvSpPr>
-          <p:nvPr>
-            <p:ph type="title"/>
-          </p:nvPr>
-        </p:nvSpPr>
-        <p:spPr>
-          <a:xfrm>
-            <a:off x="1792288" y="4800600"/>
-            <a:ext cx="5486400" cy="566738"/>
-          </a:xfrm>
-        </p:spPr>
-        <p:txBody>
-          <a:bodyPr anchor="b"/>
-          <a:lstStyle>
-            <a:lvl1pPr algn="l">
-              <a:defRPr sz="2000" b="1"/>
-            </a:lvl1pPr>
-          </a:lstStyle>
-          <a:p>
-            <a:r>
-              <a:rPr lang="de-DE"/>
-              <a:t>Titelmasterformat durch Klicken bearbeiten</a:t>
-            </a:r>
-          </a:p>
-        </p:txBody>
-      </p:sp>
-      <p:sp>
-        <p:nvSpPr>
-          <p:cNvPr id="3" name="Bildplatzhalter 2"/>
-          <p:cNvSpPr>
-            <a:spLocks noGrp="1"/>
-          </p:cNvSpPr>
-          <p:nvPr>
-            <p:ph type="pic" idx="1"/>
-          </p:nvPr>
-        </p:nvSpPr>
-        <p:spPr>
-          <a:xfrm>
-            <a:off x="1792288" y="1928801"/>
-            <a:ext cx="5486400" cy="2798773"/>
-          </a:xfrm>
-        </p:spPr>
-        <p:txBody>
-          <a:bodyPr/>
-          <a:lstStyle>
-            <a:lvl1pPr marL="0" indent="0">
-              <a:buNone/>
-              <a:defRPr sz="3200"/>
-            </a:lvl1pPr>
-            <a:lvl2pPr marL="457200" indent="0">
-              <a:buNone/>
-              <a:defRPr sz="2800"/>
-            </a:lvl2pPr>
-            <a:lvl3pPr marL="914400" indent="0">
-              <a:buNone/>
-              <a:defRPr sz="2400"/>
-            </a:lvl3pPr>
-            <a:lvl4pPr marL="1371600" indent="0">
-              <a:buNone/>
-              <a:defRPr sz="2000"/>
-            </a:lvl4pPr>
-            <a:lvl5pPr marL="1828800" indent="0">
-              <a:buNone/>
-              <a:defRPr sz="2000"/>
-            </a:lvl5pPr>
-            <a:lvl6pPr marL="2286000" indent="0">
-              <a:buNone/>
-              <a:defRPr sz="2000"/>
-            </a:lvl6pPr>
-            <a:lvl7pPr marL="2743200" indent="0">
-              <a:buNone/>
-              <a:defRPr sz="2000"/>
-            </a:lvl7pPr>
-            <a:lvl8pPr marL="3200400" indent="0">
-              <a:buNone/>
-              <a:defRPr sz="2000"/>
-            </a:lvl8pPr>
-            <a:lvl9pPr marL="3657600" indent="0">
-              <a:buNone/>
-              <a:defRPr sz="2000"/>
-            </a:lvl9pPr>
-          </a:lstStyle>
-          <a:p>
-            <a:r>
-              <a:rPr lang="de-DE"/>
-              <a:t>Bild durch Klicken auf Symbol hinzufügen</a:t>
-            </a:r>
-          </a:p>
-        </p:txBody>
-      </p:sp>
-      <p:sp>
-        <p:nvSpPr>
-          <p:cNvPr id="4" name="Textplatzhalter 3"/>
-          <p:cNvSpPr>
-            <a:spLocks noGrp="1"/>
-          </p:cNvSpPr>
-          <p:nvPr>
-            <p:ph type="body" sz="half" idx="2"/>
-          </p:nvPr>
-        </p:nvSpPr>
-        <p:spPr>
-          <a:xfrm>
-            <a:off x="1792288" y="5367338"/>
-            <a:ext cx="5486400" cy="804862"/>
-          </a:xfrm>
-        </p:spPr>
-        <p:txBody>
-          <a:bodyPr/>
-          <a:lstStyle>
-            <a:lvl1pPr marL="0" indent="0">
-              <a:buNone/>
-              <a:defRPr sz="1400"/>
-            </a:lvl1pPr>
-            <a:lvl2pPr marL="457200" indent="0">
-              <a:buNone/>
-              <a:defRPr sz="1200"/>
-            </a:lvl2pPr>
-            <a:lvl3pPr marL="914400" indent="0">
-              <a:buNone/>
-              <a:defRPr sz="1000"/>
-            </a:lvl3pPr>
-            <a:lvl4pPr marL="1371600" indent="0">
-              <a:buNone/>
-              <a:defRPr sz="900"/>
-            </a:lvl4pPr>
-            <a:lvl5pPr marL="1828800" indent="0">
-              <a:buNone/>
-              <a:defRPr sz="900"/>
-            </a:lvl5pPr>
-            <a:lvl6pPr marL="2286000" indent="0">
-              <a:buNone/>
-              <a:defRPr sz="900"/>
-            </a:lvl6pPr>
-            <a:lvl7pPr marL="2743200" indent="0">
-              <a:buNone/>
-              <a:defRPr sz="900"/>
-            </a:lvl7pPr>
-            <a:lvl8pPr marL="3200400" indent="0">
-              <a:buNone/>
-              <a:defRPr sz="900"/>
-            </a:lvl8pPr>
-            <a:lvl9pPr marL="3657600" indent="0">
-              <a:buNone/>
-              <a:defRPr sz="900"/>
-            </a:lvl9pPr>
-          </a:lstStyle>
-          <a:p>
-            <a:pPr lvl="0"/>
-            <a:r>
-              <a:rPr lang="de-DE"/>
-              <a:t>Textmasterformate durch Klicken bearbeiten</a:t>
-            </a:r>
-          </a:p>
-        </p:txBody>
-      </p:sp>
-    </p:spTree>
-  </p:cSld>
-  <p:clrMapOvr>
-    <a:masterClrMapping/>
-  </p:clrMapOvr>
-</p:sldLayout>
-</file>
-
-<file path=ppt/slideLayouts/slideLayout9.xml><?xml version="1.0" encoding="utf-8"?>
+<file path=ppt/slideLayouts/slideLayout10.xml><?xml version="1.0" encoding="utf-8"?>
 <p:sldLayout xmlns:a="http://schemas.openxmlformats.org/drawingml/2006/main" xmlns:r="http://schemas.openxmlformats.org/officeDocument/2006/relationships" xmlns:p="http://schemas.openxmlformats.org/presentationml/2006/main" showMasterSp="0" preserve="1" userDrawn="1">
   <p:cSld name="1_Titelfolie">
     <p:spTree>
@@ -2942,7 +2050,7 @@
                 <a:tabLst/>
                 <a:defRPr/>
               </a:pPr>
-              <a:t>20.06.2017</a:t>
+              <a:t>05.07.2017</a:t>
             </a:fld>
             <a:r>
               <a:rPr kumimoji="0" lang="de-DE" sz="1000" b="0" i="0" u="none" strike="noStrike" kern="1200" cap="none" spc="0" normalizeH="0" baseline="0" noProof="0" dirty="0">
@@ -3201,6 +2309,1020 @@
 </p:sldLayout>
 </file>
 
+<file path=ppt/slideLayouts/slideLayout2.xml><?xml version="1.0" encoding="utf-8"?>
+<p:sldLayout xmlns:a="http://schemas.openxmlformats.org/drawingml/2006/main" xmlns:r="http://schemas.openxmlformats.org/officeDocument/2006/relationships" xmlns:p="http://schemas.openxmlformats.org/presentationml/2006/main" type="obj" preserve="1">
+  <p:cSld name="Titel und Inhalt">
+    <p:spTree>
+      <p:nvGrpSpPr>
+        <p:cNvPr id="1" name=""/>
+        <p:cNvGrpSpPr/>
+        <p:nvPr/>
+      </p:nvGrpSpPr>
+      <p:grpSpPr>
+        <a:xfrm>
+          <a:off x="0" y="0"/>
+          <a:ext cx="0" cy="0"/>
+          <a:chOff x="0" y="0"/>
+          <a:chExt cx="0" cy="0"/>
+        </a:xfrm>
+      </p:grpSpPr>
+      <p:sp>
+        <p:nvSpPr>
+          <p:cNvPr id="2" name="Titel 1"/>
+          <p:cNvSpPr>
+            <a:spLocks noGrp="1"/>
+          </p:cNvSpPr>
+          <p:nvPr>
+            <p:ph type="title"/>
+          </p:nvPr>
+        </p:nvSpPr>
+        <p:spPr/>
+        <p:txBody>
+          <a:bodyPr/>
+          <a:lstStyle/>
+          <a:p>
+            <a:r>
+              <a:rPr lang="de-DE"/>
+              <a:t>Titelmasterformat durch Klicken bearbeiten</a:t>
+            </a:r>
+          </a:p>
+        </p:txBody>
+      </p:sp>
+      <p:sp>
+        <p:nvSpPr>
+          <p:cNvPr id="3" name="Inhaltsplatzhalter 2"/>
+          <p:cNvSpPr>
+            <a:spLocks noGrp="1"/>
+          </p:cNvSpPr>
+          <p:nvPr>
+            <p:ph idx="1"/>
+          </p:nvPr>
+        </p:nvSpPr>
+        <p:spPr>
+          <a:xfrm>
+            <a:off x="360000" y="1620000"/>
+            <a:ext cx="6823569" cy="4479943"/>
+          </a:xfrm>
+        </p:spPr>
+        <p:txBody>
+          <a:bodyPr/>
+          <a:lstStyle/>
+          <a:p>
+            <a:pPr lvl="0"/>
+            <a:r>
+              <a:rPr lang="de-DE" dirty="0"/>
+              <a:t>Textmasterformate durch Klicken bearbeiten</a:t>
+            </a:r>
+          </a:p>
+          <a:p>
+            <a:pPr lvl="1"/>
+            <a:r>
+              <a:rPr lang="de-DE" dirty="0"/>
+              <a:t>Zweite Ebene</a:t>
+            </a:r>
+          </a:p>
+          <a:p>
+            <a:pPr lvl="2"/>
+            <a:r>
+              <a:rPr lang="de-DE" dirty="0"/>
+              <a:t>Dritte Ebene</a:t>
+            </a:r>
+          </a:p>
+          <a:p>
+            <a:pPr lvl="3"/>
+            <a:r>
+              <a:rPr lang="de-DE" dirty="0"/>
+              <a:t>Vierte Ebene</a:t>
+            </a:r>
+          </a:p>
+          <a:p>
+            <a:pPr lvl="4"/>
+            <a:r>
+              <a:rPr lang="de-DE" dirty="0"/>
+              <a:t>Fünfte Ebene</a:t>
+            </a:r>
+          </a:p>
+        </p:txBody>
+      </p:sp>
+    </p:spTree>
+  </p:cSld>
+  <p:clrMapOvr>
+    <a:masterClrMapping/>
+  </p:clrMapOvr>
+</p:sldLayout>
+</file>
+
+<file path=ppt/slideLayouts/slideLayout3.xml><?xml version="1.0" encoding="utf-8"?>
+<p:sldLayout xmlns:a="http://schemas.openxmlformats.org/drawingml/2006/main" xmlns:r="http://schemas.openxmlformats.org/officeDocument/2006/relationships" xmlns:p="http://schemas.openxmlformats.org/presentationml/2006/main" type="obj" preserve="1">
+  <p:cSld name="1_Titel und Inhalt">
+    <p:spTree>
+      <p:nvGrpSpPr>
+        <p:cNvPr id="1" name=""/>
+        <p:cNvGrpSpPr/>
+        <p:nvPr/>
+      </p:nvGrpSpPr>
+      <p:grpSpPr>
+        <a:xfrm>
+          <a:off x="0" y="0"/>
+          <a:ext cx="0" cy="0"/>
+          <a:chOff x="0" y="0"/>
+          <a:chExt cx="0" cy="0"/>
+        </a:xfrm>
+      </p:grpSpPr>
+      <p:sp>
+        <p:nvSpPr>
+          <p:cNvPr id="2" name="Titel 1"/>
+          <p:cNvSpPr>
+            <a:spLocks noGrp="1"/>
+          </p:cNvSpPr>
+          <p:nvPr>
+            <p:ph type="title"/>
+          </p:nvPr>
+        </p:nvSpPr>
+        <p:spPr/>
+        <p:txBody>
+          <a:bodyPr/>
+          <a:lstStyle/>
+          <a:p>
+            <a:r>
+              <a:rPr lang="de-DE"/>
+              <a:t>Titelmasterformat durch Klicken bearbeiten</a:t>
+            </a:r>
+          </a:p>
+        </p:txBody>
+      </p:sp>
+      <p:sp>
+        <p:nvSpPr>
+          <p:cNvPr id="3" name="Inhaltsplatzhalter 2"/>
+          <p:cNvSpPr>
+            <a:spLocks noGrp="1"/>
+          </p:cNvSpPr>
+          <p:nvPr>
+            <p:ph idx="1"/>
+          </p:nvPr>
+        </p:nvSpPr>
+        <p:spPr>
+          <a:xfrm>
+            <a:off x="360000" y="1620000"/>
+            <a:ext cx="6823569" cy="4479943"/>
+          </a:xfrm>
+        </p:spPr>
+        <p:txBody>
+          <a:bodyPr/>
+          <a:lstStyle>
+            <a:lvl1pPr marL="342900" indent="-342900">
+              <a:buClr>
+                <a:srgbClr val="005088"/>
+              </a:buClr>
+              <a:buFont typeface="Wingdings" panose="05000000000000000000" pitchFamily="2" charset="2"/>
+              <a:buChar char="§"/>
+              <a:defRPr i="0"/>
+            </a:lvl1pPr>
+          </a:lstStyle>
+          <a:p>
+            <a:pPr lvl="0"/>
+            <a:r>
+              <a:rPr lang="de-DE" dirty="0"/>
+              <a:t>Textmasterformate durch Klicken bearbeiten</a:t>
+            </a:r>
+          </a:p>
+          <a:p>
+            <a:pPr lvl="1"/>
+            <a:r>
+              <a:rPr lang="de-DE" dirty="0"/>
+              <a:t>Zweite Ebene</a:t>
+            </a:r>
+          </a:p>
+          <a:p>
+            <a:pPr lvl="2"/>
+            <a:r>
+              <a:rPr lang="de-DE" dirty="0"/>
+              <a:t>Dritte Ebene</a:t>
+            </a:r>
+          </a:p>
+          <a:p>
+            <a:pPr lvl="3"/>
+            <a:r>
+              <a:rPr lang="de-DE" dirty="0"/>
+              <a:t>Vierte Ebene</a:t>
+            </a:r>
+          </a:p>
+          <a:p>
+            <a:pPr lvl="4"/>
+            <a:r>
+              <a:rPr lang="de-DE" dirty="0"/>
+              <a:t>Fünfte Ebene</a:t>
+            </a:r>
+          </a:p>
+        </p:txBody>
+      </p:sp>
+    </p:spTree>
+    <p:extLst>
+      <p:ext uri="{BB962C8B-B14F-4D97-AF65-F5344CB8AC3E}">
+        <p14:creationId xmlns:p14="http://schemas.microsoft.com/office/powerpoint/2010/main" val="2968720719"/>
+      </p:ext>
+    </p:extLst>
+  </p:cSld>
+  <p:clrMapOvr>
+    <a:masterClrMapping/>
+  </p:clrMapOvr>
+</p:sldLayout>
+</file>
+
+<file path=ppt/slideLayouts/slideLayout4.xml><?xml version="1.0" encoding="utf-8"?>
+<p:sldLayout xmlns:a="http://schemas.openxmlformats.org/drawingml/2006/main" xmlns:r="http://schemas.openxmlformats.org/officeDocument/2006/relationships" xmlns:p="http://schemas.openxmlformats.org/presentationml/2006/main" type="secHead" preserve="1">
+  <p:cSld name="Abschnittsüberschrift">
+    <p:spTree>
+      <p:nvGrpSpPr>
+        <p:cNvPr id="1" name=""/>
+        <p:cNvGrpSpPr/>
+        <p:nvPr/>
+      </p:nvGrpSpPr>
+      <p:grpSpPr>
+        <a:xfrm>
+          <a:off x="0" y="0"/>
+          <a:ext cx="0" cy="0"/>
+          <a:chOff x="0" y="0"/>
+          <a:chExt cx="0" cy="0"/>
+        </a:xfrm>
+      </p:grpSpPr>
+      <p:sp>
+        <p:nvSpPr>
+          <p:cNvPr id="2" name="Titel 1"/>
+          <p:cNvSpPr>
+            <a:spLocks noGrp="1"/>
+          </p:cNvSpPr>
+          <p:nvPr>
+            <p:ph type="title"/>
+          </p:nvPr>
+        </p:nvSpPr>
+        <p:spPr>
+          <a:xfrm>
+            <a:off x="722313" y="4406900"/>
+            <a:ext cx="6421455" cy="1362075"/>
+          </a:xfrm>
+        </p:spPr>
+        <p:txBody>
+          <a:bodyPr anchor="t"/>
+          <a:lstStyle>
+            <a:lvl1pPr algn="l">
+              <a:defRPr sz="3200" b="1" cap="all"/>
+            </a:lvl1pPr>
+          </a:lstStyle>
+          <a:p>
+            <a:r>
+              <a:rPr lang="de-DE" dirty="0"/>
+              <a:t>Titelmasterformat durch Klicken bearbeiten</a:t>
+            </a:r>
+          </a:p>
+        </p:txBody>
+      </p:sp>
+      <p:sp>
+        <p:nvSpPr>
+          <p:cNvPr id="3" name="Textplatzhalter 2"/>
+          <p:cNvSpPr>
+            <a:spLocks noGrp="1"/>
+          </p:cNvSpPr>
+          <p:nvPr>
+            <p:ph type="body" idx="1"/>
+          </p:nvPr>
+        </p:nvSpPr>
+        <p:spPr>
+          <a:xfrm>
+            <a:off x="722313" y="2906713"/>
+            <a:ext cx="6421455" cy="1500187"/>
+          </a:xfrm>
+        </p:spPr>
+        <p:txBody>
+          <a:bodyPr anchor="b"/>
+          <a:lstStyle>
+            <a:lvl1pPr marL="0" indent="0">
+              <a:buNone/>
+              <a:defRPr sz="2000"/>
+            </a:lvl1pPr>
+            <a:lvl2pPr marL="457200" indent="0">
+              <a:buNone/>
+              <a:defRPr sz="1800"/>
+            </a:lvl2pPr>
+            <a:lvl3pPr marL="914400" indent="0">
+              <a:buNone/>
+              <a:defRPr sz="1600"/>
+            </a:lvl3pPr>
+            <a:lvl4pPr marL="1371600" indent="0">
+              <a:buNone/>
+              <a:defRPr sz="1400"/>
+            </a:lvl4pPr>
+            <a:lvl5pPr marL="1828800" indent="0">
+              <a:buNone/>
+              <a:defRPr sz="1400"/>
+            </a:lvl5pPr>
+            <a:lvl6pPr marL="2286000" indent="0">
+              <a:buNone/>
+              <a:defRPr sz="1400"/>
+            </a:lvl6pPr>
+            <a:lvl7pPr marL="2743200" indent="0">
+              <a:buNone/>
+              <a:defRPr sz="1400"/>
+            </a:lvl7pPr>
+            <a:lvl8pPr marL="3200400" indent="0">
+              <a:buNone/>
+              <a:defRPr sz="1400"/>
+            </a:lvl8pPr>
+            <a:lvl9pPr marL="3657600" indent="0">
+              <a:buNone/>
+              <a:defRPr sz="1400"/>
+            </a:lvl9pPr>
+          </a:lstStyle>
+          <a:p>
+            <a:pPr lvl="0"/>
+            <a:r>
+              <a:rPr lang="de-DE"/>
+              <a:t>Textmasterformate durch Klicken bearbeiten</a:t>
+            </a:r>
+          </a:p>
+        </p:txBody>
+      </p:sp>
+    </p:spTree>
+  </p:cSld>
+  <p:clrMapOvr>
+    <a:masterClrMapping/>
+  </p:clrMapOvr>
+</p:sldLayout>
+</file>
+
+<file path=ppt/slideLayouts/slideLayout5.xml><?xml version="1.0" encoding="utf-8"?>
+<p:sldLayout xmlns:a="http://schemas.openxmlformats.org/drawingml/2006/main" xmlns:r="http://schemas.openxmlformats.org/officeDocument/2006/relationships" xmlns:p="http://schemas.openxmlformats.org/presentationml/2006/main" type="twoObj" preserve="1">
+  <p:cSld name="Zwei Inhalte">
+    <p:spTree>
+      <p:nvGrpSpPr>
+        <p:cNvPr id="1" name=""/>
+        <p:cNvGrpSpPr/>
+        <p:nvPr/>
+      </p:nvGrpSpPr>
+      <p:grpSpPr>
+        <a:xfrm>
+          <a:off x="0" y="0"/>
+          <a:ext cx="0" cy="0"/>
+          <a:chOff x="0" y="0"/>
+          <a:chExt cx="0" cy="0"/>
+        </a:xfrm>
+      </p:grpSpPr>
+      <p:sp>
+        <p:nvSpPr>
+          <p:cNvPr id="2" name="Titel 1"/>
+          <p:cNvSpPr>
+            <a:spLocks noGrp="1"/>
+          </p:cNvSpPr>
+          <p:nvPr>
+            <p:ph type="title"/>
+          </p:nvPr>
+        </p:nvSpPr>
+        <p:spPr/>
+        <p:txBody>
+          <a:bodyPr/>
+          <a:lstStyle/>
+          <a:p>
+            <a:r>
+              <a:rPr lang="de-DE"/>
+              <a:t>Titelmasterformat durch Klicken bearbeiten</a:t>
+            </a:r>
+          </a:p>
+        </p:txBody>
+      </p:sp>
+      <p:sp>
+        <p:nvSpPr>
+          <p:cNvPr id="3" name="Inhaltsplatzhalter 2"/>
+          <p:cNvSpPr>
+            <a:spLocks noGrp="1"/>
+          </p:cNvSpPr>
+          <p:nvPr>
+            <p:ph sz="half" idx="1"/>
+          </p:nvPr>
+        </p:nvSpPr>
+        <p:spPr>
+          <a:xfrm>
+            <a:off x="358775" y="1592263"/>
+            <a:ext cx="4135438" cy="4551381"/>
+          </a:xfrm>
+        </p:spPr>
+        <p:txBody>
+          <a:bodyPr/>
+          <a:lstStyle>
+            <a:lvl1pPr marL="0" indent="0">
+              <a:defRPr sz="2000"/>
+            </a:lvl1pPr>
+            <a:lvl2pPr>
+              <a:defRPr sz="2000"/>
+            </a:lvl2pPr>
+            <a:lvl3pPr>
+              <a:defRPr sz="2000"/>
+            </a:lvl3pPr>
+            <a:lvl4pPr>
+              <a:defRPr sz="1800"/>
+            </a:lvl4pPr>
+            <a:lvl5pPr>
+              <a:defRPr sz="1800"/>
+            </a:lvl5pPr>
+            <a:lvl6pPr>
+              <a:defRPr sz="1800"/>
+            </a:lvl6pPr>
+            <a:lvl7pPr>
+              <a:defRPr sz="1800"/>
+            </a:lvl7pPr>
+            <a:lvl8pPr>
+              <a:defRPr sz="1800"/>
+            </a:lvl8pPr>
+            <a:lvl9pPr>
+              <a:defRPr sz="1800"/>
+            </a:lvl9pPr>
+          </a:lstStyle>
+          <a:p>
+            <a:pPr lvl="0"/>
+            <a:r>
+              <a:rPr lang="de-DE" dirty="0"/>
+              <a:t>Textmasterformate durch Klicken bearbeiten</a:t>
+            </a:r>
+          </a:p>
+          <a:p>
+            <a:pPr lvl="1"/>
+            <a:r>
+              <a:rPr lang="de-DE" dirty="0"/>
+              <a:t>Zweite Ebene</a:t>
+            </a:r>
+          </a:p>
+          <a:p>
+            <a:pPr lvl="2"/>
+            <a:r>
+              <a:rPr lang="de-DE" dirty="0"/>
+              <a:t>Dritte Ebene</a:t>
+            </a:r>
+          </a:p>
+          <a:p>
+            <a:pPr lvl="3"/>
+            <a:r>
+              <a:rPr lang="de-DE" dirty="0"/>
+              <a:t>Vierte Ebene</a:t>
+            </a:r>
+          </a:p>
+          <a:p>
+            <a:pPr lvl="4"/>
+            <a:r>
+              <a:rPr lang="de-DE" dirty="0"/>
+              <a:t>Fünfte Ebene</a:t>
+            </a:r>
+          </a:p>
+        </p:txBody>
+      </p:sp>
+      <p:sp>
+        <p:nvSpPr>
+          <p:cNvPr id="4" name="Inhaltsplatzhalter 3"/>
+          <p:cNvSpPr>
+            <a:spLocks noGrp="1"/>
+          </p:cNvSpPr>
+          <p:nvPr>
+            <p:ph sz="half" idx="2"/>
+          </p:nvPr>
+        </p:nvSpPr>
+        <p:spPr>
+          <a:xfrm>
+            <a:off x="4786314" y="1592263"/>
+            <a:ext cx="4105274" cy="4551381"/>
+          </a:xfrm>
+        </p:spPr>
+        <p:txBody>
+          <a:bodyPr/>
+          <a:lstStyle>
+            <a:lvl1pPr marL="0" indent="0">
+              <a:defRPr sz="2000"/>
+            </a:lvl1pPr>
+            <a:lvl2pPr>
+              <a:defRPr sz="2000"/>
+            </a:lvl2pPr>
+            <a:lvl3pPr>
+              <a:defRPr sz="2000"/>
+            </a:lvl3pPr>
+            <a:lvl4pPr>
+              <a:defRPr sz="1800"/>
+            </a:lvl4pPr>
+            <a:lvl5pPr>
+              <a:defRPr sz="1800"/>
+            </a:lvl5pPr>
+            <a:lvl6pPr>
+              <a:defRPr sz="1800"/>
+            </a:lvl6pPr>
+            <a:lvl7pPr>
+              <a:defRPr sz="1800"/>
+            </a:lvl7pPr>
+            <a:lvl8pPr>
+              <a:defRPr sz="1800"/>
+            </a:lvl8pPr>
+            <a:lvl9pPr>
+              <a:defRPr sz="1800"/>
+            </a:lvl9pPr>
+          </a:lstStyle>
+          <a:p>
+            <a:pPr lvl="0"/>
+            <a:r>
+              <a:rPr lang="de-DE" dirty="0"/>
+              <a:t>Textmasterformate durch Klicken bearbeiten</a:t>
+            </a:r>
+          </a:p>
+          <a:p>
+            <a:pPr lvl="1"/>
+            <a:r>
+              <a:rPr lang="de-DE" dirty="0"/>
+              <a:t>Zweite Ebene</a:t>
+            </a:r>
+          </a:p>
+          <a:p>
+            <a:pPr lvl="2"/>
+            <a:r>
+              <a:rPr lang="de-DE" dirty="0"/>
+              <a:t>Dritte Ebene</a:t>
+            </a:r>
+          </a:p>
+          <a:p>
+            <a:pPr lvl="3"/>
+            <a:r>
+              <a:rPr lang="de-DE" dirty="0"/>
+              <a:t>Vierte Ebene</a:t>
+            </a:r>
+          </a:p>
+          <a:p>
+            <a:pPr lvl="4"/>
+            <a:r>
+              <a:rPr lang="de-DE" dirty="0"/>
+              <a:t>Fünfte Ebene</a:t>
+            </a:r>
+          </a:p>
+        </p:txBody>
+      </p:sp>
+    </p:spTree>
+  </p:cSld>
+  <p:clrMapOvr>
+    <a:masterClrMapping/>
+  </p:clrMapOvr>
+</p:sldLayout>
+</file>
+
+<file path=ppt/slideLayouts/slideLayout6.xml><?xml version="1.0" encoding="utf-8"?>
+<p:sldLayout xmlns:a="http://schemas.openxmlformats.org/drawingml/2006/main" xmlns:r="http://schemas.openxmlformats.org/officeDocument/2006/relationships" xmlns:p="http://schemas.openxmlformats.org/presentationml/2006/main" type="titleOnly" preserve="1">
+  <p:cSld name="Nur Titel">
+    <p:spTree>
+      <p:nvGrpSpPr>
+        <p:cNvPr id="1" name=""/>
+        <p:cNvGrpSpPr/>
+        <p:nvPr/>
+      </p:nvGrpSpPr>
+      <p:grpSpPr>
+        <a:xfrm>
+          <a:off x="0" y="0"/>
+          <a:ext cx="0" cy="0"/>
+          <a:chOff x="0" y="0"/>
+          <a:chExt cx="0" cy="0"/>
+        </a:xfrm>
+      </p:grpSpPr>
+      <p:sp>
+        <p:nvSpPr>
+          <p:cNvPr id="2" name="Titel 1"/>
+          <p:cNvSpPr>
+            <a:spLocks noGrp="1"/>
+          </p:cNvSpPr>
+          <p:nvPr>
+            <p:ph type="title"/>
+          </p:nvPr>
+        </p:nvSpPr>
+        <p:spPr/>
+        <p:txBody>
+          <a:bodyPr/>
+          <a:lstStyle/>
+          <a:p>
+            <a:r>
+              <a:rPr lang="de-DE" dirty="0"/>
+              <a:t>Titelmasterformat durch Klicken bearbeiten</a:t>
+            </a:r>
+          </a:p>
+        </p:txBody>
+      </p:sp>
+    </p:spTree>
+  </p:cSld>
+  <p:clrMapOvr>
+    <a:masterClrMapping/>
+  </p:clrMapOvr>
+</p:sldLayout>
+</file>
+
+<file path=ppt/slideLayouts/slideLayout7.xml><?xml version="1.0" encoding="utf-8"?>
+<p:sldLayout xmlns:a="http://schemas.openxmlformats.org/drawingml/2006/main" xmlns:r="http://schemas.openxmlformats.org/officeDocument/2006/relationships" xmlns:p="http://schemas.openxmlformats.org/presentationml/2006/main" type="blank" preserve="1">
+  <p:cSld name="Leer">
+    <p:spTree>
+      <p:nvGrpSpPr>
+        <p:cNvPr id="1" name=""/>
+        <p:cNvGrpSpPr/>
+        <p:nvPr/>
+      </p:nvGrpSpPr>
+      <p:grpSpPr>
+        <a:xfrm>
+          <a:off x="0" y="0"/>
+          <a:ext cx="0" cy="0"/>
+          <a:chOff x="0" y="0"/>
+          <a:chExt cx="0" cy="0"/>
+        </a:xfrm>
+      </p:grpSpPr>
+    </p:spTree>
+  </p:cSld>
+  <p:clrMapOvr>
+    <a:masterClrMapping/>
+  </p:clrMapOvr>
+</p:sldLayout>
+</file>
+
+<file path=ppt/slideLayouts/slideLayout8.xml><?xml version="1.0" encoding="utf-8"?>
+<p:sldLayout xmlns:a="http://schemas.openxmlformats.org/drawingml/2006/main" xmlns:r="http://schemas.openxmlformats.org/officeDocument/2006/relationships" xmlns:p="http://schemas.openxmlformats.org/presentationml/2006/main" preserve="1" userDrawn="1">
+  <p:cSld name="Inhalt mit Überschrift">
+    <p:spTree>
+      <p:nvGrpSpPr>
+        <p:cNvPr id="1" name=""/>
+        <p:cNvGrpSpPr/>
+        <p:nvPr/>
+      </p:nvGrpSpPr>
+      <p:grpSpPr>
+        <a:xfrm>
+          <a:off x="0" y="0"/>
+          <a:ext cx="0" cy="0"/>
+          <a:chOff x="0" y="0"/>
+          <a:chExt cx="0" cy="0"/>
+        </a:xfrm>
+      </p:grpSpPr>
+      <p:sp>
+        <p:nvSpPr>
+          <p:cNvPr id="3" name="Inhaltsplatzhalter 2"/>
+          <p:cNvSpPr>
+            <a:spLocks noGrp="1"/>
+          </p:cNvSpPr>
+          <p:nvPr>
+            <p:ph idx="1"/>
+          </p:nvPr>
+        </p:nvSpPr>
+        <p:spPr>
+          <a:xfrm>
+            <a:off x="3857620" y="1620000"/>
+            <a:ext cx="5000660" cy="4506163"/>
+          </a:xfrm>
+        </p:spPr>
+        <p:txBody>
+          <a:bodyPr/>
+          <a:lstStyle>
+            <a:lvl1pPr>
+              <a:defRPr sz="2000"/>
+            </a:lvl1pPr>
+            <a:lvl2pPr>
+              <a:defRPr sz="2000"/>
+            </a:lvl2pPr>
+            <a:lvl3pPr>
+              <a:defRPr sz="1600"/>
+            </a:lvl3pPr>
+            <a:lvl4pPr>
+              <a:defRPr sz="1600"/>
+            </a:lvl4pPr>
+            <a:lvl5pPr>
+              <a:defRPr sz="1600"/>
+            </a:lvl5pPr>
+            <a:lvl6pPr>
+              <a:defRPr sz="2000"/>
+            </a:lvl6pPr>
+            <a:lvl7pPr>
+              <a:defRPr sz="2000"/>
+            </a:lvl7pPr>
+            <a:lvl8pPr>
+              <a:defRPr sz="2000"/>
+            </a:lvl8pPr>
+            <a:lvl9pPr>
+              <a:defRPr sz="2000"/>
+            </a:lvl9pPr>
+          </a:lstStyle>
+          <a:p>
+            <a:pPr lvl="0"/>
+            <a:r>
+              <a:rPr lang="de-DE" dirty="0"/>
+              <a:t>Textmasterformate durch Klicken bearbeiten</a:t>
+            </a:r>
+          </a:p>
+          <a:p>
+            <a:pPr lvl="1"/>
+            <a:r>
+              <a:rPr lang="de-DE" dirty="0"/>
+              <a:t>Zweite Ebene</a:t>
+            </a:r>
+          </a:p>
+          <a:p>
+            <a:pPr lvl="2"/>
+            <a:r>
+              <a:rPr lang="de-DE" dirty="0"/>
+              <a:t>Dritte Ebene</a:t>
+            </a:r>
+          </a:p>
+          <a:p>
+            <a:pPr lvl="3"/>
+            <a:r>
+              <a:rPr lang="de-DE" dirty="0"/>
+              <a:t>Vierte Ebene</a:t>
+            </a:r>
+          </a:p>
+          <a:p>
+            <a:pPr lvl="4"/>
+            <a:r>
+              <a:rPr lang="de-DE" dirty="0"/>
+              <a:t>Fünfte Ebene</a:t>
+            </a:r>
+          </a:p>
+        </p:txBody>
+      </p:sp>
+      <p:sp>
+        <p:nvSpPr>
+          <p:cNvPr id="4" name="Textplatzhalter 3"/>
+          <p:cNvSpPr>
+            <a:spLocks noGrp="1"/>
+          </p:cNvSpPr>
+          <p:nvPr>
+            <p:ph type="body" sz="half" idx="2"/>
+          </p:nvPr>
+        </p:nvSpPr>
+        <p:spPr>
+          <a:xfrm>
+            <a:off x="358776" y="1620000"/>
+            <a:ext cx="3106738" cy="4506163"/>
+          </a:xfrm>
+        </p:spPr>
+        <p:txBody>
+          <a:bodyPr/>
+          <a:lstStyle>
+            <a:lvl1pPr marL="0" indent="0">
+              <a:buNone/>
+              <a:defRPr sz="2000"/>
+            </a:lvl1pPr>
+            <a:lvl2pPr marL="457200" indent="0">
+              <a:buNone/>
+              <a:defRPr sz="1200"/>
+            </a:lvl2pPr>
+            <a:lvl3pPr marL="914400" indent="0">
+              <a:buNone/>
+              <a:defRPr sz="1000"/>
+            </a:lvl3pPr>
+            <a:lvl4pPr marL="1371600" indent="0">
+              <a:buNone/>
+              <a:defRPr sz="900"/>
+            </a:lvl4pPr>
+            <a:lvl5pPr marL="1828800" indent="0">
+              <a:buNone/>
+              <a:defRPr sz="900"/>
+            </a:lvl5pPr>
+            <a:lvl6pPr marL="2286000" indent="0">
+              <a:buNone/>
+              <a:defRPr sz="900"/>
+            </a:lvl6pPr>
+            <a:lvl7pPr marL="2743200" indent="0">
+              <a:buNone/>
+              <a:defRPr sz="900"/>
+            </a:lvl7pPr>
+            <a:lvl8pPr marL="3200400" indent="0">
+              <a:buNone/>
+              <a:defRPr sz="900"/>
+            </a:lvl8pPr>
+            <a:lvl9pPr marL="3657600" indent="0">
+              <a:buNone/>
+              <a:defRPr sz="900"/>
+            </a:lvl9pPr>
+          </a:lstStyle>
+          <a:p>
+            <a:pPr lvl="0"/>
+            <a:r>
+              <a:rPr lang="de-DE" dirty="0"/>
+              <a:t>Textmasterformate durch Klicken bearbeiten</a:t>
+            </a:r>
+          </a:p>
+        </p:txBody>
+      </p:sp>
+      <p:sp>
+        <p:nvSpPr>
+          <p:cNvPr id="5" name="Titel 1"/>
+          <p:cNvSpPr>
+            <a:spLocks noGrp="1"/>
+          </p:cNvSpPr>
+          <p:nvPr>
+            <p:ph type="title"/>
+          </p:nvPr>
+        </p:nvSpPr>
+        <p:spPr>
+          <a:xfrm>
+            <a:off x="358775" y="488950"/>
+            <a:ext cx="6840000" cy="838200"/>
+          </a:xfrm>
+        </p:spPr>
+        <p:txBody>
+          <a:bodyPr/>
+          <a:lstStyle/>
+          <a:p>
+            <a:r>
+              <a:rPr lang="de-DE"/>
+              <a:t>Titelmasterformat durch Klicken bearbeiten</a:t>
+            </a:r>
+          </a:p>
+        </p:txBody>
+      </p:sp>
+    </p:spTree>
+  </p:cSld>
+  <p:clrMapOvr>
+    <a:masterClrMapping/>
+  </p:clrMapOvr>
+</p:sldLayout>
+</file>
+
+<file path=ppt/slideLayouts/slideLayout9.xml><?xml version="1.0" encoding="utf-8"?>
+<p:sldLayout xmlns:a="http://schemas.openxmlformats.org/drawingml/2006/main" xmlns:r="http://schemas.openxmlformats.org/officeDocument/2006/relationships" xmlns:p="http://schemas.openxmlformats.org/presentationml/2006/main" type="picTx" preserve="1">
+  <p:cSld name="Bild mit Überschrift">
+    <p:spTree>
+      <p:nvGrpSpPr>
+        <p:cNvPr id="1" name=""/>
+        <p:cNvGrpSpPr/>
+        <p:nvPr/>
+      </p:nvGrpSpPr>
+      <p:grpSpPr>
+        <a:xfrm>
+          <a:off x="0" y="0"/>
+          <a:ext cx="0" cy="0"/>
+          <a:chOff x="0" y="0"/>
+          <a:chExt cx="0" cy="0"/>
+        </a:xfrm>
+      </p:grpSpPr>
+      <p:sp>
+        <p:nvSpPr>
+          <p:cNvPr id="2" name="Titel 1"/>
+          <p:cNvSpPr>
+            <a:spLocks noGrp="1"/>
+          </p:cNvSpPr>
+          <p:nvPr>
+            <p:ph type="title"/>
+          </p:nvPr>
+        </p:nvSpPr>
+        <p:spPr>
+          <a:xfrm>
+            <a:off x="1792288" y="4800600"/>
+            <a:ext cx="5486400" cy="566738"/>
+          </a:xfrm>
+        </p:spPr>
+        <p:txBody>
+          <a:bodyPr anchor="b"/>
+          <a:lstStyle>
+            <a:lvl1pPr algn="l">
+              <a:defRPr sz="2000" b="1"/>
+            </a:lvl1pPr>
+          </a:lstStyle>
+          <a:p>
+            <a:r>
+              <a:rPr lang="de-DE"/>
+              <a:t>Titelmasterformat durch Klicken bearbeiten</a:t>
+            </a:r>
+          </a:p>
+        </p:txBody>
+      </p:sp>
+      <p:sp>
+        <p:nvSpPr>
+          <p:cNvPr id="3" name="Bildplatzhalter 2"/>
+          <p:cNvSpPr>
+            <a:spLocks noGrp="1"/>
+          </p:cNvSpPr>
+          <p:nvPr>
+            <p:ph type="pic" idx="1"/>
+          </p:nvPr>
+        </p:nvSpPr>
+        <p:spPr>
+          <a:xfrm>
+            <a:off x="1792288" y="1928801"/>
+            <a:ext cx="5486400" cy="2798773"/>
+          </a:xfrm>
+        </p:spPr>
+        <p:txBody>
+          <a:bodyPr/>
+          <a:lstStyle>
+            <a:lvl1pPr marL="0" indent="0">
+              <a:buNone/>
+              <a:defRPr sz="3200"/>
+            </a:lvl1pPr>
+            <a:lvl2pPr marL="457200" indent="0">
+              <a:buNone/>
+              <a:defRPr sz="2800"/>
+            </a:lvl2pPr>
+            <a:lvl3pPr marL="914400" indent="0">
+              <a:buNone/>
+              <a:defRPr sz="2400"/>
+            </a:lvl3pPr>
+            <a:lvl4pPr marL="1371600" indent="0">
+              <a:buNone/>
+              <a:defRPr sz="2000"/>
+            </a:lvl4pPr>
+            <a:lvl5pPr marL="1828800" indent="0">
+              <a:buNone/>
+              <a:defRPr sz="2000"/>
+            </a:lvl5pPr>
+            <a:lvl6pPr marL="2286000" indent="0">
+              <a:buNone/>
+              <a:defRPr sz="2000"/>
+            </a:lvl6pPr>
+            <a:lvl7pPr marL="2743200" indent="0">
+              <a:buNone/>
+              <a:defRPr sz="2000"/>
+            </a:lvl7pPr>
+            <a:lvl8pPr marL="3200400" indent="0">
+              <a:buNone/>
+              <a:defRPr sz="2000"/>
+            </a:lvl8pPr>
+            <a:lvl9pPr marL="3657600" indent="0">
+              <a:buNone/>
+              <a:defRPr sz="2000"/>
+            </a:lvl9pPr>
+          </a:lstStyle>
+          <a:p>
+            <a:r>
+              <a:rPr lang="de-DE"/>
+              <a:t>Bild durch Klicken auf Symbol hinzufügen</a:t>
+            </a:r>
+          </a:p>
+        </p:txBody>
+      </p:sp>
+      <p:sp>
+        <p:nvSpPr>
+          <p:cNvPr id="4" name="Textplatzhalter 3"/>
+          <p:cNvSpPr>
+            <a:spLocks noGrp="1"/>
+          </p:cNvSpPr>
+          <p:nvPr>
+            <p:ph type="body" sz="half" idx="2"/>
+          </p:nvPr>
+        </p:nvSpPr>
+        <p:spPr>
+          <a:xfrm>
+            <a:off x="1792288" y="5367338"/>
+            <a:ext cx="5486400" cy="804862"/>
+          </a:xfrm>
+        </p:spPr>
+        <p:txBody>
+          <a:bodyPr/>
+          <a:lstStyle>
+            <a:lvl1pPr marL="0" indent="0">
+              <a:buNone/>
+              <a:defRPr sz="1400"/>
+            </a:lvl1pPr>
+            <a:lvl2pPr marL="457200" indent="0">
+              <a:buNone/>
+              <a:defRPr sz="1200"/>
+            </a:lvl2pPr>
+            <a:lvl3pPr marL="914400" indent="0">
+              <a:buNone/>
+              <a:defRPr sz="1000"/>
+            </a:lvl3pPr>
+            <a:lvl4pPr marL="1371600" indent="0">
+              <a:buNone/>
+              <a:defRPr sz="900"/>
+            </a:lvl4pPr>
+            <a:lvl5pPr marL="1828800" indent="0">
+              <a:buNone/>
+              <a:defRPr sz="900"/>
+            </a:lvl5pPr>
+            <a:lvl6pPr marL="2286000" indent="0">
+              <a:buNone/>
+              <a:defRPr sz="900"/>
+            </a:lvl6pPr>
+            <a:lvl7pPr marL="2743200" indent="0">
+              <a:buNone/>
+              <a:defRPr sz="900"/>
+            </a:lvl7pPr>
+            <a:lvl8pPr marL="3200400" indent="0">
+              <a:buNone/>
+              <a:defRPr sz="900"/>
+            </a:lvl8pPr>
+            <a:lvl9pPr marL="3657600" indent="0">
+              <a:buNone/>
+              <a:defRPr sz="900"/>
+            </a:lvl9pPr>
+          </a:lstStyle>
+          <a:p>
+            <a:pPr lvl="0"/>
+            <a:r>
+              <a:rPr lang="de-DE"/>
+              <a:t>Textmasterformate durch Klicken bearbeiten</a:t>
+            </a:r>
+          </a:p>
+        </p:txBody>
+      </p:sp>
+    </p:spTree>
+  </p:cSld>
+  <p:clrMapOvr>
+    <a:masterClrMapping/>
+  </p:clrMapOvr>
+</p:sldLayout>
+</file>
+
 <file path=ppt/slideMasters/slideMaster1.xml><?xml version="1.0" encoding="utf-8"?>
 <p:sldMaster xmlns:a="http://schemas.openxmlformats.org/drawingml/2006/main" xmlns:r="http://schemas.openxmlformats.org/officeDocument/2006/relationships" xmlns:p="http://schemas.openxmlformats.org/presentationml/2006/main" preserve="1">
   <p:cSld>
@@ -3422,7 +3544,7 @@
           <p:nvPr/>
         </p:nvPicPr>
         <p:blipFill>
-          <a:blip r:embed="rId11" cstate="print"/>
+          <a:blip r:embed="rId12" cstate="print"/>
           <a:srcRect r="5453"/>
           <a:stretch>
             <a:fillRect/>
@@ -3631,7 +3753,7 @@
                 <a:tabLst/>
                 <a:defRPr/>
               </a:pPr>
-              <a:t>20.06.2017</a:t>
+              <a:t>05.07.2017</a:t>
             </a:fld>
             <a:r>
               <a:rPr kumimoji="0" lang="de-DE" sz="1000" b="0" i="0" u="none" strike="noStrike" kern="1200" cap="none" spc="0" normalizeH="0" baseline="0" noProof="0" dirty="0">
@@ -3811,7 +3933,7 @@
           <p:nvPr userDrawn="1"/>
         </p:nvPicPr>
         <p:blipFill>
-          <a:blip r:embed="rId12">
+          <a:blip r:embed="rId13">
             <a:extLst>
               <a:ext uri="{28A0092B-C50C-407E-A947-70E740481C1C}">
                 <a14:useLocalDpi xmlns:a14="http://schemas.microsoft.com/office/drawing/2010/main" val="0"/>
@@ -3849,13 +3971,14 @@
   <p:sldLayoutIdLst>
     <p:sldLayoutId id="2147483649" r:id="rId1"/>
     <p:sldLayoutId id="2147483650" r:id="rId2"/>
-    <p:sldLayoutId id="2147483651" r:id="rId3"/>
-    <p:sldLayoutId id="2147483652" r:id="rId4"/>
-    <p:sldLayoutId id="2147483654" r:id="rId5"/>
-    <p:sldLayoutId id="2147483655" r:id="rId6"/>
-    <p:sldLayoutId id="2147483656" r:id="rId7"/>
-    <p:sldLayoutId id="2147483657" r:id="rId8"/>
-    <p:sldLayoutId id="2147483658" r:id="rId9"/>
+    <p:sldLayoutId id="2147483660" r:id="rId3"/>
+    <p:sldLayoutId id="2147483651" r:id="rId4"/>
+    <p:sldLayoutId id="2147483652" r:id="rId5"/>
+    <p:sldLayoutId id="2147483654" r:id="rId6"/>
+    <p:sldLayoutId id="2147483655" r:id="rId7"/>
+    <p:sldLayoutId id="2147483656" r:id="rId8"/>
+    <p:sldLayoutId id="2147483657" r:id="rId9"/>
+    <p:sldLayoutId id="2147483658" r:id="rId10"/>
   </p:sldLayoutIdLst>
   <p:hf hdr="0"/>
   <p:txStyles>
@@ -3990,7 +4113,7 @@
       </a:lvl9pPr>
     </p:titleStyle>
     <p:bodyStyle>
-      <a:lvl1pPr marL="179388" indent="-179388" algn="l" rtl="0" eaLnBrk="1" fontAlgn="base" hangingPunct="1">
+      <a:lvl1pPr marL="0" indent="0" algn="l" rtl="0" eaLnBrk="1" fontAlgn="base" hangingPunct="1">
         <a:lnSpc>
           <a:spcPct val="130000"/>
         </a:lnSpc>
@@ -4000,7 +4123,7 @@
         <a:spcAft>
           <a:spcPts val="230"/>
         </a:spcAft>
-        <a:buFont typeface="Wingdings" pitchFamily="2" charset="2"/>
+        <a:buFont typeface="Wingdings" panose="05000000000000000000" pitchFamily="2" charset="2"/>
         <a:buNone/>
         <a:defRPr sz="2000">
           <a:solidFill>
@@ -4021,6 +4144,9 @@
         <a:spcAft>
           <a:spcPts val="230"/>
         </a:spcAft>
+        <a:buClr>
+          <a:srgbClr val="005088"/>
+        </a:buClr>
         <a:buFont typeface="Wingdings" pitchFamily="2" charset="2"/>
         <a:buChar char="§"/>
         <a:defRPr sz="2000">
@@ -4041,6 +4167,9 @@
         <a:spcAft>
           <a:spcPts val="230"/>
         </a:spcAft>
+        <a:buClr>
+          <a:srgbClr val="005088"/>
+        </a:buClr>
         <a:buFont typeface="Wingdings" pitchFamily="2" charset="2"/>
         <a:buChar char="§"/>
         <a:defRPr>
@@ -4061,6 +4190,9 @@
         <a:spcAft>
           <a:spcPts val="230"/>
         </a:spcAft>
+        <a:buClr>
+          <a:srgbClr val="005088"/>
+        </a:buClr>
         <a:buFont typeface="Wingdings" pitchFamily="2" charset="2"/>
         <a:buChar char="§"/>
         <a:defRPr sz="1600">
@@ -4081,6 +4213,9 @@
         <a:spcAft>
           <a:spcPts val="230"/>
         </a:spcAft>
+        <a:buClr>
+          <a:srgbClr val="005088"/>
+        </a:buClr>
         <a:buFont typeface="Wingdings" pitchFamily="2" charset="2"/>
         <a:buChar char="§"/>
         <a:defRPr sz="1600">
@@ -4287,7 +4422,26 @@
           <a:bodyPr/>
           <a:lstStyle/>
           <a:p>
-            <a:endParaRPr lang="de-DE" dirty="0"/>
+            <a:r>
+              <a:rPr lang="de-DE" dirty="0"/>
+              <a:t>ADP: </a:t>
+            </a:r>
+            <a:r>
+              <a:rPr lang="de-DE" dirty="0" err="1"/>
+              <a:t>Keijo</a:t>
+            </a:r>
+            <a:r>
+              <a:rPr lang="de-DE" dirty="0"/>
+              <a:t> </a:t>
+            </a:r>
+            <a:r>
+              <a:rPr lang="de-DE" dirty="0" err="1"/>
+              <a:t>Buss</a:t>
+            </a:r>
+            <a:r>
+              <a:rPr lang="de-DE" dirty="0"/>
+              <a:t>, Dominik Henzel, Markus Degenhardt, Simon Lippert</a:t>
+            </a:r>
           </a:p>
         </p:txBody>
       </p:sp>
@@ -4308,32 +4462,204 @@
           <a:p>
             <a:r>
               <a:rPr lang="de-DE" dirty="0"/>
-              <a:t>Betreuertreffen </a:t>
+              <a:t>Sensitivität numerischer Vorhersagen des Wirkungsgrads von Hochdruckturbinen</a:t>
             </a:r>
-            <a:r>
-              <a:rPr lang="de-DE" dirty="0" smtClean="0"/>
-              <a:t>11.05.2017</a:t>
-            </a:r>
-            <a:endParaRPr lang="de-DE" dirty="0"/>
           </a:p>
         </p:txBody>
       </p:sp>
+      <p:pic>
+        <p:nvPicPr>
+          <p:cNvPr id="5" name="Grafik 4">
+            <a:extLst>
+              <a:ext uri="{FF2B5EF4-FFF2-40B4-BE49-F238E27FC236}">
+                <a16:creationId xmlns:a16="http://schemas.microsoft.com/office/drawing/2014/main" id="{E227F886-3FC4-4EC8-B699-37820BA7E278}"/>
+              </a:ext>
+            </a:extLst>
+          </p:cNvPr>
+          <p:cNvPicPr>
+            <a:picLocks noChangeAspect="1"/>
+          </p:cNvPicPr>
+          <p:nvPr/>
+        </p:nvPicPr>
+        <p:blipFill>
+          <a:blip r:embed="rId2" cstate="print">
+            <a:grayscl/>
+            <a:extLst>
+              <a:ext uri="{BEBA8EAE-BF5A-486C-A8C5-ECC9F3942E4B}">
+                <a14:imgProps xmlns:a14="http://schemas.microsoft.com/office/drawing/2010/main">
+                  <a14:imgLayer r:embed="rId3">
+                    <a14:imgEffect>
+                      <a14:colorTemperature colorTemp="8242"/>
+                    </a14:imgEffect>
+                  </a14:imgLayer>
+                </a14:imgProps>
+              </a:ext>
+              <a:ext uri="{28A0092B-C50C-407E-A947-70E740481C1C}">
+                <a14:useLocalDpi xmlns:a14="http://schemas.microsoft.com/office/drawing/2010/main" val="0"/>
+              </a:ext>
+            </a:extLst>
+          </a:blip>
+          <a:stretch>
+            <a:fillRect/>
+          </a:stretch>
+        </p:blipFill>
+        <p:spPr>
+          <a:xfrm>
+            <a:off x="1629927" y="2780928"/>
+            <a:ext cx="5884146" cy="3309832"/>
+          </a:xfrm>
+          <a:prstGeom prst="rect">
+            <a:avLst/>
+          </a:prstGeom>
+        </p:spPr>
+      </p:pic>
     </p:spTree>
   </p:cSld>
   <p:clrMapOvr>
     <a:masterClrMapping/>
   </p:clrMapOvr>
-  <p:timing>
-    <p:tnLst>
-      <p:par>
-        <p:cTn id="1" dur="indefinite" restart="never" nodeType="tmRoot"/>
-      </p:par>
-    </p:tnLst>
-  </p:timing>
 </p:sld>
 </file>
 
 <file path=ppt/slides/slide2.xml><?xml version="1.0" encoding="utf-8"?>
+<p:sld xmlns:a="http://schemas.openxmlformats.org/drawingml/2006/main" xmlns:r="http://schemas.openxmlformats.org/officeDocument/2006/relationships" xmlns:p="http://schemas.openxmlformats.org/presentationml/2006/main">
+  <p:cSld>
+    <p:spTree>
+      <p:nvGrpSpPr>
+        <p:cNvPr id="1" name=""/>
+        <p:cNvGrpSpPr/>
+        <p:nvPr/>
+      </p:nvGrpSpPr>
+      <p:grpSpPr>
+        <a:xfrm>
+          <a:off x="0" y="0"/>
+          <a:ext cx="0" cy="0"/>
+          <a:chOff x="0" y="0"/>
+          <a:chExt cx="0" cy="0"/>
+        </a:xfrm>
+      </p:grpSpPr>
+      <p:sp>
+        <p:nvSpPr>
+          <p:cNvPr id="2" name="Titel 1">
+            <a:extLst>
+              <a:ext uri="{FF2B5EF4-FFF2-40B4-BE49-F238E27FC236}">
+                <a16:creationId xmlns:a16="http://schemas.microsoft.com/office/drawing/2014/main" id="{D27A44A1-7D5C-4ED1-B1CC-16A1827DE5CE}"/>
+              </a:ext>
+            </a:extLst>
+          </p:cNvPr>
+          <p:cNvSpPr>
+            <a:spLocks noGrp="1"/>
+          </p:cNvSpPr>
+          <p:nvPr>
+            <p:ph type="title"/>
+          </p:nvPr>
+        </p:nvSpPr>
+        <p:spPr/>
+        <p:txBody>
+          <a:bodyPr/>
+          <a:lstStyle/>
+          <a:p>
+            <a:r>
+              <a:rPr lang="de-DE" dirty="0"/>
+              <a:t>Gliederung</a:t>
+            </a:r>
+          </a:p>
+        </p:txBody>
+      </p:sp>
+      <p:sp>
+        <p:nvSpPr>
+          <p:cNvPr id="3" name="Inhaltsplatzhalter 2">
+            <a:extLst>
+              <a:ext uri="{FF2B5EF4-FFF2-40B4-BE49-F238E27FC236}">
+                <a16:creationId xmlns:a16="http://schemas.microsoft.com/office/drawing/2014/main" id="{0A11E94A-080C-4F4A-B9ED-FC1B878B8CE0}"/>
+              </a:ext>
+            </a:extLst>
+          </p:cNvPr>
+          <p:cNvSpPr>
+            <a:spLocks noGrp="1"/>
+          </p:cNvSpPr>
+          <p:nvPr>
+            <p:ph idx="1"/>
+          </p:nvPr>
+        </p:nvSpPr>
+        <p:spPr/>
+        <p:txBody>
+          <a:bodyPr/>
+          <a:lstStyle/>
+          <a:p>
+            <a:r>
+              <a:rPr lang="de-DE" dirty="0"/>
+              <a:t>Grundlagen Turbomaschinen und Thermodynamik</a:t>
+            </a:r>
+          </a:p>
+          <a:p>
+            <a:pPr lvl="2"/>
+            <a:r>
+              <a:rPr lang="de-DE" dirty="0"/>
+              <a:t>Wirkungsgraddefinitionen</a:t>
+            </a:r>
+          </a:p>
+          <a:p>
+            <a:r>
+              <a:rPr lang="de-DE" dirty="0"/>
+              <a:t>Aachen-Turbine</a:t>
+            </a:r>
+          </a:p>
+          <a:p>
+            <a:pPr lvl="2"/>
+            <a:r>
+              <a:rPr lang="de-DE" dirty="0"/>
+              <a:t>Strukturiert</a:t>
+            </a:r>
+          </a:p>
+          <a:p>
+            <a:pPr lvl="2"/>
+            <a:r>
+              <a:rPr lang="de-DE" dirty="0"/>
+              <a:t>Unstrukturiert</a:t>
+            </a:r>
+          </a:p>
+          <a:p>
+            <a:pPr lvl="1"/>
+            <a:r>
+              <a:rPr lang="de-DE" dirty="0"/>
+              <a:t>Kanalströmung</a:t>
+            </a:r>
+          </a:p>
+          <a:p>
+            <a:pPr lvl="1"/>
+            <a:r>
+              <a:rPr lang="de-DE" dirty="0"/>
+              <a:t>Auswertungstool</a:t>
+            </a:r>
+          </a:p>
+          <a:p>
+            <a:pPr lvl="1"/>
+            <a:r>
+              <a:rPr lang="de-DE" dirty="0"/>
+              <a:t>Fazit</a:t>
+            </a:r>
+          </a:p>
+          <a:p>
+            <a:pPr lvl="1"/>
+            <a:endParaRPr lang="de-DE" dirty="0"/>
+          </a:p>
+        </p:txBody>
+      </p:sp>
+    </p:spTree>
+    <p:extLst>
+      <p:ext uri="{BB962C8B-B14F-4D97-AF65-F5344CB8AC3E}">
+        <p14:creationId xmlns:p14="http://schemas.microsoft.com/office/powerpoint/2010/main" val="305700967"/>
+      </p:ext>
+    </p:extLst>
+  </p:cSld>
+  <p:clrMapOvr>
+    <a:masterClrMapping/>
+  </p:clrMapOvr>
+</p:sld>
+</file>
+
+<file path=ppt/slides/slide3.xml><?xml version="1.0" encoding="utf-8"?>
 <p:sld xmlns:a="http://schemas.openxmlformats.org/drawingml/2006/main" xmlns:r="http://schemas.openxmlformats.org/officeDocument/2006/relationships" xmlns:p="http://schemas.openxmlformats.org/presentationml/2006/main">
   <p:cSld>
     <p:spTree>
@@ -4366,10 +4692,9 @@
           <a:lstStyle/>
           <a:p>
             <a:r>
-              <a:rPr lang="de-DE" dirty="0" smtClean="0"/>
+              <a:rPr lang="de-DE" dirty="0"/>
               <a:t>Kanalströmung</a:t>
             </a:r>
-            <a:endParaRPr lang="de-DE" dirty="0"/>
           </a:p>
         </p:txBody>
       </p:sp>
@@ -4389,13 +4714,13 @@
           <a:lstStyle/>
           <a:p>
             <a:r>
-              <a:rPr lang="de-DE" dirty="0" smtClean="0"/>
+              <a:rPr lang="de-DE" dirty="0"/>
               <a:t>Außendurchmesser: 50mm</a:t>
             </a:r>
           </a:p>
           <a:p>
             <a:r>
-              <a:rPr lang="de-DE" dirty="0" smtClean="0"/>
+              <a:rPr lang="de-DE" dirty="0"/>
               <a:t>Innendurchmesser: 25mm</a:t>
             </a:r>
           </a:p>
@@ -4404,29 +4729,29 @@
           </a:p>
           <a:p>
             <a:r>
-              <a:rPr lang="de-DE" u="sng" dirty="0" smtClean="0"/>
+              <a:rPr lang="de-DE" u="sng" dirty="0"/>
               <a:t>Neu:</a:t>
             </a:r>
           </a:p>
           <a:p>
             <a:r>
-              <a:rPr lang="de-DE" dirty="0" smtClean="0"/>
+              <a:rPr lang="de-DE" dirty="0"/>
               <a:t>Außendurchmesser: 300mm</a:t>
             </a:r>
           </a:p>
           <a:p>
             <a:r>
-              <a:rPr lang="de-DE" dirty="0" smtClean="0"/>
+              <a:rPr lang="de-DE" dirty="0"/>
               <a:t>Innendurchmesser: 240mm</a:t>
             </a:r>
           </a:p>
           <a:p>
             <a:r>
-              <a:rPr lang="de-DE" dirty="0" smtClean="0"/>
+              <a:rPr lang="de-DE" dirty="0"/>
               <a:t>Länge: 160mm </a:t>
             </a:r>
             <a:r>
-              <a:rPr lang="de-DE" smtClean="0"/>
+              <a:rPr lang="de-DE"/>
               <a:t>(80mm/Domain)</a:t>
             </a:r>
             <a:endParaRPr lang="de-DE" dirty="0"/>
@@ -4536,17 +4861,10 @@
   <p:clrMapOvr>
     <a:masterClrMapping/>
   </p:clrMapOvr>
-  <p:timing>
-    <p:tnLst>
-      <p:par>
-        <p:cTn id="1" dur="indefinite" restart="never" nodeType="tmRoot"/>
-      </p:par>
-    </p:tnLst>
-  </p:timing>
 </p:sld>
 </file>
 
-<file path=ppt/slides/slide3.xml><?xml version="1.0" encoding="utf-8"?>
+<file path=ppt/slides/slide4.xml><?xml version="1.0" encoding="utf-8"?>
 <p:sld xmlns:a="http://schemas.openxmlformats.org/drawingml/2006/main" xmlns:r="http://schemas.openxmlformats.org/officeDocument/2006/relationships" xmlns:p="http://schemas.openxmlformats.org/presentationml/2006/main">
   <p:cSld>
     <p:spTree>
@@ -4579,10 +4897,9 @@
           <a:lstStyle/>
           <a:p>
             <a:r>
-              <a:rPr lang="de-DE" dirty="0" smtClean="0"/>
+              <a:rPr lang="de-DE" dirty="0"/>
               <a:t>Auswertung</a:t>
             </a:r>
-            <a:endParaRPr lang="de-DE" dirty="0"/>
           </a:p>
         </p:txBody>
       </p:sp>
@@ -4614,11 +4931,41 @@
                     <a:tableStyleId>{21E4AEA4-8DFA-4A89-87EB-49C32662AFE0}</a:tableStyleId>
                   </a:tblPr>
                   <a:tblGrid>
-                    <a:gridCol w="1682253"/>
-                    <a:gridCol w="1682253"/>
-                    <a:gridCol w="1682253"/>
-                    <a:gridCol w="1682253"/>
-                    <a:gridCol w="1682253"/>
+                    <a:gridCol w="1682253">
+                      <a:extLst>
+                        <a:ext uri="{9D8B030D-6E8A-4147-A177-3AD203B41FA5}">
+                          <a16:colId xmlns:a16="http://schemas.microsoft.com/office/drawing/2014/main" val="20000"/>
+                        </a:ext>
+                      </a:extLst>
+                    </a:gridCol>
+                    <a:gridCol w="1682253">
+                      <a:extLst>
+                        <a:ext uri="{9D8B030D-6E8A-4147-A177-3AD203B41FA5}">
+                          <a16:colId xmlns:a16="http://schemas.microsoft.com/office/drawing/2014/main" val="20001"/>
+                        </a:ext>
+                      </a:extLst>
+                    </a:gridCol>
+                    <a:gridCol w="1682253">
+                      <a:extLst>
+                        <a:ext uri="{9D8B030D-6E8A-4147-A177-3AD203B41FA5}">
+                          <a16:colId xmlns:a16="http://schemas.microsoft.com/office/drawing/2014/main" val="20002"/>
+                        </a:ext>
+                      </a:extLst>
+                    </a:gridCol>
+                    <a:gridCol w="1682253">
+                      <a:extLst>
+                        <a:ext uri="{9D8B030D-6E8A-4147-A177-3AD203B41FA5}">
+                          <a16:colId xmlns:a16="http://schemas.microsoft.com/office/drawing/2014/main" val="20003"/>
+                        </a:ext>
+                      </a:extLst>
+                    </a:gridCol>
+                    <a:gridCol w="1682253">
+                      <a:extLst>
+                        <a:ext uri="{9D8B030D-6E8A-4147-A177-3AD203B41FA5}">
+                          <a16:colId xmlns:a16="http://schemas.microsoft.com/office/drawing/2014/main" val="20004"/>
+                        </a:ext>
+                      </a:extLst>
+                    </a:gridCol>
                   </a:tblGrid>
                   <a:tr h="841554">
                     <a:tc>
@@ -4641,10 +4988,9 @@
                         <a:lstStyle/>
                         <a:p>
                           <a:r>
-                            <a:rPr lang="de-DE" sz="1600" dirty="0" smtClean="0"/>
+                            <a:rPr lang="de-DE" sz="1600" dirty="0"/>
                             <a:t>Referenz - Stationär</a:t>
                           </a:r>
-                          <a:endParaRPr lang="de-DE" sz="1600" dirty="0"/>
                         </a:p>
                       </a:txBody>
                       <a:tcPr anchor="ctr">
@@ -4659,10 +5005,9 @@
                         <a:lstStyle/>
                         <a:p>
                           <a:r>
-                            <a:rPr lang="de-DE" sz="1600" dirty="0" smtClean="0"/>
+                            <a:rPr lang="de-DE" sz="1600" dirty="0"/>
                             <a:t>Rotor feiner - Stationär</a:t>
                           </a:r>
-                          <a:endParaRPr lang="de-DE" sz="1600" dirty="0"/>
                         </a:p>
                       </a:txBody>
                       <a:tcPr anchor="ctr">
@@ -4677,14 +5022,13 @@
                         <a:lstStyle/>
                         <a:p>
                           <a:r>
-                            <a:rPr lang="de-DE" sz="1600" dirty="0" err="1" smtClean="0"/>
+                            <a:rPr lang="de-DE" sz="1600" dirty="0" err="1"/>
                             <a:t>Instationär</a:t>
                           </a:r>
                           <a:r>
-                            <a:rPr lang="de-DE" sz="1600" dirty="0" smtClean="0"/>
+                            <a:rPr lang="de-DE" sz="1600" dirty="0"/>
                             <a:t> (Mixing-Plane)</a:t>
                           </a:r>
-                          <a:endParaRPr lang="de-DE" sz="1600" dirty="0"/>
                         </a:p>
                       </a:txBody>
                       <a:tcPr anchor="ctr">
@@ -4699,11 +5043,11 @@
                         <a:lstStyle/>
                         <a:p>
                           <a:r>
-                            <a:rPr lang="de-DE" sz="1600" dirty="0" err="1" smtClean="0"/>
+                            <a:rPr lang="de-DE" sz="1600" dirty="0" err="1"/>
                             <a:t>Instationär</a:t>
                           </a:r>
                           <a:r>
-                            <a:rPr lang="de-DE" sz="1600" baseline="0" dirty="0" smtClean="0"/>
+                            <a:rPr lang="de-DE" sz="1600" baseline="0" dirty="0"/>
                             <a:t> (Transient Rotor Stator)</a:t>
                           </a:r>
                           <a:endParaRPr lang="de-DE" sz="1600" dirty="0"/>
@@ -4715,6 +5059,11 @@
                         </a:solidFill>
                       </a:tcPr>
                     </a:tc>
+                    <a:extLst>
+                      <a:ext uri="{0D108BD9-81ED-4DB2-BD59-A6C34878D82A}">
+                        <a16:rowId xmlns:a16="http://schemas.microsoft.com/office/drawing/2014/main" val="10000"/>
+                      </a:ext>
+                    </a:extLst>
                   </a:tr>
                   <a:tr h="487567">
                     <a:tc>
@@ -5042,6 +5391,11 @@
                       </a:txBody>
                       <a:tcPr anchor="ctr"/>
                     </a:tc>
+                    <a:extLst>
+                      <a:ext uri="{0D108BD9-81ED-4DB2-BD59-A6C34878D82A}">
+                        <a16:rowId xmlns:a16="http://schemas.microsoft.com/office/drawing/2014/main" val="10001"/>
+                      </a:ext>
+                    </a:extLst>
                   </a:tr>
                   <a:tr h="487567">
                     <a:tc>
@@ -5379,6 +5733,11 @@
                       </a:txBody>
                       <a:tcPr anchor="ctr"/>
                     </a:tc>
+                    <a:extLst>
+                      <a:ext uri="{0D108BD9-81ED-4DB2-BD59-A6C34878D82A}">
+                        <a16:rowId xmlns:a16="http://schemas.microsoft.com/office/drawing/2014/main" val="10002"/>
+                      </a:ext>
+                    </a:extLst>
                   </a:tr>
                   <a:tr h="487567">
                     <a:tc>
@@ -5725,6 +6084,11 @@
                       </a:txBody>
                       <a:tcPr anchor="ctr"/>
                     </a:tc>
+                    <a:extLst>
+                      <a:ext uri="{0D108BD9-81ED-4DB2-BD59-A6C34878D82A}">
+                        <a16:rowId xmlns:a16="http://schemas.microsoft.com/office/drawing/2014/main" val="10003"/>
+                      </a:ext>
+                    </a:extLst>
                   </a:tr>
                 </a:tbl>
               </a:graphicData>
@@ -6152,7 +6516,7 @@
               <a:lstStyle/>
               <a:p>
                 <a:r>
-                  <a:rPr lang="de-DE" dirty="0" smtClean="0"/>
+                  <a:rPr lang="de-DE" dirty="0"/>
                   <a:t>Inlet:   </a:t>
                 </a:r>
                 <a14:m>
@@ -6202,11 +6566,11 @@
                     </m:r>
                   </m:oMath>
                 </a14:m>
-                <a:endParaRPr lang="de-DE" b="0" dirty="0" smtClean="0"/>
+                <a:endParaRPr lang="de-DE" b="0" dirty="0"/>
               </a:p>
               <a:p>
                 <a:r>
-                  <a:rPr lang="de-DE" dirty="0" smtClean="0"/>
+                  <a:rPr lang="de-DE" dirty="0"/>
                   <a:t>           </a:t>
                 </a:r>
                 <a14:m>
@@ -6250,11 +6614,11 @@
                     </m:r>
                   </m:oMath>
                 </a14:m>
-                <a:endParaRPr lang="de-DE" dirty="0" smtClean="0"/>
+                <a:endParaRPr lang="de-DE" dirty="0"/>
               </a:p>
               <a:p>
                 <a:r>
-                  <a:rPr lang="de-DE" dirty="0" smtClean="0"/>
+                  <a:rPr lang="de-DE" dirty="0"/>
                   <a:t>Outlet: </a:t>
                 </a:r>
                 <a14:m>
@@ -6377,10 +6741,9 @@
           <a:lstStyle/>
           <a:p>
             <a:r>
-              <a:rPr lang="de-DE" dirty="0" smtClean="0"/>
+              <a:rPr lang="de-DE" dirty="0"/>
               <a:t>Bilanzierung über Stator-Rotor Interface</a:t>
             </a:r>
-            <a:endParaRPr lang="de-DE" dirty="0"/>
           </a:p>
         </p:txBody>
       </p:sp>
@@ -6394,17 +6757,10 @@
   <p:clrMapOvr>
     <a:masterClrMapping/>
   </p:clrMapOvr>
-  <p:timing>
-    <p:tnLst>
-      <p:par>
-        <p:cTn id="1" dur="indefinite" restart="never" nodeType="tmRoot"/>
-      </p:par>
-    </p:tnLst>
-  </p:timing>
 </p:sld>
 </file>
 
-<file path=ppt/slides/slide4.xml><?xml version="1.0" encoding="utf-8"?>
+<file path=ppt/slides/slide5.xml><?xml version="1.0" encoding="utf-8"?>
 <p:sld xmlns:a="http://schemas.openxmlformats.org/drawingml/2006/main" xmlns:r="http://schemas.openxmlformats.org/officeDocument/2006/relationships" xmlns:p="http://schemas.openxmlformats.org/presentationml/2006/main">
   <p:cSld>
     <p:spTree>
@@ -6437,10 +6793,9 @@
           <a:lstStyle/>
           <a:p>
             <a:r>
-              <a:rPr lang="de-DE" dirty="0" smtClean="0"/>
+              <a:rPr lang="de-DE" dirty="0"/>
               <a:t>Betriebspunkt-Veränderung</a:t>
             </a:r>
-            <a:endParaRPr lang="de-DE" dirty="0"/>
           </a:p>
         </p:txBody>
       </p:sp>
@@ -6469,15 +6824,15 @@
               <a:lstStyle/>
               <a:p>
                 <a:r>
-                  <a:rPr lang="de-DE" dirty="0" smtClean="0"/>
+                  <a:rPr lang="de-DE" dirty="0"/>
                   <a:t>(1) </a:t>
                 </a:r>
                 <a:r>
-                  <a:rPr lang="de-DE" dirty="0" err="1" smtClean="0"/>
+                  <a:rPr lang="de-DE" dirty="0" err="1"/>
                   <a:t>Inlet</a:t>
                 </a:r>
                 <a:r>
-                  <a:rPr lang="de-DE" dirty="0" smtClean="0"/>
+                  <a:rPr lang="de-DE" dirty="0"/>
                   <a:t>:	 </a:t>
                 </a:r>
                 <a14:m>
@@ -6527,11 +6882,11 @@
                     </m:r>
                   </m:oMath>
                 </a14:m>
-                <a:endParaRPr lang="de-DE" b="0" dirty="0" smtClean="0"/>
+                <a:endParaRPr lang="de-DE" b="0" dirty="0"/>
               </a:p>
               <a:p>
                 <a:r>
-                  <a:rPr lang="de-DE" dirty="0" smtClean="0"/>
+                  <a:rPr lang="de-DE" dirty="0"/>
                   <a:t>       	  </a:t>
                 </a:r>
                 <a14:m>
@@ -6575,16 +6930,12 @@
                     </m:r>
                   </m:oMath>
                 </a14:m>
-                <a:endParaRPr lang="de-DE" dirty="0" smtClean="0"/>
+                <a:endParaRPr lang="de-DE" dirty="0"/>
               </a:p>
               <a:p>
                 <a:r>
                   <a:rPr lang="de-DE" dirty="0"/>
-                  <a:t> </a:t>
-                </a:r>
-                <a:r>
-                  <a:rPr lang="de-DE" dirty="0" smtClean="0"/>
-                  <a:t>    Outlet: </a:t>
+                  <a:t>     Outlet: </a:t>
                 </a:r>
                 <a14:m>
                   <m:oMath xmlns:m="http://schemas.openxmlformats.org/officeDocument/2006/math">
@@ -6708,15 +7059,15 @@
               <a:lstStyle/>
               <a:p>
                 <a:r>
-                  <a:rPr lang="de-DE" dirty="0" smtClean="0"/>
+                  <a:rPr lang="de-DE" dirty="0"/>
                   <a:t>(2) </a:t>
                 </a:r>
                 <a:r>
-                  <a:rPr lang="de-DE" dirty="0" err="1" smtClean="0"/>
+                  <a:rPr lang="de-DE" dirty="0" err="1"/>
                   <a:t>Inlet</a:t>
                 </a:r>
                 <a:r>
-                  <a:rPr lang="de-DE" dirty="0" smtClean="0"/>
+                  <a:rPr lang="de-DE" dirty="0"/>
                   <a:t>:   </a:t>
                 </a:r>
                 <a14:m>
@@ -6760,11 +7111,11 @@
                     </m:r>
                   </m:oMath>
                 </a14:m>
-                <a:endParaRPr lang="de-DE" b="0" dirty="0" smtClean="0"/>
+                <a:endParaRPr lang="de-DE" b="0" dirty="0"/>
               </a:p>
               <a:p>
                 <a:r>
-                  <a:rPr lang="de-DE" dirty="0" smtClean="0"/>
+                  <a:rPr lang="de-DE" dirty="0"/>
                   <a:t>           	 </a:t>
                 </a:r>
                 <a14:m>
@@ -6814,11 +7165,11 @@
                     </m:r>
                   </m:oMath>
                 </a14:m>
-                <a:endParaRPr lang="de-DE" dirty="0" smtClean="0"/>
+                <a:endParaRPr lang="de-DE" dirty="0"/>
               </a:p>
               <a:p>
                 <a:r>
-                  <a:rPr lang="de-DE" dirty="0" smtClean="0"/>
+                  <a:rPr lang="de-DE" dirty="0"/>
                   <a:t>     Outlet: </a:t>
                 </a:r>
                 <a14:m>
@@ -6946,9 +7297,27 @@
                     <a:tableStyleId>{21E4AEA4-8DFA-4A89-87EB-49C32662AFE0}</a:tableStyleId>
                   </a:tblPr>
                   <a:tblGrid>
-                    <a:gridCol w="1682253"/>
-                    <a:gridCol w="1682253"/>
-                    <a:gridCol w="1682253"/>
+                    <a:gridCol w="1682253">
+                      <a:extLst>
+                        <a:ext uri="{9D8B030D-6E8A-4147-A177-3AD203B41FA5}">
+                          <a16:colId xmlns:a16="http://schemas.microsoft.com/office/drawing/2014/main" val="20000"/>
+                        </a:ext>
+                      </a:extLst>
+                    </a:gridCol>
+                    <a:gridCol w="1682253">
+                      <a:extLst>
+                        <a:ext uri="{9D8B030D-6E8A-4147-A177-3AD203B41FA5}">
+                          <a16:colId xmlns:a16="http://schemas.microsoft.com/office/drawing/2014/main" val="20001"/>
+                        </a:ext>
+                      </a:extLst>
+                    </a:gridCol>
+                    <a:gridCol w="1682253">
+                      <a:extLst>
+                        <a:ext uri="{9D8B030D-6E8A-4147-A177-3AD203B41FA5}">
+                          <a16:colId xmlns:a16="http://schemas.microsoft.com/office/drawing/2014/main" val="20002"/>
+                        </a:ext>
+                      </a:extLst>
+                    </a:gridCol>
                   </a:tblGrid>
                   <a:tr h="853601">
                     <a:tc>
@@ -6973,10 +7342,9 @@
                         <a:p>
                           <a:pPr algn="ctr"/>
                           <a:r>
-                            <a:rPr lang="de-DE" sz="2000" dirty="0" smtClean="0"/>
+                            <a:rPr lang="de-DE" sz="2000" dirty="0"/>
                             <a:t>(1)</a:t>
                           </a:r>
-                          <a:endParaRPr lang="de-DE" sz="2000" dirty="0"/>
                         </a:p>
                       </a:txBody>
                       <a:tcPr anchor="ctr">
@@ -6992,10 +7360,9 @@
                         <a:p>
                           <a:pPr algn="ctr"/>
                           <a:r>
-                            <a:rPr lang="de-DE" sz="2000" dirty="0" smtClean="0"/>
+                            <a:rPr lang="de-DE" sz="2000" dirty="0"/>
                             <a:t>(2)</a:t>
                           </a:r>
-                          <a:endParaRPr lang="de-DE" sz="2000" dirty="0"/>
                         </a:p>
                       </a:txBody>
                       <a:tcPr anchor="ctr">
@@ -7004,6 +7371,11 @@
                         </a:solidFill>
                       </a:tcPr>
                     </a:tc>
+                    <a:extLst>
+                      <a:ext uri="{0D108BD9-81ED-4DB2-BD59-A6C34878D82A}">
+                        <a16:rowId xmlns:a16="http://schemas.microsoft.com/office/drawing/2014/main" val="10000"/>
+                      </a:ext>
+                    </a:extLst>
                   </a:tr>
                   <a:tr h="487567">
                     <a:tc>
@@ -7197,6 +7569,11 @@
                       </a:txBody>
                       <a:tcPr anchor="ctr"/>
                     </a:tc>
+                    <a:extLst>
+                      <a:ext uri="{0D108BD9-81ED-4DB2-BD59-A6C34878D82A}">
+                        <a16:rowId xmlns:a16="http://schemas.microsoft.com/office/drawing/2014/main" val="10001"/>
+                      </a:ext>
+                    </a:extLst>
                   </a:tr>
                   <a:tr h="487567">
                     <a:tc>
@@ -7405,6 +7782,11 @@
                       </a:txBody>
                       <a:tcPr anchor="ctr"/>
                     </a:tc>
+                    <a:extLst>
+                      <a:ext uri="{0D108BD9-81ED-4DB2-BD59-A6C34878D82A}">
+                        <a16:rowId xmlns:a16="http://schemas.microsoft.com/office/drawing/2014/main" val="10002"/>
+                      </a:ext>
+                    </a:extLst>
                   </a:tr>
                   <a:tr h="487567">
                     <a:tc>
@@ -7627,6 +8009,11 @@
                       </a:txBody>
                       <a:tcPr anchor="ctr"/>
                     </a:tc>
+                    <a:extLst>
+                      <a:ext uri="{0D108BD9-81ED-4DB2-BD59-A6C34878D82A}">
+                        <a16:rowId xmlns:a16="http://schemas.microsoft.com/office/drawing/2014/main" val="10003"/>
+                      </a:ext>
+                    </a:extLst>
                   </a:tr>
                 </a:tbl>
               </a:graphicData>
@@ -7894,17 +8281,10 @@
   <p:clrMapOvr>
     <a:masterClrMapping/>
   </p:clrMapOvr>
-  <p:timing>
-    <p:tnLst>
-      <p:par>
-        <p:cTn id="1" dur="indefinite" restart="never" nodeType="tmRoot"/>
-      </p:par>
-    </p:tnLst>
-  </p:timing>
 </p:sld>
 </file>
 
-<file path=ppt/slides/slide5.xml><?xml version="1.0" encoding="utf-8"?>
+<file path=ppt/slides/slide6.xml><?xml version="1.0" encoding="utf-8"?>
 <p:sld xmlns:a="http://schemas.openxmlformats.org/drawingml/2006/main" xmlns:r="http://schemas.openxmlformats.org/officeDocument/2006/relationships" xmlns:p="http://schemas.openxmlformats.org/presentationml/2006/main">
   <p:cSld>
     <p:spTree>
@@ -7988,11 +8368,11 @@
             <a:lstStyle/>
             <a:p>
               <a:r>
-                <a:rPr lang="de-DE" dirty="0" smtClean="0"/>
+                <a:rPr lang="de-DE" dirty="0"/>
                 <a:t>Mit </a:t>
               </a:r>
               <a:r>
-                <a:rPr lang="de-DE" dirty="0" err="1" smtClean="0"/>
+                <a:rPr lang="de-DE" dirty="0" err="1"/>
                 <a:t>Fillet</a:t>
               </a:r>
               <a:endParaRPr lang="de-DE" dirty="0"/>
@@ -8022,11 +8402,11 @@
             <a:lstStyle/>
             <a:p>
               <a:r>
-                <a:rPr lang="de-DE" dirty="0" smtClean="0"/>
+                <a:rPr lang="de-DE" dirty="0"/>
                 <a:t>Ohne </a:t>
               </a:r>
               <a:r>
-                <a:rPr lang="de-DE" dirty="0" err="1" smtClean="0"/>
+                <a:rPr lang="de-DE" dirty="0" err="1"/>
                 <a:t>Fillet</a:t>
               </a:r>
               <a:endParaRPr lang="de-DE" dirty="0"/>
@@ -8047,7 +8427,7 @@
 </p:sld>
 </file>
 
-<file path=ppt/slides/slide6.xml><?xml version="1.0" encoding="utf-8"?>
+<file path=ppt/slides/slide7.xml><?xml version="1.0" encoding="utf-8"?>
 <p:sld xmlns:a="http://schemas.openxmlformats.org/drawingml/2006/main" xmlns:r="http://schemas.openxmlformats.org/officeDocument/2006/relationships" xmlns:p="http://schemas.openxmlformats.org/presentationml/2006/main">
   <p:cSld>
     <p:spTree>
@@ -8131,11 +8511,11 @@
             <a:lstStyle/>
             <a:p>
               <a:r>
-                <a:rPr lang="de-DE" dirty="0" smtClean="0"/>
+                <a:rPr lang="de-DE" dirty="0"/>
                 <a:t>Mit </a:t>
               </a:r>
               <a:r>
-                <a:rPr lang="de-DE" dirty="0" err="1" smtClean="0"/>
+                <a:rPr lang="de-DE" dirty="0" err="1"/>
                 <a:t>Fillet</a:t>
               </a:r>
               <a:endParaRPr lang="de-DE" dirty="0"/>
@@ -8165,11 +8545,11 @@
             <a:lstStyle/>
             <a:p>
               <a:r>
-                <a:rPr lang="de-DE" dirty="0" smtClean="0"/>
+                <a:rPr lang="de-DE" dirty="0"/>
                 <a:t>Ohne </a:t>
               </a:r>
               <a:r>
-                <a:rPr lang="de-DE" dirty="0" err="1" smtClean="0"/>
+                <a:rPr lang="de-DE" dirty="0" err="1"/>
                 <a:t>Fillet</a:t>
               </a:r>
               <a:endParaRPr lang="de-DE" dirty="0"/>
@@ -8190,7 +8570,7 @@
 </p:sld>
 </file>
 
-<file path=ppt/slides/slide7.xml><?xml version="1.0" encoding="utf-8"?>
+<file path=ppt/slides/slide8.xml><?xml version="1.0" encoding="utf-8"?>
 <p:sld xmlns:a="http://schemas.openxmlformats.org/drawingml/2006/main" xmlns:r="http://schemas.openxmlformats.org/officeDocument/2006/relationships" xmlns:p="http://schemas.openxmlformats.org/presentationml/2006/main">
   <p:cSld>
     <p:spTree>
@@ -8223,10 +8603,9 @@
           <a:lstStyle/>
           <a:p>
             <a:r>
-              <a:rPr lang="de-DE" dirty="0" smtClean="0"/>
+              <a:rPr lang="de-DE" dirty="0"/>
               <a:t>Eintrittstemperatur variieren</a:t>
             </a:r>
-            <a:endParaRPr lang="de-DE" dirty="0"/>
           </a:p>
         </p:txBody>
       </p:sp>
@@ -8256,8 +8635,20 @@
                 <a:tableStyleId>{93296810-A885-4BE3-A3E7-6D5BEEA58F35}</a:tableStyleId>
               </a:tblPr>
               <a:tblGrid>
-                <a:gridCol w="3411538"/>
-                <a:gridCol w="3411538"/>
+                <a:gridCol w="3411538">
+                  <a:extLst>
+                    <a:ext uri="{9D8B030D-6E8A-4147-A177-3AD203B41FA5}">
+                      <a16:colId xmlns:a16="http://schemas.microsoft.com/office/drawing/2014/main" val="20000"/>
+                    </a:ext>
+                  </a:extLst>
+                </a:gridCol>
+                <a:gridCol w="3411538">
+                  <a:extLst>
+                    <a:ext uri="{9D8B030D-6E8A-4147-A177-3AD203B41FA5}">
+                      <a16:colId xmlns:a16="http://schemas.microsoft.com/office/drawing/2014/main" val="20001"/>
+                    </a:ext>
+                  </a:extLst>
+                </a:gridCol>
               </a:tblGrid>
               <a:tr h="370840">
                 <a:tc>
@@ -8266,18 +8657,17 @@
                     <a:lstStyle/>
                     <a:p>
                       <a:r>
-                        <a:rPr lang="de-DE" dirty="0" smtClean="0"/>
+                        <a:rPr lang="de-DE" dirty="0"/>
                         <a:t>Total</a:t>
                       </a:r>
                       <a:r>
-                        <a:rPr lang="de-DE" baseline="0" dirty="0" smtClean="0"/>
+                        <a:rPr lang="de-DE" baseline="0" dirty="0"/>
                         <a:t> </a:t>
                       </a:r>
                       <a:r>
-                        <a:rPr lang="de-DE" dirty="0" smtClean="0"/>
+                        <a:rPr lang="de-DE" dirty="0"/>
                         <a:t>Temperatur</a:t>
                       </a:r>
-                      <a:endParaRPr lang="de-DE" dirty="0"/>
                     </a:p>
                   </a:txBody>
                   <a:tcPr/>
@@ -8288,14 +8678,18 @@
                     <a:lstStyle/>
                     <a:p>
                       <a:r>
-                        <a:rPr lang="de-DE" dirty="0" smtClean="0"/>
+                        <a:rPr lang="de-DE" dirty="0"/>
                         <a:t>Total Druck</a:t>
                       </a:r>
-                      <a:endParaRPr lang="de-DE" dirty="0"/>
                     </a:p>
                   </a:txBody>
                   <a:tcPr/>
                 </a:tc>
+                <a:extLst>
+                  <a:ext uri="{0D108BD9-81ED-4DB2-BD59-A6C34878D82A}">
+                    <a16:rowId xmlns:a16="http://schemas.microsoft.com/office/drawing/2014/main" val="10000"/>
+                  </a:ext>
+                </a:extLst>
               </a:tr>
               <a:tr h="370840">
                 <a:tc>
@@ -8304,10 +8698,9 @@
                     <a:lstStyle/>
                     <a:p>
                       <a:r>
-                        <a:rPr lang="de-DE" dirty="0" smtClean="0"/>
+                        <a:rPr lang="de-DE" dirty="0"/>
                         <a:t>305 K</a:t>
                       </a:r>
-                      <a:endParaRPr lang="de-DE" dirty="0"/>
                     </a:p>
                   </a:txBody>
                   <a:tcPr/>
@@ -8318,11 +8711,11 @@
                     <a:lstStyle/>
                     <a:p>
                       <a:r>
-                        <a:rPr lang="de-DE" dirty="0" smtClean="0"/>
+                        <a:rPr lang="de-DE" dirty="0"/>
                         <a:t>150000 </a:t>
                       </a:r>
                       <a:r>
-                        <a:rPr lang="de-DE" dirty="0" err="1" smtClean="0"/>
+                        <a:rPr lang="de-DE" dirty="0" err="1"/>
                         <a:t>Pa</a:t>
                       </a:r>
                       <a:endParaRPr lang="de-DE" dirty="0"/>
@@ -8330,6 +8723,11 @@
                   </a:txBody>
                   <a:tcPr/>
                 </a:tc>
+                <a:extLst>
+                  <a:ext uri="{0D108BD9-81ED-4DB2-BD59-A6C34878D82A}">
+                    <a16:rowId xmlns:a16="http://schemas.microsoft.com/office/drawing/2014/main" val="10001"/>
+                  </a:ext>
+                </a:extLst>
               </a:tr>
               <a:tr h="370840">
                 <a:tc>
@@ -8338,10 +8736,9 @@
                     <a:lstStyle/>
                     <a:p>
                       <a:r>
-                        <a:rPr lang="de-DE" dirty="0" smtClean="0"/>
+                        <a:rPr lang="de-DE" dirty="0"/>
                         <a:t>500 K</a:t>
                       </a:r>
-                      <a:endParaRPr lang="de-DE" dirty="0"/>
                     </a:p>
                   </a:txBody>
                   <a:tcPr/>
@@ -8352,7 +8749,7 @@
                     <a:lstStyle/>
                     <a:p>
                       <a:r>
-                        <a:rPr lang="de-DE" sz="1800" kern="1200" dirty="0" smtClean="0">
+                        <a:rPr lang="de-DE" sz="1800" kern="1200" dirty="0">
                           <a:solidFill>
                             <a:schemeClr val="dk1"/>
                           </a:solidFill>
@@ -8364,7 +8761,7 @@
                         <a:t>192093,73 </a:t>
                       </a:r>
                       <a:r>
-                        <a:rPr lang="de-DE" sz="1800" kern="1200" dirty="0" err="1" smtClean="0">
+                        <a:rPr lang="de-DE" sz="1800" kern="1200" dirty="0" err="1">
                           <a:solidFill>
                             <a:schemeClr val="dk1"/>
                           </a:solidFill>
@@ -8380,6 +8777,11 @@
                   </a:txBody>
                   <a:tcPr/>
                 </a:tc>
+                <a:extLst>
+                  <a:ext uri="{0D108BD9-81ED-4DB2-BD59-A6C34878D82A}">
+                    <a16:rowId xmlns:a16="http://schemas.microsoft.com/office/drawing/2014/main" val="10002"/>
+                  </a:ext>
+                </a:extLst>
               </a:tr>
               <a:tr h="370840">
                 <a:tc>
@@ -8388,10 +8790,9 @@
                     <a:lstStyle/>
                     <a:p>
                       <a:r>
-                        <a:rPr lang="de-DE" dirty="0" smtClean="0"/>
+                        <a:rPr lang="de-DE" dirty="0"/>
                         <a:t>750 K</a:t>
                       </a:r>
-                      <a:endParaRPr lang="de-DE" dirty="0"/>
                     </a:p>
                   </a:txBody>
                   <a:tcPr/>
@@ -8402,7 +8803,7 @@
                     <a:lstStyle/>
                     <a:p>
                       <a:r>
-                        <a:rPr lang="de-DE" sz="1800" kern="1200" dirty="0" smtClean="0">
+                        <a:rPr lang="de-DE" sz="1800" kern="1200" dirty="0">
                           <a:solidFill>
                             <a:schemeClr val="dk1"/>
                           </a:solidFill>
@@ -8414,7 +8815,7 @@
                         <a:t>235217,984 </a:t>
                       </a:r>
                       <a:r>
-                        <a:rPr lang="de-DE" sz="1800" kern="1200" dirty="0" err="1" smtClean="0">
+                        <a:rPr lang="de-DE" sz="1800" kern="1200" dirty="0" err="1">
                           <a:solidFill>
                             <a:schemeClr val="dk1"/>
                           </a:solidFill>
@@ -8430,6 +8831,11 @@
                   </a:txBody>
                   <a:tcPr/>
                 </a:tc>
+                <a:extLst>
+                  <a:ext uri="{0D108BD9-81ED-4DB2-BD59-A6C34878D82A}">
+                    <a16:rowId xmlns:a16="http://schemas.microsoft.com/office/drawing/2014/main" val="10003"/>
+                  </a:ext>
+                </a:extLst>
               </a:tr>
               <a:tr h="370840">
                 <a:tc>
@@ -8438,10 +8844,9 @@
                     <a:lstStyle/>
                     <a:p>
                       <a:r>
-                        <a:rPr lang="de-DE" dirty="0" smtClean="0"/>
+                        <a:rPr lang="de-DE" dirty="0"/>
                         <a:t>1000 K</a:t>
                       </a:r>
-                      <a:endParaRPr lang="de-DE" dirty="0"/>
                     </a:p>
                   </a:txBody>
                   <a:tcPr/>
@@ -8452,7 +8857,7 @@
                     <a:lstStyle/>
                     <a:p>
                       <a:r>
-                        <a:rPr lang="de-DE" sz="1800" kern="1200" dirty="0" smtClean="0">
+                        <a:rPr lang="de-DE" sz="1800" kern="1200" dirty="0">
                           <a:solidFill>
                             <a:schemeClr val="dk1"/>
                           </a:solidFill>
@@ -8464,7 +8869,7 @@
                         <a:t>271607,7134 </a:t>
                       </a:r>
                       <a:r>
-                        <a:rPr lang="de-DE" sz="1800" kern="1200" dirty="0" err="1" smtClean="0">
+                        <a:rPr lang="de-DE" sz="1800" kern="1200" dirty="0" err="1">
                           <a:solidFill>
                             <a:schemeClr val="dk1"/>
                           </a:solidFill>
@@ -8480,6 +8885,11 @@
                   </a:txBody>
                   <a:tcPr/>
                 </a:tc>
+                <a:extLst>
+                  <a:ext uri="{0D108BD9-81ED-4DB2-BD59-A6C34878D82A}">
+                    <a16:rowId xmlns:a16="http://schemas.microsoft.com/office/drawing/2014/main" val="10004"/>
+                  </a:ext>
+                </a:extLst>
               </a:tr>
               <a:tr h="370840">
                 <a:tc>
@@ -8488,10 +8898,9 @@
                     <a:lstStyle/>
                     <a:p>
                       <a:r>
-                        <a:rPr lang="de-DE" dirty="0" smtClean="0"/>
+                        <a:rPr lang="de-DE" dirty="0"/>
                         <a:t>1500 K</a:t>
                       </a:r>
-                      <a:endParaRPr lang="de-DE" dirty="0"/>
                     </a:p>
                   </a:txBody>
                   <a:tcPr/>
@@ -8502,7 +8911,7 @@
                     <a:lstStyle/>
                     <a:p>
                       <a:r>
-                        <a:rPr lang="de-DE" sz="1800" kern="1200" dirty="0" smtClean="0">
+                        <a:rPr lang="de-DE" sz="1800" kern="1200" dirty="0">
                           <a:solidFill>
                             <a:schemeClr val="dk1"/>
                           </a:solidFill>
@@ -8514,7 +8923,7 @@
                         <a:t>332648,4631 </a:t>
                       </a:r>
                       <a:r>
-                        <a:rPr lang="de-DE" sz="1800" kern="1200" dirty="0" err="1" smtClean="0">
+                        <a:rPr lang="de-DE" sz="1800" kern="1200" dirty="0" err="1">
                           <a:solidFill>
                             <a:schemeClr val="dk1"/>
                           </a:solidFill>
@@ -8530,6 +8939,11 @@
                   </a:txBody>
                   <a:tcPr/>
                 </a:tc>
+                <a:extLst>
+                  <a:ext uri="{0D108BD9-81ED-4DB2-BD59-A6C34878D82A}">
+                    <a16:rowId xmlns:a16="http://schemas.microsoft.com/office/drawing/2014/main" val="10005"/>
+                  </a:ext>
+                </a:extLst>
               </a:tr>
               <a:tr h="370840">
                 <a:tc>
@@ -8538,10 +8952,9 @@
                     <a:lstStyle/>
                     <a:p>
                       <a:r>
-                        <a:rPr lang="de-DE" dirty="0" smtClean="0"/>
+                        <a:rPr lang="de-DE" dirty="0"/>
                         <a:t>2000 K</a:t>
                       </a:r>
-                      <a:endParaRPr lang="de-DE" dirty="0"/>
                     </a:p>
                   </a:txBody>
                   <a:tcPr/>
@@ -8552,7 +8965,7 @@
                     <a:lstStyle/>
                     <a:p>
                       <a:r>
-                        <a:rPr lang="de-DE" sz="1800" kern="1200" dirty="0" smtClean="0">
+                        <a:rPr lang="de-DE" sz="1800" kern="1200" dirty="0">
                           <a:solidFill>
                             <a:schemeClr val="dk1"/>
                           </a:solidFill>
@@ -8564,7 +8977,7 @@
                         <a:t>384111,312 </a:t>
                       </a:r>
                       <a:r>
-                        <a:rPr lang="de-DE" sz="1800" kern="1200" dirty="0" err="1" smtClean="0">
+                        <a:rPr lang="de-DE" sz="1800" kern="1200" dirty="0" err="1">
                           <a:solidFill>
                             <a:schemeClr val="dk1"/>
                           </a:solidFill>
@@ -8580,6 +8993,11 @@
                   </a:txBody>
                   <a:tcPr/>
                 </a:tc>
+                <a:extLst>
+                  <a:ext uri="{0D108BD9-81ED-4DB2-BD59-A6C34878D82A}">
+                    <a16:rowId xmlns:a16="http://schemas.microsoft.com/office/drawing/2014/main" val="10006"/>
+                  </a:ext>
+                </a:extLst>
               </a:tr>
               <a:tr h="370840">
                 <a:tc>
@@ -8588,10 +9006,9 @@
                     <a:lstStyle/>
                     <a:p>
                       <a:r>
-                        <a:rPr lang="de-DE" dirty="0" smtClean="0"/>
+                        <a:rPr lang="de-DE" dirty="0"/>
                         <a:t>2500 K</a:t>
                       </a:r>
-                      <a:endParaRPr lang="de-DE" dirty="0"/>
                     </a:p>
                   </a:txBody>
                   <a:tcPr/>
@@ -8602,7 +9019,7 @@
                     <a:lstStyle/>
                     <a:p>
                       <a:r>
-                        <a:rPr lang="de-DE" sz="1800" kern="1200" dirty="0" smtClean="0">
+                        <a:rPr lang="de-DE" sz="1800" kern="1200" dirty="0">
                           <a:solidFill>
                             <a:schemeClr val="dk1"/>
                           </a:solidFill>
@@ -8614,7 +9031,7 @@
                         <a:t>429448,1925 </a:t>
                       </a:r>
                       <a:r>
-                        <a:rPr lang="de-DE" sz="1800" kern="1200" dirty="0" err="1" smtClean="0">
+                        <a:rPr lang="de-DE" sz="1800" kern="1200" dirty="0" err="1">
                           <a:solidFill>
                             <a:schemeClr val="dk1"/>
                           </a:solidFill>
@@ -8630,6 +9047,11 @@
                   </a:txBody>
                   <a:tcPr/>
                 </a:tc>
+                <a:extLst>
+                  <a:ext uri="{0D108BD9-81ED-4DB2-BD59-A6C34878D82A}">
+                    <a16:rowId xmlns:a16="http://schemas.microsoft.com/office/drawing/2014/main" val="10007"/>
+                  </a:ext>
+                </a:extLst>
               </a:tr>
             </a:tbl>
           </a:graphicData>
@@ -10110,4 +10532,18 @@
   <a:objectDefaults/>
   <a:extraClrSchemeLst/>
 </a:theme>
+</file>
+
+<file path=customXml/item1.xml><?xml version="1.0" encoding="utf-8"?>
+<Control xmlns="http://schemas.microsoft.com/VisualStudio/2011/storyboarding/control">
+  <Id Name="58e92fa2-ebce-4d8a-86e9-d1e0cd537b74" Revision="1" Stencil="System.MyShapes" StencilVersion="1.0"/>
+</Control>
+</file>
+
+<file path=customXml/itemProps1.xml><?xml version="1.0" encoding="utf-8"?>
+<ds:datastoreItem xmlns:ds="http://schemas.openxmlformats.org/officeDocument/2006/customXml" ds:itemID="{54FB2B7C-7ED4-42F4-9954-2C6818074D42}">
+  <ds:schemaRefs>
+    <ds:schemaRef ds:uri="http://schemas.microsoft.com/VisualStudio/2011/storyboarding/control"/>
+  </ds:schemaRefs>
+</ds:datastoreItem>
 </file>
--- a/Präsentation/Abschluss_Präsentation.pptx
+++ b/Präsentation/Abschluss_Präsentation.pptx
@@ -5,20 +5,30 @@
     <p:sldMasterId id="2147483648" r:id="rId2"/>
   </p:sldMasterIdLst>
   <p:notesMasterIdLst>
-    <p:notesMasterId r:id="rId11"/>
+    <p:notesMasterId r:id="rId21"/>
   </p:notesMasterIdLst>
   <p:handoutMasterIdLst>
-    <p:handoutMasterId r:id="rId12"/>
+    <p:handoutMasterId r:id="rId22"/>
   </p:handoutMasterIdLst>
   <p:sldIdLst>
     <p:sldId id="256" r:id="rId3"/>
     <p:sldId id="266" r:id="rId4"/>
-    <p:sldId id="257" r:id="rId5"/>
-    <p:sldId id="258" r:id="rId6"/>
-    <p:sldId id="259" r:id="rId7"/>
-    <p:sldId id="262" r:id="rId8"/>
-    <p:sldId id="263" r:id="rId9"/>
-    <p:sldId id="265" r:id="rId10"/>
+    <p:sldId id="267" r:id="rId5"/>
+    <p:sldId id="268" r:id="rId6"/>
+    <p:sldId id="269" r:id="rId7"/>
+    <p:sldId id="270" r:id="rId8"/>
+    <p:sldId id="271" r:id="rId9"/>
+    <p:sldId id="272" r:id="rId10"/>
+    <p:sldId id="273" r:id="rId11"/>
+    <p:sldId id="274" r:id="rId12"/>
+    <p:sldId id="275" r:id="rId13"/>
+    <p:sldId id="276" r:id="rId14"/>
+    <p:sldId id="277" r:id="rId15"/>
+    <p:sldId id="278" r:id="rId16"/>
+    <p:sldId id="279" r:id="rId17"/>
+    <p:sldId id="280" r:id="rId18"/>
+    <p:sldId id="257" r:id="rId19"/>
+    <p:sldId id="265" r:id="rId20"/>
   </p:sldIdLst>
   <p:sldSz cx="9144000" cy="6858000" type="screen4x3"/>
   <p:notesSz cx="6858000" cy="9144000"/>
@@ -1235,6 +1245,2302 @@
     </a:lvl9pPr>
   </p:notesStyle>
 </p:notesMaster>
+</file>
+
+<file path=ppt/notesSlides/notesSlide1.xml><?xml version="1.0" encoding="utf-8"?>
+<p:notes xmlns:a="http://schemas.openxmlformats.org/drawingml/2006/main" xmlns:r="http://schemas.openxmlformats.org/officeDocument/2006/relationships" xmlns:p="http://schemas.openxmlformats.org/presentationml/2006/main">
+  <p:cSld>
+    <p:spTree>
+      <p:nvGrpSpPr>
+        <p:cNvPr id="1" name=""/>
+        <p:cNvGrpSpPr/>
+        <p:nvPr/>
+      </p:nvGrpSpPr>
+      <p:grpSpPr>
+        <a:xfrm>
+          <a:off x="0" y="0"/>
+          <a:ext cx="0" cy="0"/>
+          <a:chOff x="0" y="0"/>
+          <a:chExt cx="0" cy="0"/>
+        </a:xfrm>
+      </p:grpSpPr>
+      <p:sp>
+        <p:nvSpPr>
+          <p:cNvPr id="2" name="Folienbildplatzhalter 1"/>
+          <p:cNvSpPr>
+            <a:spLocks noGrp="1" noRot="1" noChangeAspect="1"/>
+          </p:cNvSpPr>
+          <p:nvPr>
+            <p:ph type="sldImg"/>
+          </p:nvPr>
+        </p:nvSpPr>
+        <p:spPr>
+          <a:xfrm>
+            <a:off x="1371600" y="923925"/>
+            <a:ext cx="4095750" cy="3071813"/>
+          </a:xfrm>
+        </p:spPr>
+      </p:sp>
+      <p:sp>
+        <p:nvSpPr>
+          <p:cNvPr id="3" name="Notizenplatzhalter 2"/>
+          <p:cNvSpPr>
+            <a:spLocks noGrp="1"/>
+          </p:cNvSpPr>
+          <p:nvPr>
+            <p:ph type="body" idx="1"/>
+          </p:nvPr>
+        </p:nvSpPr>
+        <p:spPr/>
+        <p:txBody>
+          <a:bodyPr/>
+          <a:lstStyle/>
+          <a:p>
+            <a:r>
+              <a:rPr lang="de-DE" dirty="0"/>
+              <a:t>Simon</a:t>
+            </a:r>
+          </a:p>
+        </p:txBody>
+      </p:sp>
+      <p:sp>
+        <p:nvSpPr>
+          <p:cNvPr id="4" name="Datumsplatzhalter 3"/>
+          <p:cNvSpPr>
+            <a:spLocks noGrp="1"/>
+          </p:cNvSpPr>
+          <p:nvPr>
+            <p:ph type="dt" idx="10"/>
+          </p:nvPr>
+        </p:nvSpPr>
+        <p:spPr/>
+        <p:txBody>
+          <a:bodyPr/>
+          <a:lstStyle/>
+          <a:p>
+            <a:fld id="{065B079B-E513-489A-8A1B-D7C78493EA86}" type="datetime4">
+              <a:rPr lang="de-DE" smtClean="0"/>
+              <a:pPr/>
+              <a:t>5. Juli 2017</a:t>
+            </a:fld>
+            <a:endParaRPr lang="de-DE"/>
+          </a:p>
+        </p:txBody>
+      </p:sp>
+      <p:sp>
+        <p:nvSpPr>
+          <p:cNvPr id="5" name="Fußzeilenplatzhalter 4"/>
+          <p:cNvSpPr>
+            <a:spLocks noGrp="1"/>
+          </p:cNvSpPr>
+          <p:nvPr>
+            <p:ph type="ftr" sz="quarter" idx="11"/>
+          </p:nvPr>
+        </p:nvSpPr>
+        <p:spPr/>
+        <p:txBody>
+          <a:bodyPr/>
+          <a:lstStyle/>
+          <a:p>
+            <a:r>
+              <a:rPr lang="de-DE"/>
+              <a:t>|  </a:t>
+            </a:r>
+          </a:p>
+        </p:txBody>
+      </p:sp>
+      <p:sp>
+        <p:nvSpPr>
+          <p:cNvPr id="6" name="Foliennummernplatzhalter 5"/>
+          <p:cNvSpPr>
+            <a:spLocks noGrp="1"/>
+          </p:cNvSpPr>
+          <p:nvPr>
+            <p:ph type="sldNum" sz="quarter" idx="12"/>
+          </p:nvPr>
+        </p:nvSpPr>
+        <p:spPr/>
+        <p:txBody>
+          <a:bodyPr/>
+          <a:lstStyle/>
+          <a:p>
+            <a:r>
+              <a:rPr lang="de-DE"/>
+              <a:t>|  </a:t>
+            </a:r>
+            <a:fld id="{C36AA9A4-5D0B-4134-89A6-D8B9DAA4F25C}" type="slidenum">
+              <a:rPr lang="de-DE" smtClean="0"/>
+              <a:pPr/>
+              <a:t>1</a:t>
+            </a:fld>
+            <a:endParaRPr lang="de-DE"/>
+          </a:p>
+        </p:txBody>
+      </p:sp>
+    </p:spTree>
+    <p:extLst>
+      <p:ext uri="{BB962C8B-B14F-4D97-AF65-F5344CB8AC3E}">
+        <p14:creationId xmlns:p14="http://schemas.microsoft.com/office/powerpoint/2010/main" val="1170222192"/>
+      </p:ext>
+    </p:extLst>
+  </p:cSld>
+  <p:clrMapOvr>
+    <a:masterClrMapping/>
+  </p:clrMapOvr>
+</p:notes>
+</file>
+
+<file path=ppt/notesSlides/notesSlide10.xml><?xml version="1.0" encoding="utf-8"?>
+<p:notes xmlns:a="http://schemas.openxmlformats.org/drawingml/2006/main" xmlns:r="http://schemas.openxmlformats.org/officeDocument/2006/relationships" xmlns:p="http://schemas.openxmlformats.org/presentationml/2006/main">
+  <p:cSld>
+    <p:spTree>
+      <p:nvGrpSpPr>
+        <p:cNvPr id="1" name=""/>
+        <p:cNvGrpSpPr/>
+        <p:nvPr/>
+      </p:nvGrpSpPr>
+      <p:grpSpPr>
+        <a:xfrm>
+          <a:off x="0" y="0"/>
+          <a:ext cx="0" cy="0"/>
+          <a:chOff x="0" y="0"/>
+          <a:chExt cx="0" cy="0"/>
+        </a:xfrm>
+      </p:grpSpPr>
+      <p:sp>
+        <p:nvSpPr>
+          <p:cNvPr id="2" name="Folienbildplatzhalter 1"/>
+          <p:cNvSpPr>
+            <a:spLocks noGrp="1" noRot="1" noChangeAspect="1"/>
+          </p:cNvSpPr>
+          <p:nvPr>
+            <p:ph type="sldImg"/>
+          </p:nvPr>
+        </p:nvSpPr>
+        <p:spPr>
+          <a:xfrm>
+            <a:off x="1371600" y="923925"/>
+            <a:ext cx="4095750" cy="3071813"/>
+          </a:xfrm>
+        </p:spPr>
+      </p:sp>
+      <p:sp>
+        <p:nvSpPr>
+          <p:cNvPr id="3" name="Notizenplatzhalter 2"/>
+          <p:cNvSpPr>
+            <a:spLocks noGrp="1"/>
+          </p:cNvSpPr>
+          <p:nvPr>
+            <p:ph type="body" idx="1"/>
+          </p:nvPr>
+        </p:nvSpPr>
+        <p:spPr/>
+        <p:txBody>
+          <a:bodyPr/>
+          <a:lstStyle/>
+          <a:p>
+            <a:r>
+              <a:rPr lang="de-DE" dirty="0" err="1"/>
+              <a:t>Keijo</a:t>
+            </a:r>
+            <a:endParaRPr lang="de-DE" dirty="0"/>
+          </a:p>
+        </p:txBody>
+      </p:sp>
+      <p:sp>
+        <p:nvSpPr>
+          <p:cNvPr id="4" name="Datumsplatzhalter 3"/>
+          <p:cNvSpPr>
+            <a:spLocks noGrp="1"/>
+          </p:cNvSpPr>
+          <p:nvPr>
+            <p:ph type="dt" idx="10"/>
+          </p:nvPr>
+        </p:nvSpPr>
+        <p:spPr/>
+        <p:txBody>
+          <a:bodyPr/>
+          <a:lstStyle/>
+          <a:p>
+            <a:fld id="{065B079B-E513-489A-8A1B-D7C78493EA86}" type="datetime4">
+              <a:rPr lang="de-DE" smtClean="0"/>
+              <a:pPr/>
+              <a:t>5. Juli 2017</a:t>
+            </a:fld>
+            <a:endParaRPr lang="de-DE"/>
+          </a:p>
+        </p:txBody>
+      </p:sp>
+      <p:sp>
+        <p:nvSpPr>
+          <p:cNvPr id="5" name="Fußzeilenplatzhalter 4"/>
+          <p:cNvSpPr>
+            <a:spLocks noGrp="1"/>
+          </p:cNvSpPr>
+          <p:nvPr>
+            <p:ph type="ftr" sz="quarter" idx="11"/>
+          </p:nvPr>
+        </p:nvSpPr>
+        <p:spPr/>
+        <p:txBody>
+          <a:bodyPr/>
+          <a:lstStyle/>
+          <a:p>
+            <a:r>
+              <a:rPr lang="de-DE"/>
+              <a:t>|  </a:t>
+            </a:r>
+          </a:p>
+        </p:txBody>
+      </p:sp>
+      <p:sp>
+        <p:nvSpPr>
+          <p:cNvPr id="6" name="Foliennummernplatzhalter 5"/>
+          <p:cNvSpPr>
+            <a:spLocks noGrp="1"/>
+          </p:cNvSpPr>
+          <p:nvPr>
+            <p:ph type="sldNum" sz="quarter" idx="12"/>
+          </p:nvPr>
+        </p:nvSpPr>
+        <p:spPr/>
+        <p:txBody>
+          <a:bodyPr/>
+          <a:lstStyle/>
+          <a:p>
+            <a:r>
+              <a:rPr lang="de-DE"/>
+              <a:t>|  </a:t>
+            </a:r>
+            <a:fld id="{C36AA9A4-5D0B-4134-89A6-D8B9DAA4F25C}" type="slidenum">
+              <a:rPr lang="de-DE" smtClean="0"/>
+              <a:pPr/>
+              <a:t>10</a:t>
+            </a:fld>
+            <a:endParaRPr lang="de-DE"/>
+          </a:p>
+        </p:txBody>
+      </p:sp>
+    </p:spTree>
+    <p:extLst>
+      <p:ext uri="{BB962C8B-B14F-4D97-AF65-F5344CB8AC3E}">
+        <p14:creationId xmlns:p14="http://schemas.microsoft.com/office/powerpoint/2010/main" val="3231120104"/>
+      </p:ext>
+    </p:extLst>
+  </p:cSld>
+  <p:clrMapOvr>
+    <a:masterClrMapping/>
+  </p:clrMapOvr>
+</p:notes>
+</file>
+
+<file path=ppt/notesSlides/notesSlide11.xml><?xml version="1.0" encoding="utf-8"?>
+<p:notes xmlns:a="http://schemas.openxmlformats.org/drawingml/2006/main" xmlns:r="http://schemas.openxmlformats.org/officeDocument/2006/relationships" xmlns:p="http://schemas.openxmlformats.org/presentationml/2006/main">
+  <p:cSld>
+    <p:spTree>
+      <p:nvGrpSpPr>
+        <p:cNvPr id="1" name=""/>
+        <p:cNvGrpSpPr/>
+        <p:nvPr/>
+      </p:nvGrpSpPr>
+      <p:grpSpPr>
+        <a:xfrm>
+          <a:off x="0" y="0"/>
+          <a:ext cx="0" cy="0"/>
+          <a:chOff x="0" y="0"/>
+          <a:chExt cx="0" cy="0"/>
+        </a:xfrm>
+      </p:grpSpPr>
+      <p:sp>
+        <p:nvSpPr>
+          <p:cNvPr id="2" name="Folienbildplatzhalter 1"/>
+          <p:cNvSpPr>
+            <a:spLocks noGrp="1" noRot="1" noChangeAspect="1"/>
+          </p:cNvSpPr>
+          <p:nvPr>
+            <p:ph type="sldImg"/>
+          </p:nvPr>
+        </p:nvSpPr>
+        <p:spPr>
+          <a:xfrm>
+            <a:off x="1371600" y="923925"/>
+            <a:ext cx="4095750" cy="3071813"/>
+          </a:xfrm>
+        </p:spPr>
+      </p:sp>
+      <p:sp>
+        <p:nvSpPr>
+          <p:cNvPr id="3" name="Notizenplatzhalter 2"/>
+          <p:cNvSpPr>
+            <a:spLocks noGrp="1"/>
+          </p:cNvSpPr>
+          <p:nvPr>
+            <p:ph type="body" idx="1"/>
+          </p:nvPr>
+        </p:nvSpPr>
+        <p:spPr/>
+        <p:txBody>
+          <a:bodyPr/>
+          <a:lstStyle/>
+          <a:p>
+            <a:r>
+              <a:rPr lang="de-DE" dirty="0" err="1"/>
+              <a:t>Keijo</a:t>
+            </a:r>
+            <a:endParaRPr lang="de-DE" dirty="0"/>
+          </a:p>
+        </p:txBody>
+      </p:sp>
+      <p:sp>
+        <p:nvSpPr>
+          <p:cNvPr id="4" name="Datumsplatzhalter 3"/>
+          <p:cNvSpPr>
+            <a:spLocks noGrp="1"/>
+          </p:cNvSpPr>
+          <p:nvPr>
+            <p:ph type="dt" idx="10"/>
+          </p:nvPr>
+        </p:nvSpPr>
+        <p:spPr/>
+        <p:txBody>
+          <a:bodyPr/>
+          <a:lstStyle/>
+          <a:p>
+            <a:fld id="{065B079B-E513-489A-8A1B-D7C78493EA86}" type="datetime4">
+              <a:rPr lang="de-DE" smtClean="0"/>
+              <a:pPr/>
+              <a:t>5. Juli 2017</a:t>
+            </a:fld>
+            <a:endParaRPr lang="de-DE"/>
+          </a:p>
+        </p:txBody>
+      </p:sp>
+      <p:sp>
+        <p:nvSpPr>
+          <p:cNvPr id="5" name="Fußzeilenplatzhalter 4"/>
+          <p:cNvSpPr>
+            <a:spLocks noGrp="1"/>
+          </p:cNvSpPr>
+          <p:nvPr>
+            <p:ph type="ftr" sz="quarter" idx="11"/>
+          </p:nvPr>
+        </p:nvSpPr>
+        <p:spPr/>
+        <p:txBody>
+          <a:bodyPr/>
+          <a:lstStyle/>
+          <a:p>
+            <a:r>
+              <a:rPr lang="de-DE"/>
+              <a:t>|  </a:t>
+            </a:r>
+          </a:p>
+        </p:txBody>
+      </p:sp>
+      <p:sp>
+        <p:nvSpPr>
+          <p:cNvPr id="6" name="Foliennummernplatzhalter 5"/>
+          <p:cNvSpPr>
+            <a:spLocks noGrp="1"/>
+          </p:cNvSpPr>
+          <p:nvPr>
+            <p:ph type="sldNum" sz="quarter" idx="12"/>
+          </p:nvPr>
+        </p:nvSpPr>
+        <p:spPr/>
+        <p:txBody>
+          <a:bodyPr/>
+          <a:lstStyle/>
+          <a:p>
+            <a:r>
+              <a:rPr lang="de-DE"/>
+              <a:t>|  </a:t>
+            </a:r>
+            <a:fld id="{C36AA9A4-5D0B-4134-89A6-D8B9DAA4F25C}" type="slidenum">
+              <a:rPr lang="de-DE" smtClean="0"/>
+              <a:pPr/>
+              <a:t>11</a:t>
+            </a:fld>
+            <a:endParaRPr lang="de-DE"/>
+          </a:p>
+        </p:txBody>
+      </p:sp>
+    </p:spTree>
+    <p:extLst>
+      <p:ext uri="{BB962C8B-B14F-4D97-AF65-F5344CB8AC3E}">
+        <p14:creationId xmlns:p14="http://schemas.microsoft.com/office/powerpoint/2010/main" val="253144170"/>
+      </p:ext>
+    </p:extLst>
+  </p:cSld>
+  <p:clrMapOvr>
+    <a:masterClrMapping/>
+  </p:clrMapOvr>
+</p:notes>
+</file>
+
+<file path=ppt/notesSlides/notesSlide12.xml><?xml version="1.0" encoding="utf-8"?>
+<p:notes xmlns:a="http://schemas.openxmlformats.org/drawingml/2006/main" xmlns:r="http://schemas.openxmlformats.org/officeDocument/2006/relationships" xmlns:p="http://schemas.openxmlformats.org/presentationml/2006/main">
+  <p:cSld>
+    <p:spTree>
+      <p:nvGrpSpPr>
+        <p:cNvPr id="1" name=""/>
+        <p:cNvGrpSpPr/>
+        <p:nvPr/>
+      </p:nvGrpSpPr>
+      <p:grpSpPr>
+        <a:xfrm>
+          <a:off x="0" y="0"/>
+          <a:ext cx="0" cy="0"/>
+          <a:chOff x="0" y="0"/>
+          <a:chExt cx="0" cy="0"/>
+        </a:xfrm>
+      </p:grpSpPr>
+      <p:sp>
+        <p:nvSpPr>
+          <p:cNvPr id="2" name="Folienbildplatzhalter 1"/>
+          <p:cNvSpPr>
+            <a:spLocks noGrp="1" noRot="1" noChangeAspect="1"/>
+          </p:cNvSpPr>
+          <p:nvPr>
+            <p:ph type="sldImg"/>
+          </p:nvPr>
+        </p:nvSpPr>
+        <p:spPr>
+          <a:xfrm>
+            <a:off x="1371600" y="923925"/>
+            <a:ext cx="4095750" cy="3071813"/>
+          </a:xfrm>
+        </p:spPr>
+      </p:sp>
+      <p:sp>
+        <p:nvSpPr>
+          <p:cNvPr id="3" name="Notizenplatzhalter 2"/>
+          <p:cNvSpPr>
+            <a:spLocks noGrp="1"/>
+          </p:cNvSpPr>
+          <p:nvPr>
+            <p:ph type="body" idx="1"/>
+          </p:nvPr>
+        </p:nvSpPr>
+        <p:spPr/>
+        <p:txBody>
+          <a:bodyPr/>
+          <a:lstStyle/>
+          <a:p>
+            <a:r>
+              <a:rPr lang="de-DE" dirty="0" err="1"/>
+              <a:t>Keijo</a:t>
+            </a:r>
+            <a:endParaRPr lang="de-DE" dirty="0"/>
+          </a:p>
+        </p:txBody>
+      </p:sp>
+      <p:sp>
+        <p:nvSpPr>
+          <p:cNvPr id="4" name="Datumsplatzhalter 3"/>
+          <p:cNvSpPr>
+            <a:spLocks noGrp="1"/>
+          </p:cNvSpPr>
+          <p:nvPr>
+            <p:ph type="dt" idx="10"/>
+          </p:nvPr>
+        </p:nvSpPr>
+        <p:spPr/>
+        <p:txBody>
+          <a:bodyPr/>
+          <a:lstStyle/>
+          <a:p>
+            <a:fld id="{065B079B-E513-489A-8A1B-D7C78493EA86}" type="datetime4">
+              <a:rPr lang="de-DE" smtClean="0"/>
+              <a:pPr/>
+              <a:t>5. Juli 2017</a:t>
+            </a:fld>
+            <a:endParaRPr lang="de-DE"/>
+          </a:p>
+        </p:txBody>
+      </p:sp>
+      <p:sp>
+        <p:nvSpPr>
+          <p:cNvPr id="5" name="Fußzeilenplatzhalter 4"/>
+          <p:cNvSpPr>
+            <a:spLocks noGrp="1"/>
+          </p:cNvSpPr>
+          <p:nvPr>
+            <p:ph type="ftr" sz="quarter" idx="11"/>
+          </p:nvPr>
+        </p:nvSpPr>
+        <p:spPr/>
+        <p:txBody>
+          <a:bodyPr/>
+          <a:lstStyle/>
+          <a:p>
+            <a:r>
+              <a:rPr lang="de-DE"/>
+              <a:t>|  </a:t>
+            </a:r>
+          </a:p>
+        </p:txBody>
+      </p:sp>
+      <p:sp>
+        <p:nvSpPr>
+          <p:cNvPr id="6" name="Foliennummernplatzhalter 5"/>
+          <p:cNvSpPr>
+            <a:spLocks noGrp="1"/>
+          </p:cNvSpPr>
+          <p:nvPr>
+            <p:ph type="sldNum" sz="quarter" idx="12"/>
+          </p:nvPr>
+        </p:nvSpPr>
+        <p:spPr/>
+        <p:txBody>
+          <a:bodyPr/>
+          <a:lstStyle/>
+          <a:p>
+            <a:r>
+              <a:rPr lang="de-DE"/>
+              <a:t>|  </a:t>
+            </a:r>
+            <a:fld id="{C36AA9A4-5D0B-4134-89A6-D8B9DAA4F25C}" type="slidenum">
+              <a:rPr lang="de-DE" smtClean="0"/>
+              <a:pPr/>
+              <a:t>12</a:t>
+            </a:fld>
+            <a:endParaRPr lang="de-DE"/>
+          </a:p>
+        </p:txBody>
+      </p:sp>
+    </p:spTree>
+    <p:extLst>
+      <p:ext uri="{BB962C8B-B14F-4D97-AF65-F5344CB8AC3E}">
+        <p14:creationId xmlns:p14="http://schemas.microsoft.com/office/powerpoint/2010/main" val="4182406061"/>
+      </p:ext>
+    </p:extLst>
+  </p:cSld>
+  <p:clrMapOvr>
+    <a:masterClrMapping/>
+  </p:clrMapOvr>
+</p:notes>
+</file>
+
+<file path=ppt/notesSlides/notesSlide13.xml><?xml version="1.0" encoding="utf-8"?>
+<p:notes xmlns:a="http://schemas.openxmlformats.org/drawingml/2006/main" xmlns:r="http://schemas.openxmlformats.org/officeDocument/2006/relationships" xmlns:p="http://schemas.openxmlformats.org/presentationml/2006/main">
+  <p:cSld>
+    <p:spTree>
+      <p:nvGrpSpPr>
+        <p:cNvPr id="1" name=""/>
+        <p:cNvGrpSpPr/>
+        <p:nvPr/>
+      </p:nvGrpSpPr>
+      <p:grpSpPr>
+        <a:xfrm>
+          <a:off x="0" y="0"/>
+          <a:ext cx="0" cy="0"/>
+          <a:chOff x="0" y="0"/>
+          <a:chExt cx="0" cy="0"/>
+        </a:xfrm>
+      </p:grpSpPr>
+      <p:sp>
+        <p:nvSpPr>
+          <p:cNvPr id="2" name="Folienbildplatzhalter 1"/>
+          <p:cNvSpPr>
+            <a:spLocks noGrp="1" noRot="1" noChangeAspect="1"/>
+          </p:cNvSpPr>
+          <p:nvPr>
+            <p:ph type="sldImg"/>
+          </p:nvPr>
+        </p:nvSpPr>
+        <p:spPr>
+          <a:xfrm>
+            <a:off x="1371600" y="923925"/>
+            <a:ext cx="4095750" cy="3071813"/>
+          </a:xfrm>
+        </p:spPr>
+      </p:sp>
+      <p:sp>
+        <p:nvSpPr>
+          <p:cNvPr id="3" name="Notizenplatzhalter 2"/>
+          <p:cNvSpPr>
+            <a:spLocks noGrp="1"/>
+          </p:cNvSpPr>
+          <p:nvPr>
+            <p:ph type="body" idx="1"/>
+          </p:nvPr>
+        </p:nvSpPr>
+        <p:spPr/>
+        <p:txBody>
+          <a:bodyPr/>
+          <a:lstStyle/>
+          <a:p>
+            <a:r>
+              <a:rPr lang="de-DE" dirty="0"/>
+              <a:t>Simon</a:t>
+            </a:r>
+          </a:p>
+        </p:txBody>
+      </p:sp>
+      <p:sp>
+        <p:nvSpPr>
+          <p:cNvPr id="4" name="Datumsplatzhalter 3"/>
+          <p:cNvSpPr>
+            <a:spLocks noGrp="1"/>
+          </p:cNvSpPr>
+          <p:nvPr>
+            <p:ph type="dt" idx="10"/>
+          </p:nvPr>
+        </p:nvSpPr>
+        <p:spPr/>
+        <p:txBody>
+          <a:bodyPr/>
+          <a:lstStyle/>
+          <a:p>
+            <a:fld id="{065B079B-E513-489A-8A1B-D7C78493EA86}" type="datetime4">
+              <a:rPr lang="de-DE" smtClean="0"/>
+              <a:pPr/>
+              <a:t>5. Juli 2017</a:t>
+            </a:fld>
+            <a:endParaRPr lang="de-DE"/>
+          </a:p>
+        </p:txBody>
+      </p:sp>
+      <p:sp>
+        <p:nvSpPr>
+          <p:cNvPr id="5" name="Fußzeilenplatzhalter 4"/>
+          <p:cNvSpPr>
+            <a:spLocks noGrp="1"/>
+          </p:cNvSpPr>
+          <p:nvPr>
+            <p:ph type="ftr" sz="quarter" idx="11"/>
+          </p:nvPr>
+        </p:nvSpPr>
+        <p:spPr/>
+        <p:txBody>
+          <a:bodyPr/>
+          <a:lstStyle/>
+          <a:p>
+            <a:r>
+              <a:rPr lang="de-DE"/>
+              <a:t>|  </a:t>
+            </a:r>
+          </a:p>
+        </p:txBody>
+      </p:sp>
+      <p:sp>
+        <p:nvSpPr>
+          <p:cNvPr id="6" name="Foliennummernplatzhalter 5"/>
+          <p:cNvSpPr>
+            <a:spLocks noGrp="1"/>
+          </p:cNvSpPr>
+          <p:nvPr>
+            <p:ph type="sldNum" sz="quarter" idx="12"/>
+          </p:nvPr>
+        </p:nvSpPr>
+        <p:spPr/>
+        <p:txBody>
+          <a:bodyPr/>
+          <a:lstStyle/>
+          <a:p>
+            <a:r>
+              <a:rPr lang="de-DE"/>
+              <a:t>|  </a:t>
+            </a:r>
+            <a:fld id="{C36AA9A4-5D0B-4134-89A6-D8B9DAA4F25C}" type="slidenum">
+              <a:rPr lang="de-DE" smtClean="0"/>
+              <a:pPr/>
+              <a:t>13</a:t>
+            </a:fld>
+            <a:endParaRPr lang="de-DE"/>
+          </a:p>
+        </p:txBody>
+      </p:sp>
+    </p:spTree>
+    <p:extLst>
+      <p:ext uri="{BB962C8B-B14F-4D97-AF65-F5344CB8AC3E}">
+        <p14:creationId xmlns:p14="http://schemas.microsoft.com/office/powerpoint/2010/main" val="4015711157"/>
+      </p:ext>
+    </p:extLst>
+  </p:cSld>
+  <p:clrMapOvr>
+    <a:masterClrMapping/>
+  </p:clrMapOvr>
+</p:notes>
+</file>
+
+<file path=ppt/notesSlides/notesSlide14.xml><?xml version="1.0" encoding="utf-8"?>
+<p:notes xmlns:a="http://schemas.openxmlformats.org/drawingml/2006/main" xmlns:r="http://schemas.openxmlformats.org/officeDocument/2006/relationships" xmlns:p="http://schemas.openxmlformats.org/presentationml/2006/main">
+  <p:cSld>
+    <p:spTree>
+      <p:nvGrpSpPr>
+        <p:cNvPr id="1" name=""/>
+        <p:cNvGrpSpPr/>
+        <p:nvPr/>
+      </p:nvGrpSpPr>
+      <p:grpSpPr>
+        <a:xfrm>
+          <a:off x="0" y="0"/>
+          <a:ext cx="0" cy="0"/>
+          <a:chOff x="0" y="0"/>
+          <a:chExt cx="0" cy="0"/>
+        </a:xfrm>
+      </p:grpSpPr>
+      <p:sp>
+        <p:nvSpPr>
+          <p:cNvPr id="2" name="Folienbildplatzhalter 1"/>
+          <p:cNvSpPr>
+            <a:spLocks noGrp="1" noRot="1" noChangeAspect="1"/>
+          </p:cNvSpPr>
+          <p:nvPr>
+            <p:ph type="sldImg"/>
+          </p:nvPr>
+        </p:nvSpPr>
+        <p:spPr>
+          <a:xfrm>
+            <a:off x="1371600" y="923925"/>
+            <a:ext cx="4095750" cy="3071813"/>
+          </a:xfrm>
+        </p:spPr>
+      </p:sp>
+      <p:sp>
+        <p:nvSpPr>
+          <p:cNvPr id="3" name="Notizenplatzhalter 2"/>
+          <p:cNvSpPr>
+            <a:spLocks noGrp="1"/>
+          </p:cNvSpPr>
+          <p:nvPr>
+            <p:ph type="body" idx="1"/>
+          </p:nvPr>
+        </p:nvSpPr>
+        <p:spPr/>
+        <p:txBody>
+          <a:bodyPr/>
+          <a:lstStyle/>
+          <a:p>
+            <a:r>
+              <a:rPr lang="de-DE" dirty="0"/>
+              <a:t>Simon</a:t>
+            </a:r>
+          </a:p>
+        </p:txBody>
+      </p:sp>
+      <p:sp>
+        <p:nvSpPr>
+          <p:cNvPr id="4" name="Datumsplatzhalter 3"/>
+          <p:cNvSpPr>
+            <a:spLocks noGrp="1"/>
+          </p:cNvSpPr>
+          <p:nvPr>
+            <p:ph type="dt" idx="10"/>
+          </p:nvPr>
+        </p:nvSpPr>
+        <p:spPr/>
+        <p:txBody>
+          <a:bodyPr/>
+          <a:lstStyle/>
+          <a:p>
+            <a:fld id="{065B079B-E513-489A-8A1B-D7C78493EA86}" type="datetime4">
+              <a:rPr lang="de-DE" smtClean="0"/>
+              <a:pPr/>
+              <a:t>5. Juli 2017</a:t>
+            </a:fld>
+            <a:endParaRPr lang="de-DE"/>
+          </a:p>
+        </p:txBody>
+      </p:sp>
+      <p:sp>
+        <p:nvSpPr>
+          <p:cNvPr id="5" name="Fußzeilenplatzhalter 4"/>
+          <p:cNvSpPr>
+            <a:spLocks noGrp="1"/>
+          </p:cNvSpPr>
+          <p:nvPr>
+            <p:ph type="ftr" sz="quarter" idx="11"/>
+          </p:nvPr>
+        </p:nvSpPr>
+        <p:spPr/>
+        <p:txBody>
+          <a:bodyPr/>
+          <a:lstStyle/>
+          <a:p>
+            <a:r>
+              <a:rPr lang="de-DE"/>
+              <a:t>|  </a:t>
+            </a:r>
+          </a:p>
+        </p:txBody>
+      </p:sp>
+      <p:sp>
+        <p:nvSpPr>
+          <p:cNvPr id="6" name="Foliennummernplatzhalter 5"/>
+          <p:cNvSpPr>
+            <a:spLocks noGrp="1"/>
+          </p:cNvSpPr>
+          <p:nvPr>
+            <p:ph type="sldNum" sz="quarter" idx="12"/>
+          </p:nvPr>
+        </p:nvSpPr>
+        <p:spPr/>
+        <p:txBody>
+          <a:bodyPr/>
+          <a:lstStyle/>
+          <a:p>
+            <a:r>
+              <a:rPr lang="de-DE"/>
+              <a:t>|  </a:t>
+            </a:r>
+            <a:fld id="{C36AA9A4-5D0B-4134-89A6-D8B9DAA4F25C}" type="slidenum">
+              <a:rPr lang="de-DE" smtClean="0"/>
+              <a:pPr/>
+              <a:t>14</a:t>
+            </a:fld>
+            <a:endParaRPr lang="de-DE"/>
+          </a:p>
+        </p:txBody>
+      </p:sp>
+    </p:spTree>
+    <p:extLst>
+      <p:ext uri="{BB962C8B-B14F-4D97-AF65-F5344CB8AC3E}">
+        <p14:creationId xmlns:p14="http://schemas.microsoft.com/office/powerpoint/2010/main" val="3325593232"/>
+      </p:ext>
+    </p:extLst>
+  </p:cSld>
+  <p:clrMapOvr>
+    <a:masterClrMapping/>
+  </p:clrMapOvr>
+</p:notes>
+</file>
+
+<file path=ppt/notesSlides/notesSlide15.xml><?xml version="1.0" encoding="utf-8"?>
+<p:notes xmlns:a="http://schemas.openxmlformats.org/drawingml/2006/main" xmlns:r="http://schemas.openxmlformats.org/officeDocument/2006/relationships" xmlns:p="http://schemas.openxmlformats.org/presentationml/2006/main">
+  <p:cSld>
+    <p:spTree>
+      <p:nvGrpSpPr>
+        <p:cNvPr id="1" name=""/>
+        <p:cNvGrpSpPr/>
+        <p:nvPr/>
+      </p:nvGrpSpPr>
+      <p:grpSpPr>
+        <a:xfrm>
+          <a:off x="0" y="0"/>
+          <a:ext cx="0" cy="0"/>
+          <a:chOff x="0" y="0"/>
+          <a:chExt cx="0" cy="0"/>
+        </a:xfrm>
+      </p:grpSpPr>
+      <p:sp>
+        <p:nvSpPr>
+          <p:cNvPr id="2" name="Folienbildplatzhalter 1"/>
+          <p:cNvSpPr>
+            <a:spLocks noGrp="1" noRot="1" noChangeAspect="1"/>
+          </p:cNvSpPr>
+          <p:nvPr>
+            <p:ph type="sldImg"/>
+          </p:nvPr>
+        </p:nvSpPr>
+        <p:spPr>
+          <a:xfrm>
+            <a:off x="1371600" y="923925"/>
+            <a:ext cx="4095750" cy="3071813"/>
+          </a:xfrm>
+        </p:spPr>
+      </p:sp>
+      <p:sp>
+        <p:nvSpPr>
+          <p:cNvPr id="3" name="Notizenplatzhalter 2"/>
+          <p:cNvSpPr>
+            <a:spLocks noGrp="1"/>
+          </p:cNvSpPr>
+          <p:nvPr>
+            <p:ph type="body" idx="1"/>
+          </p:nvPr>
+        </p:nvSpPr>
+        <p:spPr/>
+        <p:txBody>
+          <a:bodyPr/>
+          <a:lstStyle/>
+          <a:p>
+            <a:r>
+              <a:rPr lang="de-DE" dirty="0"/>
+              <a:t>Simon</a:t>
+            </a:r>
+          </a:p>
+        </p:txBody>
+      </p:sp>
+      <p:sp>
+        <p:nvSpPr>
+          <p:cNvPr id="4" name="Datumsplatzhalter 3"/>
+          <p:cNvSpPr>
+            <a:spLocks noGrp="1"/>
+          </p:cNvSpPr>
+          <p:nvPr>
+            <p:ph type="dt" idx="10"/>
+          </p:nvPr>
+        </p:nvSpPr>
+        <p:spPr/>
+        <p:txBody>
+          <a:bodyPr/>
+          <a:lstStyle/>
+          <a:p>
+            <a:fld id="{065B079B-E513-489A-8A1B-D7C78493EA86}" type="datetime4">
+              <a:rPr lang="de-DE" smtClean="0"/>
+              <a:pPr/>
+              <a:t>5. Juli 2017</a:t>
+            </a:fld>
+            <a:endParaRPr lang="de-DE"/>
+          </a:p>
+        </p:txBody>
+      </p:sp>
+      <p:sp>
+        <p:nvSpPr>
+          <p:cNvPr id="5" name="Fußzeilenplatzhalter 4"/>
+          <p:cNvSpPr>
+            <a:spLocks noGrp="1"/>
+          </p:cNvSpPr>
+          <p:nvPr>
+            <p:ph type="ftr" sz="quarter" idx="11"/>
+          </p:nvPr>
+        </p:nvSpPr>
+        <p:spPr/>
+        <p:txBody>
+          <a:bodyPr/>
+          <a:lstStyle/>
+          <a:p>
+            <a:r>
+              <a:rPr lang="de-DE"/>
+              <a:t>|  </a:t>
+            </a:r>
+          </a:p>
+        </p:txBody>
+      </p:sp>
+      <p:sp>
+        <p:nvSpPr>
+          <p:cNvPr id="6" name="Foliennummernplatzhalter 5"/>
+          <p:cNvSpPr>
+            <a:spLocks noGrp="1"/>
+          </p:cNvSpPr>
+          <p:nvPr>
+            <p:ph type="sldNum" sz="quarter" idx="12"/>
+          </p:nvPr>
+        </p:nvSpPr>
+        <p:spPr/>
+        <p:txBody>
+          <a:bodyPr/>
+          <a:lstStyle/>
+          <a:p>
+            <a:r>
+              <a:rPr lang="de-DE"/>
+              <a:t>|  </a:t>
+            </a:r>
+            <a:fld id="{C36AA9A4-5D0B-4134-89A6-D8B9DAA4F25C}" type="slidenum">
+              <a:rPr lang="de-DE" smtClean="0"/>
+              <a:pPr/>
+              <a:t>15</a:t>
+            </a:fld>
+            <a:endParaRPr lang="de-DE"/>
+          </a:p>
+        </p:txBody>
+      </p:sp>
+    </p:spTree>
+    <p:extLst>
+      <p:ext uri="{BB962C8B-B14F-4D97-AF65-F5344CB8AC3E}">
+        <p14:creationId xmlns:p14="http://schemas.microsoft.com/office/powerpoint/2010/main" val="1055495334"/>
+      </p:ext>
+    </p:extLst>
+  </p:cSld>
+  <p:clrMapOvr>
+    <a:masterClrMapping/>
+  </p:clrMapOvr>
+</p:notes>
+</file>
+
+<file path=ppt/notesSlides/notesSlide16.xml><?xml version="1.0" encoding="utf-8"?>
+<p:notes xmlns:a="http://schemas.openxmlformats.org/drawingml/2006/main" xmlns:r="http://schemas.openxmlformats.org/officeDocument/2006/relationships" xmlns:p="http://schemas.openxmlformats.org/presentationml/2006/main">
+  <p:cSld>
+    <p:spTree>
+      <p:nvGrpSpPr>
+        <p:cNvPr id="1" name=""/>
+        <p:cNvGrpSpPr/>
+        <p:nvPr/>
+      </p:nvGrpSpPr>
+      <p:grpSpPr>
+        <a:xfrm>
+          <a:off x="0" y="0"/>
+          <a:ext cx="0" cy="0"/>
+          <a:chOff x="0" y="0"/>
+          <a:chExt cx="0" cy="0"/>
+        </a:xfrm>
+      </p:grpSpPr>
+      <p:sp>
+        <p:nvSpPr>
+          <p:cNvPr id="2" name="Folienbildplatzhalter 1"/>
+          <p:cNvSpPr>
+            <a:spLocks noGrp="1" noRot="1" noChangeAspect="1"/>
+          </p:cNvSpPr>
+          <p:nvPr>
+            <p:ph type="sldImg"/>
+          </p:nvPr>
+        </p:nvSpPr>
+        <p:spPr>
+          <a:xfrm>
+            <a:off x="1371600" y="923925"/>
+            <a:ext cx="4095750" cy="3071813"/>
+          </a:xfrm>
+        </p:spPr>
+      </p:sp>
+      <p:sp>
+        <p:nvSpPr>
+          <p:cNvPr id="3" name="Notizenplatzhalter 2"/>
+          <p:cNvSpPr>
+            <a:spLocks noGrp="1"/>
+          </p:cNvSpPr>
+          <p:nvPr>
+            <p:ph type="body" idx="1"/>
+          </p:nvPr>
+        </p:nvSpPr>
+        <p:spPr/>
+        <p:txBody>
+          <a:bodyPr/>
+          <a:lstStyle/>
+          <a:p>
+            <a:r>
+              <a:rPr lang="de-DE" dirty="0"/>
+              <a:t>Design: Simon</a:t>
+            </a:r>
+          </a:p>
+          <a:p>
+            <a:r>
+              <a:rPr lang="de-DE" dirty="0"/>
+              <a:t>Vortrag: Simon</a:t>
+            </a:r>
+          </a:p>
+        </p:txBody>
+      </p:sp>
+      <p:sp>
+        <p:nvSpPr>
+          <p:cNvPr id="4" name="Datumsplatzhalter 3"/>
+          <p:cNvSpPr>
+            <a:spLocks noGrp="1"/>
+          </p:cNvSpPr>
+          <p:nvPr>
+            <p:ph type="dt" idx="10"/>
+          </p:nvPr>
+        </p:nvSpPr>
+        <p:spPr/>
+        <p:txBody>
+          <a:bodyPr/>
+          <a:lstStyle/>
+          <a:p>
+            <a:fld id="{065B079B-E513-489A-8A1B-D7C78493EA86}" type="datetime4">
+              <a:rPr lang="de-DE" smtClean="0"/>
+              <a:pPr/>
+              <a:t>5. Juli 2017</a:t>
+            </a:fld>
+            <a:endParaRPr lang="de-DE"/>
+          </a:p>
+        </p:txBody>
+      </p:sp>
+      <p:sp>
+        <p:nvSpPr>
+          <p:cNvPr id="5" name="Fußzeilenplatzhalter 4"/>
+          <p:cNvSpPr>
+            <a:spLocks noGrp="1"/>
+          </p:cNvSpPr>
+          <p:nvPr>
+            <p:ph type="ftr" sz="quarter" idx="11"/>
+          </p:nvPr>
+        </p:nvSpPr>
+        <p:spPr/>
+        <p:txBody>
+          <a:bodyPr/>
+          <a:lstStyle/>
+          <a:p>
+            <a:r>
+              <a:rPr lang="de-DE"/>
+              <a:t>|  </a:t>
+            </a:r>
+          </a:p>
+        </p:txBody>
+      </p:sp>
+      <p:sp>
+        <p:nvSpPr>
+          <p:cNvPr id="6" name="Foliennummernplatzhalter 5"/>
+          <p:cNvSpPr>
+            <a:spLocks noGrp="1"/>
+          </p:cNvSpPr>
+          <p:nvPr>
+            <p:ph type="sldNum" sz="quarter" idx="12"/>
+          </p:nvPr>
+        </p:nvSpPr>
+        <p:spPr/>
+        <p:txBody>
+          <a:bodyPr/>
+          <a:lstStyle/>
+          <a:p>
+            <a:r>
+              <a:rPr lang="de-DE"/>
+              <a:t>|  </a:t>
+            </a:r>
+            <a:fld id="{C36AA9A4-5D0B-4134-89A6-D8B9DAA4F25C}" type="slidenum">
+              <a:rPr lang="de-DE" smtClean="0"/>
+              <a:pPr/>
+              <a:t>16</a:t>
+            </a:fld>
+            <a:endParaRPr lang="de-DE"/>
+          </a:p>
+        </p:txBody>
+      </p:sp>
+    </p:spTree>
+    <p:extLst>
+      <p:ext uri="{BB962C8B-B14F-4D97-AF65-F5344CB8AC3E}">
+        <p14:creationId xmlns:p14="http://schemas.microsoft.com/office/powerpoint/2010/main" val="3917348981"/>
+      </p:ext>
+    </p:extLst>
+  </p:cSld>
+  <p:clrMapOvr>
+    <a:masterClrMapping/>
+  </p:clrMapOvr>
+</p:notes>
+</file>
+
+<file path=ppt/notesSlides/notesSlide2.xml><?xml version="1.0" encoding="utf-8"?>
+<p:notes xmlns:a="http://schemas.openxmlformats.org/drawingml/2006/main" xmlns:r="http://schemas.openxmlformats.org/officeDocument/2006/relationships" xmlns:p="http://schemas.openxmlformats.org/presentationml/2006/main">
+  <p:cSld>
+    <p:spTree>
+      <p:nvGrpSpPr>
+        <p:cNvPr id="1" name=""/>
+        <p:cNvGrpSpPr/>
+        <p:nvPr/>
+      </p:nvGrpSpPr>
+      <p:grpSpPr>
+        <a:xfrm>
+          <a:off x="0" y="0"/>
+          <a:ext cx="0" cy="0"/>
+          <a:chOff x="0" y="0"/>
+          <a:chExt cx="0" cy="0"/>
+        </a:xfrm>
+      </p:grpSpPr>
+      <p:sp>
+        <p:nvSpPr>
+          <p:cNvPr id="2" name="Folienbildplatzhalter 1"/>
+          <p:cNvSpPr>
+            <a:spLocks noGrp="1" noRot="1" noChangeAspect="1"/>
+          </p:cNvSpPr>
+          <p:nvPr>
+            <p:ph type="sldImg"/>
+          </p:nvPr>
+        </p:nvSpPr>
+        <p:spPr>
+          <a:xfrm>
+            <a:off x="1371600" y="923925"/>
+            <a:ext cx="4095750" cy="3071813"/>
+          </a:xfrm>
+        </p:spPr>
+      </p:sp>
+      <p:sp>
+        <p:nvSpPr>
+          <p:cNvPr id="3" name="Notizenplatzhalter 2"/>
+          <p:cNvSpPr>
+            <a:spLocks noGrp="1"/>
+          </p:cNvSpPr>
+          <p:nvPr>
+            <p:ph type="body" idx="1"/>
+          </p:nvPr>
+        </p:nvSpPr>
+        <p:spPr/>
+        <p:txBody>
+          <a:bodyPr/>
+          <a:lstStyle/>
+          <a:p>
+            <a:r>
+              <a:rPr lang="de-DE" dirty="0"/>
+              <a:t>Simon</a:t>
+            </a:r>
+          </a:p>
+        </p:txBody>
+      </p:sp>
+      <p:sp>
+        <p:nvSpPr>
+          <p:cNvPr id="4" name="Datumsplatzhalter 3"/>
+          <p:cNvSpPr>
+            <a:spLocks noGrp="1"/>
+          </p:cNvSpPr>
+          <p:nvPr>
+            <p:ph type="dt" idx="10"/>
+          </p:nvPr>
+        </p:nvSpPr>
+        <p:spPr/>
+        <p:txBody>
+          <a:bodyPr/>
+          <a:lstStyle/>
+          <a:p>
+            <a:fld id="{065B079B-E513-489A-8A1B-D7C78493EA86}" type="datetime4">
+              <a:rPr lang="de-DE" smtClean="0"/>
+              <a:pPr/>
+              <a:t>5. Juli 2017</a:t>
+            </a:fld>
+            <a:endParaRPr lang="de-DE"/>
+          </a:p>
+        </p:txBody>
+      </p:sp>
+      <p:sp>
+        <p:nvSpPr>
+          <p:cNvPr id="5" name="Fußzeilenplatzhalter 4"/>
+          <p:cNvSpPr>
+            <a:spLocks noGrp="1"/>
+          </p:cNvSpPr>
+          <p:nvPr>
+            <p:ph type="ftr" sz="quarter" idx="11"/>
+          </p:nvPr>
+        </p:nvSpPr>
+        <p:spPr/>
+        <p:txBody>
+          <a:bodyPr/>
+          <a:lstStyle/>
+          <a:p>
+            <a:r>
+              <a:rPr lang="de-DE"/>
+              <a:t>|  </a:t>
+            </a:r>
+          </a:p>
+        </p:txBody>
+      </p:sp>
+      <p:sp>
+        <p:nvSpPr>
+          <p:cNvPr id="6" name="Foliennummernplatzhalter 5"/>
+          <p:cNvSpPr>
+            <a:spLocks noGrp="1"/>
+          </p:cNvSpPr>
+          <p:nvPr>
+            <p:ph type="sldNum" sz="quarter" idx="12"/>
+          </p:nvPr>
+        </p:nvSpPr>
+        <p:spPr/>
+        <p:txBody>
+          <a:bodyPr/>
+          <a:lstStyle/>
+          <a:p>
+            <a:r>
+              <a:rPr lang="de-DE"/>
+              <a:t>|  </a:t>
+            </a:r>
+            <a:fld id="{C36AA9A4-5D0B-4134-89A6-D8B9DAA4F25C}" type="slidenum">
+              <a:rPr lang="de-DE" smtClean="0"/>
+              <a:pPr/>
+              <a:t>2</a:t>
+            </a:fld>
+            <a:endParaRPr lang="de-DE"/>
+          </a:p>
+        </p:txBody>
+      </p:sp>
+    </p:spTree>
+    <p:extLst>
+      <p:ext uri="{BB962C8B-B14F-4D97-AF65-F5344CB8AC3E}">
+        <p14:creationId xmlns:p14="http://schemas.microsoft.com/office/powerpoint/2010/main" val="1613023689"/>
+      </p:ext>
+    </p:extLst>
+  </p:cSld>
+  <p:clrMapOvr>
+    <a:masterClrMapping/>
+  </p:clrMapOvr>
+</p:notes>
+</file>
+
+<file path=ppt/notesSlides/notesSlide3.xml><?xml version="1.0" encoding="utf-8"?>
+<p:notes xmlns:a="http://schemas.openxmlformats.org/drawingml/2006/main" xmlns:r="http://schemas.openxmlformats.org/officeDocument/2006/relationships" xmlns:p="http://schemas.openxmlformats.org/presentationml/2006/main">
+  <p:cSld>
+    <p:spTree>
+      <p:nvGrpSpPr>
+        <p:cNvPr id="1" name=""/>
+        <p:cNvGrpSpPr/>
+        <p:nvPr/>
+      </p:nvGrpSpPr>
+      <p:grpSpPr>
+        <a:xfrm>
+          <a:off x="0" y="0"/>
+          <a:ext cx="0" cy="0"/>
+          <a:chOff x="0" y="0"/>
+          <a:chExt cx="0" cy="0"/>
+        </a:xfrm>
+      </p:grpSpPr>
+      <p:sp>
+        <p:nvSpPr>
+          <p:cNvPr id="2" name="Folienbildplatzhalter 1"/>
+          <p:cNvSpPr>
+            <a:spLocks noGrp="1" noRot="1" noChangeAspect="1"/>
+          </p:cNvSpPr>
+          <p:nvPr>
+            <p:ph type="sldImg"/>
+          </p:nvPr>
+        </p:nvSpPr>
+        <p:spPr>
+          <a:xfrm>
+            <a:off x="1371600" y="923925"/>
+            <a:ext cx="4095750" cy="3071813"/>
+          </a:xfrm>
+        </p:spPr>
+      </p:sp>
+      <p:sp>
+        <p:nvSpPr>
+          <p:cNvPr id="3" name="Notizenplatzhalter 2"/>
+          <p:cNvSpPr>
+            <a:spLocks noGrp="1"/>
+          </p:cNvSpPr>
+          <p:nvPr>
+            <p:ph type="body" idx="1"/>
+          </p:nvPr>
+        </p:nvSpPr>
+        <p:spPr/>
+        <p:txBody>
+          <a:bodyPr/>
+          <a:lstStyle/>
+          <a:p>
+            <a:r>
+              <a:rPr lang="de-DE" dirty="0"/>
+              <a:t>Markus</a:t>
+            </a:r>
+          </a:p>
+        </p:txBody>
+      </p:sp>
+      <p:sp>
+        <p:nvSpPr>
+          <p:cNvPr id="4" name="Datumsplatzhalter 3"/>
+          <p:cNvSpPr>
+            <a:spLocks noGrp="1"/>
+          </p:cNvSpPr>
+          <p:nvPr>
+            <p:ph type="dt" idx="10"/>
+          </p:nvPr>
+        </p:nvSpPr>
+        <p:spPr/>
+        <p:txBody>
+          <a:bodyPr/>
+          <a:lstStyle/>
+          <a:p>
+            <a:fld id="{065B079B-E513-489A-8A1B-D7C78493EA86}" type="datetime4">
+              <a:rPr lang="de-DE" smtClean="0"/>
+              <a:pPr/>
+              <a:t>5. Juli 2017</a:t>
+            </a:fld>
+            <a:endParaRPr lang="de-DE"/>
+          </a:p>
+        </p:txBody>
+      </p:sp>
+      <p:sp>
+        <p:nvSpPr>
+          <p:cNvPr id="5" name="Fußzeilenplatzhalter 4"/>
+          <p:cNvSpPr>
+            <a:spLocks noGrp="1"/>
+          </p:cNvSpPr>
+          <p:nvPr>
+            <p:ph type="ftr" sz="quarter" idx="11"/>
+          </p:nvPr>
+        </p:nvSpPr>
+        <p:spPr/>
+        <p:txBody>
+          <a:bodyPr/>
+          <a:lstStyle/>
+          <a:p>
+            <a:r>
+              <a:rPr lang="de-DE"/>
+              <a:t>|  </a:t>
+            </a:r>
+          </a:p>
+        </p:txBody>
+      </p:sp>
+      <p:sp>
+        <p:nvSpPr>
+          <p:cNvPr id="6" name="Foliennummernplatzhalter 5"/>
+          <p:cNvSpPr>
+            <a:spLocks noGrp="1"/>
+          </p:cNvSpPr>
+          <p:nvPr>
+            <p:ph type="sldNum" sz="quarter" idx="12"/>
+          </p:nvPr>
+        </p:nvSpPr>
+        <p:spPr/>
+        <p:txBody>
+          <a:bodyPr/>
+          <a:lstStyle/>
+          <a:p>
+            <a:r>
+              <a:rPr lang="de-DE"/>
+              <a:t>|  </a:t>
+            </a:r>
+            <a:fld id="{C36AA9A4-5D0B-4134-89A6-D8B9DAA4F25C}" type="slidenum">
+              <a:rPr lang="de-DE" smtClean="0"/>
+              <a:pPr/>
+              <a:t>3</a:t>
+            </a:fld>
+            <a:endParaRPr lang="de-DE"/>
+          </a:p>
+        </p:txBody>
+      </p:sp>
+    </p:spTree>
+    <p:extLst>
+      <p:ext uri="{BB962C8B-B14F-4D97-AF65-F5344CB8AC3E}">
+        <p14:creationId xmlns:p14="http://schemas.microsoft.com/office/powerpoint/2010/main" val="999727259"/>
+      </p:ext>
+    </p:extLst>
+  </p:cSld>
+  <p:clrMapOvr>
+    <a:masterClrMapping/>
+  </p:clrMapOvr>
+</p:notes>
+</file>
+
+<file path=ppt/notesSlides/notesSlide4.xml><?xml version="1.0" encoding="utf-8"?>
+<p:notes xmlns:a="http://schemas.openxmlformats.org/drawingml/2006/main" xmlns:r="http://schemas.openxmlformats.org/officeDocument/2006/relationships" xmlns:p="http://schemas.openxmlformats.org/presentationml/2006/main">
+  <p:cSld>
+    <p:spTree>
+      <p:nvGrpSpPr>
+        <p:cNvPr id="1" name=""/>
+        <p:cNvGrpSpPr/>
+        <p:nvPr/>
+      </p:nvGrpSpPr>
+      <p:grpSpPr>
+        <a:xfrm>
+          <a:off x="0" y="0"/>
+          <a:ext cx="0" cy="0"/>
+          <a:chOff x="0" y="0"/>
+          <a:chExt cx="0" cy="0"/>
+        </a:xfrm>
+      </p:grpSpPr>
+      <p:sp>
+        <p:nvSpPr>
+          <p:cNvPr id="2" name="Folienbildplatzhalter 1"/>
+          <p:cNvSpPr>
+            <a:spLocks noGrp="1" noRot="1" noChangeAspect="1"/>
+          </p:cNvSpPr>
+          <p:nvPr>
+            <p:ph type="sldImg"/>
+          </p:nvPr>
+        </p:nvSpPr>
+        <p:spPr>
+          <a:xfrm>
+            <a:off x="1371600" y="923925"/>
+            <a:ext cx="4095750" cy="3071813"/>
+          </a:xfrm>
+        </p:spPr>
+      </p:sp>
+      <p:sp>
+        <p:nvSpPr>
+          <p:cNvPr id="3" name="Notizenplatzhalter 2"/>
+          <p:cNvSpPr>
+            <a:spLocks noGrp="1"/>
+          </p:cNvSpPr>
+          <p:nvPr>
+            <p:ph type="body" idx="1"/>
+          </p:nvPr>
+        </p:nvSpPr>
+        <p:spPr/>
+        <p:txBody>
+          <a:bodyPr/>
+          <a:lstStyle/>
+          <a:p>
+            <a:r>
+              <a:rPr lang="de-DE" dirty="0" err="1"/>
+              <a:t>Keijo</a:t>
+            </a:r>
+            <a:endParaRPr lang="de-DE" dirty="0"/>
+          </a:p>
+        </p:txBody>
+      </p:sp>
+      <p:sp>
+        <p:nvSpPr>
+          <p:cNvPr id="4" name="Datumsplatzhalter 3"/>
+          <p:cNvSpPr>
+            <a:spLocks noGrp="1"/>
+          </p:cNvSpPr>
+          <p:nvPr>
+            <p:ph type="dt" idx="10"/>
+          </p:nvPr>
+        </p:nvSpPr>
+        <p:spPr/>
+        <p:txBody>
+          <a:bodyPr/>
+          <a:lstStyle/>
+          <a:p>
+            <a:fld id="{065B079B-E513-489A-8A1B-D7C78493EA86}" type="datetime4">
+              <a:rPr lang="de-DE" smtClean="0"/>
+              <a:pPr/>
+              <a:t>5. Juli 2017</a:t>
+            </a:fld>
+            <a:endParaRPr lang="de-DE"/>
+          </a:p>
+        </p:txBody>
+      </p:sp>
+      <p:sp>
+        <p:nvSpPr>
+          <p:cNvPr id="5" name="Fußzeilenplatzhalter 4"/>
+          <p:cNvSpPr>
+            <a:spLocks noGrp="1"/>
+          </p:cNvSpPr>
+          <p:nvPr>
+            <p:ph type="ftr" sz="quarter" idx="11"/>
+          </p:nvPr>
+        </p:nvSpPr>
+        <p:spPr/>
+        <p:txBody>
+          <a:bodyPr/>
+          <a:lstStyle/>
+          <a:p>
+            <a:r>
+              <a:rPr lang="de-DE"/>
+              <a:t>|  </a:t>
+            </a:r>
+          </a:p>
+        </p:txBody>
+      </p:sp>
+      <p:sp>
+        <p:nvSpPr>
+          <p:cNvPr id="6" name="Foliennummernplatzhalter 5"/>
+          <p:cNvSpPr>
+            <a:spLocks noGrp="1"/>
+          </p:cNvSpPr>
+          <p:nvPr>
+            <p:ph type="sldNum" sz="quarter" idx="12"/>
+          </p:nvPr>
+        </p:nvSpPr>
+        <p:spPr/>
+        <p:txBody>
+          <a:bodyPr/>
+          <a:lstStyle/>
+          <a:p>
+            <a:r>
+              <a:rPr lang="de-DE"/>
+              <a:t>|  </a:t>
+            </a:r>
+            <a:fld id="{C36AA9A4-5D0B-4134-89A6-D8B9DAA4F25C}" type="slidenum">
+              <a:rPr lang="de-DE" smtClean="0"/>
+              <a:pPr/>
+              <a:t>4</a:t>
+            </a:fld>
+            <a:endParaRPr lang="de-DE"/>
+          </a:p>
+        </p:txBody>
+      </p:sp>
+    </p:spTree>
+    <p:extLst>
+      <p:ext uri="{BB962C8B-B14F-4D97-AF65-F5344CB8AC3E}">
+        <p14:creationId xmlns:p14="http://schemas.microsoft.com/office/powerpoint/2010/main" val="2465346441"/>
+      </p:ext>
+    </p:extLst>
+  </p:cSld>
+  <p:clrMapOvr>
+    <a:masterClrMapping/>
+  </p:clrMapOvr>
+</p:notes>
+</file>
+
+<file path=ppt/notesSlides/notesSlide5.xml><?xml version="1.0" encoding="utf-8"?>
+<p:notes xmlns:a="http://schemas.openxmlformats.org/drawingml/2006/main" xmlns:r="http://schemas.openxmlformats.org/officeDocument/2006/relationships" xmlns:p="http://schemas.openxmlformats.org/presentationml/2006/main">
+  <p:cSld>
+    <p:spTree>
+      <p:nvGrpSpPr>
+        <p:cNvPr id="1" name=""/>
+        <p:cNvGrpSpPr/>
+        <p:nvPr/>
+      </p:nvGrpSpPr>
+      <p:grpSpPr>
+        <a:xfrm>
+          <a:off x="0" y="0"/>
+          <a:ext cx="0" cy="0"/>
+          <a:chOff x="0" y="0"/>
+          <a:chExt cx="0" cy="0"/>
+        </a:xfrm>
+      </p:grpSpPr>
+      <p:sp>
+        <p:nvSpPr>
+          <p:cNvPr id="2" name="Folienbildplatzhalter 1"/>
+          <p:cNvSpPr>
+            <a:spLocks noGrp="1" noRot="1" noChangeAspect="1"/>
+          </p:cNvSpPr>
+          <p:nvPr>
+            <p:ph type="sldImg"/>
+          </p:nvPr>
+        </p:nvSpPr>
+        <p:spPr>
+          <a:xfrm>
+            <a:off x="1371600" y="923925"/>
+            <a:ext cx="4095750" cy="3071813"/>
+          </a:xfrm>
+        </p:spPr>
+      </p:sp>
+      <p:sp>
+        <p:nvSpPr>
+          <p:cNvPr id="3" name="Notizenplatzhalter 2"/>
+          <p:cNvSpPr>
+            <a:spLocks noGrp="1"/>
+          </p:cNvSpPr>
+          <p:nvPr>
+            <p:ph type="body" idx="1"/>
+          </p:nvPr>
+        </p:nvSpPr>
+        <p:spPr/>
+        <p:txBody>
+          <a:bodyPr/>
+          <a:lstStyle/>
+          <a:p>
+            <a:r>
+              <a:rPr lang="de-DE" dirty="0" err="1"/>
+              <a:t>Keijo</a:t>
+            </a:r>
+            <a:endParaRPr lang="de-DE" dirty="0"/>
+          </a:p>
+        </p:txBody>
+      </p:sp>
+      <p:sp>
+        <p:nvSpPr>
+          <p:cNvPr id="4" name="Datumsplatzhalter 3"/>
+          <p:cNvSpPr>
+            <a:spLocks noGrp="1"/>
+          </p:cNvSpPr>
+          <p:nvPr>
+            <p:ph type="dt" idx="10"/>
+          </p:nvPr>
+        </p:nvSpPr>
+        <p:spPr/>
+        <p:txBody>
+          <a:bodyPr/>
+          <a:lstStyle/>
+          <a:p>
+            <a:fld id="{065B079B-E513-489A-8A1B-D7C78493EA86}" type="datetime4">
+              <a:rPr lang="de-DE" smtClean="0"/>
+              <a:pPr/>
+              <a:t>5. Juli 2017</a:t>
+            </a:fld>
+            <a:endParaRPr lang="de-DE"/>
+          </a:p>
+        </p:txBody>
+      </p:sp>
+      <p:sp>
+        <p:nvSpPr>
+          <p:cNvPr id="5" name="Fußzeilenplatzhalter 4"/>
+          <p:cNvSpPr>
+            <a:spLocks noGrp="1"/>
+          </p:cNvSpPr>
+          <p:nvPr>
+            <p:ph type="ftr" sz="quarter" idx="11"/>
+          </p:nvPr>
+        </p:nvSpPr>
+        <p:spPr/>
+        <p:txBody>
+          <a:bodyPr/>
+          <a:lstStyle/>
+          <a:p>
+            <a:r>
+              <a:rPr lang="de-DE"/>
+              <a:t>|  </a:t>
+            </a:r>
+          </a:p>
+        </p:txBody>
+      </p:sp>
+      <p:sp>
+        <p:nvSpPr>
+          <p:cNvPr id="6" name="Foliennummernplatzhalter 5"/>
+          <p:cNvSpPr>
+            <a:spLocks noGrp="1"/>
+          </p:cNvSpPr>
+          <p:nvPr>
+            <p:ph type="sldNum" sz="quarter" idx="12"/>
+          </p:nvPr>
+        </p:nvSpPr>
+        <p:spPr/>
+        <p:txBody>
+          <a:bodyPr/>
+          <a:lstStyle/>
+          <a:p>
+            <a:r>
+              <a:rPr lang="de-DE"/>
+              <a:t>|  </a:t>
+            </a:r>
+            <a:fld id="{C36AA9A4-5D0B-4134-89A6-D8B9DAA4F25C}" type="slidenum">
+              <a:rPr lang="de-DE" smtClean="0"/>
+              <a:pPr/>
+              <a:t>5</a:t>
+            </a:fld>
+            <a:endParaRPr lang="de-DE"/>
+          </a:p>
+        </p:txBody>
+      </p:sp>
+    </p:spTree>
+    <p:extLst>
+      <p:ext uri="{BB962C8B-B14F-4D97-AF65-F5344CB8AC3E}">
+        <p14:creationId xmlns:p14="http://schemas.microsoft.com/office/powerpoint/2010/main" val="1117540484"/>
+      </p:ext>
+    </p:extLst>
+  </p:cSld>
+  <p:clrMapOvr>
+    <a:masterClrMapping/>
+  </p:clrMapOvr>
+</p:notes>
+</file>
+
+<file path=ppt/notesSlides/notesSlide6.xml><?xml version="1.0" encoding="utf-8"?>
+<p:notes xmlns:a="http://schemas.openxmlformats.org/drawingml/2006/main" xmlns:r="http://schemas.openxmlformats.org/officeDocument/2006/relationships" xmlns:p="http://schemas.openxmlformats.org/presentationml/2006/main">
+  <p:cSld>
+    <p:spTree>
+      <p:nvGrpSpPr>
+        <p:cNvPr id="1" name=""/>
+        <p:cNvGrpSpPr/>
+        <p:nvPr/>
+      </p:nvGrpSpPr>
+      <p:grpSpPr>
+        <a:xfrm>
+          <a:off x="0" y="0"/>
+          <a:ext cx="0" cy="0"/>
+          <a:chOff x="0" y="0"/>
+          <a:chExt cx="0" cy="0"/>
+        </a:xfrm>
+      </p:grpSpPr>
+      <p:sp>
+        <p:nvSpPr>
+          <p:cNvPr id="2" name="Folienbildplatzhalter 1"/>
+          <p:cNvSpPr>
+            <a:spLocks noGrp="1" noRot="1" noChangeAspect="1"/>
+          </p:cNvSpPr>
+          <p:nvPr>
+            <p:ph type="sldImg"/>
+          </p:nvPr>
+        </p:nvSpPr>
+        <p:spPr>
+          <a:xfrm>
+            <a:off x="1371600" y="923925"/>
+            <a:ext cx="4095750" cy="3071813"/>
+          </a:xfrm>
+        </p:spPr>
+      </p:sp>
+      <p:sp>
+        <p:nvSpPr>
+          <p:cNvPr id="3" name="Notizenplatzhalter 2"/>
+          <p:cNvSpPr>
+            <a:spLocks noGrp="1"/>
+          </p:cNvSpPr>
+          <p:nvPr>
+            <p:ph type="body" idx="1"/>
+          </p:nvPr>
+        </p:nvSpPr>
+        <p:spPr/>
+        <p:txBody>
+          <a:bodyPr/>
+          <a:lstStyle/>
+          <a:p>
+            <a:r>
+              <a:rPr lang="de-DE" dirty="0"/>
+              <a:t>Simon</a:t>
+            </a:r>
+          </a:p>
+        </p:txBody>
+      </p:sp>
+      <p:sp>
+        <p:nvSpPr>
+          <p:cNvPr id="4" name="Datumsplatzhalter 3"/>
+          <p:cNvSpPr>
+            <a:spLocks noGrp="1"/>
+          </p:cNvSpPr>
+          <p:nvPr>
+            <p:ph type="dt" idx="10"/>
+          </p:nvPr>
+        </p:nvSpPr>
+        <p:spPr/>
+        <p:txBody>
+          <a:bodyPr/>
+          <a:lstStyle/>
+          <a:p>
+            <a:fld id="{065B079B-E513-489A-8A1B-D7C78493EA86}" type="datetime4">
+              <a:rPr lang="de-DE" smtClean="0"/>
+              <a:pPr/>
+              <a:t>5. Juli 2017</a:t>
+            </a:fld>
+            <a:endParaRPr lang="de-DE"/>
+          </a:p>
+        </p:txBody>
+      </p:sp>
+      <p:sp>
+        <p:nvSpPr>
+          <p:cNvPr id="5" name="Fußzeilenplatzhalter 4"/>
+          <p:cNvSpPr>
+            <a:spLocks noGrp="1"/>
+          </p:cNvSpPr>
+          <p:nvPr>
+            <p:ph type="ftr" sz="quarter" idx="11"/>
+          </p:nvPr>
+        </p:nvSpPr>
+        <p:spPr/>
+        <p:txBody>
+          <a:bodyPr/>
+          <a:lstStyle/>
+          <a:p>
+            <a:r>
+              <a:rPr lang="de-DE"/>
+              <a:t>|  </a:t>
+            </a:r>
+          </a:p>
+        </p:txBody>
+      </p:sp>
+      <p:sp>
+        <p:nvSpPr>
+          <p:cNvPr id="6" name="Foliennummernplatzhalter 5"/>
+          <p:cNvSpPr>
+            <a:spLocks noGrp="1"/>
+          </p:cNvSpPr>
+          <p:nvPr>
+            <p:ph type="sldNum" sz="quarter" idx="12"/>
+          </p:nvPr>
+        </p:nvSpPr>
+        <p:spPr/>
+        <p:txBody>
+          <a:bodyPr/>
+          <a:lstStyle/>
+          <a:p>
+            <a:r>
+              <a:rPr lang="de-DE"/>
+              <a:t>|  </a:t>
+            </a:r>
+            <a:fld id="{C36AA9A4-5D0B-4134-89A6-D8B9DAA4F25C}" type="slidenum">
+              <a:rPr lang="de-DE" smtClean="0"/>
+              <a:pPr/>
+              <a:t>6</a:t>
+            </a:fld>
+            <a:endParaRPr lang="de-DE"/>
+          </a:p>
+        </p:txBody>
+      </p:sp>
+    </p:spTree>
+    <p:extLst>
+      <p:ext uri="{BB962C8B-B14F-4D97-AF65-F5344CB8AC3E}">
+        <p14:creationId xmlns:p14="http://schemas.microsoft.com/office/powerpoint/2010/main" val="1222734693"/>
+      </p:ext>
+    </p:extLst>
+  </p:cSld>
+  <p:clrMapOvr>
+    <a:masterClrMapping/>
+  </p:clrMapOvr>
+</p:notes>
+</file>
+
+<file path=ppt/notesSlides/notesSlide7.xml><?xml version="1.0" encoding="utf-8"?>
+<p:notes xmlns:a="http://schemas.openxmlformats.org/drawingml/2006/main" xmlns:r="http://schemas.openxmlformats.org/officeDocument/2006/relationships" xmlns:p="http://schemas.openxmlformats.org/presentationml/2006/main">
+  <p:cSld>
+    <p:spTree>
+      <p:nvGrpSpPr>
+        <p:cNvPr id="1" name=""/>
+        <p:cNvGrpSpPr/>
+        <p:nvPr/>
+      </p:nvGrpSpPr>
+      <p:grpSpPr>
+        <a:xfrm>
+          <a:off x="0" y="0"/>
+          <a:ext cx="0" cy="0"/>
+          <a:chOff x="0" y="0"/>
+          <a:chExt cx="0" cy="0"/>
+        </a:xfrm>
+      </p:grpSpPr>
+      <p:sp>
+        <p:nvSpPr>
+          <p:cNvPr id="2" name="Folienbildplatzhalter 1"/>
+          <p:cNvSpPr>
+            <a:spLocks noGrp="1" noRot="1" noChangeAspect="1"/>
+          </p:cNvSpPr>
+          <p:nvPr>
+            <p:ph type="sldImg"/>
+          </p:nvPr>
+        </p:nvSpPr>
+        <p:spPr>
+          <a:xfrm>
+            <a:off x="1371600" y="923925"/>
+            <a:ext cx="4095750" cy="3071813"/>
+          </a:xfrm>
+        </p:spPr>
+      </p:sp>
+      <p:sp>
+        <p:nvSpPr>
+          <p:cNvPr id="3" name="Notizenplatzhalter 2"/>
+          <p:cNvSpPr>
+            <a:spLocks noGrp="1"/>
+          </p:cNvSpPr>
+          <p:nvPr>
+            <p:ph type="body" idx="1"/>
+          </p:nvPr>
+        </p:nvSpPr>
+        <p:spPr/>
+        <p:txBody>
+          <a:bodyPr/>
+          <a:lstStyle/>
+          <a:p>
+            <a:r>
+              <a:rPr lang="de-DE" dirty="0"/>
+              <a:t>Simon</a:t>
+            </a:r>
+          </a:p>
+        </p:txBody>
+      </p:sp>
+      <p:sp>
+        <p:nvSpPr>
+          <p:cNvPr id="4" name="Datumsplatzhalter 3"/>
+          <p:cNvSpPr>
+            <a:spLocks noGrp="1"/>
+          </p:cNvSpPr>
+          <p:nvPr>
+            <p:ph type="dt" idx="10"/>
+          </p:nvPr>
+        </p:nvSpPr>
+        <p:spPr/>
+        <p:txBody>
+          <a:bodyPr/>
+          <a:lstStyle/>
+          <a:p>
+            <a:fld id="{065B079B-E513-489A-8A1B-D7C78493EA86}" type="datetime4">
+              <a:rPr lang="de-DE" smtClean="0"/>
+              <a:pPr/>
+              <a:t>5. Juli 2017</a:t>
+            </a:fld>
+            <a:endParaRPr lang="de-DE"/>
+          </a:p>
+        </p:txBody>
+      </p:sp>
+      <p:sp>
+        <p:nvSpPr>
+          <p:cNvPr id="5" name="Fußzeilenplatzhalter 4"/>
+          <p:cNvSpPr>
+            <a:spLocks noGrp="1"/>
+          </p:cNvSpPr>
+          <p:nvPr>
+            <p:ph type="ftr" sz="quarter" idx="11"/>
+          </p:nvPr>
+        </p:nvSpPr>
+        <p:spPr/>
+        <p:txBody>
+          <a:bodyPr/>
+          <a:lstStyle/>
+          <a:p>
+            <a:r>
+              <a:rPr lang="de-DE"/>
+              <a:t>|  </a:t>
+            </a:r>
+          </a:p>
+        </p:txBody>
+      </p:sp>
+      <p:sp>
+        <p:nvSpPr>
+          <p:cNvPr id="6" name="Foliennummernplatzhalter 5"/>
+          <p:cNvSpPr>
+            <a:spLocks noGrp="1"/>
+          </p:cNvSpPr>
+          <p:nvPr>
+            <p:ph type="sldNum" sz="quarter" idx="12"/>
+          </p:nvPr>
+        </p:nvSpPr>
+        <p:spPr/>
+        <p:txBody>
+          <a:bodyPr/>
+          <a:lstStyle/>
+          <a:p>
+            <a:r>
+              <a:rPr lang="de-DE"/>
+              <a:t>|  </a:t>
+            </a:r>
+            <a:fld id="{C36AA9A4-5D0B-4134-89A6-D8B9DAA4F25C}" type="slidenum">
+              <a:rPr lang="de-DE" smtClean="0"/>
+              <a:pPr/>
+              <a:t>7</a:t>
+            </a:fld>
+            <a:endParaRPr lang="de-DE"/>
+          </a:p>
+        </p:txBody>
+      </p:sp>
+    </p:spTree>
+    <p:extLst>
+      <p:ext uri="{BB962C8B-B14F-4D97-AF65-F5344CB8AC3E}">
+        <p14:creationId xmlns:p14="http://schemas.microsoft.com/office/powerpoint/2010/main" val="336159105"/>
+      </p:ext>
+    </p:extLst>
+  </p:cSld>
+  <p:clrMapOvr>
+    <a:masterClrMapping/>
+  </p:clrMapOvr>
+</p:notes>
+</file>
+
+<file path=ppt/notesSlides/notesSlide8.xml><?xml version="1.0" encoding="utf-8"?>
+<p:notes xmlns:a="http://schemas.openxmlformats.org/drawingml/2006/main" xmlns:r="http://schemas.openxmlformats.org/officeDocument/2006/relationships" xmlns:p="http://schemas.openxmlformats.org/presentationml/2006/main">
+  <p:cSld>
+    <p:spTree>
+      <p:nvGrpSpPr>
+        <p:cNvPr id="1" name=""/>
+        <p:cNvGrpSpPr/>
+        <p:nvPr/>
+      </p:nvGrpSpPr>
+      <p:grpSpPr>
+        <a:xfrm>
+          <a:off x="0" y="0"/>
+          <a:ext cx="0" cy="0"/>
+          <a:chOff x="0" y="0"/>
+          <a:chExt cx="0" cy="0"/>
+        </a:xfrm>
+      </p:grpSpPr>
+      <p:sp>
+        <p:nvSpPr>
+          <p:cNvPr id="2" name="Folienbildplatzhalter 1"/>
+          <p:cNvSpPr>
+            <a:spLocks noGrp="1" noRot="1" noChangeAspect="1"/>
+          </p:cNvSpPr>
+          <p:nvPr>
+            <p:ph type="sldImg"/>
+          </p:nvPr>
+        </p:nvSpPr>
+        <p:spPr>
+          <a:xfrm>
+            <a:off x="1371600" y="923925"/>
+            <a:ext cx="4095750" cy="3071813"/>
+          </a:xfrm>
+        </p:spPr>
+      </p:sp>
+      <p:sp>
+        <p:nvSpPr>
+          <p:cNvPr id="3" name="Notizenplatzhalter 2"/>
+          <p:cNvSpPr>
+            <a:spLocks noGrp="1"/>
+          </p:cNvSpPr>
+          <p:nvPr>
+            <p:ph type="body" idx="1"/>
+          </p:nvPr>
+        </p:nvSpPr>
+        <p:spPr/>
+        <p:txBody>
+          <a:bodyPr/>
+          <a:lstStyle/>
+          <a:p>
+            <a:r>
+              <a:rPr lang="de-DE" dirty="0"/>
+              <a:t>Markus</a:t>
+            </a:r>
+          </a:p>
+        </p:txBody>
+      </p:sp>
+      <p:sp>
+        <p:nvSpPr>
+          <p:cNvPr id="4" name="Datumsplatzhalter 3"/>
+          <p:cNvSpPr>
+            <a:spLocks noGrp="1"/>
+          </p:cNvSpPr>
+          <p:nvPr>
+            <p:ph type="dt" idx="10"/>
+          </p:nvPr>
+        </p:nvSpPr>
+        <p:spPr/>
+        <p:txBody>
+          <a:bodyPr/>
+          <a:lstStyle/>
+          <a:p>
+            <a:fld id="{065B079B-E513-489A-8A1B-D7C78493EA86}" type="datetime4">
+              <a:rPr lang="de-DE" smtClean="0"/>
+              <a:pPr/>
+              <a:t>5. Juli 2017</a:t>
+            </a:fld>
+            <a:endParaRPr lang="de-DE"/>
+          </a:p>
+        </p:txBody>
+      </p:sp>
+      <p:sp>
+        <p:nvSpPr>
+          <p:cNvPr id="5" name="Fußzeilenplatzhalter 4"/>
+          <p:cNvSpPr>
+            <a:spLocks noGrp="1"/>
+          </p:cNvSpPr>
+          <p:nvPr>
+            <p:ph type="ftr" sz="quarter" idx="11"/>
+          </p:nvPr>
+        </p:nvSpPr>
+        <p:spPr/>
+        <p:txBody>
+          <a:bodyPr/>
+          <a:lstStyle/>
+          <a:p>
+            <a:r>
+              <a:rPr lang="de-DE"/>
+              <a:t>|  </a:t>
+            </a:r>
+          </a:p>
+        </p:txBody>
+      </p:sp>
+      <p:sp>
+        <p:nvSpPr>
+          <p:cNvPr id="6" name="Foliennummernplatzhalter 5"/>
+          <p:cNvSpPr>
+            <a:spLocks noGrp="1"/>
+          </p:cNvSpPr>
+          <p:nvPr>
+            <p:ph type="sldNum" sz="quarter" idx="12"/>
+          </p:nvPr>
+        </p:nvSpPr>
+        <p:spPr/>
+        <p:txBody>
+          <a:bodyPr/>
+          <a:lstStyle/>
+          <a:p>
+            <a:r>
+              <a:rPr lang="de-DE"/>
+              <a:t>|  </a:t>
+            </a:r>
+            <a:fld id="{C36AA9A4-5D0B-4134-89A6-D8B9DAA4F25C}" type="slidenum">
+              <a:rPr lang="de-DE" smtClean="0"/>
+              <a:pPr/>
+              <a:t>8</a:t>
+            </a:fld>
+            <a:endParaRPr lang="de-DE"/>
+          </a:p>
+        </p:txBody>
+      </p:sp>
+    </p:spTree>
+    <p:extLst>
+      <p:ext uri="{BB962C8B-B14F-4D97-AF65-F5344CB8AC3E}">
+        <p14:creationId xmlns:p14="http://schemas.microsoft.com/office/powerpoint/2010/main" val="3915813997"/>
+      </p:ext>
+    </p:extLst>
+  </p:cSld>
+  <p:clrMapOvr>
+    <a:masterClrMapping/>
+  </p:clrMapOvr>
+</p:notes>
+</file>
+
+<file path=ppt/notesSlides/notesSlide9.xml><?xml version="1.0" encoding="utf-8"?>
+<p:notes xmlns:a="http://schemas.openxmlformats.org/drawingml/2006/main" xmlns:r="http://schemas.openxmlformats.org/officeDocument/2006/relationships" xmlns:p="http://schemas.openxmlformats.org/presentationml/2006/main">
+  <p:cSld>
+    <p:spTree>
+      <p:nvGrpSpPr>
+        <p:cNvPr id="1" name=""/>
+        <p:cNvGrpSpPr/>
+        <p:nvPr/>
+      </p:nvGrpSpPr>
+      <p:grpSpPr>
+        <a:xfrm>
+          <a:off x="0" y="0"/>
+          <a:ext cx="0" cy="0"/>
+          <a:chOff x="0" y="0"/>
+          <a:chExt cx="0" cy="0"/>
+        </a:xfrm>
+      </p:grpSpPr>
+      <p:sp>
+        <p:nvSpPr>
+          <p:cNvPr id="2" name="Folienbildplatzhalter 1"/>
+          <p:cNvSpPr>
+            <a:spLocks noGrp="1" noRot="1" noChangeAspect="1"/>
+          </p:cNvSpPr>
+          <p:nvPr>
+            <p:ph type="sldImg"/>
+          </p:nvPr>
+        </p:nvSpPr>
+        <p:spPr>
+          <a:xfrm>
+            <a:off x="1371600" y="923925"/>
+            <a:ext cx="4095750" cy="3071813"/>
+          </a:xfrm>
+        </p:spPr>
+      </p:sp>
+      <p:sp>
+        <p:nvSpPr>
+          <p:cNvPr id="3" name="Notizenplatzhalter 2"/>
+          <p:cNvSpPr>
+            <a:spLocks noGrp="1"/>
+          </p:cNvSpPr>
+          <p:nvPr>
+            <p:ph type="body" idx="1"/>
+          </p:nvPr>
+        </p:nvSpPr>
+        <p:spPr/>
+        <p:txBody>
+          <a:bodyPr/>
+          <a:lstStyle/>
+          <a:p>
+            <a:endParaRPr lang="de-DE" dirty="0"/>
+          </a:p>
+        </p:txBody>
+      </p:sp>
+      <p:sp>
+        <p:nvSpPr>
+          <p:cNvPr id="4" name="Datumsplatzhalter 3"/>
+          <p:cNvSpPr>
+            <a:spLocks noGrp="1"/>
+          </p:cNvSpPr>
+          <p:nvPr>
+            <p:ph type="dt" idx="10"/>
+          </p:nvPr>
+        </p:nvSpPr>
+        <p:spPr/>
+        <p:txBody>
+          <a:bodyPr/>
+          <a:lstStyle/>
+          <a:p>
+            <a:fld id="{065B079B-E513-489A-8A1B-D7C78493EA86}" type="datetime4">
+              <a:rPr lang="de-DE" smtClean="0"/>
+              <a:pPr/>
+              <a:t>5. Juli 2017</a:t>
+            </a:fld>
+            <a:endParaRPr lang="de-DE"/>
+          </a:p>
+        </p:txBody>
+      </p:sp>
+      <p:sp>
+        <p:nvSpPr>
+          <p:cNvPr id="5" name="Fußzeilenplatzhalter 4"/>
+          <p:cNvSpPr>
+            <a:spLocks noGrp="1"/>
+          </p:cNvSpPr>
+          <p:nvPr>
+            <p:ph type="ftr" sz="quarter" idx="11"/>
+          </p:nvPr>
+        </p:nvSpPr>
+        <p:spPr/>
+        <p:txBody>
+          <a:bodyPr/>
+          <a:lstStyle/>
+          <a:p>
+            <a:r>
+              <a:rPr lang="de-DE"/>
+              <a:t>|  </a:t>
+            </a:r>
+          </a:p>
+        </p:txBody>
+      </p:sp>
+      <p:sp>
+        <p:nvSpPr>
+          <p:cNvPr id="6" name="Foliennummernplatzhalter 5"/>
+          <p:cNvSpPr>
+            <a:spLocks noGrp="1"/>
+          </p:cNvSpPr>
+          <p:nvPr>
+            <p:ph type="sldNum" sz="quarter" idx="12"/>
+          </p:nvPr>
+        </p:nvSpPr>
+        <p:spPr/>
+        <p:txBody>
+          <a:bodyPr/>
+          <a:lstStyle/>
+          <a:p>
+            <a:r>
+              <a:rPr lang="de-DE"/>
+              <a:t>|  </a:t>
+            </a:r>
+            <a:fld id="{C36AA9A4-5D0B-4134-89A6-D8B9DAA4F25C}" type="slidenum">
+              <a:rPr lang="de-DE" smtClean="0"/>
+              <a:pPr/>
+              <a:t>9</a:t>
+            </a:fld>
+            <a:endParaRPr lang="de-DE"/>
+          </a:p>
+        </p:txBody>
+      </p:sp>
+    </p:spTree>
+    <p:extLst>
+      <p:ext uri="{BB962C8B-B14F-4D97-AF65-F5344CB8AC3E}">
+        <p14:creationId xmlns:p14="http://schemas.microsoft.com/office/powerpoint/2010/main" val="228396535"/>
+      </p:ext>
+    </p:extLst>
+  </p:cSld>
+  <p:clrMapOvr>
+    <a:masterClrMapping/>
+  </p:clrMapOvr>
+</p:notes>
 </file>
 
 <file path=ppt/slideLayouts/slideLayout1.xml><?xml version="1.0" encoding="utf-8"?>
@@ -4482,12 +6788,11 @@
           <p:nvPr/>
         </p:nvPicPr>
         <p:blipFill>
-          <a:blip r:embed="rId2" cstate="print">
-            <a:grayscl/>
+          <a:blip r:embed="rId3" cstate="print">
             <a:extLst>
               <a:ext uri="{BEBA8EAE-BF5A-486C-A8C5-ECC9F3942E4B}">
                 <a14:imgProps xmlns:a14="http://schemas.microsoft.com/office/drawing/2010/main">
-                  <a14:imgLayer r:embed="rId3">
+                  <a14:imgLayer r:embed="rId4">
                     <a14:imgEffect>
                       <a14:colorTemperature colorTemp="8242"/>
                     </a14:imgEffect>
@@ -4521,7 +6826,7 @@
 </p:sld>
 </file>
 
-<file path=ppt/slides/slide2.xml><?xml version="1.0" encoding="utf-8"?>
+<file path=ppt/slides/slide10.xml><?xml version="1.0" encoding="utf-8"?>
 <p:sld xmlns:a="http://schemas.openxmlformats.org/drawingml/2006/main" xmlns:r="http://schemas.openxmlformats.org/officeDocument/2006/relationships" xmlns:p="http://schemas.openxmlformats.org/presentationml/2006/main">
   <p:cSld>
     <p:spTree>
@@ -4543,7 +6848,7 @@
           <p:cNvPr id="2" name="Titel 1">
             <a:extLst>
               <a:ext uri="{FF2B5EF4-FFF2-40B4-BE49-F238E27FC236}">
-                <a16:creationId xmlns:a16="http://schemas.microsoft.com/office/drawing/2014/main" id="{D27A44A1-7D5C-4ED1-B1CC-16A1827DE5CE}"/>
+                <a16:creationId xmlns:a16="http://schemas.microsoft.com/office/drawing/2014/main" id="{98E30EB0-62A0-4D55-AF97-782AB848AE3B}"/>
               </a:ext>
             </a:extLst>
           </p:cNvPr>
@@ -4561,7 +6866,7 @@
           <a:p>
             <a:r>
               <a:rPr lang="de-DE" dirty="0"/>
-              <a:t>Gliederung</a:t>
+              <a:t>Kanalströmung: Geometrie </a:t>
             </a:r>
           </a:p>
         </p:txBody>
@@ -4571,7 +6876,7 @@
           <p:cNvPr id="3" name="Inhaltsplatzhalter 2">
             <a:extLst>
               <a:ext uri="{FF2B5EF4-FFF2-40B4-BE49-F238E27FC236}">
-                <a16:creationId xmlns:a16="http://schemas.microsoft.com/office/drawing/2014/main" id="{0A11E94A-080C-4F4A-B9ED-FC1B878B8CE0}"/>
+                <a16:creationId xmlns:a16="http://schemas.microsoft.com/office/drawing/2014/main" id="{5CE73134-BC2B-467B-B2FE-58257A89BDB4}"/>
               </a:ext>
             </a:extLst>
           </p:cNvPr>
@@ -4587,61 +6892,6 @@
           <a:bodyPr/>
           <a:lstStyle/>
           <a:p>
-            <a:r>
-              <a:rPr lang="de-DE" dirty="0"/>
-              <a:t>Grundlagen Turbomaschinen und Thermodynamik</a:t>
-            </a:r>
-          </a:p>
-          <a:p>
-            <a:pPr lvl="2"/>
-            <a:r>
-              <a:rPr lang="de-DE" dirty="0"/>
-              <a:t>Wirkungsgraddefinitionen</a:t>
-            </a:r>
-          </a:p>
-          <a:p>
-            <a:r>
-              <a:rPr lang="de-DE" dirty="0"/>
-              <a:t>Aachen-Turbine</a:t>
-            </a:r>
-          </a:p>
-          <a:p>
-            <a:pPr lvl="2"/>
-            <a:r>
-              <a:rPr lang="de-DE" dirty="0"/>
-              <a:t>Strukturiert</a:t>
-            </a:r>
-          </a:p>
-          <a:p>
-            <a:pPr lvl="2"/>
-            <a:r>
-              <a:rPr lang="de-DE" dirty="0"/>
-              <a:t>Unstrukturiert</a:t>
-            </a:r>
-          </a:p>
-          <a:p>
-            <a:pPr lvl="1"/>
-            <a:r>
-              <a:rPr lang="de-DE" dirty="0"/>
-              <a:t>Kanalströmung</a:t>
-            </a:r>
-          </a:p>
-          <a:p>
-            <a:pPr lvl="1"/>
-            <a:r>
-              <a:rPr lang="de-DE" dirty="0"/>
-              <a:t>Auswertungstool</a:t>
-            </a:r>
-          </a:p>
-          <a:p>
-            <a:pPr lvl="1"/>
-            <a:r>
-              <a:rPr lang="de-DE" dirty="0"/>
-              <a:t>Fazit</a:t>
-            </a:r>
-          </a:p>
-          <a:p>
-            <a:pPr lvl="1"/>
             <a:endParaRPr lang="de-DE" dirty="0"/>
           </a:p>
         </p:txBody>
@@ -4649,7 +6899,7 @@
     </p:spTree>
     <p:extLst>
       <p:ext uri="{BB962C8B-B14F-4D97-AF65-F5344CB8AC3E}">
-        <p14:creationId xmlns:p14="http://schemas.microsoft.com/office/powerpoint/2010/main" val="305700967"/>
+        <p14:creationId xmlns:p14="http://schemas.microsoft.com/office/powerpoint/2010/main" val="3058563938"/>
       </p:ext>
     </p:extLst>
   </p:cSld>
@@ -4659,7 +6909,487 @@
 </p:sld>
 </file>
 
-<file path=ppt/slides/slide3.xml><?xml version="1.0" encoding="utf-8"?>
+<file path=ppt/slides/slide11.xml><?xml version="1.0" encoding="utf-8"?>
+<p:sld xmlns:a="http://schemas.openxmlformats.org/drawingml/2006/main" xmlns:r="http://schemas.openxmlformats.org/officeDocument/2006/relationships" xmlns:p="http://schemas.openxmlformats.org/presentationml/2006/main">
+  <p:cSld>
+    <p:spTree>
+      <p:nvGrpSpPr>
+        <p:cNvPr id="1" name=""/>
+        <p:cNvGrpSpPr/>
+        <p:nvPr/>
+      </p:nvGrpSpPr>
+      <p:grpSpPr>
+        <a:xfrm>
+          <a:off x="0" y="0"/>
+          <a:ext cx="0" cy="0"/>
+          <a:chOff x="0" y="0"/>
+          <a:chExt cx="0" cy="0"/>
+        </a:xfrm>
+      </p:grpSpPr>
+      <p:sp>
+        <p:nvSpPr>
+          <p:cNvPr id="2" name="Titel 1">
+            <a:extLst>
+              <a:ext uri="{FF2B5EF4-FFF2-40B4-BE49-F238E27FC236}">
+                <a16:creationId xmlns:a16="http://schemas.microsoft.com/office/drawing/2014/main" id="{92BC8844-D44E-4A34-A3E9-BBC46793D01F}"/>
+              </a:ext>
+            </a:extLst>
+          </p:cNvPr>
+          <p:cNvSpPr>
+            <a:spLocks noGrp="1"/>
+          </p:cNvSpPr>
+          <p:nvPr>
+            <p:ph type="title"/>
+          </p:nvPr>
+        </p:nvSpPr>
+        <p:spPr/>
+        <p:txBody>
+          <a:bodyPr/>
+          <a:lstStyle/>
+          <a:p>
+            <a:r>
+              <a:rPr lang="de-DE" dirty="0"/>
+              <a:t>Kanalströmung: Setups</a:t>
+            </a:r>
+          </a:p>
+        </p:txBody>
+      </p:sp>
+      <p:sp>
+        <p:nvSpPr>
+          <p:cNvPr id="3" name="Inhaltsplatzhalter 2">
+            <a:extLst>
+              <a:ext uri="{FF2B5EF4-FFF2-40B4-BE49-F238E27FC236}">
+                <a16:creationId xmlns:a16="http://schemas.microsoft.com/office/drawing/2014/main" id="{226BDF4D-EA65-4EB5-9166-5B6F009BEDE8}"/>
+              </a:ext>
+            </a:extLst>
+          </p:cNvPr>
+          <p:cNvSpPr>
+            <a:spLocks noGrp="1"/>
+          </p:cNvSpPr>
+          <p:nvPr>
+            <p:ph idx="1"/>
+          </p:nvPr>
+        </p:nvSpPr>
+        <p:spPr/>
+        <p:txBody>
+          <a:bodyPr/>
+          <a:lstStyle/>
+          <a:p>
+            <a:r>
+              <a:rPr lang="de-DE" dirty="0"/>
+              <a:t>Verschiedenen RBs</a:t>
+            </a:r>
+          </a:p>
+        </p:txBody>
+      </p:sp>
+    </p:spTree>
+    <p:extLst>
+      <p:ext uri="{BB962C8B-B14F-4D97-AF65-F5344CB8AC3E}">
+        <p14:creationId xmlns:p14="http://schemas.microsoft.com/office/powerpoint/2010/main" val="1043118149"/>
+      </p:ext>
+    </p:extLst>
+  </p:cSld>
+  <p:clrMapOvr>
+    <a:masterClrMapping/>
+  </p:clrMapOvr>
+</p:sld>
+</file>
+
+<file path=ppt/slides/slide12.xml><?xml version="1.0" encoding="utf-8"?>
+<p:sld xmlns:a="http://schemas.openxmlformats.org/drawingml/2006/main" xmlns:r="http://schemas.openxmlformats.org/officeDocument/2006/relationships" xmlns:p="http://schemas.openxmlformats.org/presentationml/2006/main">
+  <p:cSld>
+    <p:spTree>
+      <p:nvGrpSpPr>
+        <p:cNvPr id="1" name=""/>
+        <p:cNvGrpSpPr/>
+        <p:nvPr/>
+      </p:nvGrpSpPr>
+      <p:grpSpPr>
+        <a:xfrm>
+          <a:off x="0" y="0"/>
+          <a:ext cx="0" cy="0"/>
+          <a:chOff x="0" y="0"/>
+          <a:chExt cx="0" cy="0"/>
+        </a:xfrm>
+      </p:grpSpPr>
+      <p:sp>
+        <p:nvSpPr>
+          <p:cNvPr id="2" name="Titel 1">
+            <a:extLst>
+              <a:ext uri="{FF2B5EF4-FFF2-40B4-BE49-F238E27FC236}">
+                <a16:creationId xmlns:a16="http://schemas.microsoft.com/office/drawing/2014/main" id="{B021C1F3-433C-41E3-8587-65D5BDA4F317}"/>
+              </a:ext>
+            </a:extLst>
+          </p:cNvPr>
+          <p:cNvSpPr>
+            <a:spLocks noGrp="1"/>
+          </p:cNvSpPr>
+          <p:nvPr>
+            <p:ph type="title"/>
+          </p:nvPr>
+        </p:nvSpPr>
+        <p:spPr/>
+        <p:txBody>
+          <a:bodyPr/>
+          <a:lstStyle/>
+          <a:p>
+            <a:r>
+              <a:rPr lang="de-DE" dirty="0"/>
+              <a:t>Kanalströmung: Mixing Plane</a:t>
+            </a:r>
+          </a:p>
+        </p:txBody>
+      </p:sp>
+      <p:sp>
+        <p:nvSpPr>
+          <p:cNvPr id="3" name="Inhaltsplatzhalter 2">
+            <a:extLst>
+              <a:ext uri="{FF2B5EF4-FFF2-40B4-BE49-F238E27FC236}">
+                <a16:creationId xmlns:a16="http://schemas.microsoft.com/office/drawing/2014/main" id="{CF5061C2-25E2-4A53-BCDE-093C837A0F45}"/>
+              </a:ext>
+            </a:extLst>
+          </p:cNvPr>
+          <p:cNvSpPr>
+            <a:spLocks noGrp="1"/>
+          </p:cNvSpPr>
+          <p:nvPr>
+            <p:ph idx="1"/>
+          </p:nvPr>
+        </p:nvSpPr>
+        <p:spPr/>
+        <p:txBody>
+          <a:bodyPr/>
+          <a:lstStyle/>
+          <a:p>
+            <a:r>
+              <a:rPr lang="de-DE" dirty="0"/>
+              <a:t>Tabelle mit Differenzen über Mixing Plane</a:t>
+            </a:r>
+          </a:p>
+        </p:txBody>
+      </p:sp>
+    </p:spTree>
+    <p:extLst>
+      <p:ext uri="{BB962C8B-B14F-4D97-AF65-F5344CB8AC3E}">
+        <p14:creationId xmlns:p14="http://schemas.microsoft.com/office/powerpoint/2010/main" val="2318180381"/>
+      </p:ext>
+    </p:extLst>
+  </p:cSld>
+  <p:clrMapOvr>
+    <a:masterClrMapping/>
+  </p:clrMapOvr>
+</p:sld>
+</file>
+
+<file path=ppt/slides/slide13.xml><?xml version="1.0" encoding="utf-8"?>
+<p:sld xmlns:a="http://schemas.openxmlformats.org/drawingml/2006/main" xmlns:r="http://schemas.openxmlformats.org/officeDocument/2006/relationships" xmlns:p="http://schemas.openxmlformats.org/presentationml/2006/main">
+  <p:cSld>
+    <p:spTree>
+      <p:nvGrpSpPr>
+        <p:cNvPr id="1" name=""/>
+        <p:cNvGrpSpPr/>
+        <p:nvPr/>
+      </p:nvGrpSpPr>
+      <p:grpSpPr>
+        <a:xfrm>
+          <a:off x="0" y="0"/>
+          <a:ext cx="0" cy="0"/>
+          <a:chOff x="0" y="0"/>
+          <a:chExt cx="0" cy="0"/>
+        </a:xfrm>
+      </p:grpSpPr>
+      <p:sp>
+        <p:nvSpPr>
+          <p:cNvPr id="2" name="Titel 1">
+            <a:extLst>
+              <a:ext uri="{FF2B5EF4-FFF2-40B4-BE49-F238E27FC236}">
+                <a16:creationId xmlns:a16="http://schemas.microsoft.com/office/drawing/2014/main" id="{D329A526-CE1D-48AD-8C37-10B31DD1A94A}"/>
+              </a:ext>
+            </a:extLst>
+          </p:cNvPr>
+          <p:cNvSpPr>
+            <a:spLocks noGrp="1"/>
+          </p:cNvSpPr>
+          <p:nvPr>
+            <p:ph type="title"/>
+          </p:nvPr>
+        </p:nvSpPr>
+        <p:spPr/>
+        <p:txBody>
+          <a:bodyPr/>
+          <a:lstStyle/>
+          <a:p>
+            <a:r>
+              <a:rPr lang="de-DE" dirty="0"/>
+              <a:t>Auswertungstool</a:t>
+            </a:r>
+          </a:p>
+        </p:txBody>
+      </p:sp>
+      <p:sp>
+        <p:nvSpPr>
+          <p:cNvPr id="3" name="Inhaltsplatzhalter 2">
+            <a:extLst>
+              <a:ext uri="{FF2B5EF4-FFF2-40B4-BE49-F238E27FC236}">
+                <a16:creationId xmlns:a16="http://schemas.microsoft.com/office/drawing/2014/main" id="{BA4C428F-6F17-477B-9503-2C9FE4D7286D}"/>
+              </a:ext>
+            </a:extLst>
+          </p:cNvPr>
+          <p:cNvSpPr>
+            <a:spLocks noGrp="1"/>
+          </p:cNvSpPr>
+          <p:nvPr>
+            <p:ph idx="1"/>
+          </p:nvPr>
+        </p:nvSpPr>
+        <p:spPr/>
+        <p:txBody>
+          <a:bodyPr/>
+          <a:lstStyle/>
+          <a:p>
+            <a:r>
+              <a:rPr lang="de-DE" dirty="0"/>
+              <a:t>Durchgeführten </a:t>
+            </a:r>
+            <a:r>
+              <a:rPr lang="de-DE" dirty="0" err="1"/>
+              <a:t>Gittersstudien</a:t>
+            </a:r>
+            <a:r>
+              <a:rPr lang="de-DE" dirty="0"/>
+              <a:t>, Spalt, Verfeinerungen, ….</a:t>
+            </a:r>
+          </a:p>
+          <a:p>
+            <a:r>
+              <a:rPr lang="de-DE" dirty="0"/>
+              <a:t>Was es kann</a:t>
+            </a:r>
+          </a:p>
+        </p:txBody>
+      </p:sp>
+    </p:spTree>
+    <p:extLst>
+      <p:ext uri="{BB962C8B-B14F-4D97-AF65-F5344CB8AC3E}">
+        <p14:creationId xmlns:p14="http://schemas.microsoft.com/office/powerpoint/2010/main" val="589148235"/>
+      </p:ext>
+    </p:extLst>
+  </p:cSld>
+  <p:clrMapOvr>
+    <a:masterClrMapping/>
+  </p:clrMapOvr>
+</p:sld>
+</file>
+
+<file path=ppt/slides/slide14.xml><?xml version="1.0" encoding="utf-8"?>
+<p:sld xmlns:a="http://schemas.openxmlformats.org/drawingml/2006/main" xmlns:r="http://schemas.openxmlformats.org/officeDocument/2006/relationships" xmlns:p="http://schemas.openxmlformats.org/presentationml/2006/main">
+  <p:cSld>
+    <p:spTree>
+      <p:nvGrpSpPr>
+        <p:cNvPr id="1" name=""/>
+        <p:cNvGrpSpPr/>
+        <p:nvPr/>
+      </p:nvGrpSpPr>
+      <p:grpSpPr>
+        <a:xfrm>
+          <a:off x="0" y="0"/>
+          <a:ext cx="0" cy="0"/>
+          <a:chOff x="0" y="0"/>
+          <a:chExt cx="0" cy="0"/>
+        </a:xfrm>
+      </p:grpSpPr>
+      <p:sp>
+        <p:nvSpPr>
+          <p:cNvPr id="2" name="Titel 1">
+            <a:extLst>
+              <a:ext uri="{FF2B5EF4-FFF2-40B4-BE49-F238E27FC236}">
+                <a16:creationId xmlns:a16="http://schemas.microsoft.com/office/drawing/2014/main" id="{8643BECD-9FC8-4139-AF9D-AAB9BD9ABF1F}"/>
+              </a:ext>
+            </a:extLst>
+          </p:cNvPr>
+          <p:cNvSpPr>
+            <a:spLocks noGrp="1"/>
+          </p:cNvSpPr>
+          <p:nvPr>
+            <p:ph type="title"/>
+          </p:nvPr>
+        </p:nvSpPr>
+        <p:spPr/>
+        <p:txBody>
+          <a:bodyPr/>
+          <a:lstStyle/>
+          <a:p>
+            <a:r>
+              <a:rPr lang="de-DE" dirty="0"/>
+              <a:t>Auswertungstool: Demo</a:t>
+            </a:r>
+          </a:p>
+        </p:txBody>
+      </p:sp>
+      <p:sp>
+        <p:nvSpPr>
+          <p:cNvPr id="3" name="Inhaltsplatzhalter 2">
+            <a:extLst>
+              <a:ext uri="{FF2B5EF4-FFF2-40B4-BE49-F238E27FC236}">
+                <a16:creationId xmlns:a16="http://schemas.microsoft.com/office/drawing/2014/main" id="{E42A3100-1EC4-4CA1-8073-DBF9AE2DE022}"/>
+              </a:ext>
+            </a:extLst>
+          </p:cNvPr>
+          <p:cNvSpPr>
+            <a:spLocks noGrp="1"/>
+          </p:cNvSpPr>
+          <p:nvPr>
+            <p:ph idx="1"/>
+          </p:nvPr>
+        </p:nvSpPr>
+        <p:spPr/>
+        <p:txBody>
+          <a:bodyPr/>
+          <a:lstStyle/>
+          <a:p>
+            <a:r>
+              <a:rPr lang="de-DE" dirty="0"/>
+              <a:t>Video einfügen</a:t>
+            </a:r>
+          </a:p>
+        </p:txBody>
+      </p:sp>
+    </p:spTree>
+    <p:extLst>
+      <p:ext uri="{BB962C8B-B14F-4D97-AF65-F5344CB8AC3E}">
+        <p14:creationId xmlns:p14="http://schemas.microsoft.com/office/powerpoint/2010/main" val="1720096139"/>
+      </p:ext>
+    </p:extLst>
+  </p:cSld>
+  <p:clrMapOvr>
+    <a:masterClrMapping/>
+  </p:clrMapOvr>
+</p:sld>
+</file>
+
+<file path=ppt/slides/slide15.xml><?xml version="1.0" encoding="utf-8"?>
+<p:sld xmlns:a="http://schemas.openxmlformats.org/drawingml/2006/main" xmlns:r="http://schemas.openxmlformats.org/officeDocument/2006/relationships" xmlns:p="http://schemas.openxmlformats.org/presentationml/2006/main">
+  <p:cSld>
+    <p:spTree>
+      <p:nvGrpSpPr>
+        <p:cNvPr id="1" name=""/>
+        <p:cNvGrpSpPr/>
+        <p:nvPr/>
+      </p:nvGrpSpPr>
+      <p:grpSpPr>
+        <a:xfrm>
+          <a:off x="0" y="0"/>
+          <a:ext cx="0" cy="0"/>
+          <a:chOff x="0" y="0"/>
+          <a:chExt cx="0" cy="0"/>
+        </a:xfrm>
+      </p:grpSpPr>
+      <p:sp>
+        <p:nvSpPr>
+          <p:cNvPr id="2" name="Titel 1">
+            <a:extLst>
+              <a:ext uri="{FF2B5EF4-FFF2-40B4-BE49-F238E27FC236}">
+                <a16:creationId xmlns:a16="http://schemas.microsoft.com/office/drawing/2014/main" id="{A6803A1C-048A-4BD5-BB5C-6AD0F129ECC9}"/>
+              </a:ext>
+            </a:extLst>
+          </p:cNvPr>
+          <p:cNvSpPr>
+            <a:spLocks noGrp="1"/>
+          </p:cNvSpPr>
+          <p:nvPr>
+            <p:ph type="title"/>
+          </p:nvPr>
+        </p:nvSpPr>
+        <p:spPr/>
+        <p:txBody>
+          <a:bodyPr/>
+          <a:lstStyle/>
+          <a:p>
+            <a:r>
+              <a:rPr lang="de-DE" dirty="0"/>
+              <a:t>Fazit</a:t>
+            </a:r>
+          </a:p>
+        </p:txBody>
+      </p:sp>
+      <p:sp>
+        <p:nvSpPr>
+          <p:cNvPr id="3" name="Inhaltsplatzhalter 2">
+            <a:extLst>
+              <a:ext uri="{FF2B5EF4-FFF2-40B4-BE49-F238E27FC236}">
+                <a16:creationId xmlns:a16="http://schemas.microsoft.com/office/drawing/2014/main" id="{13708A06-7247-4796-B127-BA1268EFB4F0}"/>
+              </a:ext>
+            </a:extLst>
+          </p:cNvPr>
+          <p:cNvSpPr>
+            <a:spLocks noGrp="1"/>
+          </p:cNvSpPr>
+          <p:nvPr>
+            <p:ph idx="1"/>
+          </p:nvPr>
+        </p:nvSpPr>
+        <p:spPr/>
+        <p:txBody>
+          <a:bodyPr/>
+          <a:lstStyle/>
+          <a:p>
+            <a:r>
+              <a:rPr lang="de-DE" dirty="0"/>
+              <a:t>Zum Abrunden der Ergebnisse</a:t>
+            </a:r>
+          </a:p>
+          <a:p>
+            <a:r>
+              <a:rPr lang="de-DE" dirty="0"/>
+              <a:t>Unsere Hauptaussage</a:t>
+            </a:r>
+          </a:p>
+        </p:txBody>
+      </p:sp>
+    </p:spTree>
+    <p:extLst>
+      <p:ext uri="{BB962C8B-B14F-4D97-AF65-F5344CB8AC3E}">
+        <p14:creationId xmlns:p14="http://schemas.microsoft.com/office/powerpoint/2010/main" val="2275036560"/>
+      </p:ext>
+    </p:extLst>
+  </p:cSld>
+  <p:clrMapOvr>
+    <a:masterClrMapping/>
+  </p:clrMapOvr>
+</p:sld>
+</file>
+
+<file path=ppt/slides/slide16.xml><?xml version="1.0" encoding="utf-8"?>
+<p:sld xmlns:a="http://schemas.openxmlformats.org/drawingml/2006/main" xmlns:r="http://schemas.openxmlformats.org/officeDocument/2006/relationships" xmlns:p="http://schemas.openxmlformats.org/presentationml/2006/main">
+  <p:cSld>
+    <p:spTree>
+      <p:nvGrpSpPr>
+        <p:cNvPr id="1" name=""/>
+        <p:cNvGrpSpPr/>
+        <p:nvPr/>
+      </p:nvGrpSpPr>
+      <p:grpSpPr>
+        <a:xfrm>
+          <a:off x="0" y="0"/>
+          <a:ext cx="0" cy="0"/>
+          <a:chOff x="0" y="0"/>
+          <a:chExt cx="0" cy="0"/>
+        </a:xfrm>
+      </p:grpSpPr>
+    </p:spTree>
+    <p:extLst>
+      <p:ext uri="{BB962C8B-B14F-4D97-AF65-F5344CB8AC3E}">
+        <p14:creationId xmlns:p14="http://schemas.microsoft.com/office/powerpoint/2010/main" val="2327295394"/>
+      </p:ext>
+    </p:extLst>
+  </p:cSld>
+  <p:clrMapOvr>
+    <a:masterClrMapping/>
+  </p:clrMapOvr>
+</p:sld>
+</file>
+
+<file path=ppt/slides/slide17.xml><?xml version="1.0" encoding="utf-8"?>
 <p:sld xmlns:a="http://schemas.openxmlformats.org/drawingml/2006/main" xmlns:r="http://schemas.openxmlformats.org/officeDocument/2006/relationships" xmlns:p="http://schemas.openxmlformats.org/presentationml/2006/main">
   <p:cSld>
     <p:spTree>
@@ -4864,7 +7594,7 @@
 </p:sld>
 </file>
 
-<file path=ppt/slides/slide4.xml><?xml version="1.0" encoding="utf-8"?>
+<file path=ppt/slides/slide18.xml><?xml version="1.0" encoding="utf-8"?>
 <p:sld xmlns:a="http://schemas.openxmlformats.org/drawingml/2006/main" xmlns:r="http://schemas.openxmlformats.org/officeDocument/2006/relationships" xmlns:p="http://schemas.openxmlformats.org/presentationml/2006/main">
   <p:cSld>
     <p:spTree>
@@ -4898,3713 +7628,7 @@
           <a:p>
             <a:r>
               <a:rPr lang="de-DE" dirty="0"/>
-              <a:t>Auswertung</a:t>
-            </a:r>
-          </a:p>
-        </p:txBody>
-      </p:sp>
-      <mc:AlternateContent xmlns:mc="http://schemas.openxmlformats.org/markup-compatibility/2006" xmlns:a14="http://schemas.microsoft.com/office/drawing/2010/main">
-        <mc:Choice Requires="a14">
-          <p:graphicFrame>
-            <p:nvGraphicFramePr>
-              <p:cNvPr id="4" name="Inhaltsplatzhalter 3"/>
-              <p:cNvGraphicFramePr>
-                <a:graphicFrameLocks noGrp="1"/>
-              </p:cNvGraphicFramePr>
-              <p:nvPr>
-                <p:ph idx="1"/>
-                <p:extLst>
-                  <p:ext uri="{D42A27DB-BD31-4B8C-83A1-F6EECF244321}">
-                    <p14:modId xmlns:p14="http://schemas.microsoft.com/office/powerpoint/2010/main" val="80019112"/>
-                  </p:ext>
-                </p:extLst>
-              </p:nvPr>
-            </p:nvGraphicFramePr>
-            <p:xfrm>
-              <a:off x="315814" y="2602078"/>
-              <a:ext cx="8411265" cy="2755762"/>
-            </p:xfrm>
-            <a:graphic>
-              <a:graphicData uri="http://schemas.openxmlformats.org/drawingml/2006/table">
-                <a:tbl>
-                  <a:tblPr firstRow="1" bandRow="1">
-                    <a:tableStyleId>{21E4AEA4-8DFA-4A89-87EB-49C32662AFE0}</a:tableStyleId>
-                  </a:tblPr>
-                  <a:tblGrid>
-                    <a:gridCol w="1682253">
-                      <a:extLst>
-                        <a:ext uri="{9D8B030D-6E8A-4147-A177-3AD203B41FA5}">
-                          <a16:colId xmlns:a16="http://schemas.microsoft.com/office/drawing/2014/main" val="20000"/>
-                        </a:ext>
-                      </a:extLst>
-                    </a:gridCol>
-                    <a:gridCol w="1682253">
-                      <a:extLst>
-                        <a:ext uri="{9D8B030D-6E8A-4147-A177-3AD203B41FA5}">
-                          <a16:colId xmlns:a16="http://schemas.microsoft.com/office/drawing/2014/main" val="20001"/>
-                        </a:ext>
-                      </a:extLst>
-                    </a:gridCol>
-                    <a:gridCol w="1682253">
-                      <a:extLst>
-                        <a:ext uri="{9D8B030D-6E8A-4147-A177-3AD203B41FA5}">
-                          <a16:colId xmlns:a16="http://schemas.microsoft.com/office/drawing/2014/main" val="20002"/>
-                        </a:ext>
-                      </a:extLst>
-                    </a:gridCol>
-                    <a:gridCol w="1682253">
-                      <a:extLst>
-                        <a:ext uri="{9D8B030D-6E8A-4147-A177-3AD203B41FA5}">
-                          <a16:colId xmlns:a16="http://schemas.microsoft.com/office/drawing/2014/main" val="20003"/>
-                        </a:ext>
-                      </a:extLst>
-                    </a:gridCol>
-                    <a:gridCol w="1682253">
-                      <a:extLst>
-                        <a:ext uri="{9D8B030D-6E8A-4147-A177-3AD203B41FA5}">
-                          <a16:colId xmlns:a16="http://schemas.microsoft.com/office/drawing/2014/main" val="20004"/>
-                        </a:ext>
-                      </a:extLst>
-                    </a:gridCol>
-                  </a:tblGrid>
-                  <a:tr h="841554">
-                    <a:tc>
-                      <a:txBody>
-                        <a:bodyPr/>
-                        <a:lstStyle/>
-                        <a:p>
-                          <a:endParaRPr lang="de-DE" sz="1600" dirty="0"/>
-                        </a:p>
-                      </a:txBody>
-                      <a:tcPr anchor="ctr">
-                        <a:solidFill>
-                          <a:srgbClr val="005088"/>
-                        </a:solidFill>
-                      </a:tcPr>
-                    </a:tc>
-                    <a:tc>
-                      <a:txBody>
-                        <a:bodyPr/>
-                        <a:lstStyle/>
-                        <a:p>
-                          <a:r>
-                            <a:rPr lang="de-DE" sz="1600" dirty="0"/>
-                            <a:t>Referenz - Stationär</a:t>
-                          </a:r>
-                        </a:p>
-                      </a:txBody>
-                      <a:tcPr anchor="ctr">
-                        <a:solidFill>
-                          <a:srgbClr val="005088"/>
-                        </a:solidFill>
-                      </a:tcPr>
-                    </a:tc>
-                    <a:tc>
-                      <a:txBody>
-                        <a:bodyPr/>
-                        <a:lstStyle/>
-                        <a:p>
-                          <a:r>
-                            <a:rPr lang="de-DE" sz="1600" dirty="0"/>
-                            <a:t>Rotor feiner - Stationär</a:t>
-                          </a:r>
-                        </a:p>
-                      </a:txBody>
-                      <a:tcPr anchor="ctr">
-                        <a:solidFill>
-                          <a:srgbClr val="005088"/>
-                        </a:solidFill>
-                      </a:tcPr>
-                    </a:tc>
-                    <a:tc>
-                      <a:txBody>
-                        <a:bodyPr/>
-                        <a:lstStyle/>
-                        <a:p>
-                          <a:r>
-                            <a:rPr lang="de-DE" sz="1600" dirty="0" err="1"/>
-                            <a:t>Instationär</a:t>
-                          </a:r>
-                          <a:r>
-                            <a:rPr lang="de-DE" sz="1600" dirty="0"/>
-                            <a:t> (Mixing-Plane)</a:t>
-                          </a:r>
-                        </a:p>
-                      </a:txBody>
-                      <a:tcPr anchor="ctr">
-                        <a:solidFill>
-                          <a:srgbClr val="005088"/>
-                        </a:solidFill>
-                      </a:tcPr>
-                    </a:tc>
-                    <a:tc>
-                      <a:txBody>
-                        <a:bodyPr/>
-                        <a:lstStyle/>
-                        <a:p>
-                          <a:r>
-                            <a:rPr lang="de-DE" sz="1600" dirty="0" err="1"/>
-                            <a:t>Instationär</a:t>
-                          </a:r>
-                          <a:r>
-                            <a:rPr lang="de-DE" sz="1600" baseline="0" dirty="0"/>
-                            <a:t> (Transient Rotor Stator)</a:t>
-                          </a:r>
-                          <a:endParaRPr lang="de-DE" sz="1600" dirty="0"/>
-                        </a:p>
-                      </a:txBody>
-                      <a:tcPr anchor="ctr">
-                        <a:solidFill>
-                          <a:srgbClr val="005088"/>
-                        </a:solidFill>
-                      </a:tcPr>
-                    </a:tc>
-                    <a:extLst>
-                      <a:ext uri="{0D108BD9-81ED-4DB2-BD59-A6C34878D82A}">
-                        <a16:rowId xmlns:a16="http://schemas.microsoft.com/office/drawing/2014/main" val="10000"/>
-                      </a:ext>
-                    </a:extLst>
-                  </a:tr>
-                  <a:tr h="487567">
-                    <a:tc>
-                      <a:txBody>
-                        <a:bodyPr/>
-                        <a:lstStyle/>
-                        <a:p>
-                          <a:pPr/>
-                          <a14:m>
-                            <m:oMathPara xmlns:m="http://schemas.openxmlformats.org/officeDocument/2006/math">
-                              <m:oMathParaPr>
-                                <m:jc m:val="centerGroup"/>
-                              </m:oMathParaPr>
-                              <m:oMath xmlns:m="http://schemas.openxmlformats.org/officeDocument/2006/math">
-                                <m:f>
-                                  <m:fPr>
-                                    <m:ctrlPr>
-                                      <a:rPr lang="de-DE" i="1" smtClean="0">
-                                        <a:latin typeface="Cambria Math" panose="02040503050406030204" pitchFamily="18" charset="0"/>
-                                      </a:rPr>
-                                    </m:ctrlPr>
-                                  </m:fPr>
-                                  <m:num>
-                                    <m:r>
-                                      <m:rPr>
-                                        <m:sty m:val="p"/>
-                                      </m:rPr>
-                                      <a:rPr lang="el-GR" i="1" smtClean="0">
-                                        <a:latin typeface="Cambria Math" panose="02040503050406030204" pitchFamily="18" charset="0"/>
-                                        <a:ea typeface="Cambria Math" panose="02040503050406030204" pitchFamily="18" charset="0"/>
-                                      </a:rPr>
-                                      <m:t>Δ</m:t>
-                                    </m:r>
-                                    <m:acc>
-                                      <m:accPr>
-                                        <m:chr m:val="̇"/>
-                                        <m:ctrlPr>
-                                          <a:rPr lang="el-GR" i="1" smtClean="0">
-                                            <a:latin typeface="Cambria Math" panose="02040503050406030204" pitchFamily="18" charset="0"/>
-                                            <a:ea typeface="Cambria Math" panose="02040503050406030204" pitchFamily="18" charset="0"/>
-                                          </a:rPr>
-                                        </m:ctrlPr>
-                                      </m:accPr>
-                                      <m:e>
-                                        <m:r>
-                                          <a:rPr lang="de-DE" b="0" i="1" smtClean="0">
-                                            <a:latin typeface="Cambria Math" panose="02040503050406030204" pitchFamily="18" charset="0"/>
-                                            <a:ea typeface="Cambria Math" panose="02040503050406030204" pitchFamily="18" charset="0"/>
-                                          </a:rPr>
-                                          <m:t>𝑚</m:t>
-                                        </m:r>
-                                      </m:e>
-                                    </m:acc>
-                                  </m:num>
-                                  <m:den>
-                                    <m:acc>
-                                      <m:accPr>
-                                        <m:chr m:val="̇"/>
-                                        <m:ctrlPr>
-                                          <a:rPr lang="de-DE" i="1" smtClean="0">
-                                            <a:latin typeface="Cambria Math" panose="02040503050406030204" pitchFamily="18" charset="0"/>
-                                          </a:rPr>
-                                        </m:ctrlPr>
-                                      </m:accPr>
-                                      <m:e>
-                                        <m:r>
-                                          <a:rPr lang="de-DE" b="0" i="1" smtClean="0">
-                                            <a:latin typeface="Cambria Math" panose="02040503050406030204" pitchFamily="18" charset="0"/>
-                                          </a:rPr>
-                                          <m:t>𝑚</m:t>
-                                        </m:r>
-                                      </m:e>
-                                    </m:acc>
-                                  </m:den>
-                                </m:f>
-                              </m:oMath>
-                            </m:oMathPara>
-                          </a14:m>
-                          <a:endParaRPr lang="de-DE" dirty="0"/>
-                        </a:p>
-                      </a:txBody>
-                      <a:tcPr anchor="ctr"/>
-                    </a:tc>
-                    <a:tc>
-                      <a:txBody>
-                        <a:bodyPr/>
-                        <a:lstStyle/>
-                        <a:p>
-                          <a:pPr/>
-                          <a14:m>
-                            <m:oMathPara xmlns:m="http://schemas.openxmlformats.org/officeDocument/2006/math">
-                              <m:oMathParaPr>
-                                <m:jc m:val="centerGroup"/>
-                              </m:oMathParaPr>
-                              <m:oMath xmlns:m="http://schemas.openxmlformats.org/officeDocument/2006/math">
-                                <m:r>
-                                  <a:rPr lang="de-DE" b="0" i="1" smtClean="0">
-                                    <a:latin typeface="Cambria Math" panose="02040503050406030204" pitchFamily="18" charset="0"/>
-                                  </a:rPr>
-                                  <m:t>1,19</m:t>
-                                </m:r>
-                                <m:r>
-                                  <a:rPr lang="de-DE" b="0" i="1" smtClean="0">
-                                    <a:latin typeface="Cambria Math" panose="02040503050406030204" pitchFamily="18" charset="0"/>
-                                    <a:ea typeface="Cambria Math" panose="02040503050406030204" pitchFamily="18" charset="0"/>
-                                  </a:rPr>
-                                  <m:t>∙</m:t>
-                                </m:r>
-                                <m:sSup>
-                                  <m:sSupPr>
-                                    <m:ctrlPr>
-                                      <a:rPr lang="de-DE" b="0" i="1" smtClean="0">
-                                        <a:latin typeface="Cambria Math" panose="02040503050406030204" pitchFamily="18" charset="0"/>
-                                        <a:ea typeface="Cambria Math" panose="02040503050406030204" pitchFamily="18" charset="0"/>
-                                      </a:rPr>
-                                    </m:ctrlPr>
-                                  </m:sSupPr>
-                                  <m:e>
-                                    <m:r>
-                                      <a:rPr lang="de-DE" b="0" i="1" smtClean="0">
-                                        <a:latin typeface="Cambria Math" panose="02040503050406030204" pitchFamily="18" charset="0"/>
-                                        <a:ea typeface="Cambria Math" panose="02040503050406030204" pitchFamily="18" charset="0"/>
-                                      </a:rPr>
-                                      <m:t>10</m:t>
-                                    </m:r>
-                                  </m:e>
-                                  <m:sup>
-                                    <m:r>
-                                      <a:rPr lang="de-DE" b="0" i="1" smtClean="0">
-                                        <a:latin typeface="Cambria Math" panose="02040503050406030204" pitchFamily="18" charset="0"/>
-                                        <a:ea typeface="Cambria Math" panose="02040503050406030204" pitchFamily="18" charset="0"/>
-                                      </a:rPr>
-                                      <m:t>−6</m:t>
-                                    </m:r>
-                                  </m:sup>
-                                </m:sSup>
-                              </m:oMath>
-                            </m:oMathPara>
-                          </a14:m>
-                          <a:endParaRPr lang="de-DE" dirty="0"/>
-                        </a:p>
-                      </a:txBody>
-                      <a:tcPr anchor="ctr"/>
-                    </a:tc>
-                    <a:tc>
-                      <a:txBody>
-                        <a:bodyPr/>
-                        <a:lstStyle/>
-                        <a:p>
-                          <a:pPr/>
-                          <a14:m>
-                            <m:oMathPara xmlns:m="http://schemas.openxmlformats.org/officeDocument/2006/math">
-                              <m:oMathParaPr>
-                                <m:jc m:val="centerGroup"/>
-                              </m:oMathParaPr>
-                              <m:oMath xmlns:m="http://schemas.openxmlformats.org/officeDocument/2006/math">
-                                <m:r>
-                                  <a:rPr lang="de-DE" b="0" i="1" smtClean="0">
-                                    <a:latin typeface="Cambria Math" panose="02040503050406030204" pitchFamily="18" charset="0"/>
-                                  </a:rPr>
-                                  <m:t>1,79</m:t>
-                                </m:r>
-                                <m:r>
-                                  <a:rPr lang="de-DE" b="0" i="1" smtClean="0">
-                                    <a:latin typeface="Cambria Math" panose="02040503050406030204" pitchFamily="18" charset="0"/>
-                                    <a:ea typeface="Cambria Math" panose="02040503050406030204" pitchFamily="18" charset="0"/>
-                                  </a:rPr>
-                                  <m:t>∙</m:t>
-                                </m:r>
-                                <m:sSup>
-                                  <m:sSupPr>
-                                    <m:ctrlPr>
-                                      <a:rPr lang="de-DE" b="0" i="1" smtClean="0">
-                                        <a:latin typeface="Cambria Math" panose="02040503050406030204" pitchFamily="18" charset="0"/>
-                                        <a:ea typeface="Cambria Math" panose="02040503050406030204" pitchFamily="18" charset="0"/>
-                                      </a:rPr>
-                                    </m:ctrlPr>
-                                  </m:sSupPr>
-                                  <m:e>
-                                    <m:r>
-                                      <a:rPr lang="de-DE" b="0" i="1" smtClean="0">
-                                        <a:latin typeface="Cambria Math" panose="02040503050406030204" pitchFamily="18" charset="0"/>
-                                        <a:ea typeface="Cambria Math" panose="02040503050406030204" pitchFamily="18" charset="0"/>
-                                      </a:rPr>
-                                      <m:t>10</m:t>
-                                    </m:r>
-                                  </m:e>
-                                  <m:sup>
-                                    <m:r>
-                                      <a:rPr lang="de-DE" b="0" i="1" smtClean="0">
-                                        <a:latin typeface="Cambria Math" panose="02040503050406030204" pitchFamily="18" charset="0"/>
-                                        <a:ea typeface="Cambria Math" panose="02040503050406030204" pitchFamily="18" charset="0"/>
-                                      </a:rPr>
-                                      <m:t>−4</m:t>
-                                    </m:r>
-                                  </m:sup>
-                                </m:sSup>
-                              </m:oMath>
-                            </m:oMathPara>
-                          </a14:m>
-                          <a:endParaRPr lang="de-DE" dirty="0"/>
-                        </a:p>
-                      </a:txBody>
-                      <a:tcPr anchor="ctr"/>
-                    </a:tc>
-                    <a:tc>
-                      <a:txBody>
-                        <a:bodyPr/>
-                        <a:lstStyle/>
-                        <a:p>
-                          <a:pPr/>
-                          <a14:m>
-                            <m:oMathPara xmlns:m="http://schemas.openxmlformats.org/officeDocument/2006/math">
-                              <m:oMathParaPr>
-                                <m:jc m:val="centerGroup"/>
-                              </m:oMathParaPr>
-                              <m:oMath xmlns:m="http://schemas.openxmlformats.org/officeDocument/2006/math">
-                                <m:r>
-                                  <a:rPr lang="de-DE" b="0" i="1" smtClean="0">
-                                    <a:latin typeface="Cambria Math" panose="02040503050406030204" pitchFamily="18" charset="0"/>
-                                  </a:rPr>
-                                  <m:t>1,74</m:t>
-                                </m:r>
-                                <m:r>
-                                  <a:rPr lang="de-DE" b="0" i="1" smtClean="0">
-                                    <a:latin typeface="Cambria Math" panose="02040503050406030204" pitchFamily="18" charset="0"/>
-                                    <a:ea typeface="Cambria Math" panose="02040503050406030204" pitchFamily="18" charset="0"/>
-                                  </a:rPr>
-                                  <m:t>∙</m:t>
-                                </m:r>
-                                <m:sSup>
-                                  <m:sSupPr>
-                                    <m:ctrlPr>
-                                      <a:rPr lang="de-DE" b="0" i="1" smtClean="0">
-                                        <a:latin typeface="Cambria Math" panose="02040503050406030204" pitchFamily="18" charset="0"/>
-                                        <a:ea typeface="Cambria Math" panose="02040503050406030204" pitchFamily="18" charset="0"/>
-                                      </a:rPr>
-                                    </m:ctrlPr>
-                                  </m:sSupPr>
-                                  <m:e>
-                                    <m:r>
-                                      <a:rPr lang="de-DE" b="0" i="1" smtClean="0">
-                                        <a:latin typeface="Cambria Math" panose="02040503050406030204" pitchFamily="18" charset="0"/>
-                                        <a:ea typeface="Cambria Math" panose="02040503050406030204" pitchFamily="18" charset="0"/>
-                                      </a:rPr>
-                                      <m:t>10</m:t>
-                                    </m:r>
-                                  </m:e>
-                                  <m:sup>
-                                    <m:r>
-                                      <a:rPr lang="de-DE" b="0" i="1" smtClean="0">
-                                        <a:latin typeface="Cambria Math" panose="02040503050406030204" pitchFamily="18" charset="0"/>
-                                        <a:ea typeface="Cambria Math" panose="02040503050406030204" pitchFamily="18" charset="0"/>
-                                      </a:rPr>
-                                      <m:t>−4</m:t>
-                                    </m:r>
-                                  </m:sup>
-                                </m:sSup>
-                              </m:oMath>
-                            </m:oMathPara>
-                          </a14:m>
-                          <a:endParaRPr lang="de-DE" dirty="0"/>
-                        </a:p>
-                      </a:txBody>
-                      <a:tcPr anchor="ctr"/>
-                    </a:tc>
-                    <a:tc>
-                      <a:txBody>
-                        <a:bodyPr/>
-                        <a:lstStyle/>
-                        <a:p>
-                          <a:pPr/>
-                          <a14:m>
-                            <m:oMathPara xmlns:m="http://schemas.openxmlformats.org/officeDocument/2006/math">
-                              <m:oMathParaPr>
-                                <m:jc m:val="centerGroup"/>
-                              </m:oMathParaPr>
-                              <m:oMath xmlns:m="http://schemas.openxmlformats.org/officeDocument/2006/math">
-                                <m:r>
-                                  <a:rPr lang="de-DE" b="0" i="1" smtClean="0">
-                                    <a:latin typeface="Cambria Math" panose="02040503050406030204" pitchFamily="18" charset="0"/>
-                                  </a:rPr>
-                                  <m:t>1,69</m:t>
-                                </m:r>
-                                <m:r>
-                                  <a:rPr lang="de-DE" b="0" i="1" smtClean="0">
-                                    <a:latin typeface="Cambria Math" panose="02040503050406030204" pitchFamily="18" charset="0"/>
-                                    <a:ea typeface="Cambria Math" panose="02040503050406030204" pitchFamily="18" charset="0"/>
-                                  </a:rPr>
-                                  <m:t>∙</m:t>
-                                </m:r>
-                                <m:sSup>
-                                  <m:sSupPr>
-                                    <m:ctrlPr>
-                                      <a:rPr lang="de-DE" b="0" i="1" smtClean="0">
-                                        <a:latin typeface="Cambria Math" panose="02040503050406030204" pitchFamily="18" charset="0"/>
-                                        <a:ea typeface="Cambria Math" panose="02040503050406030204" pitchFamily="18" charset="0"/>
-                                      </a:rPr>
-                                    </m:ctrlPr>
-                                  </m:sSupPr>
-                                  <m:e>
-                                    <m:r>
-                                      <a:rPr lang="de-DE" b="0" i="1" smtClean="0">
-                                        <a:latin typeface="Cambria Math" panose="02040503050406030204" pitchFamily="18" charset="0"/>
-                                        <a:ea typeface="Cambria Math" panose="02040503050406030204" pitchFamily="18" charset="0"/>
-                                      </a:rPr>
-                                      <m:t>10</m:t>
-                                    </m:r>
-                                  </m:e>
-                                  <m:sup>
-                                    <m:r>
-                                      <a:rPr lang="de-DE" b="0" i="1" smtClean="0">
-                                        <a:latin typeface="Cambria Math" panose="02040503050406030204" pitchFamily="18" charset="0"/>
-                                        <a:ea typeface="Cambria Math" panose="02040503050406030204" pitchFamily="18" charset="0"/>
-                                      </a:rPr>
-                                      <m:t>−4</m:t>
-                                    </m:r>
-                                  </m:sup>
-                                </m:sSup>
-                              </m:oMath>
-                            </m:oMathPara>
-                          </a14:m>
-                          <a:endParaRPr lang="de-DE" dirty="0"/>
-                        </a:p>
-                      </a:txBody>
-                      <a:tcPr anchor="ctr"/>
-                    </a:tc>
-                    <a:extLst>
-                      <a:ext uri="{0D108BD9-81ED-4DB2-BD59-A6C34878D82A}">
-                        <a16:rowId xmlns:a16="http://schemas.microsoft.com/office/drawing/2014/main" val="10001"/>
-                      </a:ext>
-                    </a:extLst>
-                  </a:tr>
-                  <a:tr h="487567">
-                    <a:tc>
-                      <a:txBody>
-                        <a:bodyPr/>
-                        <a:lstStyle/>
-                        <a:p>
-                          <a:pPr/>
-                          <a14:m>
-                            <m:oMathPara xmlns:m="http://schemas.openxmlformats.org/officeDocument/2006/math">
-                              <m:oMathParaPr>
-                                <m:jc m:val="centerGroup"/>
-                              </m:oMathParaPr>
-                              <m:oMath xmlns:m="http://schemas.openxmlformats.org/officeDocument/2006/math">
-                                <m:f>
-                                  <m:fPr>
-                                    <m:ctrlPr>
-                                      <a:rPr lang="de-DE" i="1" smtClean="0">
-                                        <a:latin typeface="Cambria Math" panose="02040503050406030204" pitchFamily="18" charset="0"/>
-                                      </a:rPr>
-                                    </m:ctrlPr>
-                                  </m:fPr>
-                                  <m:num>
-                                    <m:r>
-                                      <m:rPr>
-                                        <m:sty m:val="p"/>
-                                      </m:rPr>
-                                      <a:rPr lang="el-GR" i="1" smtClean="0">
-                                        <a:latin typeface="Cambria Math" panose="02040503050406030204" pitchFamily="18" charset="0"/>
-                                        <a:ea typeface="Cambria Math" panose="02040503050406030204" pitchFamily="18" charset="0"/>
-                                      </a:rPr>
-                                      <m:t>Δ</m:t>
-                                    </m:r>
-                                    <m:sSub>
-                                      <m:sSubPr>
-                                        <m:ctrlPr>
-                                          <a:rPr lang="el-GR" i="1" smtClean="0">
-                                            <a:latin typeface="Cambria Math" panose="02040503050406030204" pitchFamily="18" charset="0"/>
-                                            <a:ea typeface="Cambria Math" panose="02040503050406030204" pitchFamily="18" charset="0"/>
-                                          </a:rPr>
-                                        </m:ctrlPr>
-                                      </m:sSubPr>
-                                      <m:e>
-                                        <m:r>
-                                          <a:rPr lang="de-DE" b="0" i="1" smtClean="0">
-                                            <a:latin typeface="Cambria Math" panose="02040503050406030204" pitchFamily="18" charset="0"/>
-                                            <a:ea typeface="Cambria Math" panose="02040503050406030204" pitchFamily="18" charset="0"/>
-                                          </a:rPr>
-                                          <m:t>𝑇</m:t>
-                                        </m:r>
-                                      </m:e>
-                                      <m:sub>
-                                        <m:r>
-                                          <a:rPr lang="de-DE" b="0" i="1" smtClean="0">
-                                            <a:latin typeface="Cambria Math" panose="02040503050406030204" pitchFamily="18" charset="0"/>
-                                            <a:ea typeface="Cambria Math" panose="02040503050406030204" pitchFamily="18" charset="0"/>
-                                          </a:rPr>
-                                          <m:t>𝑡</m:t>
-                                        </m:r>
-                                      </m:sub>
-                                    </m:sSub>
-                                  </m:num>
-                                  <m:den>
-                                    <m:sSub>
-                                      <m:sSubPr>
-                                        <m:ctrlPr>
-                                          <a:rPr lang="de-DE" i="1" smtClean="0">
-                                            <a:latin typeface="Cambria Math" panose="02040503050406030204" pitchFamily="18" charset="0"/>
-                                          </a:rPr>
-                                        </m:ctrlPr>
-                                      </m:sSubPr>
-                                      <m:e>
-                                        <m:r>
-                                          <a:rPr lang="de-DE" b="0" i="1" smtClean="0">
-                                            <a:latin typeface="Cambria Math" panose="02040503050406030204" pitchFamily="18" charset="0"/>
-                                          </a:rPr>
-                                          <m:t>𝑇</m:t>
-                                        </m:r>
-                                      </m:e>
-                                      <m:sub>
-                                        <m:r>
-                                          <a:rPr lang="de-DE" b="0" i="1" smtClean="0">
-                                            <a:latin typeface="Cambria Math" panose="02040503050406030204" pitchFamily="18" charset="0"/>
-                                          </a:rPr>
-                                          <m:t>𝑡</m:t>
-                                        </m:r>
-                                      </m:sub>
-                                    </m:sSub>
-                                  </m:den>
-                                </m:f>
-                              </m:oMath>
-                            </m:oMathPara>
-                          </a14:m>
-                          <a:endParaRPr lang="de-DE" dirty="0"/>
-                        </a:p>
-                      </a:txBody>
-                      <a:tcPr anchor="ctr"/>
-                    </a:tc>
-                    <a:tc>
-                      <a:txBody>
-                        <a:bodyPr/>
-                        <a:lstStyle/>
-                        <a:p>
-                          <a:pPr/>
-                          <a14:m>
-                            <m:oMathPara xmlns:m="http://schemas.openxmlformats.org/officeDocument/2006/math">
-                              <m:oMathParaPr>
-                                <m:jc m:val="centerGroup"/>
-                              </m:oMathParaPr>
-                              <m:oMath xmlns:m="http://schemas.openxmlformats.org/officeDocument/2006/math">
-                                <m:r>
-                                  <a:rPr lang="de-DE" b="0" i="1" smtClean="0">
-                                    <a:latin typeface="Cambria Math" panose="02040503050406030204" pitchFamily="18" charset="0"/>
-                                    <a:ea typeface="Cambria Math" panose="02040503050406030204" pitchFamily="18" charset="0"/>
-                                  </a:rPr>
-                                  <m:t>2,10∙</m:t>
-                                </m:r>
-                                <m:sSup>
-                                  <m:sSupPr>
-                                    <m:ctrlPr>
-                                      <a:rPr lang="de-DE" b="0" i="1" smtClean="0">
-                                        <a:latin typeface="Cambria Math" panose="02040503050406030204" pitchFamily="18" charset="0"/>
-                                        <a:ea typeface="Cambria Math" panose="02040503050406030204" pitchFamily="18" charset="0"/>
-                                      </a:rPr>
-                                    </m:ctrlPr>
-                                  </m:sSupPr>
-                                  <m:e>
-                                    <m:r>
-                                      <a:rPr lang="de-DE" b="0" i="1" smtClean="0">
-                                        <a:latin typeface="Cambria Math" panose="02040503050406030204" pitchFamily="18" charset="0"/>
-                                        <a:ea typeface="Cambria Math" panose="02040503050406030204" pitchFamily="18" charset="0"/>
-                                      </a:rPr>
-                                      <m:t>10</m:t>
-                                    </m:r>
-                                  </m:e>
-                                  <m:sup>
-                                    <m:r>
-                                      <a:rPr lang="de-DE" b="0" i="1" smtClean="0">
-                                        <a:latin typeface="Cambria Math" panose="02040503050406030204" pitchFamily="18" charset="0"/>
-                                        <a:ea typeface="Cambria Math" panose="02040503050406030204" pitchFamily="18" charset="0"/>
-                                      </a:rPr>
-                                      <m:t>−5</m:t>
-                                    </m:r>
-                                  </m:sup>
-                                </m:sSup>
-                              </m:oMath>
-                            </m:oMathPara>
-                          </a14:m>
-                          <a:endParaRPr lang="de-DE" dirty="0"/>
-                        </a:p>
-                      </a:txBody>
-                      <a:tcPr anchor="ctr"/>
-                    </a:tc>
-                    <a:tc>
-                      <a:txBody>
-                        <a:bodyPr/>
-                        <a:lstStyle/>
-                        <a:p>
-                          <a:pPr/>
-                          <a14:m>
-                            <m:oMathPara xmlns:m="http://schemas.openxmlformats.org/officeDocument/2006/math">
-                              <m:oMathParaPr>
-                                <m:jc m:val="centerGroup"/>
-                              </m:oMathParaPr>
-                              <m:oMath xmlns:m="http://schemas.openxmlformats.org/officeDocument/2006/math">
-                                <m:r>
-                                  <a:rPr lang="de-DE" b="0" i="1" smtClean="0">
-                                    <a:latin typeface="Cambria Math" panose="02040503050406030204" pitchFamily="18" charset="0"/>
-                                    <a:ea typeface="+mn-ea"/>
-                                  </a:rPr>
-                                  <m:t>1,74</m:t>
-                                </m:r>
-                                <m:r>
-                                  <a:rPr lang="de-DE" b="0" i="1" smtClean="0">
-                                    <a:latin typeface="Cambria Math" panose="02040503050406030204" pitchFamily="18" charset="0"/>
-                                    <a:ea typeface="Cambria Math" panose="02040503050406030204" pitchFamily="18" charset="0"/>
-                                  </a:rPr>
-                                  <m:t>∙</m:t>
-                                </m:r>
-                                <m:sSup>
-                                  <m:sSupPr>
-                                    <m:ctrlPr>
-                                      <a:rPr lang="de-DE" b="0" i="1" smtClean="0">
-                                        <a:latin typeface="Cambria Math" panose="02040503050406030204" pitchFamily="18" charset="0"/>
-                                        <a:ea typeface="Cambria Math" panose="02040503050406030204" pitchFamily="18" charset="0"/>
-                                      </a:rPr>
-                                    </m:ctrlPr>
-                                  </m:sSupPr>
-                                  <m:e>
-                                    <m:r>
-                                      <a:rPr lang="de-DE" b="0" i="1" smtClean="0">
-                                        <a:latin typeface="Cambria Math" panose="02040503050406030204" pitchFamily="18" charset="0"/>
-                                        <a:ea typeface="Cambria Math" panose="02040503050406030204" pitchFamily="18" charset="0"/>
-                                      </a:rPr>
-                                      <m:t>10</m:t>
-                                    </m:r>
-                                  </m:e>
-                                  <m:sup>
-                                    <m:r>
-                                      <a:rPr lang="de-DE" b="0" i="1" smtClean="0">
-                                        <a:latin typeface="Cambria Math" panose="02040503050406030204" pitchFamily="18" charset="0"/>
-                                        <a:ea typeface="Cambria Math" panose="02040503050406030204" pitchFamily="18" charset="0"/>
-                                      </a:rPr>
-                                      <m:t>−5</m:t>
-                                    </m:r>
-                                  </m:sup>
-                                </m:sSup>
-                              </m:oMath>
-                            </m:oMathPara>
-                          </a14:m>
-                          <a:endParaRPr lang="de-DE" dirty="0"/>
-                        </a:p>
-                      </a:txBody>
-                      <a:tcPr anchor="ctr"/>
-                    </a:tc>
-                    <a:tc>
-                      <a:txBody>
-                        <a:bodyPr/>
-                        <a:lstStyle/>
-                        <a:p>
-                          <a:pPr/>
-                          <a14:m>
-                            <m:oMathPara xmlns:m="http://schemas.openxmlformats.org/officeDocument/2006/math">
-                              <m:oMathParaPr>
-                                <m:jc m:val="centerGroup"/>
-                              </m:oMathParaPr>
-                              <m:oMath xmlns:m="http://schemas.openxmlformats.org/officeDocument/2006/math">
-                                <m:r>
-                                  <a:rPr lang="de-DE" b="0" i="1" smtClean="0">
-                                    <a:latin typeface="Cambria Math" panose="02040503050406030204" pitchFamily="18" charset="0"/>
-                                  </a:rPr>
-                                  <m:t>1,73</m:t>
-                                </m:r>
-                                <m:r>
-                                  <a:rPr lang="de-DE" b="0" i="1" smtClean="0">
-                                    <a:latin typeface="Cambria Math" panose="02040503050406030204" pitchFamily="18" charset="0"/>
-                                    <a:ea typeface="Cambria Math" panose="02040503050406030204" pitchFamily="18" charset="0"/>
-                                  </a:rPr>
-                                  <m:t>∙</m:t>
-                                </m:r>
-                                <m:sSup>
-                                  <m:sSupPr>
-                                    <m:ctrlPr>
-                                      <a:rPr lang="de-DE" b="0" i="1" smtClean="0">
-                                        <a:latin typeface="Cambria Math" panose="02040503050406030204" pitchFamily="18" charset="0"/>
-                                        <a:ea typeface="Cambria Math" panose="02040503050406030204" pitchFamily="18" charset="0"/>
-                                      </a:rPr>
-                                    </m:ctrlPr>
-                                  </m:sSupPr>
-                                  <m:e>
-                                    <m:r>
-                                      <a:rPr lang="de-DE" b="0" i="1" smtClean="0">
-                                        <a:latin typeface="Cambria Math" panose="02040503050406030204" pitchFamily="18" charset="0"/>
-                                        <a:ea typeface="Cambria Math" panose="02040503050406030204" pitchFamily="18" charset="0"/>
-                                      </a:rPr>
-                                      <m:t>10</m:t>
-                                    </m:r>
-                                  </m:e>
-                                  <m:sup>
-                                    <m:r>
-                                      <a:rPr lang="de-DE" b="0" i="1" smtClean="0">
-                                        <a:latin typeface="Cambria Math" panose="02040503050406030204" pitchFamily="18" charset="0"/>
-                                        <a:ea typeface="Cambria Math" panose="02040503050406030204" pitchFamily="18" charset="0"/>
-                                      </a:rPr>
-                                      <m:t>−5</m:t>
-                                    </m:r>
-                                  </m:sup>
-                                </m:sSup>
-                              </m:oMath>
-                            </m:oMathPara>
-                          </a14:m>
-                          <a:endParaRPr lang="de-DE" dirty="0"/>
-                        </a:p>
-                      </a:txBody>
-                      <a:tcPr anchor="ctr"/>
-                    </a:tc>
-                    <a:tc>
-                      <a:txBody>
-                        <a:bodyPr/>
-                        <a:lstStyle/>
-                        <a:p>
-                          <a:pPr/>
-                          <a14:m>
-                            <m:oMathPara xmlns:m="http://schemas.openxmlformats.org/officeDocument/2006/math">
-                              <m:oMathParaPr>
-                                <m:jc m:val="centerGroup"/>
-                              </m:oMathParaPr>
-                              <m:oMath xmlns:m="http://schemas.openxmlformats.org/officeDocument/2006/math">
-                                <m:r>
-                                  <a:rPr lang="de-DE" b="0" i="1" smtClean="0">
-                                    <a:latin typeface="Cambria Math" panose="02040503050406030204" pitchFamily="18" charset="0"/>
-                                  </a:rPr>
-                                  <m:t>1,87</m:t>
-                                </m:r>
-                                <m:r>
-                                  <a:rPr lang="de-DE" b="0" i="1" smtClean="0">
-                                    <a:latin typeface="Cambria Math" panose="02040503050406030204" pitchFamily="18" charset="0"/>
-                                    <a:ea typeface="Cambria Math" panose="02040503050406030204" pitchFamily="18" charset="0"/>
-                                  </a:rPr>
-                                  <m:t>∙</m:t>
-                                </m:r>
-                                <m:sSup>
-                                  <m:sSupPr>
-                                    <m:ctrlPr>
-                                      <a:rPr lang="de-DE" b="0" i="1" smtClean="0">
-                                        <a:latin typeface="Cambria Math" panose="02040503050406030204" pitchFamily="18" charset="0"/>
-                                        <a:ea typeface="Cambria Math" panose="02040503050406030204" pitchFamily="18" charset="0"/>
-                                      </a:rPr>
-                                    </m:ctrlPr>
-                                  </m:sSupPr>
-                                  <m:e>
-                                    <m:r>
-                                      <a:rPr lang="de-DE" b="0" i="1" smtClean="0">
-                                        <a:latin typeface="Cambria Math" panose="02040503050406030204" pitchFamily="18" charset="0"/>
-                                        <a:ea typeface="Cambria Math" panose="02040503050406030204" pitchFamily="18" charset="0"/>
-                                      </a:rPr>
-                                      <m:t>10</m:t>
-                                    </m:r>
-                                  </m:e>
-                                  <m:sup>
-                                    <m:r>
-                                      <a:rPr lang="de-DE" b="0" i="1" smtClean="0">
-                                        <a:latin typeface="Cambria Math" panose="02040503050406030204" pitchFamily="18" charset="0"/>
-                                        <a:ea typeface="Cambria Math" panose="02040503050406030204" pitchFamily="18" charset="0"/>
-                                      </a:rPr>
-                                      <m:t>−5</m:t>
-                                    </m:r>
-                                  </m:sup>
-                                </m:sSup>
-                              </m:oMath>
-                            </m:oMathPara>
-                          </a14:m>
-                          <a:endParaRPr lang="de-DE" dirty="0"/>
-                        </a:p>
-                      </a:txBody>
-                      <a:tcPr anchor="ctr"/>
-                    </a:tc>
-                    <a:extLst>
-                      <a:ext uri="{0D108BD9-81ED-4DB2-BD59-A6C34878D82A}">
-                        <a16:rowId xmlns:a16="http://schemas.microsoft.com/office/drawing/2014/main" val="10002"/>
-                      </a:ext>
-                    </a:extLst>
-                  </a:tr>
-                  <a:tr h="487567">
-                    <a:tc>
-                      <a:txBody>
-                        <a:bodyPr/>
-                        <a:lstStyle/>
-                        <a:p>
-                          <a:pPr/>
-                          <a14:m>
-                            <m:oMathPara xmlns:m="http://schemas.openxmlformats.org/officeDocument/2006/math">
-                              <m:oMathParaPr>
-                                <m:jc m:val="centerGroup"/>
-                              </m:oMathParaPr>
-                              <m:oMath xmlns:m="http://schemas.openxmlformats.org/officeDocument/2006/math">
-                                <m:f>
-                                  <m:fPr>
-                                    <m:ctrlPr>
-                                      <a:rPr lang="de-DE" i="1" smtClean="0">
-                                        <a:latin typeface="Cambria Math" panose="02040503050406030204" pitchFamily="18" charset="0"/>
-                                      </a:rPr>
-                                    </m:ctrlPr>
-                                  </m:fPr>
-                                  <m:num>
-                                    <m:r>
-                                      <m:rPr>
-                                        <m:sty m:val="p"/>
-                                      </m:rPr>
-                                      <a:rPr lang="el-GR" i="1" smtClean="0">
-                                        <a:latin typeface="Cambria Math" panose="02040503050406030204" pitchFamily="18" charset="0"/>
-                                        <a:ea typeface="Cambria Math" panose="02040503050406030204" pitchFamily="18" charset="0"/>
-                                      </a:rPr>
-                                      <m:t>Δ</m:t>
-                                    </m:r>
-                                    <m:sSub>
-                                      <m:sSubPr>
-                                        <m:ctrlPr>
-                                          <a:rPr lang="el-GR" i="1" smtClean="0">
-                                            <a:latin typeface="Cambria Math" panose="02040503050406030204" pitchFamily="18" charset="0"/>
-                                            <a:ea typeface="Cambria Math" panose="02040503050406030204" pitchFamily="18" charset="0"/>
-                                          </a:rPr>
-                                        </m:ctrlPr>
-                                      </m:sSubPr>
-                                      <m:e>
-                                        <m:r>
-                                          <a:rPr lang="de-DE" b="0" i="1" smtClean="0">
-                                            <a:latin typeface="Cambria Math" panose="02040503050406030204" pitchFamily="18" charset="0"/>
-                                            <a:ea typeface="Cambria Math" panose="02040503050406030204" pitchFamily="18" charset="0"/>
-                                          </a:rPr>
-                                          <m:t>𝑃</m:t>
-                                        </m:r>
-                                      </m:e>
-                                      <m:sub>
-                                        <m:r>
-                                          <a:rPr lang="de-DE" b="0" i="1" smtClean="0">
-                                            <a:latin typeface="Cambria Math" panose="02040503050406030204" pitchFamily="18" charset="0"/>
-                                            <a:ea typeface="Cambria Math" panose="02040503050406030204" pitchFamily="18" charset="0"/>
-                                          </a:rPr>
-                                          <m:t>𝑡</m:t>
-                                        </m:r>
-                                      </m:sub>
-                                    </m:sSub>
-                                  </m:num>
-                                  <m:den>
-                                    <m:sSub>
-                                      <m:sSubPr>
-                                        <m:ctrlPr>
-                                          <a:rPr lang="de-DE" i="1" smtClean="0">
-                                            <a:latin typeface="Cambria Math" panose="02040503050406030204" pitchFamily="18" charset="0"/>
-                                          </a:rPr>
-                                        </m:ctrlPr>
-                                      </m:sSubPr>
-                                      <m:e>
-                                        <m:r>
-                                          <a:rPr lang="de-DE" b="0" i="1" smtClean="0">
-                                            <a:latin typeface="Cambria Math" panose="02040503050406030204" pitchFamily="18" charset="0"/>
-                                          </a:rPr>
-                                          <m:t>𝑃</m:t>
-                                        </m:r>
-                                      </m:e>
-                                      <m:sub>
-                                        <m:r>
-                                          <a:rPr lang="de-DE" b="0" i="1" smtClean="0">
-                                            <a:latin typeface="Cambria Math" panose="02040503050406030204" pitchFamily="18" charset="0"/>
-                                          </a:rPr>
-                                          <m:t>𝑡</m:t>
-                                        </m:r>
-                                      </m:sub>
-                                    </m:sSub>
-                                  </m:den>
-                                </m:f>
-                              </m:oMath>
-                            </m:oMathPara>
-                          </a14:m>
-                          <a:endParaRPr lang="de-DE" dirty="0"/>
-                        </a:p>
-                      </a:txBody>
-                      <a:tcPr anchor="ctr"/>
-                    </a:tc>
-                    <a:tc>
-                      <a:txBody>
-                        <a:bodyPr/>
-                        <a:lstStyle/>
-                        <a:p>
-                          <a:pPr/>
-                          <a14:m>
-                            <m:oMathPara xmlns:m="http://schemas.openxmlformats.org/officeDocument/2006/math">
-                              <m:oMathParaPr>
-                                <m:jc m:val="centerGroup"/>
-                              </m:oMathParaPr>
-                              <m:oMath xmlns:m="http://schemas.openxmlformats.org/officeDocument/2006/math">
-                                <m:r>
-                                  <a:rPr lang="de-DE" b="0" i="1" smtClean="0">
-                                    <a:latin typeface="Cambria Math" panose="02040503050406030204" pitchFamily="18" charset="0"/>
-                                    <a:ea typeface="+mn-ea"/>
-                                  </a:rPr>
-                                  <m:t>4,45</m:t>
-                                </m:r>
-                                <m:r>
-                                  <a:rPr lang="de-DE" b="0" i="1" smtClean="0">
-                                    <a:latin typeface="Cambria Math" panose="02040503050406030204" pitchFamily="18" charset="0"/>
-                                    <a:ea typeface="Cambria Math" panose="02040503050406030204" pitchFamily="18" charset="0"/>
-                                  </a:rPr>
-                                  <m:t>∙</m:t>
-                                </m:r>
-                                <m:sSup>
-                                  <m:sSupPr>
-                                    <m:ctrlPr>
-                                      <a:rPr lang="de-DE" b="0" i="1" smtClean="0">
-                                        <a:latin typeface="Cambria Math" panose="02040503050406030204" pitchFamily="18" charset="0"/>
-                                        <a:ea typeface="Cambria Math" panose="02040503050406030204" pitchFamily="18" charset="0"/>
-                                      </a:rPr>
-                                    </m:ctrlPr>
-                                  </m:sSupPr>
-                                  <m:e>
-                                    <m:r>
-                                      <a:rPr lang="de-DE" b="0" i="1" smtClean="0">
-                                        <a:latin typeface="Cambria Math" panose="02040503050406030204" pitchFamily="18" charset="0"/>
-                                        <a:ea typeface="Cambria Math" panose="02040503050406030204" pitchFamily="18" charset="0"/>
-                                      </a:rPr>
-                                      <m:t>10</m:t>
-                                    </m:r>
-                                  </m:e>
-                                  <m:sup>
-                                    <m:r>
-                                      <a:rPr lang="de-DE" b="0" i="1" smtClean="0">
-                                        <a:latin typeface="Cambria Math" panose="02040503050406030204" pitchFamily="18" charset="0"/>
-                                        <a:ea typeface="Cambria Math" panose="02040503050406030204" pitchFamily="18" charset="0"/>
-                                      </a:rPr>
-                                      <m:t>−5</m:t>
-                                    </m:r>
-                                  </m:sup>
-                                </m:sSup>
-                              </m:oMath>
-                            </m:oMathPara>
-                          </a14:m>
-                          <a:endParaRPr lang="de-DE" dirty="0"/>
-                        </a:p>
-                      </a:txBody>
-                      <a:tcPr anchor="ctr"/>
-                    </a:tc>
-                    <a:tc>
-                      <a:txBody>
-                        <a:bodyPr/>
-                        <a:lstStyle/>
-                        <a:p>
-                          <a:pPr/>
-                          <a14:m>
-                            <m:oMathPara xmlns:m="http://schemas.openxmlformats.org/officeDocument/2006/math">
-                              <m:oMathParaPr>
-                                <m:jc m:val="centerGroup"/>
-                              </m:oMathParaPr>
-                              <m:oMath xmlns:m="http://schemas.openxmlformats.org/officeDocument/2006/math">
-                                <m:r>
-                                  <a:rPr lang="de-DE" b="0" i="1" smtClean="0">
-                                    <a:latin typeface="Cambria Math" panose="02040503050406030204" pitchFamily="18" charset="0"/>
-                                    <a:ea typeface="+mn-ea"/>
-                                  </a:rPr>
-                                  <m:t>2,39</m:t>
-                                </m:r>
-                                <m:r>
-                                  <a:rPr lang="de-DE" b="0" i="1" smtClean="0">
-                                    <a:latin typeface="Cambria Math" panose="02040503050406030204" pitchFamily="18" charset="0"/>
-                                    <a:ea typeface="Cambria Math" panose="02040503050406030204" pitchFamily="18" charset="0"/>
-                                  </a:rPr>
-                                  <m:t>∙</m:t>
-                                </m:r>
-                                <m:sSup>
-                                  <m:sSupPr>
-                                    <m:ctrlPr>
-                                      <a:rPr lang="de-DE" b="0" i="1" smtClean="0">
-                                        <a:latin typeface="Cambria Math" panose="02040503050406030204" pitchFamily="18" charset="0"/>
-                                        <a:ea typeface="Cambria Math" panose="02040503050406030204" pitchFamily="18" charset="0"/>
-                                      </a:rPr>
-                                    </m:ctrlPr>
-                                  </m:sSupPr>
-                                  <m:e>
-                                    <m:r>
-                                      <a:rPr lang="de-DE" b="0" i="1" smtClean="0">
-                                        <a:latin typeface="Cambria Math" panose="02040503050406030204" pitchFamily="18" charset="0"/>
-                                        <a:ea typeface="Cambria Math" panose="02040503050406030204" pitchFamily="18" charset="0"/>
-                                      </a:rPr>
-                                      <m:t>10</m:t>
-                                    </m:r>
-                                  </m:e>
-                                  <m:sup>
-                                    <m:r>
-                                      <a:rPr lang="de-DE" b="0" i="1" smtClean="0">
-                                        <a:latin typeface="Cambria Math" panose="02040503050406030204" pitchFamily="18" charset="0"/>
-                                        <a:ea typeface="Cambria Math" panose="02040503050406030204" pitchFamily="18" charset="0"/>
-                                      </a:rPr>
-                                      <m:t>−5</m:t>
-                                    </m:r>
-                                  </m:sup>
-                                </m:sSup>
-                              </m:oMath>
-                            </m:oMathPara>
-                          </a14:m>
-                          <a:endParaRPr lang="de-DE" dirty="0"/>
-                        </a:p>
-                      </a:txBody>
-                      <a:tcPr anchor="ctr"/>
-                    </a:tc>
-                    <a:tc>
-                      <a:txBody>
-                        <a:bodyPr/>
-                        <a:lstStyle/>
-                        <a:p>
-                          <a:pPr/>
-                          <a14:m>
-                            <m:oMathPara xmlns:m="http://schemas.openxmlformats.org/officeDocument/2006/math">
-                              <m:oMathParaPr>
-                                <m:jc m:val="centerGroup"/>
-                              </m:oMathParaPr>
-                              <m:oMath xmlns:m="http://schemas.openxmlformats.org/officeDocument/2006/math">
-                                <m:r>
-                                  <a:rPr lang="de-DE" b="0" i="1" smtClean="0">
-                                    <a:latin typeface="Cambria Math" panose="02040503050406030204" pitchFamily="18" charset="0"/>
-                                    <a:ea typeface="+mn-ea"/>
-                                  </a:rPr>
-                                  <m:t>2,394</m:t>
-                                </m:r>
-                                <m:r>
-                                  <a:rPr lang="de-DE" b="0" i="1" smtClean="0">
-                                    <a:latin typeface="Cambria Math" panose="02040503050406030204" pitchFamily="18" charset="0"/>
-                                    <a:ea typeface="Cambria Math" panose="02040503050406030204" pitchFamily="18" charset="0"/>
-                                  </a:rPr>
-                                  <m:t>∙</m:t>
-                                </m:r>
-                                <m:sSup>
-                                  <m:sSupPr>
-                                    <m:ctrlPr>
-                                      <a:rPr lang="de-DE" b="0" i="1" smtClean="0">
-                                        <a:latin typeface="Cambria Math" panose="02040503050406030204" pitchFamily="18" charset="0"/>
-                                        <a:ea typeface="Cambria Math" panose="02040503050406030204" pitchFamily="18" charset="0"/>
-                                      </a:rPr>
-                                    </m:ctrlPr>
-                                  </m:sSupPr>
-                                  <m:e>
-                                    <m:r>
-                                      <a:rPr lang="de-DE" b="0" i="1" smtClean="0">
-                                        <a:latin typeface="Cambria Math" panose="02040503050406030204" pitchFamily="18" charset="0"/>
-                                        <a:ea typeface="Cambria Math" panose="02040503050406030204" pitchFamily="18" charset="0"/>
-                                      </a:rPr>
-                                      <m:t>10</m:t>
-                                    </m:r>
-                                  </m:e>
-                                  <m:sup>
-                                    <m:r>
-                                      <a:rPr lang="de-DE" b="0" i="1" smtClean="0">
-                                        <a:latin typeface="Cambria Math" panose="02040503050406030204" pitchFamily="18" charset="0"/>
-                                        <a:ea typeface="Cambria Math" panose="02040503050406030204" pitchFamily="18" charset="0"/>
-                                      </a:rPr>
-                                      <m:t>−5</m:t>
-                                    </m:r>
-                                  </m:sup>
-                                </m:sSup>
-                              </m:oMath>
-                            </m:oMathPara>
-                          </a14:m>
-                          <a:endParaRPr lang="de-DE" dirty="0"/>
-                        </a:p>
-                      </a:txBody>
-                      <a:tcPr anchor="ctr"/>
-                    </a:tc>
-                    <a:tc>
-                      <a:txBody>
-                        <a:bodyPr/>
-                        <a:lstStyle/>
-                        <a:p>
-                          <a:pPr/>
-                          <a14:m>
-                            <m:oMathPara xmlns:m="http://schemas.openxmlformats.org/officeDocument/2006/math">
-                              <m:oMathParaPr>
-                                <m:jc m:val="centerGroup"/>
-                              </m:oMathParaPr>
-                              <m:oMath xmlns:m="http://schemas.openxmlformats.org/officeDocument/2006/math">
-                                <m:r>
-                                  <a:rPr lang="de-DE" b="0" i="1" smtClean="0">
-                                    <a:latin typeface="Cambria Math" panose="02040503050406030204" pitchFamily="18" charset="0"/>
-                                    <a:ea typeface="+mn-ea"/>
-                                  </a:rPr>
-                                  <m:t>3,681</m:t>
-                                </m:r>
-                                <m:r>
-                                  <a:rPr lang="de-DE" b="0" i="1" smtClean="0">
-                                    <a:latin typeface="Cambria Math" panose="02040503050406030204" pitchFamily="18" charset="0"/>
-                                    <a:ea typeface="Cambria Math" panose="02040503050406030204" pitchFamily="18" charset="0"/>
-                                  </a:rPr>
-                                  <m:t>∙</m:t>
-                                </m:r>
-                                <m:sSup>
-                                  <m:sSupPr>
-                                    <m:ctrlPr>
-                                      <a:rPr lang="de-DE" b="0" i="1" smtClean="0">
-                                        <a:latin typeface="Cambria Math" panose="02040503050406030204" pitchFamily="18" charset="0"/>
-                                        <a:ea typeface="Cambria Math" panose="02040503050406030204" pitchFamily="18" charset="0"/>
-                                      </a:rPr>
-                                    </m:ctrlPr>
-                                  </m:sSupPr>
-                                  <m:e>
-                                    <m:r>
-                                      <a:rPr lang="de-DE" b="0" i="1" smtClean="0">
-                                        <a:latin typeface="Cambria Math" panose="02040503050406030204" pitchFamily="18" charset="0"/>
-                                        <a:ea typeface="Cambria Math" panose="02040503050406030204" pitchFamily="18" charset="0"/>
-                                      </a:rPr>
-                                      <m:t>10</m:t>
-                                    </m:r>
-                                  </m:e>
-                                  <m:sup>
-                                    <m:r>
-                                      <a:rPr lang="de-DE" b="0" i="1" smtClean="0">
-                                        <a:latin typeface="Cambria Math" panose="02040503050406030204" pitchFamily="18" charset="0"/>
-                                        <a:ea typeface="Cambria Math" panose="02040503050406030204" pitchFamily="18" charset="0"/>
-                                      </a:rPr>
-                                      <m:t>−5</m:t>
-                                    </m:r>
-                                  </m:sup>
-                                </m:sSup>
-                              </m:oMath>
-                            </m:oMathPara>
-                          </a14:m>
-                          <a:endParaRPr lang="de-DE" dirty="0"/>
-                        </a:p>
-                      </a:txBody>
-                      <a:tcPr anchor="ctr"/>
-                    </a:tc>
-                    <a:extLst>
-                      <a:ext uri="{0D108BD9-81ED-4DB2-BD59-A6C34878D82A}">
-                        <a16:rowId xmlns:a16="http://schemas.microsoft.com/office/drawing/2014/main" val="10003"/>
-                      </a:ext>
-                    </a:extLst>
-                  </a:tr>
-                </a:tbl>
-              </a:graphicData>
-            </a:graphic>
-          </p:graphicFrame>
-        </mc:Choice>
-        <mc:Fallback xmlns="">
-          <p:graphicFrame>
-            <p:nvGraphicFramePr>
-              <p:cNvPr id="4" name="Inhaltsplatzhalter 3"/>
-              <p:cNvGraphicFramePr>
-                <a:graphicFrameLocks noGrp="1"/>
-              </p:cNvGraphicFramePr>
-              <p:nvPr>
-                <p:ph idx="1"/>
-                <p:extLst>
-                  <p:ext uri="{D42A27DB-BD31-4B8C-83A1-F6EECF244321}">
-                    <p14:modId xmlns:p14="http://schemas.microsoft.com/office/powerpoint/2010/main" val="80019112"/>
-                  </p:ext>
-                </p:extLst>
-              </p:nvPr>
-            </p:nvGraphicFramePr>
-            <p:xfrm>
-              <a:off x="315814" y="2602078"/>
-              <a:ext cx="8411265" cy="2755762"/>
-            </p:xfrm>
-            <a:graphic>
-              <a:graphicData uri="http://schemas.openxmlformats.org/drawingml/2006/table">
-                <a:tbl>
-                  <a:tblPr firstRow="1" bandRow="1">
-                    <a:tableStyleId>{21E4AEA4-8DFA-4A89-87EB-49C32662AFE0}</a:tableStyleId>
-                  </a:tblPr>
-                  <a:tblGrid>
-                    <a:gridCol w="1682253"/>
-                    <a:gridCol w="1682253"/>
-                    <a:gridCol w="1682253"/>
-                    <a:gridCol w="1682253"/>
-                    <a:gridCol w="1682253"/>
-                  </a:tblGrid>
-                  <a:tr h="841554">
-                    <a:tc>
-                      <a:txBody>
-                        <a:bodyPr/>
-                        <a:lstStyle/>
-                        <a:p>
-                          <a:endParaRPr lang="de-DE" sz="1600" dirty="0"/>
-                        </a:p>
-                      </a:txBody>
-                      <a:tcPr anchor="ctr">
-                        <a:solidFill>
-                          <a:srgbClr val="005088"/>
-                        </a:solidFill>
-                      </a:tcPr>
-                    </a:tc>
-                    <a:tc>
-                      <a:txBody>
-                        <a:bodyPr/>
-                        <a:lstStyle/>
-                        <a:p>
-                          <a:r>
-                            <a:rPr lang="de-DE" sz="1600" dirty="0" smtClean="0"/>
-                            <a:t>Referenz - Stationär</a:t>
-                          </a:r>
-                          <a:endParaRPr lang="de-DE" sz="1600" dirty="0"/>
-                        </a:p>
-                      </a:txBody>
-                      <a:tcPr anchor="ctr">
-                        <a:solidFill>
-                          <a:srgbClr val="005088"/>
-                        </a:solidFill>
-                      </a:tcPr>
-                    </a:tc>
-                    <a:tc>
-                      <a:txBody>
-                        <a:bodyPr/>
-                        <a:lstStyle/>
-                        <a:p>
-                          <a:r>
-                            <a:rPr lang="de-DE" sz="1600" dirty="0" smtClean="0"/>
-                            <a:t>Rotor feiner - Stationär</a:t>
-                          </a:r>
-                          <a:endParaRPr lang="de-DE" sz="1600" dirty="0"/>
-                        </a:p>
-                      </a:txBody>
-                      <a:tcPr anchor="ctr">
-                        <a:solidFill>
-                          <a:srgbClr val="005088"/>
-                        </a:solidFill>
-                      </a:tcPr>
-                    </a:tc>
-                    <a:tc>
-                      <a:txBody>
-                        <a:bodyPr/>
-                        <a:lstStyle/>
-                        <a:p>
-                          <a:r>
-                            <a:rPr lang="de-DE" sz="1600" dirty="0" err="1" smtClean="0"/>
-                            <a:t>Instationär</a:t>
-                          </a:r>
-                          <a:r>
-                            <a:rPr lang="de-DE" sz="1600" dirty="0" smtClean="0"/>
-                            <a:t> (Mixing-Plane)</a:t>
-                          </a:r>
-                          <a:endParaRPr lang="de-DE" sz="1600" dirty="0"/>
-                        </a:p>
-                      </a:txBody>
-                      <a:tcPr anchor="ctr">
-                        <a:solidFill>
-                          <a:srgbClr val="005088"/>
-                        </a:solidFill>
-                      </a:tcPr>
-                    </a:tc>
-                    <a:tc>
-                      <a:txBody>
-                        <a:bodyPr/>
-                        <a:lstStyle/>
-                        <a:p>
-                          <a:r>
-                            <a:rPr lang="de-DE" sz="1600" dirty="0" err="1" smtClean="0"/>
-                            <a:t>Instationär</a:t>
-                          </a:r>
-                          <a:r>
-                            <a:rPr lang="de-DE" sz="1600" baseline="0" dirty="0" smtClean="0"/>
-                            <a:t> (Transient Rotor Stator)</a:t>
-                          </a:r>
-                          <a:endParaRPr lang="de-DE" sz="1600" dirty="0"/>
-                        </a:p>
-                      </a:txBody>
-                      <a:tcPr anchor="ctr">
-                        <a:solidFill>
-                          <a:srgbClr val="005088"/>
-                        </a:solidFill>
-                      </a:tcPr>
-                    </a:tc>
-                  </a:tr>
-                  <a:tr h="607886">
-                    <a:tc>
-                      <a:txBody>
-                        <a:bodyPr/>
-                        <a:lstStyle/>
-                        <a:p>
-                          <a:endParaRPr lang="de-DE"/>
-                        </a:p>
-                      </a:txBody>
-                      <a:tcPr anchor="ctr">
-                        <a:blipFill rotWithShape="0">
-                          <a:blip r:embed="rId2"/>
-                          <a:stretch>
-                            <a:fillRect l="-362" t="-139000" r="-401812" b="-217000"/>
-                          </a:stretch>
-                        </a:blipFill>
-                      </a:tcPr>
-                    </a:tc>
-                    <a:tc>
-                      <a:txBody>
-                        <a:bodyPr/>
-                        <a:lstStyle/>
-                        <a:p>
-                          <a:endParaRPr lang="de-DE"/>
-                        </a:p>
-                      </a:txBody>
-                      <a:tcPr anchor="ctr">
-                        <a:blipFill rotWithShape="0">
-                          <a:blip r:embed="rId2"/>
-                          <a:stretch>
-                            <a:fillRect l="-100362" t="-139000" r="-301812" b="-217000"/>
-                          </a:stretch>
-                        </a:blipFill>
-                      </a:tcPr>
-                    </a:tc>
-                    <a:tc>
-                      <a:txBody>
-                        <a:bodyPr/>
-                        <a:lstStyle/>
-                        <a:p>
-                          <a:endParaRPr lang="de-DE"/>
-                        </a:p>
-                      </a:txBody>
-                      <a:tcPr anchor="ctr">
-                        <a:blipFill rotWithShape="0">
-                          <a:blip r:embed="rId2"/>
-                          <a:stretch>
-                            <a:fillRect l="-199639" t="-139000" r="-200722" b="-217000"/>
-                          </a:stretch>
-                        </a:blipFill>
-                      </a:tcPr>
-                    </a:tc>
-                    <a:tc>
-                      <a:txBody>
-                        <a:bodyPr/>
-                        <a:lstStyle/>
-                        <a:p>
-                          <a:endParaRPr lang="de-DE"/>
-                        </a:p>
-                      </a:txBody>
-                      <a:tcPr anchor="ctr">
-                        <a:blipFill rotWithShape="0">
-                          <a:blip r:embed="rId2"/>
-                          <a:stretch>
-                            <a:fillRect l="-300725" t="-139000" r="-101449" b="-217000"/>
-                          </a:stretch>
-                        </a:blipFill>
-                      </a:tcPr>
-                    </a:tc>
-                    <a:tc>
-                      <a:txBody>
-                        <a:bodyPr/>
-                        <a:lstStyle/>
-                        <a:p>
-                          <a:endParaRPr lang="de-DE"/>
-                        </a:p>
-                      </a:txBody>
-                      <a:tcPr anchor="ctr">
-                        <a:blipFill rotWithShape="0">
-                          <a:blip r:embed="rId2"/>
-                          <a:stretch>
-                            <a:fillRect l="-400725" t="-139000" r="-1449" b="-217000"/>
-                          </a:stretch>
-                        </a:blipFill>
-                      </a:tcPr>
-                    </a:tc>
-                  </a:tr>
-                  <a:tr h="653161">
-                    <a:tc>
-                      <a:txBody>
-                        <a:bodyPr/>
-                        <a:lstStyle/>
-                        <a:p>
-                          <a:endParaRPr lang="de-DE"/>
-                        </a:p>
-                      </a:txBody>
-                      <a:tcPr anchor="ctr">
-                        <a:blipFill rotWithShape="0">
-                          <a:blip r:embed="rId2"/>
-                          <a:stretch>
-                            <a:fillRect l="-362" t="-221296" r="-401812" b="-100926"/>
-                          </a:stretch>
-                        </a:blipFill>
-                      </a:tcPr>
-                    </a:tc>
-                    <a:tc>
-                      <a:txBody>
-                        <a:bodyPr/>
-                        <a:lstStyle/>
-                        <a:p>
-                          <a:endParaRPr lang="de-DE"/>
-                        </a:p>
-                      </a:txBody>
-                      <a:tcPr anchor="ctr">
-                        <a:blipFill rotWithShape="0">
-                          <a:blip r:embed="rId2"/>
-                          <a:stretch>
-                            <a:fillRect l="-100362" t="-221296" r="-301812" b="-100926"/>
-                          </a:stretch>
-                        </a:blipFill>
-                      </a:tcPr>
-                    </a:tc>
-                    <a:tc>
-                      <a:txBody>
-                        <a:bodyPr/>
-                        <a:lstStyle/>
-                        <a:p>
-                          <a:endParaRPr lang="de-DE"/>
-                        </a:p>
-                      </a:txBody>
-                      <a:tcPr anchor="ctr">
-                        <a:blipFill rotWithShape="0">
-                          <a:blip r:embed="rId2"/>
-                          <a:stretch>
-                            <a:fillRect l="-199639" t="-221296" r="-200722" b="-100926"/>
-                          </a:stretch>
-                        </a:blipFill>
-                      </a:tcPr>
-                    </a:tc>
-                    <a:tc>
-                      <a:txBody>
-                        <a:bodyPr/>
-                        <a:lstStyle/>
-                        <a:p>
-                          <a:endParaRPr lang="de-DE"/>
-                        </a:p>
-                      </a:txBody>
-                      <a:tcPr anchor="ctr">
-                        <a:blipFill rotWithShape="0">
-                          <a:blip r:embed="rId2"/>
-                          <a:stretch>
-                            <a:fillRect l="-300725" t="-221296" r="-101449" b="-100926"/>
-                          </a:stretch>
-                        </a:blipFill>
-                      </a:tcPr>
-                    </a:tc>
-                    <a:tc>
-                      <a:txBody>
-                        <a:bodyPr/>
-                        <a:lstStyle/>
-                        <a:p>
-                          <a:endParaRPr lang="de-DE"/>
-                        </a:p>
-                      </a:txBody>
-                      <a:tcPr anchor="ctr">
-                        <a:blipFill rotWithShape="0">
-                          <a:blip r:embed="rId2"/>
-                          <a:stretch>
-                            <a:fillRect l="-400725" t="-221296" r="-1449" b="-100926"/>
-                          </a:stretch>
-                        </a:blipFill>
-                      </a:tcPr>
-                    </a:tc>
-                  </a:tr>
-                  <a:tr h="653161">
-                    <a:tc>
-                      <a:txBody>
-                        <a:bodyPr/>
-                        <a:lstStyle/>
-                        <a:p>
-                          <a:endParaRPr lang="de-DE"/>
-                        </a:p>
-                      </a:txBody>
-                      <a:tcPr anchor="ctr">
-                        <a:blipFill rotWithShape="0">
-                          <a:blip r:embed="rId2"/>
-                          <a:stretch>
-                            <a:fillRect l="-362" t="-324299" r="-401812" b="-1869"/>
-                          </a:stretch>
-                        </a:blipFill>
-                      </a:tcPr>
-                    </a:tc>
-                    <a:tc>
-                      <a:txBody>
-                        <a:bodyPr/>
-                        <a:lstStyle/>
-                        <a:p>
-                          <a:endParaRPr lang="de-DE"/>
-                        </a:p>
-                      </a:txBody>
-                      <a:tcPr anchor="ctr">
-                        <a:blipFill rotWithShape="0">
-                          <a:blip r:embed="rId2"/>
-                          <a:stretch>
-                            <a:fillRect l="-100362" t="-324299" r="-301812" b="-1869"/>
-                          </a:stretch>
-                        </a:blipFill>
-                      </a:tcPr>
-                    </a:tc>
-                    <a:tc>
-                      <a:txBody>
-                        <a:bodyPr/>
-                        <a:lstStyle/>
-                        <a:p>
-                          <a:endParaRPr lang="de-DE"/>
-                        </a:p>
-                      </a:txBody>
-                      <a:tcPr anchor="ctr">
-                        <a:blipFill rotWithShape="0">
-                          <a:blip r:embed="rId2"/>
-                          <a:stretch>
-                            <a:fillRect l="-199639" t="-324299" r="-200722" b="-1869"/>
-                          </a:stretch>
-                        </a:blipFill>
-                      </a:tcPr>
-                    </a:tc>
-                    <a:tc>
-                      <a:txBody>
-                        <a:bodyPr/>
-                        <a:lstStyle/>
-                        <a:p>
-                          <a:endParaRPr lang="de-DE"/>
-                        </a:p>
-                      </a:txBody>
-                      <a:tcPr anchor="ctr">
-                        <a:blipFill rotWithShape="0">
-                          <a:blip r:embed="rId2"/>
-                          <a:stretch>
-                            <a:fillRect l="-300725" t="-324299" r="-101449" b="-1869"/>
-                          </a:stretch>
-                        </a:blipFill>
-                      </a:tcPr>
-                    </a:tc>
-                    <a:tc>
-                      <a:txBody>
-                        <a:bodyPr/>
-                        <a:lstStyle/>
-                        <a:p>
-                          <a:endParaRPr lang="de-DE"/>
-                        </a:p>
-                      </a:txBody>
-                      <a:tcPr anchor="ctr">
-                        <a:blipFill rotWithShape="0">
-                          <a:blip r:embed="rId2"/>
-                          <a:stretch>
-                            <a:fillRect l="-400725" t="-324299" r="-1449" b="-1869"/>
-                          </a:stretch>
-                        </a:blipFill>
-                      </a:tcPr>
-                    </a:tc>
-                  </a:tr>
-                </a:tbl>
-              </a:graphicData>
-            </a:graphic>
-          </p:graphicFrame>
-        </mc:Fallback>
-      </mc:AlternateContent>
-      <mc:AlternateContent xmlns:mc="http://schemas.openxmlformats.org/markup-compatibility/2006" xmlns:a14="http://schemas.microsoft.com/office/drawing/2010/main">
-        <mc:Choice Requires="a14">
-          <p:sp>
-            <p:nvSpPr>
-              <p:cNvPr id="5" name="Textfeld 4"/>
-              <p:cNvSpPr txBox="1"/>
-              <p:nvPr/>
-            </p:nvSpPr>
-            <p:spPr>
-              <a:xfrm>
-                <a:off x="315814" y="1556792"/>
-                <a:ext cx="3824138" cy="1045286"/>
-              </a:xfrm>
-              <a:prstGeom prst="rect">
-                <a:avLst/>
-              </a:prstGeom>
-              <a:noFill/>
-            </p:spPr>
-            <p:txBody>
-              <a:bodyPr wrap="square" rtlCol="0">
-                <a:spAutoFit/>
-              </a:bodyPr>
-              <a:lstStyle/>
-              <a:p>
-                <a:r>
-                  <a:rPr lang="de-DE" dirty="0"/>
-                  <a:t>Inlet:   </a:t>
-                </a:r>
-                <a14:m>
-                  <m:oMath xmlns:m="http://schemas.openxmlformats.org/officeDocument/2006/math">
-                    <m:r>
-                      <a:rPr lang="de-DE" b="0" i="0" smtClean="0">
-                        <a:latin typeface="Cambria Math" panose="02040503050406030204" pitchFamily="18" charset="0"/>
-                      </a:rPr>
-                      <m:t> </m:t>
-                    </m:r>
-                    <m:sSub>
-                      <m:sSubPr>
-                        <m:ctrlPr>
-                          <a:rPr lang="de-DE" i="1" smtClean="0">
-                            <a:latin typeface="Cambria Math" panose="02040503050406030204" pitchFamily="18" charset="0"/>
-                          </a:rPr>
-                        </m:ctrlPr>
-                      </m:sSubPr>
-                      <m:e>
-                        <m:r>
-                          <a:rPr lang="de-DE" b="0" i="1" smtClean="0">
-                            <a:latin typeface="Cambria Math" panose="02040503050406030204" pitchFamily="18" charset="0"/>
-                          </a:rPr>
-                          <m:t>𝑇</m:t>
-                        </m:r>
-                      </m:e>
-                      <m:sub>
-                        <m:r>
-                          <a:rPr lang="de-DE" b="0" i="1" smtClean="0">
-                            <a:latin typeface="Cambria Math" panose="02040503050406030204" pitchFamily="18" charset="0"/>
-                          </a:rPr>
-                          <m:t>𝑡</m:t>
-                        </m:r>
-                      </m:sub>
-                    </m:sSub>
-                    <m:r>
-                      <a:rPr lang="de-DE" b="0" i="1" smtClean="0">
-                        <a:latin typeface="Cambria Math" panose="02040503050406030204" pitchFamily="18" charset="0"/>
-                      </a:rPr>
-                      <m:t>=305</m:t>
-                    </m:r>
-                    <m:r>
-                      <a:rPr lang="de-DE" b="0" i="1" smtClean="0">
-                        <a:latin typeface="Cambria Math" panose="02040503050406030204" pitchFamily="18" charset="0"/>
-                      </a:rPr>
-                      <m:t>𝐾</m:t>
-                    </m:r>
-                  </m:oMath>
-                </a14:m>
-                <a:endParaRPr lang="de-DE" b="0" dirty="0"/>
-              </a:p>
-              <a:p>
-                <a:r>
-                  <a:rPr lang="de-DE" dirty="0"/>
-                  <a:t>           </a:t>
-                </a:r>
-                <a14:m>
-                  <m:oMath xmlns:m="http://schemas.openxmlformats.org/officeDocument/2006/math">
-                    <m:sSub>
-                      <m:sSubPr>
-                        <m:ctrlPr>
-                          <a:rPr lang="de-DE" i="1" smtClean="0">
-                            <a:latin typeface="Cambria Math" panose="02040503050406030204" pitchFamily="18" charset="0"/>
-                          </a:rPr>
-                        </m:ctrlPr>
-                      </m:sSubPr>
-                      <m:e>
-                        <m:r>
-                          <a:rPr lang="de-DE" b="0" i="1" smtClean="0">
-                            <a:latin typeface="Cambria Math" panose="02040503050406030204" pitchFamily="18" charset="0"/>
-                          </a:rPr>
-                          <m:t>𝑃</m:t>
-                        </m:r>
-                      </m:e>
-                      <m:sub>
-                        <m:r>
-                          <a:rPr lang="de-DE" b="0" i="1" smtClean="0">
-                            <a:latin typeface="Cambria Math" panose="02040503050406030204" pitchFamily="18" charset="0"/>
-                          </a:rPr>
-                          <m:t>𝑡</m:t>
-                        </m:r>
-                      </m:sub>
-                    </m:sSub>
-                    <m:r>
-                      <a:rPr lang="de-DE" b="0" i="1" smtClean="0">
-                        <a:latin typeface="Cambria Math" panose="02040503050406030204" pitchFamily="18" charset="0"/>
-                      </a:rPr>
-                      <m:t>=130000</m:t>
-                    </m:r>
-                    <m:r>
-                      <a:rPr lang="de-DE" b="0" i="1" smtClean="0">
-                        <a:latin typeface="Cambria Math" panose="02040503050406030204" pitchFamily="18" charset="0"/>
-                      </a:rPr>
-                      <m:t>𝑃𝑎</m:t>
-                    </m:r>
-                  </m:oMath>
-                </a14:m>
-                <a:endParaRPr lang="de-DE" dirty="0"/>
-              </a:p>
-              <a:p>
-                <a:r>
-                  <a:rPr lang="de-DE" dirty="0"/>
-                  <a:t>Outlet: </a:t>
-                </a:r>
-                <a14:m>
-                  <m:oMath xmlns:m="http://schemas.openxmlformats.org/officeDocument/2006/math">
-                    <m:acc>
-                      <m:accPr>
-                        <m:chr m:val="̇"/>
-                        <m:ctrlPr>
-                          <a:rPr lang="de-DE" i="1" smtClean="0">
-                            <a:latin typeface="Cambria Math" panose="02040503050406030204" pitchFamily="18" charset="0"/>
-                          </a:rPr>
-                        </m:ctrlPr>
-                      </m:accPr>
-                      <m:e>
-                        <m:r>
-                          <a:rPr lang="de-DE" b="0" i="1" smtClean="0">
-                            <a:latin typeface="Cambria Math" panose="02040503050406030204" pitchFamily="18" charset="0"/>
-                          </a:rPr>
-                          <m:t>𝑚</m:t>
-                        </m:r>
-                      </m:e>
-                    </m:acc>
-                    <m:r>
-                      <a:rPr lang="de-DE" b="0" i="1" smtClean="0">
-                        <a:latin typeface="Cambria Math" panose="02040503050406030204" pitchFamily="18" charset="0"/>
-                      </a:rPr>
-                      <m:t>=0,1</m:t>
-                    </m:r>
-                    <m:f>
-                      <m:fPr>
-                        <m:ctrlPr>
-                          <a:rPr lang="de-DE" b="0" i="1" smtClean="0">
-                            <a:latin typeface="Cambria Math" panose="02040503050406030204" pitchFamily="18" charset="0"/>
-                          </a:rPr>
-                        </m:ctrlPr>
-                      </m:fPr>
-                      <m:num>
-                        <m:r>
-                          <a:rPr lang="de-DE" b="0" i="1" smtClean="0">
-                            <a:latin typeface="Cambria Math" panose="02040503050406030204" pitchFamily="18" charset="0"/>
-                          </a:rPr>
-                          <m:t>𝑘𝑔</m:t>
-                        </m:r>
-                      </m:num>
-                      <m:den>
-                        <m:r>
-                          <a:rPr lang="de-DE" b="0" i="1" smtClean="0">
-                            <a:latin typeface="Cambria Math" panose="02040503050406030204" pitchFamily="18" charset="0"/>
-                          </a:rPr>
-                          <m:t>𝑠</m:t>
-                        </m:r>
-                      </m:den>
-                    </m:f>
-                  </m:oMath>
-                </a14:m>
-                <a:endParaRPr lang="de-DE" dirty="0"/>
-              </a:p>
-            </p:txBody>
-          </p:sp>
-        </mc:Choice>
-        <mc:Fallback xmlns="">
-          <p:sp>
-            <p:nvSpPr>
-              <p:cNvPr id="5" name="Textfeld 4"/>
-              <p:cNvSpPr txBox="1">
-                <a:spLocks noRot="1" noChangeAspect="1" noMove="1" noResize="1" noEditPoints="1" noAdjustHandles="1" noChangeArrowheads="1" noChangeShapeType="1" noTextEdit="1"/>
-              </p:cNvSpPr>
-              <p:nvPr/>
-            </p:nvSpPr>
-            <p:spPr>
-              <a:xfrm>
-                <a:off x="315814" y="1556792"/>
-                <a:ext cx="3824138" cy="1045286"/>
-              </a:xfrm>
-              <a:prstGeom prst="rect">
-                <a:avLst/>
-              </a:prstGeom>
-              <a:blipFill rotWithShape="0">
-                <a:blip r:embed="rId3"/>
-                <a:stretch>
-                  <a:fillRect l="-1435" t="-2907" b="-2326"/>
-                </a:stretch>
-              </a:blipFill>
-            </p:spPr>
-            <p:txBody>
-              <a:bodyPr/>
-              <a:lstStyle/>
-              <a:p>
-                <a:r>
-                  <a:rPr lang="de-DE">
-                    <a:noFill/>
-                  </a:rPr>
-                  <a:t> </a:t>
-                </a:r>
-              </a:p>
-            </p:txBody>
-          </p:sp>
-        </mc:Fallback>
-      </mc:AlternateContent>
-      <p:sp>
-        <p:nvSpPr>
-          <p:cNvPr id="6" name="Textfeld 5"/>
-          <p:cNvSpPr txBox="1"/>
-          <p:nvPr/>
-        </p:nvSpPr>
-        <p:spPr>
-          <a:xfrm>
-            <a:off x="2397210" y="5357840"/>
-            <a:ext cx="4248472" cy="369332"/>
-          </a:xfrm>
-          <a:prstGeom prst="rect">
-            <a:avLst/>
-          </a:prstGeom>
-          <a:noFill/>
-        </p:spPr>
-        <p:txBody>
-          <a:bodyPr wrap="square" rtlCol="0">
-            <a:spAutoFit/>
-          </a:bodyPr>
-          <a:lstStyle/>
-          <a:p>
-            <a:r>
-              <a:rPr lang="de-DE" dirty="0"/>
-              <a:t>Bilanzierung über Stator-Rotor Interface</a:t>
-            </a:r>
-          </a:p>
-        </p:txBody>
-      </p:sp>
-    </p:spTree>
-    <p:extLst>
-      <p:ext uri="{BB962C8B-B14F-4D97-AF65-F5344CB8AC3E}">
-        <p14:creationId xmlns:p14="http://schemas.microsoft.com/office/powerpoint/2010/main" val="382893786"/>
-      </p:ext>
-    </p:extLst>
-  </p:cSld>
-  <p:clrMapOvr>
-    <a:masterClrMapping/>
-  </p:clrMapOvr>
-</p:sld>
-</file>
-
-<file path=ppt/slides/slide5.xml><?xml version="1.0" encoding="utf-8"?>
-<p:sld xmlns:a="http://schemas.openxmlformats.org/drawingml/2006/main" xmlns:r="http://schemas.openxmlformats.org/officeDocument/2006/relationships" xmlns:p="http://schemas.openxmlformats.org/presentationml/2006/main">
-  <p:cSld>
-    <p:spTree>
-      <p:nvGrpSpPr>
-        <p:cNvPr id="1" name=""/>
-        <p:cNvGrpSpPr/>
-        <p:nvPr/>
-      </p:nvGrpSpPr>
-      <p:grpSpPr>
-        <a:xfrm>
-          <a:off x="0" y="0"/>
-          <a:ext cx="0" cy="0"/>
-          <a:chOff x="0" y="0"/>
-          <a:chExt cx="0" cy="0"/>
-        </a:xfrm>
-      </p:grpSpPr>
-      <p:sp>
-        <p:nvSpPr>
-          <p:cNvPr id="2" name="Titel 1"/>
-          <p:cNvSpPr>
-            <a:spLocks noGrp="1"/>
-          </p:cNvSpPr>
-          <p:nvPr>
-            <p:ph type="title"/>
-          </p:nvPr>
-        </p:nvSpPr>
-        <p:spPr/>
-        <p:txBody>
-          <a:bodyPr/>
-          <a:lstStyle/>
-          <a:p>
-            <a:r>
-              <a:rPr lang="de-DE" dirty="0"/>
-              <a:t>Betriebspunkt-Veränderung</a:t>
-            </a:r>
-          </a:p>
-        </p:txBody>
-      </p:sp>
-      <mc:AlternateContent xmlns:mc="http://schemas.openxmlformats.org/markup-compatibility/2006" xmlns:a14="http://schemas.microsoft.com/office/drawing/2010/main">
-        <mc:Choice Requires="a14">
-          <p:sp>
-            <p:nvSpPr>
-              <p:cNvPr id="4" name="Textfeld 3"/>
-              <p:cNvSpPr txBox="1"/>
-              <p:nvPr/>
-            </p:nvSpPr>
-            <p:spPr>
-              <a:xfrm>
-                <a:off x="1331640" y="1479577"/>
-                <a:ext cx="3824138" cy="1045286"/>
-              </a:xfrm>
-              <a:prstGeom prst="rect">
-                <a:avLst/>
-              </a:prstGeom>
-              <a:noFill/>
-            </p:spPr>
-            <p:txBody>
-              <a:bodyPr wrap="square" rtlCol="0">
-                <a:spAutoFit/>
-              </a:bodyPr>
-              <a:lstStyle/>
-              <a:p>
-                <a:r>
-                  <a:rPr lang="de-DE" dirty="0"/>
-                  <a:t>(1) </a:t>
-                </a:r>
-                <a:r>
-                  <a:rPr lang="de-DE" dirty="0" err="1"/>
-                  <a:t>Inlet</a:t>
-                </a:r>
-                <a:r>
-                  <a:rPr lang="de-DE" dirty="0"/>
-                  <a:t>:	 </a:t>
-                </a:r>
-                <a14:m>
-                  <m:oMath xmlns:m="http://schemas.openxmlformats.org/officeDocument/2006/math">
-                    <m:r>
-                      <a:rPr lang="de-DE" b="0" i="0" smtClean="0">
-                        <a:latin typeface="Cambria Math" panose="02040503050406030204" pitchFamily="18" charset="0"/>
-                      </a:rPr>
-                      <m:t> </m:t>
-                    </m:r>
-                    <m:sSub>
-                      <m:sSubPr>
-                        <m:ctrlPr>
-                          <a:rPr lang="de-DE" i="1" smtClean="0">
-                            <a:latin typeface="Cambria Math" panose="02040503050406030204" pitchFamily="18" charset="0"/>
-                          </a:rPr>
-                        </m:ctrlPr>
-                      </m:sSubPr>
-                      <m:e>
-                        <m:r>
-                          <a:rPr lang="de-DE" b="0" i="1" smtClean="0">
-                            <a:latin typeface="Cambria Math" panose="02040503050406030204" pitchFamily="18" charset="0"/>
-                          </a:rPr>
-                          <m:t>𝑇</m:t>
-                        </m:r>
-                      </m:e>
-                      <m:sub>
-                        <m:r>
-                          <a:rPr lang="de-DE" b="0" i="1" smtClean="0">
-                            <a:latin typeface="Cambria Math" panose="02040503050406030204" pitchFamily="18" charset="0"/>
-                          </a:rPr>
-                          <m:t>𝑡</m:t>
-                        </m:r>
-                      </m:sub>
-                    </m:sSub>
-                    <m:r>
-                      <a:rPr lang="de-DE" b="0" i="1" smtClean="0">
-                        <a:latin typeface="Cambria Math" panose="02040503050406030204" pitchFamily="18" charset="0"/>
-                      </a:rPr>
-                      <m:t>=400</m:t>
-                    </m:r>
-                    <m:r>
-                      <a:rPr lang="de-DE" b="0" i="1" smtClean="0">
-                        <a:latin typeface="Cambria Math" panose="02040503050406030204" pitchFamily="18" charset="0"/>
-                      </a:rPr>
-                      <m:t>𝐾</m:t>
-                    </m:r>
-                  </m:oMath>
-                </a14:m>
-                <a:endParaRPr lang="de-DE" b="0" dirty="0"/>
-              </a:p>
-              <a:p>
-                <a:r>
-                  <a:rPr lang="de-DE" dirty="0"/>
-                  <a:t>       	  </a:t>
-                </a:r>
-                <a14:m>
-                  <m:oMath xmlns:m="http://schemas.openxmlformats.org/officeDocument/2006/math">
-                    <m:sSub>
-                      <m:sSubPr>
-                        <m:ctrlPr>
-                          <a:rPr lang="de-DE" i="1" smtClean="0">
-                            <a:latin typeface="Cambria Math" panose="02040503050406030204" pitchFamily="18" charset="0"/>
-                          </a:rPr>
-                        </m:ctrlPr>
-                      </m:sSubPr>
-                      <m:e>
-                        <m:r>
-                          <a:rPr lang="de-DE" b="0" i="1" smtClean="0">
-                            <a:latin typeface="Cambria Math" panose="02040503050406030204" pitchFamily="18" charset="0"/>
-                          </a:rPr>
-                          <m:t>𝑃</m:t>
-                        </m:r>
-                      </m:e>
-                      <m:sub>
-                        <m:r>
-                          <a:rPr lang="de-DE" b="0" i="1" smtClean="0">
-                            <a:latin typeface="Cambria Math" panose="02040503050406030204" pitchFamily="18" charset="0"/>
-                          </a:rPr>
-                          <m:t>𝑡</m:t>
-                        </m:r>
-                      </m:sub>
-                    </m:sSub>
-                    <m:r>
-                      <a:rPr lang="de-DE" b="0" i="1" smtClean="0">
-                        <a:latin typeface="Cambria Math" panose="02040503050406030204" pitchFamily="18" charset="0"/>
-                      </a:rPr>
-                      <m:t>=200000</m:t>
-                    </m:r>
-                    <m:r>
-                      <a:rPr lang="de-DE" b="0" i="1" smtClean="0">
-                        <a:latin typeface="Cambria Math" panose="02040503050406030204" pitchFamily="18" charset="0"/>
-                      </a:rPr>
-                      <m:t>𝑃𝑎</m:t>
-                    </m:r>
-                  </m:oMath>
-                </a14:m>
-                <a:endParaRPr lang="de-DE" dirty="0"/>
-              </a:p>
-              <a:p>
-                <a:r>
-                  <a:rPr lang="de-DE" dirty="0"/>
-                  <a:t>     Outlet: </a:t>
-                </a:r>
-                <a14:m>
-                  <m:oMath xmlns:m="http://schemas.openxmlformats.org/officeDocument/2006/math">
-                    <m:acc>
-                      <m:accPr>
-                        <m:chr m:val="̇"/>
-                        <m:ctrlPr>
-                          <a:rPr lang="de-DE" i="1" smtClean="0">
-                            <a:latin typeface="Cambria Math" panose="02040503050406030204" pitchFamily="18" charset="0"/>
-                          </a:rPr>
-                        </m:ctrlPr>
-                      </m:accPr>
-                      <m:e>
-                        <m:r>
-                          <a:rPr lang="de-DE" b="0" i="1" smtClean="0">
-                            <a:latin typeface="Cambria Math" panose="02040503050406030204" pitchFamily="18" charset="0"/>
-                          </a:rPr>
-                          <m:t>𝑚</m:t>
-                        </m:r>
-                      </m:e>
-                    </m:acc>
-                    <m:r>
-                      <a:rPr lang="de-DE" b="0" i="1" smtClean="0">
-                        <a:latin typeface="Cambria Math" panose="02040503050406030204" pitchFamily="18" charset="0"/>
-                      </a:rPr>
-                      <m:t>=0,2</m:t>
-                    </m:r>
-                    <m:f>
-                      <m:fPr>
-                        <m:ctrlPr>
-                          <a:rPr lang="de-DE" b="0" i="1" smtClean="0">
-                            <a:latin typeface="Cambria Math" panose="02040503050406030204" pitchFamily="18" charset="0"/>
-                          </a:rPr>
-                        </m:ctrlPr>
-                      </m:fPr>
-                      <m:num>
-                        <m:r>
-                          <a:rPr lang="de-DE" b="0" i="1" smtClean="0">
-                            <a:latin typeface="Cambria Math" panose="02040503050406030204" pitchFamily="18" charset="0"/>
-                          </a:rPr>
-                          <m:t>𝑘𝑔</m:t>
-                        </m:r>
-                      </m:num>
-                      <m:den>
-                        <m:r>
-                          <a:rPr lang="de-DE" b="0" i="1" smtClean="0">
-                            <a:latin typeface="Cambria Math" panose="02040503050406030204" pitchFamily="18" charset="0"/>
-                          </a:rPr>
-                          <m:t>𝑠</m:t>
-                        </m:r>
-                      </m:den>
-                    </m:f>
-                  </m:oMath>
-                </a14:m>
-                <a:endParaRPr lang="de-DE" dirty="0"/>
-              </a:p>
-            </p:txBody>
-          </p:sp>
-        </mc:Choice>
-        <mc:Fallback xmlns="">
-          <p:sp>
-            <p:nvSpPr>
-              <p:cNvPr id="4" name="Textfeld 3"/>
-              <p:cNvSpPr txBox="1">
-                <a:spLocks noRot="1" noChangeAspect="1" noMove="1" noResize="1" noEditPoints="1" noAdjustHandles="1" noChangeArrowheads="1" noChangeShapeType="1" noTextEdit="1"/>
-              </p:cNvSpPr>
-              <p:nvPr/>
-            </p:nvSpPr>
-            <p:spPr>
-              <a:xfrm>
-                <a:off x="1331640" y="1479577"/>
-                <a:ext cx="3824138" cy="1045286"/>
-              </a:xfrm>
-              <a:prstGeom prst="rect">
-                <a:avLst/>
-              </a:prstGeom>
-              <a:blipFill rotWithShape="0">
-                <a:blip r:embed="rId2"/>
-                <a:stretch>
-                  <a:fillRect l="-1274" t="-3509" b="-2924"/>
-                </a:stretch>
-              </a:blipFill>
-            </p:spPr>
-            <p:txBody>
-              <a:bodyPr/>
-              <a:lstStyle/>
-              <a:p>
-                <a:r>
-                  <a:rPr lang="de-DE">
-                    <a:noFill/>
-                  </a:rPr>
-                  <a:t> </a:t>
-                </a:r>
-              </a:p>
-            </p:txBody>
-          </p:sp>
-        </mc:Fallback>
-      </mc:AlternateContent>
-      <mc:AlternateContent xmlns:mc="http://schemas.openxmlformats.org/markup-compatibility/2006" xmlns:a14="http://schemas.microsoft.com/office/drawing/2010/main">
-        <mc:Choice Requires="a14">
-          <p:sp>
-            <p:nvSpPr>
-              <p:cNvPr id="6" name="Textfeld 5"/>
-              <p:cNvSpPr txBox="1"/>
-              <p:nvPr/>
-            </p:nvSpPr>
-            <p:spPr>
-              <a:xfrm>
-                <a:off x="5155778" y="1479577"/>
-                <a:ext cx="3824138" cy="1045286"/>
-              </a:xfrm>
-              <a:prstGeom prst="rect">
-                <a:avLst/>
-              </a:prstGeom>
-              <a:noFill/>
-            </p:spPr>
-            <p:txBody>
-              <a:bodyPr wrap="square" rtlCol="0">
-                <a:spAutoFit/>
-              </a:bodyPr>
-              <a:lstStyle/>
-              <a:p>
-                <a:r>
-                  <a:rPr lang="de-DE" dirty="0"/>
-                  <a:t>(2) </a:t>
-                </a:r>
-                <a:r>
-                  <a:rPr lang="de-DE" dirty="0" err="1"/>
-                  <a:t>Inlet</a:t>
-                </a:r>
-                <a:r>
-                  <a:rPr lang="de-DE" dirty="0"/>
-                  <a:t>:   </a:t>
-                </a:r>
-                <a14:m>
-                  <m:oMath xmlns:m="http://schemas.openxmlformats.org/officeDocument/2006/math">
-                    <m:sSub>
-                      <m:sSubPr>
-                        <m:ctrlPr>
-                          <a:rPr lang="de-DE" i="1" smtClean="0">
-                            <a:latin typeface="Cambria Math" panose="02040503050406030204" pitchFamily="18" charset="0"/>
-                          </a:rPr>
-                        </m:ctrlPr>
-                      </m:sSubPr>
-                      <m:e>
-                        <m:r>
-                          <a:rPr lang="de-DE" b="0" i="1" smtClean="0">
-                            <a:latin typeface="Cambria Math" panose="02040503050406030204" pitchFamily="18" charset="0"/>
-                          </a:rPr>
-                          <m:t>𝑇</m:t>
-                        </m:r>
-                      </m:e>
-                      <m:sub>
-                        <m:r>
-                          <a:rPr lang="de-DE" b="0" i="1" smtClean="0">
-                            <a:latin typeface="Cambria Math" panose="02040503050406030204" pitchFamily="18" charset="0"/>
-                          </a:rPr>
-                          <m:t>𝑡</m:t>
-                        </m:r>
-                      </m:sub>
-                    </m:sSub>
-                    <m:r>
-                      <a:rPr lang="de-DE" b="0" i="1" smtClean="0">
-                        <a:latin typeface="Cambria Math" panose="02040503050406030204" pitchFamily="18" charset="0"/>
-                      </a:rPr>
-                      <m:t>=800</m:t>
-                    </m:r>
-                    <m:r>
-                      <a:rPr lang="de-DE" b="0" i="1" smtClean="0">
-                        <a:latin typeface="Cambria Math" panose="02040503050406030204" pitchFamily="18" charset="0"/>
-                      </a:rPr>
-                      <m:t>𝐾</m:t>
-                    </m:r>
-                  </m:oMath>
-                </a14:m>
-                <a:endParaRPr lang="de-DE" b="0" dirty="0"/>
-              </a:p>
-              <a:p>
-                <a:r>
-                  <a:rPr lang="de-DE" dirty="0"/>
-                  <a:t>           	 </a:t>
-                </a:r>
-                <a14:m>
-                  <m:oMath xmlns:m="http://schemas.openxmlformats.org/officeDocument/2006/math">
-                    <m:sSub>
-                      <m:sSubPr>
-                        <m:ctrlPr>
-                          <a:rPr lang="de-DE" i="1" smtClean="0">
-                            <a:latin typeface="Cambria Math" panose="02040503050406030204" pitchFamily="18" charset="0"/>
-                          </a:rPr>
-                        </m:ctrlPr>
-                      </m:sSubPr>
-                      <m:e>
-                        <m:r>
-                          <a:rPr lang="de-DE" b="0" i="1" smtClean="0">
-                            <a:latin typeface="Cambria Math" panose="02040503050406030204" pitchFamily="18" charset="0"/>
-                          </a:rPr>
-                          <m:t> </m:t>
-                        </m:r>
-                        <m:r>
-                          <a:rPr lang="de-DE" b="0" i="1" smtClean="0">
-                            <a:latin typeface="Cambria Math" panose="02040503050406030204" pitchFamily="18" charset="0"/>
-                          </a:rPr>
-                          <m:t>𝑃</m:t>
-                        </m:r>
-                      </m:e>
-                      <m:sub>
-                        <m:r>
-                          <a:rPr lang="de-DE" b="0" i="1" smtClean="0">
-                            <a:latin typeface="Cambria Math" panose="02040503050406030204" pitchFamily="18" charset="0"/>
-                          </a:rPr>
-                          <m:t>𝑡</m:t>
-                        </m:r>
-                      </m:sub>
-                    </m:sSub>
-                    <m:r>
-                      <a:rPr lang="de-DE" b="0" i="1" smtClean="0">
-                        <a:latin typeface="Cambria Math" panose="02040503050406030204" pitchFamily="18" charset="0"/>
-                      </a:rPr>
-                      <m:t> =400000</m:t>
-                    </m:r>
-                    <m:r>
-                      <a:rPr lang="de-DE" b="0" i="1" smtClean="0">
-                        <a:latin typeface="Cambria Math" panose="02040503050406030204" pitchFamily="18" charset="0"/>
-                      </a:rPr>
-                      <m:t>𝑃𝑎</m:t>
-                    </m:r>
-                  </m:oMath>
-                </a14:m>
-                <a:endParaRPr lang="de-DE" dirty="0"/>
-              </a:p>
-              <a:p>
-                <a:r>
-                  <a:rPr lang="de-DE" dirty="0"/>
-                  <a:t>     Outlet: </a:t>
-                </a:r>
-                <a14:m>
-                  <m:oMath xmlns:m="http://schemas.openxmlformats.org/officeDocument/2006/math">
-                    <m:acc>
-                      <m:accPr>
-                        <m:chr m:val="̇"/>
-                        <m:ctrlPr>
-                          <a:rPr lang="de-DE" i="1" smtClean="0">
-                            <a:latin typeface="Cambria Math" panose="02040503050406030204" pitchFamily="18" charset="0"/>
-                          </a:rPr>
-                        </m:ctrlPr>
-                      </m:accPr>
-                      <m:e>
-                        <m:r>
-                          <a:rPr lang="de-DE" b="0" i="1" smtClean="0">
-                            <a:latin typeface="Cambria Math" panose="02040503050406030204" pitchFamily="18" charset="0"/>
-                          </a:rPr>
-                          <m:t>𝑚</m:t>
-                        </m:r>
-                      </m:e>
-                    </m:acc>
-                    <m:r>
-                      <a:rPr lang="de-DE" b="0" i="1" smtClean="0">
-                        <a:latin typeface="Cambria Math" panose="02040503050406030204" pitchFamily="18" charset="0"/>
-                      </a:rPr>
-                      <m:t>=0,4</m:t>
-                    </m:r>
-                    <m:f>
-                      <m:fPr>
-                        <m:ctrlPr>
-                          <a:rPr lang="de-DE" b="0" i="1" smtClean="0">
-                            <a:latin typeface="Cambria Math" panose="02040503050406030204" pitchFamily="18" charset="0"/>
-                          </a:rPr>
-                        </m:ctrlPr>
-                      </m:fPr>
-                      <m:num>
-                        <m:r>
-                          <a:rPr lang="de-DE" b="0" i="1" smtClean="0">
-                            <a:latin typeface="Cambria Math" panose="02040503050406030204" pitchFamily="18" charset="0"/>
-                          </a:rPr>
-                          <m:t>𝑘𝑔</m:t>
-                        </m:r>
-                      </m:num>
-                      <m:den>
-                        <m:r>
-                          <a:rPr lang="de-DE" b="0" i="1" smtClean="0">
-                            <a:latin typeface="Cambria Math" panose="02040503050406030204" pitchFamily="18" charset="0"/>
-                          </a:rPr>
-                          <m:t>𝑠</m:t>
-                        </m:r>
-                      </m:den>
-                    </m:f>
-                  </m:oMath>
-                </a14:m>
-                <a:endParaRPr lang="de-DE" dirty="0"/>
-              </a:p>
-            </p:txBody>
-          </p:sp>
-        </mc:Choice>
-        <mc:Fallback xmlns="">
-          <p:sp>
-            <p:nvSpPr>
-              <p:cNvPr id="6" name="Textfeld 5"/>
-              <p:cNvSpPr txBox="1">
-                <a:spLocks noRot="1" noChangeAspect="1" noMove="1" noResize="1" noEditPoints="1" noAdjustHandles="1" noChangeArrowheads="1" noChangeShapeType="1" noTextEdit="1"/>
-              </p:cNvSpPr>
-              <p:nvPr/>
-            </p:nvSpPr>
-            <p:spPr>
-              <a:xfrm>
-                <a:off x="5155778" y="1479577"/>
-                <a:ext cx="3824138" cy="1045286"/>
-              </a:xfrm>
-              <a:prstGeom prst="rect">
-                <a:avLst/>
-              </a:prstGeom>
-              <a:blipFill rotWithShape="0">
-                <a:blip r:embed="rId3"/>
-                <a:stretch>
-                  <a:fillRect l="-1435" t="-3509" b="-2924"/>
-                </a:stretch>
-              </a:blipFill>
-            </p:spPr>
-            <p:txBody>
-              <a:bodyPr/>
-              <a:lstStyle/>
-              <a:p>
-                <a:r>
-                  <a:rPr lang="de-DE">
-                    <a:noFill/>
-                  </a:rPr>
-                  <a:t> </a:t>
-                </a:r>
-              </a:p>
-            </p:txBody>
-          </p:sp>
-        </mc:Fallback>
-      </mc:AlternateContent>
-      <mc:AlternateContent xmlns:mc="http://schemas.openxmlformats.org/markup-compatibility/2006" xmlns:a14="http://schemas.microsoft.com/office/drawing/2010/main">
-        <mc:Choice Requires="a14">
-          <p:graphicFrame>
-            <p:nvGraphicFramePr>
-              <p:cNvPr id="10" name="Inhaltsplatzhalter 3"/>
-              <p:cNvGraphicFramePr>
-                <a:graphicFrameLocks noGrp="1"/>
-              </p:cNvGraphicFramePr>
-              <p:nvPr>
-                <p:ph idx="1"/>
-                <p:extLst>
-                  <p:ext uri="{D42A27DB-BD31-4B8C-83A1-F6EECF244321}">
-                    <p14:modId xmlns:p14="http://schemas.microsoft.com/office/powerpoint/2010/main" val="634204117"/>
-                  </p:ext>
-                </p:extLst>
-              </p:nvPr>
-            </p:nvGraphicFramePr>
-            <p:xfrm>
-              <a:off x="2051720" y="2852936"/>
-              <a:ext cx="5046759" cy="2767809"/>
-            </p:xfrm>
-            <a:graphic>
-              <a:graphicData uri="http://schemas.openxmlformats.org/drawingml/2006/table">
-                <a:tbl>
-                  <a:tblPr firstRow="1" bandRow="1">
-                    <a:tableStyleId>{21E4AEA4-8DFA-4A89-87EB-49C32662AFE0}</a:tableStyleId>
-                  </a:tblPr>
-                  <a:tblGrid>
-                    <a:gridCol w="1682253">
-                      <a:extLst>
-                        <a:ext uri="{9D8B030D-6E8A-4147-A177-3AD203B41FA5}">
-                          <a16:colId xmlns:a16="http://schemas.microsoft.com/office/drawing/2014/main" val="20000"/>
-                        </a:ext>
-                      </a:extLst>
-                    </a:gridCol>
-                    <a:gridCol w="1682253">
-                      <a:extLst>
-                        <a:ext uri="{9D8B030D-6E8A-4147-A177-3AD203B41FA5}">
-                          <a16:colId xmlns:a16="http://schemas.microsoft.com/office/drawing/2014/main" val="20001"/>
-                        </a:ext>
-                      </a:extLst>
-                    </a:gridCol>
-                    <a:gridCol w="1682253">
-                      <a:extLst>
-                        <a:ext uri="{9D8B030D-6E8A-4147-A177-3AD203B41FA5}">
-                          <a16:colId xmlns:a16="http://schemas.microsoft.com/office/drawing/2014/main" val="20002"/>
-                        </a:ext>
-                      </a:extLst>
-                    </a:gridCol>
-                  </a:tblGrid>
-                  <a:tr h="853601">
-                    <a:tc>
-                      <a:txBody>
-                        <a:bodyPr/>
-                        <a:lstStyle/>
-                        <a:p>
-                          <a:pPr algn="ctr"/>
-                          <a:endParaRPr lang="de-DE" sz="2000" dirty="0"/>
-                        </a:p>
-                      </a:txBody>
-                      <a:tcPr anchor="ctr">
-                        <a:solidFill>
-                          <a:srgbClr val="005088"/>
-                        </a:solidFill>
-                      </a:tcPr>
-                    </a:tc>
-                    <a:tc>
-                      <a:txBody>
-                        <a:bodyPr/>
-                        <a:lstStyle/>
-                        <a:p>
-                          <a:pPr algn="ctr"/>
-                          <a:r>
-                            <a:rPr lang="de-DE" sz="2000" dirty="0"/>
-                            <a:t>(1)</a:t>
-                          </a:r>
-                        </a:p>
-                      </a:txBody>
-                      <a:tcPr anchor="ctr">
-                        <a:solidFill>
-                          <a:srgbClr val="005088"/>
-                        </a:solidFill>
-                      </a:tcPr>
-                    </a:tc>
-                    <a:tc>
-                      <a:txBody>
-                        <a:bodyPr/>
-                        <a:lstStyle/>
-                        <a:p>
-                          <a:pPr algn="ctr"/>
-                          <a:r>
-                            <a:rPr lang="de-DE" sz="2000" dirty="0"/>
-                            <a:t>(2)</a:t>
-                          </a:r>
-                        </a:p>
-                      </a:txBody>
-                      <a:tcPr anchor="ctr">
-                        <a:solidFill>
-                          <a:srgbClr val="005088"/>
-                        </a:solidFill>
-                      </a:tcPr>
-                    </a:tc>
-                    <a:extLst>
-                      <a:ext uri="{0D108BD9-81ED-4DB2-BD59-A6C34878D82A}">
-                        <a16:rowId xmlns:a16="http://schemas.microsoft.com/office/drawing/2014/main" val="10000"/>
-                      </a:ext>
-                    </a:extLst>
-                  </a:tr>
-                  <a:tr h="487567">
-                    <a:tc>
-                      <a:txBody>
-                        <a:bodyPr/>
-                        <a:lstStyle/>
-                        <a:p>
-                          <a:pPr/>
-                          <a14:m>
-                            <m:oMathPara xmlns:m="http://schemas.openxmlformats.org/officeDocument/2006/math">
-                              <m:oMathParaPr>
-                                <m:jc m:val="centerGroup"/>
-                              </m:oMathParaPr>
-                              <m:oMath xmlns:m="http://schemas.openxmlformats.org/officeDocument/2006/math">
-                                <m:f>
-                                  <m:fPr>
-                                    <m:ctrlPr>
-                                      <a:rPr lang="de-DE" i="1" smtClean="0">
-                                        <a:latin typeface="Cambria Math" panose="02040503050406030204" pitchFamily="18" charset="0"/>
-                                      </a:rPr>
-                                    </m:ctrlPr>
-                                  </m:fPr>
-                                  <m:num>
-                                    <m:r>
-                                      <m:rPr>
-                                        <m:sty m:val="p"/>
-                                      </m:rPr>
-                                      <a:rPr lang="el-GR" i="1" smtClean="0">
-                                        <a:latin typeface="Cambria Math" panose="02040503050406030204" pitchFamily="18" charset="0"/>
-                                        <a:ea typeface="Cambria Math" panose="02040503050406030204" pitchFamily="18" charset="0"/>
-                                      </a:rPr>
-                                      <m:t>Δ</m:t>
-                                    </m:r>
-                                    <m:acc>
-                                      <m:accPr>
-                                        <m:chr m:val="̇"/>
-                                        <m:ctrlPr>
-                                          <a:rPr lang="el-GR" i="1" smtClean="0">
-                                            <a:latin typeface="Cambria Math" panose="02040503050406030204" pitchFamily="18" charset="0"/>
-                                            <a:ea typeface="Cambria Math" panose="02040503050406030204" pitchFamily="18" charset="0"/>
-                                          </a:rPr>
-                                        </m:ctrlPr>
-                                      </m:accPr>
-                                      <m:e>
-                                        <m:r>
-                                          <a:rPr lang="de-DE" b="0" i="1" smtClean="0">
-                                            <a:latin typeface="Cambria Math" panose="02040503050406030204" pitchFamily="18" charset="0"/>
-                                            <a:ea typeface="Cambria Math" panose="02040503050406030204" pitchFamily="18" charset="0"/>
-                                          </a:rPr>
-                                          <m:t>𝑚</m:t>
-                                        </m:r>
-                                      </m:e>
-                                    </m:acc>
-                                  </m:num>
-                                  <m:den>
-                                    <m:acc>
-                                      <m:accPr>
-                                        <m:chr m:val="̇"/>
-                                        <m:ctrlPr>
-                                          <a:rPr lang="de-DE" i="1" smtClean="0">
-                                            <a:latin typeface="Cambria Math" panose="02040503050406030204" pitchFamily="18" charset="0"/>
-                                          </a:rPr>
-                                        </m:ctrlPr>
-                                      </m:accPr>
-                                      <m:e>
-                                        <m:r>
-                                          <a:rPr lang="de-DE" b="0" i="1" smtClean="0">
-                                            <a:latin typeface="Cambria Math" panose="02040503050406030204" pitchFamily="18" charset="0"/>
-                                          </a:rPr>
-                                          <m:t>𝑚</m:t>
-                                        </m:r>
-                                      </m:e>
-                                    </m:acc>
-                                  </m:den>
-                                </m:f>
-                              </m:oMath>
-                            </m:oMathPara>
-                          </a14:m>
-                          <a:endParaRPr lang="de-DE" dirty="0"/>
-                        </a:p>
-                      </a:txBody>
-                      <a:tcPr anchor="ctr"/>
-                    </a:tc>
-                    <a:tc>
-                      <a:txBody>
-                        <a:bodyPr/>
-                        <a:lstStyle/>
-                        <a:p>
-                          <a:pPr/>
-                          <a14:m>
-                            <m:oMathPara xmlns:m="http://schemas.openxmlformats.org/officeDocument/2006/math">
-                              <m:oMathParaPr>
-                                <m:jc m:val="centerGroup"/>
-                              </m:oMathParaPr>
-                              <m:oMath xmlns:m="http://schemas.openxmlformats.org/officeDocument/2006/math">
-                                <m:r>
-                                  <a:rPr lang="de-DE" b="0" i="1" smtClean="0">
-                                    <a:latin typeface="Cambria Math" panose="02040503050406030204" pitchFamily="18" charset="0"/>
-                                    <a:ea typeface="Cambria Math" panose="02040503050406030204" pitchFamily="18" charset="0"/>
-                                  </a:rPr>
-                                  <m:t>7,45∙</m:t>
-                                </m:r>
-                                <m:sSup>
-                                  <m:sSupPr>
-                                    <m:ctrlPr>
-                                      <a:rPr lang="de-DE" b="0" i="1" smtClean="0">
-                                        <a:latin typeface="Cambria Math" panose="02040503050406030204" pitchFamily="18" charset="0"/>
-                                        <a:ea typeface="Cambria Math" panose="02040503050406030204" pitchFamily="18" charset="0"/>
-                                      </a:rPr>
-                                    </m:ctrlPr>
-                                  </m:sSupPr>
-                                  <m:e>
-                                    <m:r>
-                                      <a:rPr lang="de-DE" b="0" i="1" smtClean="0">
-                                        <a:latin typeface="Cambria Math" panose="02040503050406030204" pitchFamily="18" charset="0"/>
-                                        <a:ea typeface="Cambria Math" panose="02040503050406030204" pitchFamily="18" charset="0"/>
-                                      </a:rPr>
-                                      <m:t>10</m:t>
-                                    </m:r>
-                                  </m:e>
-                                  <m:sup>
-                                    <m:r>
-                                      <a:rPr lang="de-DE" b="0" i="1" smtClean="0">
-                                        <a:latin typeface="Cambria Math" panose="02040503050406030204" pitchFamily="18" charset="0"/>
-                                        <a:ea typeface="Cambria Math" panose="02040503050406030204" pitchFamily="18" charset="0"/>
-                                      </a:rPr>
-                                      <m:t>−8</m:t>
-                                    </m:r>
-                                  </m:sup>
-                                </m:sSup>
-                              </m:oMath>
-                            </m:oMathPara>
-                          </a14:m>
-                          <a:endParaRPr lang="de-DE" dirty="0"/>
-                        </a:p>
-                      </a:txBody>
-                      <a:tcPr anchor="ctr"/>
-                    </a:tc>
-                    <a:tc>
-                      <a:txBody>
-                        <a:bodyPr/>
-                        <a:lstStyle/>
-                        <a:p>
-                          <a:pPr/>
-                          <a14:m>
-                            <m:oMathPara xmlns:m="http://schemas.openxmlformats.org/officeDocument/2006/math">
-                              <m:oMathParaPr>
-                                <m:jc m:val="centerGroup"/>
-                              </m:oMathParaPr>
-                              <m:oMath xmlns:m="http://schemas.openxmlformats.org/officeDocument/2006/math">
-                                <m:r>
-                                  <a:rPr lang="de-DE" b="0" i="1" smtClean="0">
-                                    <a:latin typeface="Cambria Math" panose="02040503050406030204" pitchFamily="18" charset="0"/>
-                                    <a:ea typeface="Cambria Math" panose="02040503050406030204" pitchFamily="18" charset="0"/>
-                                  </a:rPr>
-                                  <m:t>7,45∙</m:t>
-                                </m:r>
-                                <m:sSup>
-                                  <m:sSupPr>
-                                    <m:ctrlPr>
-                                      <a:rPr lang="de-DE" b="0" i="1" smtClean="0">
-                                        <a:latin typeface="Cambria Math" panose="02040503050406030204" pitchFamily="18" charset="0"/>
-                                        <a:ea typeface="Cambria Math" panose="02040503050406030204" pitchFamily="18" charset="0"/>
-                                      </a:rPr>
-                                    </m:ctrlPr>
-                                  </m:sSupPr>
-                                  <m:e>
-                                    <m:r>
-                                      <a:rPr lang="de-DE" b="0" i="1" smtClean="0">
-                                        <a:latin typeface="Cambria Math" panose="02040503050406030204" pitchFamily="18" charset="0"/>
-                                        <a:ea typeface="Cambria Math" panose="02040503050406030204" pitchFamily="18" charset="0"/>
-                                      </a:rPr>
-                                      <m:t>10</m:t>
-                                    </m:r>
-                                  </m:e>
-                                  <m:sup>
-                                    <m:r>
-                                      <a:rPr lang="de-DE" b="0" i="1" smtClean="0">
-                                        <a:latin typeface="Cambria Math" panose="02040503050406030204" pitchFamily="18" charset="0"/>
-                                        <a:ea typeface="Cambria Math" panose="02040503050406030204" pitchFamily="18" charset="0"/>
-                                      </a:rPr>
-                                      <m:t>−8</m:t>
-                                    </m:r>
-                                  </m:sup>
-                                </m:sSup>
-                              </m:oMath>
-                            </m:oMathPara>
-                          </a14:m>
-                          <a:endParaRPr lang="de-DE" dirty="0"/>
-                        </a:p>
-                      </a:txBody>
-                      <a:tcPr anchor="ctr"/>
-                    </a:tc>
-                    <a:extLst>
-                      <a:ext uri="{0D108BD9-81ED-4DB2-BD59-A6C34878D82A}">
-                        <a16:rowId xmlns:a16="http://schemas.microsoft.com/office/drawing/2014/main" val="10001"/>
-                      </a:ext>
-                    </a:extLst>
-                  </a:tr>
-                  <a:tr h="487567">
-                    <a:tc>
-                      <a:txBody>
-                        <a:bodyPr/>
-                        <a:lstStyle/>
-                        <a:p>
-                          <a:pPr/>
-                          <a14:m>
-                            <m:oMathPara xmlns:m="http://schemas.openxmlformats.org/officeDocument/2006/math">
-                              <m:oMathParaPr>
-                                <m:jc m:val="centerGroup"/>
-                              </m:oMathParaPr>
-                              <m:oMath xmlns:m="http://schemas.openxmlformats.org/officeDocument/2006/math">
-                                <m:f>
-                                  <m:fPr>
-                                    <m:ctrlPr>
-                                      <a:rPr lang="de-DE" i="1" smtClean="0">
-                                        <a:latin typeface="Cambria Math" panose="02040503050406030204" pitchFamily="18" charset="0"/>
-                                      </a:rPr>
-                                    </m:ctrlPr>
-                                  </m:fPr>
-                                  <m:num>
-                                    <m:r>
-                                      <m:rPr>
-                                        <m:sty m:val="p"/>
-                                      </m:rPr>
-                                      <a:rPr lang="el-GR" i="1" smtClean="0">
-                                        <a:latin typeface="Cambria Math" panose="02040503050406030204" pitchFamily="18" charset="0"/>
-                                        <a:ea typeface="Cambria Math" panose="02040503050406030204" pitchFamily="18" charset="0"/>
-                                      </a:rPr>
-                                      <m:t>Δ</m:t>
-                                    </m:r>
-                                    <m:sSub>
-                                      <m:sSubPr>
-                                        <m:ctrlPr>
-                                          <a:rPr lang="el-GR" i="1" smtClean="0">
-                                            <a:latin typeface="Cambria Math" panose="02040503050406030204" pitchFamily="18" charset="0"/>
-                                            <a:ea typeface="Cambria Math" panose="02040503050406030204" pitchFamily="18" charset="0"/>
-                                          </a:rPr>
-                                        </m:ctrlPr>
-                                      </m:sSubPr>
-                                      <m:e>
-                                        <m:r>
-                                          <a:rPr lang="de-DE" b="0" i="1" smtClean="0">
-                                            <a:latin typeface="Cambria Math" panose="02040503050406030204" pitchFamily="18" charset="0"/>
-                                            <a:ea typeface="Cambria Math" panose="02040503050406030204" pitchFamily="18" charset="0"/>
-                                          </a:rPr>
-                                          <m:t>𝑇</m:t>
-                                        </m:r>
-                                      </m:e>
-                                      <m:sub>
-                                        <m:r>
-                                          <a:rPr lang="de-DE" b="0" i="1" smtClean="0">
-                                            <a:latin typeface="Cambria Math" panose="02040503050406030204" pitchFamily="18" charset="0"/>
-                                            <a:ea typeface="Cambria Math" panose="02040503050406030204" pitchFamily="18" charset="0"/>
-                                          </a:rPr>
-                                          <m:t>𝑡</m:t>
-                                        </m:r>
-                                      </m:sub>
-                                    </m:sSub>
-                                  </m:num>
-                                  <m:den>
-                                    <m:sSub>
-                                      <m:sSubPr>
-                                        <m:ctrlPr>
-                                          <a:rPr lang="de-DE" i="1" smtClean="0">
-                                            <a:latin typeface="Cambria Math" panose="02040503050406030204" pitchFamily="18" charset="0"/>
-                                          </a:rPr>
-                                        </m:ctrlPr>
-                                      </m:sSubPr>
-                                      <m:e>
-                                        <m:r>
-                                          <a:rPr lang="de-DE" b="0" i="1" smtClean="0">
-                                            <a:latin typeface="Cambria Math" panose="02040503050406030204" pitchFamily="18" charset="0"/>
-                                          </a:rPr>
-                                          <m:t>𝑇</m:t>
-                                        </m:r>
-                                      </m:e>
-                                      <m:sub>
-                                        <m:r>
-                                          <a:rPr lang="de-DE" b="0" i="1" smtClean="0">
-                                            <a:latin typeface="Cambria Math" panose="02040503050406030204" pitchFamily="18" charset="0"/>
-                                          </a:rPr>
-                                          <m:t>𝑡</m:t>
-                                        </m:r>
-                                      </m:sub>
-                                    </m:sSub>
-                                  </m:den>
-                                </m:f>
-                              </m:oMath>
-                            </m:oMathPara>
-                          </a14:m>
-                          <a:endParaRPr lang="de-DE" dirty="0"/>
-                        </a:p>
-                      </a:txBody>
-                      <a:tcPr anchor="ctr"/>
-                    </a:tc>
-                    <a:tc>
-                      <a:txBody>
-                        <a:bodyPr/>
-                        <a:lstStyle/>
-                        <a:p>
-                          <a:pPr/>
-                          <a14:m>
-                            <m:oMathPara xmlns:m="http://schemas.openxmlformats.org/officeDocument/2006/math">
-                              <m:oMathParaPr>
-                                <m:jc m:val="centerGroup"/>
-                              </m:oMathParaPr>
-                              <m:oMath xmlns:m="http://schemas.openxmlformats.org/officeDocument/2006/math">
-                                <m:r>
-                                  <a:rPr lang="de-DE" b="0" i="1" smtClean="0">
-                                    <a:latin typeface="Cambria Math" panose="02040503050406030204" pitchFamily="18" charset="0"/>
-                                    <a:ea typeface="Cambria Math" panose="02040503050406030204" pitchFamily="18" charset="0"/>
-                                  </a:rPr>
-                                  <m:t>4,15∙</m:t>
-                                </m:r>
-                                <m:sSup>
-                                  <m:sSupPr>
-                                    <m:ctrlPr>
-                                      <a:rPr lang="de-DE" b="0" i="1" smtClean="0">
-                                        <a:latin typeface="Cambria Math" panose="02040503050406030204" pitchFamily="18" charset="0"/>
-                                        <a:ea typeface="Cambria Math" panose="02040503050406030204" pitchFamily="18" charset="0"/>
-                                      </a:rPr>
-                                    </m:ctrlPr>
-                                  </m:sSupPr>
-                                  <m:e>
-                                    <m:r>
-                                      <a:rPr lang="de-DE" b="0" i="1" smtClean="0">
-                                        <a:latin typeface="Cambria Math" panose="02040503050406030204" pitchFamily="18" charset="0"/>
-                                        <a:ea typeface="Cambria Math" panose="02040503050406030204" pitchFamily="18" charset="0"/>
-                                      </a:rPr>
-                                      <m:t>10</m:t>
-                                    </m:r>
-                                  </m:e>
-                                  <m:sup>
-                                    <m:r>
-                                      <a:rPr lang="de-DE" b="0" i="1" smtClean="0">
-                                        <a:latin typeface="Cambria Math" panose="02040503050406030204" pitchFamily="18" charset="0"/>
-                                        <a:ea typeface="Cambria Math" panose="02040503050406030204" pitchFamily="18" charset="0"/>
-                                      </a:rPr>
-                                      <m:t>−5</m:t>
-                                    </m:r>
-                                  </m:sup>
-                                </m:sSup>
-                              </m:oMath>
-                            </m:oMathPara>
-                          </a14:m>
-                          <a:endParaRPr lang="de-DE" dirty="0"/>
-                        </a:p>
-                      </a:txBody>
-                      <a:tcPr anchor="ctr"/>
-                    </a:tc>
-                    <a:tc>
-                      <a:txBody>
-                        <a:bodyPr/>
-                        <a:lstStyle/>
-                        <a:p>
-                          <a:pPr/>
-                          <a14:m>
-                            <m:oMathPara xmlns:m="http://schemas.openxmlformats.org/officeDocument/2006/math">
-                              <m:oMathParaPr>
-                                <m:jc m:val="centerGroup"/>
-                              </m:oMathParaPr>
-                              <m:oMath xmlns:m="http://schemas.openxmlformats.org/officeDocument/2006/math">
-                                <m:r>
-                                  <a:rPr lang="de-DE" b="0" i="1" smtClean="0">
-                                    <a:latin typeface="Cambria Math" panose="02040503050406030204" pitchFamily="18" charset="0"/>
-                                    <a:ea typeface="Cambria Math" panose="02040503050406030204" pitchFamily="18" charset="0"/>
-                                  </a:rPr>
-                                  <m:t>7,64∙</m:t>
-                                </m:r>
-                                <m:sSup>
-                                  <m:sSupPr>
-                                    <m:ctrlPr>
-                                      <a:rPr lang="de-DE" b="0" i="1" smtClean="0">
-                                        <a:latin typeface="Cambria Math" panose="02040503050406030204" pitchFamily="18" charset="0"/>
-                                        <a:ea typeface="Cambria Math" panose="02040503050406030204" pitchFamily="18" charset="0"/>
-                                      </a:rPr>
-                                    </m:ctrlPr>
-                                  </m:sSupPr>
-                                  <m:e>
-                                    <m:r>
-                                      <a:rPr lang="de-DE" b="0" i="1" smtClean="0">
-                                        <a:latin typeface="Cambria Math" panose="02040503050406030204" pitchFamily="18" charset="0"/>
-                                        <a:ea typeface="Cambria Math" panose="02040503050406030204" pitchFamily="18" charset="0"/>
-                                      </a:rPr>
-                                      <m:t>10</m:t>
-                                    </m:r>
-                                  </m:e>
-                                  <m:sup>
-                                    <m:r>
-                                      <a:rPr lang="de-DE" b="0" i="1" smtClean="0">
-                                        <a:latin typeface="Cambria Math" panose="02040503050406030204" pitchFamily="18" charset="0"/>
-                                        <a:ea typeface="Cambria Math" panose="02040503050406030204" pitchFamily="18" charset="0"/>
-                                      </a:rPr>
-                                      <m:t>−5</m:t>
-                                    </m:r>
-                                  </m:sup>
-                                </m:sSup>
-                              </m:oMath>
-                            </m:oMathPara>
-                          </a14:m>
-                          <a:endParaRPr lang="de-DE" dirty="0"/>
-                        </a:p>
-                      </a:txBody>
-                      <a:tcPr anchor="ctr"/>
-                    </a:tc>
-                    <a:extLst>
-                      <a:ext uri="{0D108BD9-81ED-4DB2-BD59-A6C34878D82A}">
-                        <a16:rowId xmlns:a16="http://schemas.microsoft.com/office/drawing/2014/main" val="10002"/>
-                      </a:ext>
-                    </a:extLst>
-                  </a:tr>
-                  <a:tr h="487567">
-                    <a:tc>
-                      <a:txBody>
-                        <a:bodyPr/>
-                        <a:lstStyle/>
-                        <a:p>
-                          <a:pPr/>
-                          <a14:m>
-                            <m:oMathPara xmlns:m="http://schemas.openxmlformats.org/officeDocument/2006/math">
-                              <m:oMathParaPr>
-                                <m:jc m:val="centerGroup"/>
-                              </m:oMathParaPr>
-                              <m:oMath xmlns:m="http://schemas.openxmlformats.org/officeDocument/2006/math">
-                                <m:f>
-                                  <m:fPr>
-                                    <m:ctrlPr>
-                                      <a:rPr lang="de-DE" i="1" smtClean="0">
-                                        <a:latin typeface="Cambria Math" panose="02040503050406030204" pitchFamily="18" charset="0"/>
-                                      </a:rPr>
-                                    </m:ctrlPr>
-                                  </m:fPr>
-                                  <m:num>
-                                    <m:r>
-                                      <m:rPr>
-                                        <m:sty m:val="p"/>
-                                      </m:rPr>
-                                      <a:rPr lang="el-GR" i="1" smtClean="0">
-                                        <a:latin typeface="Cambria Math" panose="02040503050406030204" pitchFamily="18" charset="0"/>
-                                        <a:ea typeface="Cambria Math" panose="02040503050406030204" pitchFamily="18" charset="0"/>
-                                      </a:rPr>
-                                      <m:t>Δ</m:t>
-                                    </m:r>
-                                    <m:sSub>
-                                      <m:sSubPr>
-                                        <m:ctrlPr>
-                                          <a:rPr lang="el-GR" i="1" smtClean="0">
-                                            <a:latin typeface="Cambria Math" panose="02040503050406030204" pitchFamily="18" charset="0"/>
-                                            <a:ea typeface="Cambria Math" panose="02040503050406030204" pitchFamily="18" charset="0"/>
-                                          </a:rPr>
-                                        </m:ctrlPr>
-                                      </m:sSubPr>
-                                      <m:e>
-                                        <m:r>
-                                          <a:rPr lang="de-DE" b="0" i="1" smtClean="0">
-                                            <a:latin typeface="Cambria Math" panose="02040503050406030204" pitchFamily="18" charset="0"/>
-                                            <a:ea typeface="Cambria Math" panose="02040503050406030204" pitchFamily="18" charset="0"/>
-                                          </a:rPr>
-                                          <m:t>𝑃</m:t>
-                                        </m:r>
-                                      </m:e>
-                                      <m:sub>
-                                        <m:r>
-                                          <a:rPr lang="de-DE" b="0" i="1" smtClean="0">
-                                            <a:latin typeface="Cambria Math" panose="02040503050406030204" pitchFamily="18" charset="0"/>
-                                            <a:ea typeface="Cambria Math" panose="02040503050406030204" pitchFamily="18" charset="0"/>
-                                          </a:rPr>
-                                          <m:t>𝑡</m:t>
-                                        </m:r>
-                                      </m:sub>
-                                    </m:sSub>
-                                  </m:num>
-                                  <m:den>
-                                    <m:sSub>
-                                      <m:sSubPr>
-                                        <m:ctrlPr>
-                                          <a:rPr lang="de-DE" i="1" smtClean="0">
-                                            <a:latin typeface="Cambria Math" panose="02040503050406030204" pitchFamily="18" charset="0"/>
-                                          </a:rPr>
-                                        </m:ctrlPr>
-                                      </m:sSubPr>
-                                      <m:e>
-                                        <m:r>
-                                          <a:rPr lang="de-DE" b="0" i="1" smtClean="0">
-                                            <a:latin typeface="Cambria Math" panose="02040503050406030204" pitchFamily="18" charset="0"/>
-                                          </a:rPr>
-                                          <m:t>𝑃</m:t>
-                                        </m:r>
-                                      </m:e>
-                                      <m:sub>
-                                        <m:r>
-                                          <a:rPr lang="de-DE" b="0" i="1" smtClean="0">
-                                            <a:latin typeface="Cambria Math" panose="02040503050406030204" pitchFamily="18" charset="0"/>
-                                          </a:rPr>
-                                          <m:t>𝑡</m:t>
-                                        </m:r>
-                                      </m:sub>
-                                    </m:sSub>
-                                  </m:den>
-                                </m:f>
-                              </m:oMath>
-                            </m:oMathPara>
-                          </a14:m>
-                          <a:endParaRPr lang="de-DE" dirty="0"/>
-                        </a:p>
-                      </a:txBody>
-                      <a:tcPr anchor="ctr"/>
-                    </a:tc>
-                    <a:tc>
-                      <a:txBody>
-                        <a:bodyPr/>
-                        <a:lstStyle/>
-                        <a:p>
-                          <a:pPr/>
-                          <a14:m>
-                            <m:oMathPara xmlns:m="http://schemas.openxmlformats.org/officeDocument/2006/math">
-                              <m:oMathParaPr>
-                                <m:jc m:val="centerGroup"/>
-                              </m:oMathParaPr>
-                              <m:oMath xmlns:m="http://schemas.openxmlformats.org/officeDocument/2006/math">
-                                <m:r>
-                                  <a:rPr lang="de-DE" b="0" i="1" smtClean="0">
-                                    <a:latin typeface="Cambria Math" panose="02040503050406030204" pitchFamily="18" charset="0"/>
-                                    <a:ea typeface="+mn-ea"/>
-                                  </a:rPr>
-                                  <m:t>8,01</m:t>
-                                </m:r>
-                                <m:r>
-                                  <a:rPr lang="de-DE" b="0" i="1" smtClean="0">
-                                    <a:latin typeface="Cambria Math" panose="02040503050406030204" pitchFamily="18" charset="0"/>
-                                    <a:ea typeface="Cambria Math" panose="02040503050406030204" pitchFamily="18" charset="0"/>
-                                  </a:rPr>
-                                  <m:t>∙</m:t>
-                                </m:r>
-                                <m:sSup>
-                                  <m:sSupPr>
-                                    <m:ctrlPr>
-                                      <a:rPr lang="de-DE" b="0" i="1" smtClean="0">
-                                        <a:latin typeface="Cambria Math" panose="02040503050406030204" pitchFamily="18" charset="0"/>
-                                        <a:ea typeface="Cambria Math" panose="02040503050406030204" pitchFamily="18" charset="0"/>
-                                      </a:rPr>
-                                    </m:ctrlPr>
-                                  </m:sSupPr>
-                                  <m:e>
-                                    <m:r>
-                                      <a:rPr lang="de-DE" b="0" i="1" smtClean="0">
-                                        <a:latin typeface="Cambria Math" panose="02040503050406030204" pitchFamily="18" charset="0"/>
-                                        <a:ea typeface="Cambria Math" panose="02040503050406030204" pitchFamily="18" charset="0"/>
-                                      </a:rPr>
-                                      <m:t>10</m:t>
-                                    </m:r>
-                                  </m:e>
-                                  <m:sup>
-                                    <m:r>
-                                      <a:rPr lang="de-DE" b="0" i="1" smtClean="0">
-                                        <a:latin typeface="Cambria Math" panose="02040503050406030204" pitchFamily="18" charset="0"/>
-                                        <a:ea typeface="Cambria Math" panose="02040503050406030204" pitchFamily="18" charset="0"/>
-                                      </a:rPr>
-                                      <m:t>−5</m:t>
-                                    </m:r>
-                                  </m:sup>
-                                </m:sSup>
-                              </m:oMath>
-                            </m:oMathPara>
-                          </a14:m>
-                          <a:endParaRPr lang="de-DE" dirty="0"/>
-                        </a:p>
-                      </a:txBody>
-                      <a:tcPr anchor="ctr"/>
-                    </a:tc>
-                    <a:tc>
-                      <a:txBody>
-                        <a:bodyPr/>
-                        <a:lstStyle/>
-                        <a:p>
-                          <a:pPr/>
-                          <a14:m>
-                            <m:oMathPara xmlns:m="http://schemas.openxmlformats.org/officeDocument/2006/math">
-                              <m:oMathParaPr>
-                                <m:jc m:val="centerGroup"/>
-                              </m:oMathParaPr>
-                              <m:oMath xmlns:m="http://schemas.openxmlformats.org/officeDocument/2006/math">
-                                <m:r>
-                                  <a:rPr lang="de-DE" b="0" i="1" smtClean="0">
-                                    <a:latin typeface="Cambria Math" panose="02040503050406030204" pitchFamily="18" charset="0"/>
-                                    <a:ea typeface="+mn-ea"/>
-                                  </a:rPr>
-                                  <m:t>1,3</m:t>
-                                </m:r>
-                                <m:r>
-                                  <a:rPr lang="de-DE" b="0" i="1" smtClean="0">
-                                    <a:latin typeface="Cambria Math" panose="02040503050406030204" pitchFamily="18" charset="0"/>
-                                    <a:ea typeface="Cambria Math" panose="02040503050406030204" pitchFamily="18" charset="0"/>
-                                  </a:rPr>
-                                  <m:t>∙</m:t>
-                                </m:r>
-                                <m:sSup>
-                                  <m:sSupPr>
-                                    <m:ctrlPr>
-                                      <a:rPr lang="de-DE" b="0" i="1" smtClean="0">
-                                        <a:latin typeface="Cambria Math" panose="02040503050406030204" pitchFamily="18" charset="0"/>
-                                        <a:ea typeface="Cambria Math" panose="02040503050406030204" pitchFamily="18" charset="0"/>
-                                      </a:rPr>
-                                    </m:ctrlPr>
-                                  </m:sSupPr>
-                                  <m:e>
-                                    <m:r>
-                                      <a:rPr lang="de-DE" b="0" i="1" smtClean="0">
-                                        <a:latin typeface="Cambria Math" panose="02040503050406030204" pitchFamily="18" charset="0"/>
-                                        <a:ea typeface="Cambria Math" panose="02040503050406030204" pitchFamily="18" charset="0"/>
-                                      </a:rPr>
-                                      <m:t>10</m:t>
-                                    </m:r>
-                                  </m:e>
-                                  <m:sup>
-                                    <m:r>
-                                      <a:rPr lang="de-DE" b="0" i="1" smtClean="0">
-                                        <a:latin typeface="Cambria Math" panose="02040503050406030204" pitchFamily="18" charset="0"/>
-                                        <a:ea typeface="Cambria Math" panose="02040503050406030204" pitchFamily="18" charset="0"/>
-                                      </a:rPr>
-                                      <m:t>−4</m:t>
-                                    </m:r>
-                                  </m:sup>
-                                </m:sSup>
-                              </m:oMath>
-                            </m:oMathPara>
-                          </a14:m>
-                          <a:endParaRPr lang="de-DE" dirty="0"/>
-                        </a:p>
-                      </a:txBody>
-                      <a:tcPr anchor="ctr"/>
-                    </a:tc>
-                    <a:extLst>
-                      <a:ext uri="{0D108BD9-81ED-4DB2-BD59-A6C34878D82A}">
-                        <a16:rowId xmlns:a16="http://schemas.microsoft.com/office/drawing/2014/main" val="10003"/>
-                      </a:ext>
-                    </a:extLst>
-                  </a:tr>
-                </a:tbl>
-              </a:graphicData>
-            </a:graphic>
-          </p:graphicFrame>
-        </mc:Choice>
-        <mc:Fallback xmlns="">
-          <p:graphicFrame>
-            <p:nvGraphicFramePr>
-              <p:cNvPr id="10" name="Inhaltsplatzhalter 3"/>
-              <p:cNvGraphicFramePr>
-                <a:graphicFrameLocks noGrp="1"/>
-              </p:cNvGraphicFramePr>
-              <p:nvPr>
-                <p:ph idx="1"/>
-                <p:extLst>
-                  <p:ext uri="{D42A27DB-BD31-4B8C-83A1-F6EECF244321}">
-                    <p14:modId xmlns:p14="http://schemas.microsoft.com/office/powerpoint/2010/main" val="634204117"/>
-                  </p:ext>
-                </p:extLst>
-              </p:nvPr>
-            </p:nvGraphicFramePr>
-            <p:xfrm>
-              <a:off x="2051720" y="2852936"/>
-              <a:ext cx="5046759" cy="2767809"/>
-            </p:xfrm>
-            <a:graphic>
-              <a:graphicData uri="http://schemas.openxmlformats.org/drawingml/2006/table">
-                <a:tbl>
-                  <a:tblPr firstRow="1" bandRow="1">
-                    <a:tableStyleId>{21E4AEA4-8DFA-4A89-87EB-49C32662AFE0}</a:tableStyleId>
-                  </a:tblPr>
-                  <a:tblGrid>
-                    <a:gridCol w="1682253"/>
-                    <a:gridCol w="1682253"/>
-                    <a:gridCol w="1682253"/>
-                  </a:tblGrid>
-                  <a:tr h="853601">
-                    <a:tc>
-                      <a:txBody>
-                        <a:bodyPr/>
-                        <a:lstStyle/>
-                        <a:p>
-                          <a:pPr algn="ctr"/>
-                          <a:endParaRPr lang="de-DE" sz="2000" dirty="0"/>
-                        </a:p>
-                      </a:txBody>
-                      <a:tcPr anchor="ctr">
-                        <a:solidFill>
-                          <a:srgbClr val="005088"/>
-                        </a:solidFill>
-                      </a:tcPr>
-                    </a:tc>
-                    <a:tc>
-                      <a:txBody>
-                        <a:bodyPr/>
-                        <a:lstStyle/>
-                        <a:p>
-                          <a:pPr algn="ctr"/>
-                          <a:r>
-                            <a:rPr lang="de-DE" sz="2000" dirty="0" smtClean="0"/>
-                            <a:t>(1)</a:t>
-                          </a:r>
-                          <a:endParaRPr lang="de-DE" sz="2000" dirty="0"/>
-                        </a:p>
-                      </a:txBody>
-                      <a:tcPr anchor="ctr">
-                        <a:solidFill>
-                          <a:srgbClr val="005088"/>
-                        </a:solidFill>
-                      </a:tcPr>
-                    </a:tc>
-                    <a:tc>
-                      <a:txBody>
-                        <a:bodyPr/>
-                        <a:lstStyle/>
-                        <a:p>
-                          <a:pPr algn="ctr"/>
-                          <a:r>
-                            <a:rPr lang="de-DE" sz="2000" dirty="0" smtClean="0"/>
-                            <a:t>(2)</a:t>
-                          </a:r>
-                          <a:endParaRPr lang="de-DE" sz="2000" dirty="0"/>
-                        </a:p>
-                      </a:txBody>
-                      <a:tcPr anchor="ctr">
-                        <a:solidFill>
-                          <a:srgbClr val="005088"/>
-                        </a:solidFill>
-                      </a:tcPr>
-                    </a:tc>
-                  </a:tr>
-                  <a:tr h="607886">
-                    <a:tc>
-                      <a:txBody>
-                        <a:bodyPr/>
-                        <a:lstStyle/>
-                        <a:p>
-                          <a:endParaRPr lang="de-DE"/>
-                        </a:p>
-                      </a:txBody>
-                      <a:tcPr anchor="ctr">
-                        <a:blipFill rotWithShape="0">
-                          <a:blip r:embed="rId4"/>
-                          <a:stretch>
-                            <a:fillRect l="-362" t="-142000" r="-201812" b="-217000"/>
-                          </a:stretch>
-                        </a:blipFill>
-                      </a:tcPr>
-                    </a:tc>
-                    <a:tc>
-                      <a:txBody>
-                        <a:bodyPr/>
-                        <a:lstStyle/>
-                        <a:p>
-                          <a:endParaRPr lang="de-DE"/>
-                        </a:p>
-                      </a:txBody>
-                      <a:tcPr anchor="ctr">
-                        <a:blipFill rotWithShape="0">
-                          <a:blip r:embed="rId4"/>
-                          <a:stretch>
-                            <a:fillRect l="-100000" t="-142000" r="-101083" b="-217000"/>
-                          </a:stretch>
-                        </a:blipFill>
-                      </a:tcPr>
-                    </a:tc>
-                    <a:tc>
-                      <a:txBody>
-                        <a:bodyPr/>
-                        <a:lstStyle/>
-                        <a:p>
-                          <a:endParaRPr lang="de-DE"/>
-                        </a:p>
-                      </a:txBody>
-                      <a:tcPr anchor="ctr">
-                        <a:blipFill rotWithShape="0">
-                          <a:blip r:embed="rId4"/>
-                          <a:stretch>
-                            <a:fillRect l="-200725" t="-142000" r="-1449" b="-217000"/>
-                          </a:stretch>
-                        </a:blipFill>
-                      </a:tcPr>
-                    </a:tc>
-                  </a:tr>
-                  <a:tr h="653161">
-                    <a:tc>
-                      <a:txBody>
-                        <a:bodyPr/>
-                        <a:lstStyle/>
-                        <a:p>
-                          <a:endParaRPr lang="de-DE"/>
-                        </a:p>
-                      </a:txBody>
-                      <a:tcPr anchor="ctr">
-                        <a:blipFill rotWithShape="0">
-                          <a:blip r:embed="rId4"/>
-                          <a:stretch>
-                            <a:fillRect l="-362" t="-224074" r="-201812" b="-100926"/>
-                          </a:stretch>
-                        </a:blipFill>
-                      </a:tcPr>
-                    </a:tc>
-                    <a:tc>
-                      <a:txBody>
-                        <a:bodyPr/>
-                        <a:lstStyle/>
-                        <a:p>
-                          <a:endParaRPr lang="de-DE"/>
-                        </a:p>
-                      </a:txBody>
-                      <a:tcPr anchor="ctr">
-                        <a:blipFill rotWithShape="0">
-                          <a:blip r:embed="rId4"/>
-                          <a:stretch>
-                            <a:fillRect l="-100000" t="-224074" r="-101083" b="-100926"/>
-                          </a:stretch>
-                        </a:blipFill>
-                      </a:tcPr>
-                    </a:tc>
-                    <a:tc>
-                      <a:txBody>
-                        <a:bodyPr/>
-                        <a:lstStyle/>
-                        <a:p>
-                          <a:endParaRPr lang="de-DE"/>
-                        </a:p>
-                      </a:txBody>
-                      <a:tcPr anchor="ctr">
-                        <a:blipFill rotWithShape="0">
-                          <a:blip r:embed="rId4"/>
-                          <a:stretch>
-                            <a:fillRect l="-200725" t="-224074" r="-1449" b="-100926"/>
-                          </a:stretch>
-                        </a:blipFill>
-                      </a:tcPr>
-                    </a:tc>
-                  </a:tr>
-                  <a:tr h="653161">
-                    <a:tc>
-                      <a:txBody>
-                        <a:bodyPr/>
-                        <a:lstStyle/>
-                        <a:p>
-                          <a:endParaRPr lang="de-DE"/>
-                        </a:p>
-                      </a:txBody>
-                      <a:tcPr anchor="ctr">
-                        <a:blipFill rotWithShape="0">
-                          <a:blip r:embed="rId4"/>
-                          <a:stretch>
-                            <a:fillRect l="-362" t="-327103" r="-201812" b="-1869"/>
-                          </a:stretch>
-                        </a:blipFill>
-                      </a:tcPr>
-                    </a:tc>
-                    <a:tc>
-                      <a:txBody>
-                        <a:bodyPr/>
-                        <a:lstStyle/>
-                        <a:p>
-                          <a:endParaRPr lang="de-DE"/>
-                        </a:p>
-                      </a:txBody>
-                      <a:tcPr anchor="ctr">
-                        <a:blipFill rotWithShape="0">
-                          <a:blip r:embed="rId4"/>
-                          <a:stretch>
-                            <a:fillRect l="-100000" t="-327103" r="-101083" b="-1869"/>
-                          </a:stretch>
-                        </a:blipFill>
-                      </a:tcPr>
-                    </a:tc>
-                    <a:tc>
-                      <a:txBody>
-                        <a:bodyPr/>
-                        <a:lstStyle/>
-                        <a:p>
-                          <a:endParaRPr lang="de-DE"/>
-                        </a:p>
-                      </a:txBody>
-                      <a:tcPr anchor="ctr">
-                        <a:blipFill rotWithShape="0">
-                          <a:blip r:embed="rId4"/>
-                          <a:stretch>
-                            <a:fillRect l="-200725" t="-327103" r="-1449" b="-1869"/>
-                          </a:stretch>
-                        </a:blipFill>
-                      </a:tcPr>
-                    </a:tc>
-                  </a:tr>
-                </a:tbl>
-              </a:graphicData>
-            </a:graphic>
-          </p:graphicFrame>
-        </mc:Fallback>
-      </mc:AlternateContent>
-    </p:spTree>
-    <p:extLst>
-      <p:ext uri="{BB962C8B-B14F-4D97-AF65-F5344CB8AC3E}">
-        <p14:creationId xmlns:p14="http://schemas.microsoft.com/office/powerpoint/2010/main" val="1353727804"/>
-      </p:ext>
-    </p:extLst>
-  </p:cSld>
-  <p:clrMapOvr>
-    <a:masterClrMapping/>
-  </p:clrMapOvr>
-</p:sld>
-</file>
-
-<file path=ppt/slides/slide6.xml><?xml version="1.0" encoding="utf-8"?>
-<p:sld xmlns:a="http://schemas.openxmlformats.org/drawingml/2006/main" xmlns:r="http://schemas.openxmlformats.org/officeDocument/2006/relationships" xmlns:p="http://schemas.openxmlformats.org/presentationml/2006/main">
-  <p:cSld>
-    <p:spTree>
-      <p:nvGrpSpPr>
-        <p:cNvPr id="1" name=""/>
-        <p:cNvGrpSpPr/>
-        <p:nvPr/>
-      </p:nvGrpSpPr>
-      <p:grpSpPr>
-        <a:xfrm>
-          <a:off x="0" y="0"/>
-          <a:ext cx="0" cy="0"/>
-          <a:chOff x="0" y="0"/>
-          <a:chExt cx="0" cy="0"/>
-        </a:xfrm>
-      </p:grpSpPr>
-      <p:grpSp>
-        <p:nvGrpSpPr>
-          <p:cNvPr id="2" name="Gruppieren 1"/>
-          <p:cNvGrpSpPr/>
-          <p:nvPr/>
-        </p:nvGrpSpPr>
-        <p:grpSpPr>
-          <a:xfrm>
-            <a:off x="251520" y="548680"/>
-            <a:ext cx="9001000" cy="5958709"/>
-            <a:chOff x="323384" y="842572"/>
-            <a:chExt cx="8700202" cy="5742685"/>
-          </a:xfrm>
-        </p:grpSpPr>
-        <p:pic>
-          <p:nvPicPr>
-            <p:cNvPr id="3" name="Grafik 2"/>
-            <p:cNvPicPr>
-              <a:picLocks noChangeAspect="1"/>
-            </p:cNvPicPr>
-            <p:nvPr/>
-          </p:nvPicPr>
-          <p:blipFill>
-            <a:blip r:embed="rId2">
-              <a:extLst>
-                <a:ext uri="{28A0092B-C50C-407E-A947-70E740481C1C}">
-                  <a14:useLocalDpi xmlns:a14="http://schemas.microsoft.com/office/drawing/2010/main" val="0"/>
-                </a:ext>
-              </a:extLst>
-            </a:blip>
-            <a:stretch>
-              <a:fillRect/>
-            </a:stretch>
-          </p:blipFill>
-          <p:spPr>
-            <a:xfrm>
-              <a:off x="323384" y="842572"/>
-              <a:ext cx="8700202" cy="5742685"/>
-            </a:xfrm>
-            <a:prstGeom prst="rect">
-              <a:avLst/>
-            </a:prstGeom>
-          </p:spPr>
-        </p:pic>
-        <p:sp>
-          <p:nvSpPr>
-            <p:cNvPr id="4" name="Textfeld 3"/>
-            <p:cNvSpPr txBox="1"/>
-            <p:nvPr/>
-          </p:nvSpPr>
-          <p:spPr>
-            <a:xfrm>
-              <a:off x="1763688" y="1471949"/>
-              <a:ext cx="1728192" cy="369332"/>
-            </a:xfrm>
-            <a:prstGeom prst="rect">
-              <a:avLst/>
-            </a:prstGeom>
-            <a:noFill/>
-          </p:spPr>
-          <p:txBody>
-            <a:bodyPr wrap="square" rtlCol="0">
-              <a:spAutoFit/>
-            </a:bodyPr>
-            <a:lstStyle/>
-            <a:p>
-              <a:r>
-                <a:rPr lang="de-DE" dirty="0"/>
-                <a:t>Mit </a:t>
-              </a:r>
-              <a:r>
-                <a:rPr lang="de-DE" dirty="0" err="1"/>
-                <a:t>Fillet</a:t>
-              </a:r>
-              <a:endParaRPr lang="de-DE" dirty="0"/>
-            </a:p>
-          </p:txBody>
-        </p:sp>
-        <p:sp>
-          <p:nvSpPr>
-            <p:cNvPr id="5" name="Textfeld 4"/>
-            <p:cNvSpPr txBox="1"/>
-            <p:nvPr/>
-          </p:nvSpPr>
-          <p:spPr>
-            <a:xfrm>
-              <a:off x="6136796" y="1467825"/>
-              <a:ext cx="1728192" cy="369332"/>
-            </a:xfrm>
-            <a:prstGeom prst="rect">
-              <a:avLst/>
-            </a:prstGeom>
-            <a:noFill/>
-          </p:spPr>
-          <p:txBody>
-            <a:bodyPr wrap="square" rtlCol="0">
-              <a:spAutoFit/>
-            </a:bodyPr>
-            <a:lstStyle/>
-            <a:p>
-              <a:r>
-                <a:rPr lang="de-DE" dirty="0"/>
-                <a:t>Ohne </a:t>
-              </a:r>
-              <a:r>
-                <a:rPr lang="de-DE" dirty="0" err="1"/>
-                <a:t>Fillet</a:t>
-              </a:r>
-              <a:endParaRPr lang="de-DE" dirty="0"/>
-            </a:p>
-          </p:txBody>
-        </p:sp>
-      </p:grpSp>
-    </p:spTree>
-    <p:extLst>
-      <p:ext uri="{BB962C8B-B14F-4D97-AF65-F5344CB8AC3E}">
-        <p14:creationId xmlns:p14="http://schemas.microsoft.com/office/powerpoint/2010/main" val="1727610697"/>
-      </p:ext>
-    </p:extLst>
-  </p:cSld>
-  <p:clrMapOvr>
-    <a:masterClrMapping/>
-  </p:clrMapOvr>
-</p:sld>
-</file>
-
-<file path=ppt/slides/slide7.xml><?xml version="1.0" encoding="utf-8"?>
-<p:sld xmlns:a="http://schemas.openxmlformats.org/drawingml/2006/main" xmlns:r="http://schemas.openxmlformats.org/officeDocument/2006/relationships" xmlns:p="http://schemas.openxmlformats.org/presentationml/2006/main">
-  <p:cSld>
-    <p:spTree>
-      <p:nvGrpSpPr>
-        <p:cNvPr id="1" name=""/>
-        <p:cNvGrpSpPr/>
-        <p:nvPr/>
-      </p:nvGrpSpPr>
-      <p:grpSpPr>
-        <a:xfrm>
-          <a:off x="0" y="0"/>
-          <a:ext cx="0" cy="0"/>
-          <a:chOff x="0" y="0"/>
-          <a:chExt cx="0" cy="0"/>
-        </a:xfrm>
-      </p:grpSpPr>
-      <p:grpSp>
-        <p:nvGrpSpPr>
-          <p:cNvPr id="5" name="Gruppieren 4"/>
-          <p:cNvGrpSpPr/>
-          <p:nvPr/>
-        </p:nvGrpSpPr>
-        <p:grpSpPr>
-          <a:xfrm>
-            <a:off x="296529" y="692697"/>
-            <a:ext cx="8566348" cy="5654332"/>
-            <a:chOff x="296529" y="692697"/>
-            <a:chExt cx="8566348" cy="5654332"/>
-          </a:xfrm>
-        </p:grpSpPr>
-        <p:pic>
-          <p:nvPicPr>
-            <p:cNvPr id="2" name="Grafik 1"/>
-            <p:cNvPicPr>
-              <a:picLocks noChangeAspect="1"/>
-            </p:cNvPicPr>
-            <p:nvPr/>
-          </p:nvPicPr>
-          <p:blipFill>
-            <a:blip r:embed="rId2">
-              <a:extLst>
-                <a:ext uri="{28A0092B-C50C-407E-A947-70E740481C1C}">
-                  <a14:useLocalDpi xmlns:a14="http://schemas.microsoft.com/office/drawing/2010/main" val="0"/>
-                </a:ext>
-              </a:extLst>
-            </a:blip>
-            <a:stretch>
-              <a:fillRect/>
-            </a:stretch>
-          </p:blipFill>
-          <p:spPr>
-            <a:xfrm>
-              <a:off x="296529" y="692697"/>
-              <a:ext cx="8566348" cy="5654332"/>
-            </a:xfrm>
-            <a:prstGeom prst="rect">
-              <a:avLst/>
-            </a:prstGeom>
-          </p:spPr>
-        </p:pic>
-        <p:sp>
-          <p:nvSpPr>
-            <p:cNvPr id="3" name="Textfeld 2"/>
-            <p:cNvSpPr txBox="1"/>
-            <p:nvPr/>
-          </p:nvSpPr>
-          <p:spPr>
-            <a:xfrm>
-              <a:off x="1331640" y="836712"/>
-              <a:ext cx="1045832" cy="383225"/>
-            </a:xfrm>
-            <a:prstGeom prst="rect">
-              <a:avLst/>
-            </a:prstGeom>
-            <a:noFill/>
-          </p:spPr>
-          <p:txBody>
-            <a:bodyPr wrap="square" rtlCol="0">
-              <a:spAutoFit/>
-            </a:bodyPr>
-            <a:lstStyle/>
-            <a:p>
-              <a:r>
-                <a:rPr lang="de-DE" dirty="0"/>
-                <a:t>Mit </a:t>
-              </a:r>
-              <a:r>
-                <a:rPr lang="de-DE" dirty="0" err="1"/>
-                <a:t>Fillet</a:t>
-              </a:r>
-              <a:endParaRPr lang="de-DE" dirty="0"/>
-            </a:p>
-          </p:txBody>
-        </p:sp>
-        <p:sp>
-          <p:nvSpPr>
-            <p:cNvPr id="4" name="Textfeld 3"/>
-            <p:cNvSpPr txBox="1"/>
-            <p:nvPr/>
-          </p:nvSpPr>
-          <p:spPr>
-            <a:xfrm>
-              <a:off x="5364088" y="836711"/>
-              <a:ext cx="1296144" cy="383225"/>
-            </a:xfrm>
-            <a:prstGeom prst="rect">
-              <a:avLst/>
-            </a:prstGeom>
-            <a:noFill/>
-          </p:spPr>
-          <p:txBody>
-            <a:bodyPr wrap="square" rtlCol="0">
-              <a:spAutoFit/>
-            </a:bodyPr>
-            <a:lstStyle/>
-            <a:p>
-              <a:r>
-                <a:rPr lang="de-DE" dirty="0"/>
-                <a:t>Ohne </a:t>
-              </a:r>
-              <a:r>
-                <a:rPr lang="de-DE" dirty="0" err="1"/>
-                <a:t>Fillet</a:t>
-              </a:r>
-              <a:endParaRPr lang="de-DE" dirty="0"/>
-            </a:p>
-          </p:txBody>
-        </p:sp>
-      </p:grpSp>
-    </p:spTree>
-    <p:extLst>
-      <p:ext uri="{BB962C8B-B14F-4D97-AF65-F5344CB8AC3E}">
-        <p14:creationId xmlns:p14="http://schemas.microsoft.com/office/powerpoint/2010/main" val="3167214887"/>
-      </p:ext>
-    </p:extLst>
-  </p:cSld>
-  <p:clrMapOvr>
-    <a:masterClrMapping/>
-  </p:clrMapOvr>
-</p:sld>
-</file>
-
-<file path=ppt/slides/slide8.xml><?xml version="1.0" encoding="utf-8"?>
-<p:sld xmlns:a="http://schemas.openxmlformats.org/drawingml/2006/main" xmlns:r="http://schemas.openxmlformats.org/officeDocument/2006/relationships" xmlns:p="http://schemas.openxmlformats.org/presentationml/2006/main">
-  <p:cSld>
-    <p:spTree>
-      <p:nvGrpSpPr>
-        <p:cNvPr id="1" name=""/>
-        <p:cNvGrpSpPr/>
-        <p:nvPr/>
-      </p:nvGrpSpPr>
-      <p:grpSpPr>
-        <a:xfrm>
-          <a:off x="0" y="0"/>
-          <a:ext cx="0" cy="0"/>
-          <a:chOff x="0" y="0"/>
-          <a:chExt cx="0" cy="0"/>
-        </a:xfrm>
-      </p:grpSpPr>
-      <p:sp>
-        <p:nvSpPr>
-          <p:cNvPr id="2" name="Titel 1"/>
-          <p:cNvSpPr>
-            <a:spLocks noGrp="1"/>
-          </p:cNvSpPr>
-          <p:nvPr>
-            <p:ph type="title"/>
-          </p:nvPr>
-        </p:nvSpPr>
-        <p:spPr/>
-        <p:txBody>
-          <a:bodyPr/>
-          <a:lstStyle/>
-          <a:p>
-            <a:r>
-              <a:rPr lang="de-DE" dirty="0"/>
-              <a:t>Eintrittstemperatur variieren</a:t>
+              <a:t>Beispieltabelle</a:t>
             </a:r>
           </a:p>
         </p:txBody>
@@ -9241,6 +8265,892 @@
     <p:extLst>
       <p:ext uri="{BB962C8B-B14F-4D97-AF65-F5344CB8AC3E}">
         <p14:creationId xmlns:p14="http://schemas.microsoft.com/office/powerpoint/2010/main" val="2060279520"/>
+      </p:ext>
+    </p:extLst>
+  </p:cSld>
+  <p:clrMapOvr>
+    <a:masterClrMapping/>
+  </p:clrMapOvr>
+</p:sld>
+</file>
+
+<file path=ppt/slides/slide2.xml><?xml version="1.0" encoding="utf-8"?>
+<p:sld xmlns:a="http://schemas.openxmlformats.org/drawingml/2006/main" xmlns:r="http://schemas.openxmlformats.org/officeDocument/2006/relationships" xmlns:p="http://schemas.openxmlformats.org/presentationml/2006/main">
+  <p:cSld>
+    <p:spTree>
+      <p:nvGrpSpPr>
+        <p:cNvPr id="1" name=""/>
+        <p:cNvGrpSpPr/>
+        <p:nvPr/>
+      </p:nvGrpSpPr>
+      <p:grpSpPr>
+        <a:xfrm>
+          <a:off x="0" y="0"/>
+          <a:ext cx="0" cy="0"/>
+          <a:chOff x="0" y="0"/>
+          <a:chExt cx="0" cy="0"/>
+        </a:xfrm>
+      </p:grpSpPr>
+      <p:sp>
+        <p:nvSpPr>
+          <p:cNvPr id="2" name="Titel 1">
+            <a:extLst>
+              <a:ext uri="{FF2B5EF4-FFF2-40B4-BE49-F238E27FC236}">
+                <a16:creationId xmlns:a16="http://schemas.microsoft.com/office/drawing/2014/main" id="{D27A44A1-7D5C-4ED1-B1CC-16A1827DE5CE}"/>
+              </a:ext>
+            </a:extLst>
+          </p:cNvPr>
+          <p:cNvSpPr>
+            <a:spLocks noGrp="1"/>
+          </p:cNvSpPr>
+          <p:nvPr>
+            <p:ph type="title"/>
+          </p:nvPr>
+        </p:nvSpPr>
+        <p:spPr/>
+        <p:txBody>
+          <a:bodyPr/>
+          <a:lstStyle/>
+          <a:p>
+            <a:r>
+              <a:rPr lang="de-DE" dirty="0"/>
+              <a:t>Gliederung</a:t>
+            </a:r>
+          </a:p>
+        </p:txBody>
+      </p:sp>
+      <p:sp>
+        <p:nvSpPr>
+          <p:cNvPr id="3" name="Inhaltsplatzhalter 2">
+            <a:extLst>
+              <a:ext uri="{FF2B5EF4-FFF2-40B4-BE49-F238E27FC236}">
+                <a16:creationId xmlns:a16="http://schemas.microsoft.com/office/drawing/2014/main" id="{0A11E94A-080C-4F4A-B9ED-FC1B878B8CE0}"/>
+              </a:ext>
+            </a:extLst>
+          </p:cNvPr>
+          <p:cNvSpPr>
+            <a:spLocks noGrp="1"/>
+          </p:cNvSpPr>
+          <p:nvPr>
+            <p:ph idx="1"/>
+          </p:nvPr>
+        </p:nvSpPr>
+        <p:spPr/>
+        <p:txBody>
+          <a:bodyPr/>
+          <a:lstStyle/>
+          <a:p>
+            <a:r>
+              <a:rPr lang="de-DE" dirty="0"/>
+              <a:t>Grundlagen</a:t>
+            </a:r>
+          </a:p>
+          <a:p>
+            <a:pPr lvl="2"/>
+            <a:r>
+              <a:rPr lang="de-DE" dirty="0"/>
+              <a:t>Wirkungsgraddefinitionen</a:t>
+            </a:r>
+          </a:p>
+          <a:p>
+            <a:r>
+              <a:rPr lang="de-DE" dirty="0"/>
+              <a:t>Aachen-Turbine</a:t>
+            </a:r>
+          </a:p>
+          <a:p>
+            <a:pPr lvl="2"/>
+            <a:r>
+              <a:rPr lang="de-DE" dirty="0"/>
+              <a:t>Strukturiert</a:t>
+            </a:r>
+          </a:p>
+          <a:p>
+            <a:pPr lvl="2"/>
+            <a:r>
+              <a:rPr lang="de-DE" dirty="0"/>
+              <a:t>Unstrukturiert</a:t>
+            </a:r>
+          </a:p>
+          <a:p>
+            <a:pPr lvl="1"/>
+            <a:r>
+              <a:rPr lang="de-DE" dirty="0"/>
+              <a:t>Kanalströmung</a:t>
+            </a:r>
+          </a:p>
+          <a:p>
+            <a:pPr lvl="1"/>
+            <a:r>
+              <a:rPr lang="de-DE" dirty="0"/>
+              <a:t>Auswertungstool</a:t>
+            </a:r>
+          </a:p>
+          <a:p>
+            <a:pPr lvl="1"/>
+            <a:r>
+              <a:rPr lang="de-DE" dirty="0"/>
+              <a:t>Fazit</a:t>
+            </a:r>
+          </a:p>
+          <a:p>
+            <a:pPr lvl="1"/>
+            <a:endParaRPr lang="de-DE" dirty="0"/>
+          </a:p>
+        </p:txBody>
+      </p:sp>
+    </p:spTree>
+    <p:extLst>
+      <p:ext uri="{BB962C8B-B14F-4D97-AF65-F5344CB8AC3E}">
+        <p14:creationId xmlns:p14="http://schemas.microsoft.com/office/powerpoint/2010/main" val="305700967"/>
+      </p:ext>
+    </p:extLst>
+  </p:cSld>
+  <p:clrMapOvr>
+    <a:masterClrMapping/>
+  </p:clrMapOvr>
+</p:sld>
+</file>
+
+<file path=ppt/slides/slide3.xml><?xml version="1.0" encoding="utf-8"?>
+<p:sld xmlns:a="http://schemas.openxmlformats.org/drawingml/2006/main" xmlns:r="http://schemas.openxmlformats.org/officeDocument/2006/relationships" xmlns:p="http://schemas.openxmlformats.org/presentationml/2006/main">
+  <p:cSld>
+    <p:spTree>
+      <p:nvGrpSpPr>
+        <p:cNvPr id="1" name=""/>
+        <p:cNvGrpSpPr/>
+        <p:nvPr/>
+      </p:nvGrpSpPr>
+      <p:grpSpPr>
+        <a:xfrm>
+          <a:off x="0" y="0"/>
+          <a:ext cx="0" cy="0"/>
+          <a:chOff x="0" y="0"/>
+          <a:chExt cx="0" cy="0"/>
+        </a:xfrm>
+      </p:grpSpPr>
+      <p:sp>
+        <p:nvSpPr>
+          <p:cNvPr id="2" name="Titel 1">
+            <a:extLst>
+              <a:ext uri="{FF2B5EF4-FFF2-40B4-BE49-F238E27FC236}">
+                <a16:creationId xmlns:a16="http://schemas.microsoft.com/office/drawing/2014/main" id="{097E6A6D-464E-4766-AAF3-C4FECB9FA991}"/>
+              </a:ext>
+            </a:extLst>
+          </p:cNvPr>
+          <p:cNvSpPr>
+            <a:spLocks noGrp="1"/>
+          </p:cNvSpPr>
+          <p:nvPr>
+            <p:ph type="title"/>
+          </p:nvPr>
+        </p:nvSpPr>
+        <p:spPr/>
+        <p:txBody>
+          <a:bodyPr/>
+          <a:lstStyle/>
+          <a:p>
+            <a:r>
+              <a:rPr lang="de-DE" dirty="0"/>
+              <a:t>Grundlagen: Thermodynamik</a:t>
+            </a:r>
+          </a:p>
+        </p:txBody>
+      </p:sp>
+      <p:sp>
+        <p:nvSpPr>
+          <p:cNvPr id="3" name="Inhaltsplatzhalter 2">
+            <a:extLst>
+              <a:ext uri="{FF2B5EF4-FFF2-40B4-BE49-F238E27FC236}">
+                <a16:creationId xmlns:a16="http://schemas.microsoft.com/office/drawing/2014/main" id="{0E9598F0-1E7C-41F5-AC85-FE84123CF1DA}"/>
+              </a:ext>
+            </a:extLst>
+          </p:cNvPr>
+          <p:cNvSpPr>
+            <a:spLocks noGrp="1"/>
+          </p:cNvSpPr>
+          <p:nvPr>
+            <p:ph idx="1"/>
+          </p:nvPr>
+        </p:nvSpPr>
+        <p:spPr/>
+        <p:txBody>
+          <a:bodyPr/>
+          <a:lstStyle/>
+          <a:p>
+            <a:r>
+              <a:rPr lang="de-DE" dirty="0"/>
+              <a:t> </a:t>
+            </a:r>
+            <a:r>
+              <a:rPr lang="de-DE" dirty="0" err="1"/>
+              <a:t>todo</a:t>
+            </a:r>
+            <a:r>
+              <a:rPr lang="de-DE" dirty="0"/>
+              <a:t> h-s </a:t>
+            </a:r>
+            <a:r>
+              <a:rPr lang="de-DE" dirty="0" err="1"/>
+              <a:t>diagramm</a:t>
+            </a:r>
+            <a:r>
+              <a:rPr lang="de-DE" dirty="0"/>
+              <a:t>, </a:t>
+            </a:r>
+            <a:r>
+              <a:rPr lang="de-DE" dirty="0" err="1"/>
+              <a:t>turbine</a:t>
+            </a:r>
+            <a:endParaRPr lang="de-DE" dirty="0"/>
+          </a:p>
+        </p:txBody>
+      </p:sp>
+    </p:spTree>
+    <p:extLst>
+      <p:ext uri="{BB962C8B-B14F-4D97-AF65-F5344CB8AC3E}">
+        <p14:creationId xmlns:p14="http://schemas.microsoft.com/office/powerpoint/2010/main" val="2126251916"/>
+      </p:ext>
+    </p:extLst>
+  </p:cSld>
+  <p:clrMapOvr>
+    <a:masterClrMapping/>
+  </p:clrMapOvr>
+</p:sld>
+</file>
+
+<file path=ppt/slides/slide4.xml><?xml version="1.0" encoding="utf-8"?>
+<p:sld xmlns:a="http://schemas.openxmlformats.org/drawingml/2006/main" xmlns:r="http://schemas.openxmlformats.org/officeDocument/2006/relationships" xmlns:p="http://schemas.openxmlformats.org/presentationml/2006/main">
+  <p:cSld>
+    <p:spTree>
+      <p:nvGrpSpPr>
+        <p:cNvPr id="1" name=""/>
+        <p:cNvGrpSpPr/>
+        <p:nvPr/>
+      </p:nvGrpSpPr>
+      <p:grpSpPr>
+        <a:xfrm>
+          <a:off x="0" y="0"/>
+          <a:ext cx="0" cy="0"/>
+          <a:chOff x="0" y="0"/>
+          <a:chExt cx="0" cy="0"/>
+        </a:xfrm>
+      </p:grpSpPr>
+      <p:sp>
+        <p:nvSpPr>
+          <p:cNvPr id="2" name="Titel 1">
+            <a:extLst>
+              <a:ext uri="{FF2B5EF4-FFF2-40B4-BE49-F238E27FC236}">
+                <a16:creationId xmlns:a16="http://schemas.microsoft.com/office/drawing/2014/main" id="{2466B14E-2CAE-450A-835B-07642C6772FC}"/>
+              </a:ext>
+            </a:extLst>
+          </p:cNvPr>
+          <p:cNvSpPr>
+            <a:spLocks noGrp="1"/>
+          </p:cNvSpPr>
+          <p:nvPr>
+            <p:ph type="title"/>
+          </p:nvPr>
+        </p:nvSpPr>
+        <p:spPr/>
+        <p:txBody>
+          <a:bodyPr/>
+          <a:lstStyle/>
+          <a:p>
+            <a:r>
+              <a:rPr lang="de-DE" dirty="0"/>
+              <a:t>Grundlagen: Wirkungsgrade (1)</a:t>
+            </a:r>
+          </a:p>
+        </p:txBody>
+      </p:sp>
+      <p:sp>
+        <p:nvSpPr>
+          <p:cNvPr id="3" name="Inhaltsplatzhalter 2">
+            <a:extLst>
+              <a:ext uri="{FF2B5EF4-FFF2-40B4-BE49-F238E27FC236}">
+                <a16:creationId xmlns:a16="http://schemas.microsoft.com/office/drawing/2014/main" id="{CCE11E07-3335-434C-8B03-5B1BAEAEC7C5}"/>
+              </a:ext>
+            </a:extLst>
+          </p:cNvPr>
+          <p:cNvSpPr>
+            <a:spLocks noGrp="1"/>
+          </p:cNvSpPr>
+          <p:nvPr>
+            <p:ph idx="1"/>
+          </p:nvPr>
+        </p:nvSpPr>
+        <p:spPr/>
+        <p:txBody>
+          <a:bodyPr/>
+          <a:lstStyle/>
+          <a:p>
+            <a:r>
+              <a:rPr lang="de-DE" dirty="0" err="1"/>
+              <a:t>cp</a:t>
+            </a:r>
+            <a:r>
+              <a:rPr lang="de-DE" dirty="0"/>
+              <a:t> = </a:t>
+            </a:r>
+            <a:r>
+              <a:rPr lang="de-DE" dirty="0" err="1"/>
+              <a:t>const</a:t>
+            </a:r>
+            <a:endParaRPr lang="de-DE" dirty="0"/>
+          </a:p>
+        </p:txBody>
+      </p:sp>
+    </p:spTree>
+    <p:extLst>
+      <p:ext uri="{BB962C8B-B14F-4D97-AF65-F5344CB8AC3E}">
+        <p14:creationId xmlns:p14="http://schemas.microsoft.com/office/powerpoint/2010/main" val="2497107424"/>
+      </p:ext>
+    </p:extLst>
+  </p:cSld>
+  <p:clrMapOvr>
+    <a:masterClrMapping/>
+  </p:clrMapOvr>
+</p:sld>
+</file>
+
+<file path=ppt/slides/slide5.xml><?xml version="1.0" encoding="utf-8"?>
+<p:sld xmlns:a="http://schemas.openxmlformats.org/drawingml/2006/main" xmlns:r="http://schemas.openxmlformats.org/officeDocument/2006/relationships" xmlns:p="http://schemas.openxmlformats.org/presentationml/2006/main">
+  <p:cSld>
+    <p:spTree>
+      <p:nvGrpSpPr>
+        <p:cNvPr id="1" name=""/>
+        <p:cNvGrpSpPr/>
+        <p:nvPr/>
+      </p:nvGrpSpPr>
+      <p:grpSpPr>
+        <a:xfrm>
+          <a:off x="0" y="0"/>
+          <a:ext cx="0" cy="0"/>
+          <a:chOff x="0" y="0"/>
+          <a:chExt cx="0" cy="0"/>
+        </a:xfrm>
+      </p:grpSpPr>
+      <p:sp>
+        <p:nvSpPr>
+          <p:cNvPr id="2" name="Titel 1">
+            <a:extLst>
+              <a:ext uri="{FF2B5EF4-FFF2-40B4-BE49-F238E27FC236}">
+                <a16:creationId xmlns:a16="http://schemas.microsoft.com/office/drawing/2014/main" id="{B0EB02CB-0053-457A-BB5F-5D64278141CC}"/>
+              </a:ext>
+            </a:extLst>
+          </p:cNvPr>
+          <p:cNvSpPr>
+            <a:spLocks noGrp="1"/>
+          </p:cNvSpPr>
+          <p:nvPr>
+            <p:ph type="title"/>
+          </p:nvPr>
+        </p:nvSpPr>
+        <p:spPr/>
+        <p:txBody>
+          <a:bodyPr/>
+          <a:lstStyle/>
+          <a:p>
+            <a:r>
+              <a:rPr lang="de-DE" dirty="0"/>
+              <a:t>Grundlagen: Wirkungsgrade (2)</a:t>
+            </a:r>
+          </a:p>
+        </p:txBody>
+      </p:sp>
+      <p:sp>
+        <p:nvSpPr>
+          <p:cNvPr id="3" name="Inhaltsplatzhalter 2">
+            <a:extLst>
+              <a:ext uri="{FF2B5EF4-FFF2-40B4-BE49-F238E27FC236}">
+                <a16:creationId xmlns:a16="http://schemas.microsoft.com/office/drawing/2014/main" id="{756355A6-13F9-40C1-8AD3-1534717E7B09}"/>
+              </a:ext>
+            </a:extLst>
+          </p:cNvPr>
+          <p:cNvSpPr>
+            <a:spLocks noGrp="1"/>
+          </p:cNvSpPr>
+          <p:nvPr>
+            <p:ph idx="1"/>
+          </p:nvPr>
+        </p:nvSpPr>
+        <p:spPr/>
+        <p:txBody>
+          <a:bodyPr/>
+          <a:lstStyle/>
+          <a:p>
+            <a:r>
+              <a:rPr lang="de-DE" dirty="0" err="1"/>
+              <a:t>cp</a:t>
+            </a:r>
+            <a:r>
+              <a:rPr lang="de-DE" dirty="0"/>
+              <a:t>(T)</a:t>
+            </a:r>
+          </a:p>
+        </p:txBody>
+      </p:sp>
+    </p:spTree>
+    <p:extLst>
+      <p:ext uri="{BB962C8B-B14F-4D97-AF65-F5344CB8AC3E}">
+        <p14:creationId xmlns:p14="http://schemas.microsoft.com/office/powerpoint/2010/main" val="1013962748"/>
+      </p:ext>
+    </p:extLst>
+  </p:cSld>
+  <p:clrMapOvr>
+    <a:masterClrMapping/>
+  </p:clrMapOvr>
+</p:sld>
+</file>
+
+<file path=ppt/slides/slide6.xml><?xml version="1.0" encoding="utf-8"?>
+<p:sld xmlns:a="http://schemas.openxmlformats.org/drawingml/2006/main" xmlns:r="http://schemas.openxmlformats.org/officeDocument/2006/relationships" xmlns:p="http://schemas.openxmlformats.org/presentationml/2006/main">
+  <p:cSld>
+    <p:spTree>
+      <p:nvGrpSpPr>
+        <p:cNvPr id="1" name=""/>
+        <p:cNvGrpSpPr/>
+        <p:nvPr/>
+      </p:nvGrpSpPr>
+      <p:grpSpPr>
+        <a:xfrm>
+          <a:off x="0" y="0"/>
+          <a:ext cx="0" cy="0"/>
+          <a:chOff x="0" y="0"/>
+          <a:chExt cx="0" cy="0"/>
+        </a:xfrm>
+      </p:grpSpPr>
+      <p:sp>
+        <p:nvSpPr>
+          <p:cNvPr id="2" name="Titel 1">
+            <a:extLst>
+              <a:ext uri="{FF2B5EF4-FFF2-40B4-BE49-F238E27FC236}">
+                <a16:creationId xmlns:a16="http://schemas.microsoft.com/office/drawing/2014/main" id="{8DE61EE4-0A2E-4DFD-BE73-F3D4D2210025}"/>
+              </a:ext>
+            </a:extLst>
+          </p:cNvPr>
+          <p:cNvSpPr>
+            <a:spLocks noGrp="1"/>
+          </p:cNvSpPr>
+          <p:nvPr>
+            <p:ph type="title"/>
+          </p:nvPr>
+        </p:nvSpPr>
+        <p:spPr/>
+        <p:txBody>
+          <a:bodyPr/>
+          <a:lstStyle/>
+          <a:p>
+            <a:r>
+              <a:rPr lang="de-DE" dirty="0"/>
+              <a:t>Aachen-Turbine: Geometrie</a:t>
+            </a:r>
+          </a:p>
+        </p:txBody>
+      </p:sp>
+      <p:sp>
+        <p:nvSpPr>
+          <p:cNvPr id="3" name="Inhaltsplatzhalter 2">
+            <a:extLst>
+              <a:ext uri="{FF2B5EF4-FFF2-40B4-BE49-F238E27FC236}">
+                <a16:creationId xmlns:a16="http://schemas.microsoft.com/office/drawing/2014/main" id="{D3AA39F9-9931-48BD-9CE6-A9A42797156C}"/>
+              </a:ext>
+            </a:extLst>
+          </p:cNvPr>
+          <p:cNvSpPr>
+            <a:spLocks noGrp="1"/>
+          </p:cNvSpPr>
+          <p:nvPr>
+            <p:ph idx="1"/>
+          </p:nvPr>
+        </p:nvSpPr>
+        <p:spPr/>
+        <p:txBody>
+          <a:bodyPr/>
+          <a:lstStyle/>
+          <a:p>
+            <a:endParaRPr lang="de-DE"/>
+          </a:p>
+        </p:txBody>
+      </p:sp>
+    </p:spTree>
+    <p:extLst>
+      <p:ext uri="{BB962C8B-B14F-4D97-AF65-F5344CB8AC3E}">
+        <p14:creationId xmlns:p14="http://schemas.microsoft.com/office/powerpoint/2010/main" val="1525890031"/>
+      </p:ext>
+    </p:extLst>
+  </p:cSld>
+  <p:clrMapOvr>
+    <a:masterClrMapping/>
+  </p:clrMapOvr>
+</p:sld>
+</file>
+
+<file path=ppt/slides/slide7.xml><?xml version="1.0" encoding="utf-8"?>
+<p:sld xmlns:a="http://schemas.openxmlformats.org/drawingml/2006/main" xmlns:r="http://schemas.openxmlformats.org/officeDocument/2006/relationships" xmlns:p="http://schemas.openxmlformats.org/presentationml/2006/main">
+  <p:cSld>
+    <p:spTree>
+      <p:nvGrpSpPr>
+        <p:cNvPr id="1" name=""/>
+        <p:cNvGrpSpPr/>
+        <p:nvPr/>
+      </p:nvGrpSpPr>
+      <p:grpSpPr>
+        <a:xfrm>
+          <a:off x="0" y="0"/>
+          <a:ext cx="0" cy="0"/>
+          <a:chOff x="0" y="0"/>
+          <a:chExt cx="0" cy="0"/>
+        </a:xfrm>
+      </p:grpSpPr>
+      <p:sp>
+        <p:nvSpPr>
+          <p:cNvPr id="2" name="Titel 1">
+            <a:extLst>
+              <a:ext uri="{FF2B5EF4-FFF2-40B4-BE49-F238E27FC236}">
+                <a16:creationId xmlns:a16="http://schemas.microsoft.com/office/drawing/2014/main" id="{5468A21C-5F1B-49A9-9615-E49303F1DFD8}"/>
+              </a:ext>
+            </a:extLst>
+          </p:cNvPr>
+          <p:cNvSpPr>
+            <a:spLocks noGrp="1"/>
+          </p:cNvSpPr>
+          <p:nvPr>
+            <p:ph type="title"/>
+          </p:nvPr>
+        </p:nvSpPr>
+        <p:spPr/>
+        <p:txBody>
+          <a:bodyPr/>
+          <a:lstStyle/>
+          <a:p>
+            <a:r>
+              <a:rPr lang="de-DE" dirty="0"/>
+              <a:t>Aachen-Turbine: Setup</a:t>
+            </a:r>
+          </a:p>
+        </p:txBody>
+      </p:sp>
+      <p:sp>
+        <p:nvSpPr>
+          <p:cNvPr id="3" name="Inhaltsplatzhalter 2">
+            <a:extLst>
+              <a:ext uri="{FF2B5EF4-FFF2-40B4-BE49-F238E27FC236}">
+                <a16:creationId xmlns:a16="http://schemas.microsoft.com/office/drawing/2014/main" id="{71D6F8BC-B1F4-4464-B16C-BE0C1ED3F521}"/>
+              </a:ext>
+            </a:extLst>
+          </p:cNvPr>
+          <p:cNvSpPr>
+            <a:spLocks noGrp="1"/>
+          </p:cNvSpPr>
+          <p:nvPr>
+            <p:ph idx="1"/>
+          </p:nvPr>
+        </p:nvSpPr>
+        <p:spPr/>
+        <p:txBody>
+          <a:bodyPr/>
+          <a:lstStyle/>
+          <a:p>
+            <a:r>
+              <a:rPr lang="de-DE" dirty="0"/>
+              <a:t>Betriebspunkt, </a:t>
+            </a:r>
+            <a:r>
+              <a:rPr lang="de-DE" dirty="0" err="1"/>
+              <a:t>un</a:t>
+            </a:r>
+            <a:r>
+              <a:rPr lang="de-DE" dirty="0"/>
+              <a:t> </a:t>
+            </a:r>
+            <a:r>
+              <a:rPr lang="de-DE" dirty="0" err="1"/>
+              <a:t>co</a:t>
+            </a:r>
+            <a:r>
+              <a:rPr lang="de-DE" dirty="0"/>
+              <a:t> kg</a:t>
+            </a:r>
+          </a:p>
+          <a:p>
+            <a:r>
+              <a:rPr lang="de-DE" dirty="0"/>
+              <a:t>Strukturiert und unstrukturiert</a:t>
+            </a:r>
+          </a:p>
+        </p:txBody>
+      </p:sp>
+    </p:spTree>
+    <p:extLst>
+      <p:ext uri="{BB962C8B-B14F-4D97-AF65-F5344CB8AC3E}">
+        <p14:creationId xmlns:p14="http://schemas.microsoft.com/office/powerpoint/2010/main" val="1405588744"/>
+      </p:ext>
+    </p:extLst>
+  </p:cSld>
+  <p:clrMapOvr>
+    <a:masterClrMapping/>
+  </p:clrMapOvr>
+</p:sld>
+</file>
+
+<file path=ppt/slides/slide8.xml><?xml version="1.0" encoding="utf-8"?>
+<p:sld xmlns:a="http://schemas.openxmlformats.org/drawingml/2006/main" xmlns:r="http://schemas.openxmlformats.org/officeDocument/2006/relationships" xmlns:p="http://schemas.openxmlformats.org/presentationml/2006/main">
+  <p:cSld>
+    <p:spTree>
+      <p:nvGrpSpPr>
+        <p:cNvPr id="1" name=""/>
+        <p:cNvGrpSpPr/>
+        <p:nvPr/>
+      </p:nvGrpSpPr>
+      <p:grpSpPr>
+        <a:xfrm>
+          <a:off x="0" y="0"/>
+          <a:ext cx="0" cy="0"/>
+          <a:chOff x="0" y="0"/>
+          <a:chExt cx="0" cy="0"/>
+        </a:xfrm>
+      </p:grpSpPr>
+      <p:sp>
+        <p:nvSpPr>
+          <p:cNvPr id="2" name="Titel 1">
+            <a:extLst>
+              <a:ext uri="{FF2B5EF4-FFF2-40B4-BE49-F238E27FC236}">
+                <a16:creationId xmlns:a16="http://schemas.microsoft.com/office/drawing/2014/main" id="{094F379C-23F4-4D35-86D6-1D1C29CAB88B}"/>
+              </a:ext>
+            </a:extLst>
+          </p:cNvPr>
+          <p:cNvSpPr>
+            <a:spLocks noGrp="1"/>
+          </p:cNvSpPr>
+          <p:nvPr>
+            <p:ph type="title"/>
+          </p:nvPr>
+        </p:nvSpPr>
+        <p:spPr/>
+        <p:txBody>
+          <a:bodyPr/>
+          <a:lstStyle/>
+          <a:p>
+            <a:r>
+              <a:rPr lang="de-DE" dirty="0"/>
+              <a:t>Aachen-Turbine: Vorgehen</a:t>
+            </a:r>
+          </a:p>
+        </p:txBody>
+      </p:sp>
+      <p:sp>
+        <p:nvSpPr>
+          <p:cNvPr id="3" name="Inhaltsplatzhalter 2">
+            <a:extLst>
+              <a:ext uri="{FF2B5EF4-FFF2-40B4-BE49-F238E27FC236}">
+                <a16:creationId xmlns:a16="http://schemas.microsoft.com/office/drawing/2014/main" id="{1C3E671A-136E-4360-89A9-AD9DB1ED1606}"/>
+              </a:ext>
+            </a:extLst>
+          </p:cNvPr>
+          <p:cNvSpPr>
+            <a:spLocks noGrp="1"/>
+          </p:cNvSpPr>
+          <p:nvPr>
+            <p:ph idx="1"/>
+          </p:nvPr>
+        </p:nvSpPr>
+        <p:spPr/>
+        <p:txBody>
+          <a:bodyPr/>
+          <a:lstStyle/>
+          <a:p>
+            <a:r>
+              <a:rPr lang="de-DE" dirty="0"/>
+              <a:t>Spaltverfeinerungen</a:t>
+            </a:r>
+          </a:p>
+          <a:p>
+            <a:r>
+              <a:rPr lang="de-DE" dirty="0"/>
+              <a:t>Y+</a:t>
+            </a:r>
+          </a:p>
+          <a:p>
+            <a:r>
+              <a:rPr lang="de-DE" dirty="0"/>
+              <a:t>Gitterstudie + </a:t>
+            </a:r>
+            <a:r>
+              <a:rPr lang="de-DE" dirty="0" err="1"/>
+              <a:t>abbildung</a:t>
+            </a:r>
+            <a:endParaRPr lang="de-DE" dirty="0"/>
+          </a:p>
+          <a:p>
+            <a:r>
+              <a:rPr lang="de-DE" dirty="0"/>
+              <a:t>Ziel: netzunabhängige </a:t>
+            </a:r>
+            <a:r>
+              <a:rPr lang="de-DE" dirty="0" err="1"/>
+              <a:t>ergebnisse</a:t>
+            </a:r>
+            <a:endParaRPr lang="de-DE" dirty="0"/>
+          </a:p>
+        </p:txBody>
+      </p:sp>
+    </p:spTree>
+    <p:extLst>
+      <p:ext uri="{BB962C8B-B14F-4D97-AF65-F5344CB8AC3E}">
+        <p14:creationId xmlns:p14="http://schemas.microsoft.com/office/powerpoint/2010/main" val="378787473"/>
+      </p:ext>
+    </p:extLst>
+  </p:cSld>
+  <p:clrMapOvr>
+    <a:masterClrMapping/>
+  </p:clrMapOvr>
+</p:sld>
+</file>
+
+<file path=ppt/slides/slide9.xml><?xml version="1.0" encoding="utf-8"?>
+<p:sld xmlns:a="http://schemas.openxmlformats.org/drawingml/2006/main" xmlns:r="http://schemas.openxmlformats.org/officeDocument/2006/relationships" xmlns:p="http://schemas.openxmlformats.org/presentationml/2006/main">
+  <p:cSld>
+    <p:spTree>
+      <p:nvGrpSpPr>
+        <p:cNvPr id="1" name=""/>
+        <p:cNvGrpSpPr/>
+        <p:nvPr/>
+      </p:nvGrpSpPr>
+      <p:grpSpPr>
+        <a:xfrm>
+          <a:off x="0" y="0"/>
+          <a:ext cx="0" cy="0"/>
+          <a:chOff x="0" y="0"/>
+          <a:chExt cx="0" cy="0"/>
+        </a:xfrm>
+      </p:grpSpPr>
+      <p:sp>
+        <p:nvSpPr>
+          <p:cNvPr id="2" name="Titel 1">
+            <a:extLst>
+              <a:ext uri="{FF2B5EF4-FFF2-40B4-BE49-F238E27FC236}">
+                <a16:creationId xmlns:a16="http://schemas.microsoft.com/office/drawing/2014/main" id="{E94AB448-E08C-4FC1-AAC0-98431019A5B8}"/>
+              </a:ext>
+            </a:extLst>
+          </p:cNvPr>
+          <p:cNvSpPr>
+            <a:spLocks noGrp="1"/>
+          </p:cNvSpPr>
+          <p:nvPr>
+            <p:ph type="title"/>
+          </p:nvPr>
+        </p:nvSpPr>
+        <p:spPr/>
+        <p:txBody>
+          <a:bodyPr/>
+          <a:lstStyle/>
+          <a:p>
+            <a:r>
+              <a:rPr lang="de-DE" dirty="0"/>
+              <a:t>Aachen-Turbine: Wirkungsgrade -</a:t>
+            </a:r>
+            <a:r>
+              <a:rPr lang="de-DE" dirty="0" err="1"/>
+              <a:t>vllt</a:t>
+            </a:r>
+            <a:endParaRPr lang="de-DE" dirty="0"/>
+          </a:p>
+        </p:txBody>
+      </p:sp>
+      <p:sp>
+        <p:nvSpPr>
+          <p:cNvPr id="3" name="Inhaltsplatzhalter 2">
+            <a:extLst>
+              <a:ext uri="{FF2B5EF4-FFF2-40B4-BE49-F238E27FC236}">
+                <a16:creationId xmlns:a16="http://schemas.microsoft.com/office/drawing/2014/main" id="{EE905004-B708-4F44-A14B-50934B89FAB0}"/>
+              </a:ext>
+            </a:extLst>
+          </p:cNvPr>
+          <p:cNvSpPr>
+            <a:spLocks noGrp="1"/>
+          </p:cNvSpPr>
+          <p:nvPr>
+            <p:ph idx="1"/>
+          </p:nvPr>
+        </p:nvSpPr>
+        <p:spPr/>
+        <p:txBody>
+          <a:bodyPr/>
+          <a:lstStyle/>
+          <a:p>
+            <a:r>
+              <a:rPr lang="de-DE" dirty="0"/>
+              <a:t>Tabelle strukturiert, unstrukturiert</a:t>
+            </a:r>
+          </a:p>
+          <a:p>
+            <a:r>
+              <a:rPr lang="de-DE" dirty="0"/>
+              <a:t>Hinweis auf Oberflächennetz</a:t>
+            </a:r>
+          </a:p>
+          <a:p>
+            <a:r>
+              <a:rPr lang="de-DE" dirty="0"/>
+              <a:t>Überleitung zu Kanal mit Sprung in der </a:t>
+            </a:r>
+            <a:r>
+              <a:rPr lang="de-DE" dirty="0" err="1"/>
+              <a:t>cfx</a:t>
+            </a:r>
+            <a:r>
+              <a:rPr lang="de-DE" dirty="0"/>
+              <a:t> </a:t>
+            </a:r>
+            <a:r>
+              <a:rPr lang="de-DE" dirty="0" err="1"/>
+              <a:t>cp</a:t>
+            </a:r>
+            <a:r>
+              <a:rPr lang="de-DE" dirty="0"/>
+              <a:t> </a:t>
+            </a:r>
+            <a:r>
+              <a:rPr lang="de-DE" dirty="0" err="1"/>
+              <a:t>tt</a:t>
+            </a:r>
+            <a:r>
+              <a:rPr lang="de-DE" dirty="0"/>
+              <a:t> </a:t>
+            </a:r>
+            <a:r>
+              <a:rPr lang="de-DE" dirty="0" err="1"/>
+              <a:t>wirkunsgrad</a:t>
+            </a:r>
+            <a:r>
+              <a:rPr lang="de-DE" dirty="0"/>
+              <a:t> -&gt; </a:t>
+            </a:r>
+            <a:r>
+              <a:rPr lang="de-DE" dirty="0" err="1"/>
+              <a:t>einfluss</a:t>
+            </a:r>
+            <a:r>
+              <a:rPr lang="de-DE" dirty="0"/>
+              <a:t> </a:t>
+            </a:r>
+            <a:r>
+              <a:rPr lang="de-DE" dirty="0" err="1"/>
+              <a:t>mixing</a:t>
+            </a:r>
+            <a:r>
+              <a:rPr lang="de-DE" dirty="0"/>
+              <a:t> plane</a:t>
+            </a:r>
+          </a:p>
+        </p:txBody>
+      </p:sp>
+    </p:spTree>
+    <p:extLst>
+      <p:ext uri="{BB962C8B-B14F-4D97-AF65-F5344CB8AC3E}">
+        <p14:creationId xmlns:p14="http://schemas.microsoft.com/office/powerpoint/2010/main" val="4152841154"/>
       </p:ext>
     </p:extLst>
   </p:cSld>

--- a/Präsentation/Abschluss_Präsentation.pptx
+++ b/Präsentation/Abschluss_Präsentation.pptx
@@ -11,8 +11,8 @@
     <p:handoutMasterId r:id="rId22"/>
   </p:handoutMasterIdLst>
   <p:sldIdLst>
-    <p:sldId id="256" r:id="rId3"/>
-    <p:sldId id="266" r:id="rId4"/>
+    <p:sldId id="281" r:id="rId3"/>
+    <p:sldId id="282" r:id="rId4"/>
     <p:sldId id="267" r:id="rId5"/>
     <p:sldId id="268" r:id="rId6"/>
     <p:sldId id="269" r:id="rId7"/>
@@ -1380,7 +1380,7 @@
     </p:spTree>
     <p:extLst>
       <p:ext uri="{BB962C8B-B14F-4D97-AF65-F5344CB8AC3E}">
-        <p14:creationId xmlns:p14="http://schemas.microsoft.com/office/powerpoint/2010/main" val="1170222192"/>
+        <p14:creationId xmlns:p14="http://schemas.microsoft.com/office/powerpoint/2010/main" val="1839109389"/>
       </p:ext>
     </p:extLst>
   </p:cSld>
@@ -2533,7 +2533,7 @@
     </p:spTree>
     <p:extLst>
       <p:ext uri="{BB962C8B-B14F-4D97-AF65-F5344CB8AC3E}">
-        <p14:creationId xmlns:p14="http://schemas.microsoft.com/office/powerpoint/2010/main" val="1613023689"/>
+        <p14:creationId xmlns:p14="http://schemas.microsoft.com/office/powerpoint/2010/main" val="2608810005"/>
       </p:ext>
     </p:extLst>
   </p:cSld>
@@ -4778,7 +4778,7 @@
           <a:lstStyle>
             <a:lvl1pPr marL="342900" indent="-342900">
               <a:buClr>
-                <a:srgbClr val="005088"/>
+                <a:srgbClr val="004E8A"/>
               </a:buClr>
               <a:buFont typeface="Wingdings" panose="05000000000000000000" pitchFamily="2" charset="2"/>
               <a:buChar char="§"/>
@@ -6451,7 +6451,7 @@
           <a:spcPts val="230"/>
         </a:spcAft>
         <a:buClr>
-          <a:srgbClr val="005088"/>
+          <a:srgbClr val="004E8A"/>
         </a:buClr>
         <a:buFont typeface="Wingdings" pitchFamily="2" charset="2"/>
         <a:buChar char="§"/>
@@ -6775,10 +6775,10 @@
       </p:sp>
       <p:pic>
         <p:nvPicPr>
-          <p:cNvPr id="5" name="Grafik 4">
+          <p:cNvPr id="4" name="Grafik 3">
             <a:extLst>
               <a:ext uri="{FF2B5EF4-FFF2-40B4-BE49-F238E27FC236}">
-                <a16:creationId xmlns:a16="http://schemas.microsoft.com/office/drawing/2014/main" id="{E227F886-3FC4-4EC8-B699-37820BA7E278}"/>
+                <a16:creationId xmlns:a16="http://schemas.microsoft.com/office/drawing/2014/main" id="{18A4F8C9-BC47-4597-A341-7BD061B63621}"/>
               </a:ext>
             </a:extLst>
           </p:cNvPr>
@@ -6788,37 +6788,130 @@
           <p:nvPr/>
         </p:nvPicPr>
         <p:blipFill>
-          <a:blip r:embed="rId3" cstate="print">
-            <a:extLst>
-              <a:ext uri="{BEBA8EAE-BF5A-486C-A8C5-ECC9F3942E4B}">
-                <a14:imgProps xmlns:a14="http://schemas.microsoft.com/office/drawing/2010/main">
-                  <a14:imgLayer r:embed="rId4">
-                    <a14:imgEffect>
-                      <a14:colorTemperature colorTemp="8242"/>
-                    </a14:imgEffect>
-                  </a14:imgLayer>
-                </a14:imgProps>
-              </a:ext>
-              <a:ext uri="{28A0092B-C50C-407E-A947-70E740481C1C}">
-                <a14:useLocalDpi xmlns:a14="http://schemas.microsoft.com/office/drawing/2010/main" val="0"/>
-              </a:ext>
-            </a:extLst>
-          </a:blip>
+          <a:blip r:embed="rId3"/>
           <a:stretch>
             <a:fillRect/>
           </a:stretch>
         </p:blipFill>
         <p:spPr>
           <a:xfrm>
-            <a:off x="1629927" y="2780928"/>
-            <a:ext cx="5884146" cy="3309832"/>
+            <a:off x="1666875" y="2708920"/>
+            <a:ext cx="5810250" cy="3286125"/>
           </a:xfrm>
           <a:prstGeom prst="rect">
             <a:avLst/>
           </a:prstGeom>
         </p:spPr>
       </p:pic>
+      <p:cxnSp>
+        <p:nvCxnSpPr>
+          <p:cNvPr id="8" name="Gerade Verbindung mit Pfeil 7">
+            <a:extLst>
+              <a:ext uri="{FF2B5EF4-FFF2-40B4-BE49-F238E27FC236}">
+                <a16:creationId xmlns:a16="http://schemas.microsoft.com/office/drawing/2014/main" id="{6AEE5332-9F2B-40A4-B03C-0CA4C32B5711}"/>
+              </a:ext>
+            </a:extLst>
+          </p:cNvPr>
+          <p:cNvCxnSpPr>
+            <a:cxnSpLocks/>
+          </p:cNvCxnSpPr>
+          <p:nvPr/>
+        </p:nvCxnSpPr>
+        <p:spPr>
+          <a:xfrm flipV="1">
+            <a:off x="5796137" y="4626893"/>
+            <a:ext cx="0" cy="818331"/>
+          </a:xfrm>
+          <a:prstGeom prst="straightConnector1">
+            <a:avLst/>
+          </a:prstGeom>
+          <a:ln w="57150">
+            <a:solidFill>
+              <a:srgbClr val="004E8A"/>
+            </a:solidFill>
+            <a:tailEnd type="triangle"/>
+          </a:ln>
+        </p:spPr>
+        <p:style>
+          <a:lnRef idx="1">
+            <a:schemeClr val="accent1"/>
+          </a:lnRef>
+          <a:fillRef idx="0">
+            <a:schemeClr val="accent1"/>
+          </a:fillRef>
+          <a:effectRef idx="0">
+            <a:schemeClr val="accent1"/>
+          </a:effectRef>
+          <a:fontRef idx="minor">
+            <a:schemeClr val="tx1"/>
+          </a:fontRef>
+        </p:style>
+      </p:cxnSp>
+      <p:sp>
+        <p:nvSpPr>
+          <p:cNvPr id="9" name="Rechteck 8">
+            <a:extLst>
+              <a:ext uri="{FF2B5EF4-FFF2-40B4-BE49-F238E27FC236}">
+                <a16:creationId xmlns:a16="http://schemas.microsoft.com/office/drawing/2014/main" id="{3778A54C-BCC7-4667-8D22-D645A2858F58}"/>
+              </a:ext>
+            </a:extLst>
+          </p:cNvPr>
+          <p:cNvSpPr/>
+          <p:nvPr/>
+        </p:nvSpPr>
+        <p:spPr>
+          <a:xfrm>
+            <a:off x="4788024" y="5441465"/>
+            <a:ext cx="3096344" cy="795847"/>
+          </a:xfrm>
+          <a:prstGeom prst="rect">
+            <a:avLst/>
+          </a:prstGeom>
+          <a:noFill/>
+          <a:ln>
+            <a:solidFill>
+              <a:srgbClr val="004E8A"/>
+            </a:solidFill>
+          </a:ln>
+        </p:spPr>
+        <p:style>
+          <a:lnRef idx="2">
+            <a:schemeClr val="accent1">
+              <a:shade val="50000"/>
+            </a:schemeClr>
+          </a:lnRef>
+          <a:fillRef idx="1">
+            <a:schemeClr val="accent1"/>
+          </a:fillRef>
+          <a:effectRef idx="0">
+            <a:schemeClr val="accent1"/>
+          </a:effectRef>
+          <a:fontRef idx="minor">
+            <a:schemeClr val="lt1"/>
+          </a:fontRef>
+        </p:style>
+        <p:txBody>
+          <a:bodyPr rtlCol="0" anchor="ctr"/>
+          <a:lstStyle/>
+          <a:p>
+            <a:pPr algn="ctr"/>
+            <a:r>
+              <a:rPr lang="de-DE" dirty="0">
+                <a:solidFill>
+                  <a:srgbClr val="004E8A"/>
+                </a:solidFill>
+              </a:rPr>
+              <a:t>Hochdruckturbine nach der Brennkammer</a:t>
+            </a:r>
+          </a:p>
+        </p:txBody>
+      </p:sp>
     </p:spTree>
+    <p:extLst>
+      <p:ext uri="{BB962C8B-B14F-4D97-AF65-F5344CB8AC3E}">
+        <p14:creationId xmlns:p14="http://schemas.microsoft.com/office/powerpoint/2010/main" val="2655577268"/>
+      </p:ext>
+    </p:extLst>
   </p:cSld>
   <p:clrMapOvr>
     <a:masterClrMapping/>
@@ -8335,21 +8428,19 @@
             <p:ph idx="1"/>
           </p:nvPr>
         </p:nvSpPr>
-        <p:spPr/>
-        <p:txBody>
-          <a:bodyPr/>
-          <a:lstStyle/>
-          <a:p>
-            <a:r>
-              <a:rPr lang="de-DE" dirty="0"/>
-              <a:t>Grundlagen</a:t>
-            </a:r>
-          </a:p>
-          <a:p>
-            <a:pPr lvl="2"/>
-            <a:r>
-              <a:rPr lang="de-DE" dirty="0"/>
-              <a:t>Wirkungsgraddefinitionen</a:t>
+        <p:spPr>
+          <a:xfrm>
+            <a:off x="360000" y="1620000"/>
+            <a:ext cx="7164328" cy="4479943"/>
+          </a:xfrm>
+        </p:spPr>
+        <p:txBody>
+          <a:bodyPr/>
+          <a:lstStyle/>
+          <a:p>
+            <a:r>
+              <a:rPr lang="de-DE" dirty="0"/>
+              <a:t>Grundlagen der Thermodynamik und von Wirkungsgraden</a:t>
             </a:r>
           </a:p>
           <a:p>
@@ -8359,35 +8450,18 @@
             </a:r>
           </a:p>
           <a:p>
-            <a:pPr lvl="2"/>
-            <a:r>
-              <a:rPr lang="de-DE" dirty="0"/>
-              <a:t>Strukturiert</a:t>
-            </a:r>
-          </a:p>
-          <a:p>
-            <a:pPr lvl="2"/>
-            <a:r>
-              <a:rPr lang="de-DE" dirty="0"/>
-              <a:t>Unstrukturiert</a:t>
-            </a:r>
-          </a:p>
-          <a:p>
-            <a:pPr lvl="1"/>
             <a:r>
               <a:rPr lang="de-DE" dirty="0"/>
               <a:t>Kanalströmung</a:t>
             </a:r>
           </a:p>
           <a:p>
-            <a:pPr lvl="1"/>
-            <a:r>
-              <a:rPr lang="de-DE" dirty="0"/>
-              <a:t>Auswertungstool</a:t>
-            </a:r>
-          </a:p>
-          <a:p>
-            <a:pPr lvl="1"/>
+            <a:r>
+              <a:rPr lang="de-DE" dirty="0"/>
+              <a:t>Auswertungstool für Gitterstudien</a:t>
+            </a:r>
+          </a:p>
+          <a:p>
             <a:r>
               <a:rPr lang="de-DE" dirty="0"/>
               <a:t>Fazit</a:t>
@@ -8402,7 +8476,7 @@
     </p:spTree>
     <p:extLst>
       <p:ext uri="{BB962C8B-B14F-4D97-AF65-F5344CB8AC3E}">
-        <p14:creationId xmlns:p14="http://schemas.microsoft.com/office/powerpoint/2010/main" val="305700967"/>
+        <p14:creationId xmlns:p14="http://schemas.microsoft.com/office/powerpoint/2010/main" val="3165109670"/>
       </p:ext>
     </p:extLst>
   </p:cSld>

--- a/Präsentation/Abschluss_Präsentation.pptx
+++ b/Präsentation/Abschluss_Präsentation.pptx
@@ -7736,7 +7736,7 @@
             <p:ph idx="1"/>
             <p:extLst>
               <p:ext uri="{D42A27DB-BD31-4B8C-83A1-F6EECF244321}">
-                <p14:modId xmlns:p14="http://schemas.microsoft.com/office/powerpoint/2010/main" val="3245249674"/>
+                <p14:modId xmlns:p14="http://schemas.microsoft.com/office/powerpoint/2010/main" val="1131545134"/>
               </p:ext>
             </p:extLst>
           </p:nvPr>
@@ -7787,7 +7787,11 @@
                       </a:r>
                     </a:p>
                   </a:txBody>
-                  <a:tcPr/>
+                  <a:tcPr>
+                    <a:solidFill>
+                      <a:srgbClr val="004E8A"/>
+                    </a:solidFill>
+                  </a:tcPr>
                 </a:tc>
                 <a:tc>
                   <a:txBody>
@@ -7800,7 +7804,11 @@
                       </a:r>
                     </a:p>
                   </a:txBody>
-                  <a:tcPr/>
+                  <a:tcPr>
+                    <a:solidFill>
+                      <a:srgbClr val="004E8A"/>
+                    </a:solidFill>
+                  </a:tcPr>
                 </a:tc>
                 <a:extLst>
                   <a:ext uri="{0D108BD9-81ED-4DB2-BD59-A6C34878D82A}">

--- a/Präsentation/Abschluss_Präsentation.pptx
+++ b/Präsentation/Abschluss_Präsentation.pptx
@@ -5,28 +5,29 @@
     <p:sldMasterId id="2147483648" r:id="rId2"/>
   </p:sldMasterIdLst>
   <p:notesMasterIdLst>
-    <p:notesMasterId r:id="rId19"/>
+    <p:notesMasterId r:id="rId20"/>
   </p:notesMasterIdLst>
   <p:handoutMasterIdLst>
-    <p:handoutMasterId r:id="rId20"/>
+    <p:handoutMasterId r:id="rId21"/>
   </p:handoutMasterIdLst>
   <p:sldIdLst>
     <p:sldId id="281" r:id="rId3"/>
     <p:sldId id="282" r:id="rId4"/>
-    <p:sldId id="267" r:id="rId5"/>
+    <p:sldId id="294" r:id="rId5"/>
     <p:sldId id="283" r:id="rId6"/>
     <p:sldId id="284" r:id="rId7"/>
     <p:sldId id="285" r:id="rId8"/>
-    <p:sldId id="290" r:id="rId9"/>
-    <p:sldId id="291" r:id="rId10"/>
-    <p:sldId id="272" r:id="rId11"/>
-    <p:sldId id="273" r:id="rId12"/>
-    <p:sldId id="286" r:id="rId13"/>
-    <p:sldId id="287" r:id="rId14"/>
-    <p:sldId id="288" r:id="rId15"/>
-    <p:sldId id="289" r:id="rId16"/>
-    <p:sldId id="292" r:id="rId17"/>
-    <p:sldId id="293" r:id="rId18"/>
+    <p:sldId id="295" r:id="rId9"/>
+    <p:sldId id="290" r:id="rId10"/>
+    <p:sldId id="291" r:id="rId11"/>
+    <p:sldId id="272" r:id="rId12"/>
+    <p:sldId id="273" r:id="rId13"/>
+    <p:sldId id="286" r:id="rId14"/>
+    <p:sldId id="287" r:id="rId15"/>
+    <p:sldId id="288" r:id="rId16"/>
+    <p:sldId id="289" r:id="rId17"/>
+    <p:sldId id="292" r:id="rId18"/>
+    <p:sldId id="293" r:id="rId19"/>
   </p:sldIdLst>
   <p:sldSz cx="9144000" cy="6858000" type="screen4x3"/>
   <p:notesSz cx="6858000" cy="9144000"/>
@@ -1513,7 +1514,7 @@
             <a:fld id="{C36AA9A4-5D0B-4134-89A6-D8B9DAA4F25C}" type="slidenum">
               <a:rPr lang="de-DE" smtClean="0"/>
               <a:pPr/>
-              <a:t>11</a:t>
+              <a:t>12</a:t>
             </a:fld>
             <a:endParaRPr lang="de-DE"/>
           </a:p>
@@ -1681,7 +1682,7 @@
             <a:fld id="{C36AA9A4-5D0B-4134-89A6-D8B9DAA4F25C}" type="slidenum">
               <a:rPr lang="de-DE" smtClean="0"/>
               <a:pPr/>
-              <a:t>14</a:t>
+              <a:t>15</a:t>
             </a:fld>
             <a:endParaRPr lang="de-DE"/>
           </a:p>
@@ -1824,7 +1825,7 @@
             <a:fld id="{C36AA9A4-5D0B-4134-89A6-D8B9DAA4F25C}" type="slidenum">
               <a:rPr lang="de-DE" smtClean="0"/>
               <a:pPr/>
-              <a:t>15</a:t>
+              <a:t>16</a:t>
             </a:fld>
             <a:endParaRPr lang="de-DE"/>
           </a:p>
@@ -1973,7 +1974,7 @@
             <a:fld id="{C36AA9A4-5D0B-4134-89A6-D8B9DAA4F25C}" type="slidenum">
               <a:rPr lang="de-DE" smtClean="0"/>
               <a:pPr/>
-              <a:t>16</a:t>
+              <a:t>17</a:t>
             </a:fld>
             <a:endParaRPr lang="de-DE"/>
           </a:p>
@@ -2184,10 +2185,98 @@
           <a:bodyPr/>
           <a:lstStyle/>
           <a:p>
+            <a:pPr marL="0" marR="0" indent="0" algn="l" defTabSz="914400" rtl="0" eaLnBrk="1" fontAlgn="base" latinLnBrk="0" hangingPunct="1">
+              <a:lnSpc>
+                <a:spcPct val="100000"/>
+              </a:lnSpc>
+              <a:spcBef>
+                <a:spcPct val="10000"/>
+              </a:spcBef>
+              <a:spcAft>
+                <a:spcPct val="0"/>
+              </a:spcAft>
+              <a:buClrTx/>
+              <a:buSzTx/>
+              <a:buFontTx/>
+              <a:buNone/>
+              <a:tabLst/>
+              <a:defRPr/>
+            </a:pPr>
             <a:r>
               <a:rPr lang="de-DE" dirty="0"/>
               <a:t>Markus</a:t>
             </a:r>
+          </a:p>
+          <a:p>
+            <a:pPr marL="0" marR="0" indent="0" algn="l" defTabSz="914400" rtl="0" eaLnBrk="1" fontAlgn="base" latinLnBrk="0" hangingPunct="1">
+              <a:lnSpc>
+                <a:spcPct val="100000"/>
+              </a:lnSpc>
+              <a:spcBef>
+                <a:spcPct val="10000"/>
+              </a:spcBef>
+              <a:spcAft>
+                <a:spcPct val="0"/>
+              </a:spcAft>
+              <a:buClrTx/>
+              <a:buSzTx/>
+              <a:buFontTx/>
+              <a:buNone/>
+              <a:tabLst/>
+              <a:defRPr/>
+            </a:pPr>
+            <a:r>
+              <a:rPr lang="de-DE" dirty="0"/>
+              <a:t>P_T: Leistung</a:t>
+            </a:r>
+            <a:r>
+              <a:rPr lang="de-DE" baseline="0" dirty="0"/>
+              <a:t> von Strömung an Turbine abgegeben</a:t>
+            </a:r>
+            <a:endParaRPr lang="de-DE" dirty="0"/>
+          </a:p>
+          <a:p>
+            <a:pPr marL="0" marR="0" indent="0" algn="l" defTabSz="914400" rtl="0" eaLnBrk="1" fontAlgn="base" latinLnBrk="0" hangingPunct="1">
+              <a:lnSpc>
+                <a:spcPct val="100000"/>
+              </a:lnSpc>
+              <a:spcBef>
+                <a:spcPct val="10000"/>
+              </a:spcBef>
+              <a:spcAft>
+                <a:spcPct val="0"/>
+              </a:spcAft>
+              <a:buClrTx/>
+              <a:buSzTx/>
+              <a:buFontTx/>
+              <a:buNone/>
+              <a:tabLst/>
+              <a:defRPr/>
+            </a:pPr>
+            <a:r>
+              <a:rPr lang="de-DE" dirty="0" err="1"/>
+              <a:t>todo</a:t>
+            </a:r>
+            <a:r>
+              <a:rPr lang="de-DE" dirty="0"/>
+              <a:t> h-s </a:t>
+            </a:r>
+            <a:r>
+              <a:rPr lang="de-DE" dirty="0" err="1"/>
+              <a:t>diagramm</a:t>
+            </a:r>
+            <a:r>
+              <a:rPr lang="de-DE" dirty="0"/>
+              <a:t>, </a:t>
+            </a:r>
+            <a:r>
+              <a:rPr lang="de-DE" dirty="0" err="1"/>
+              <a:t>turbine</a:t>
+            </a:r>
+            <a:endParaRPr lang="de-DE" dirty="0"/>
+          </a:p>
+          <a:p>
+            <a:endParaRPr lang="de-DE" dirty="0"/>
           </a:p>
         </p:txBody>
       </p:sp>
@@ -2268,7 +2357,7 @@
     </p:spTree>
     <p:extLst>
       <p:ext uri="{BB962C8B-B14F-4D97-AF65-F5344CB8AC3E}">
-        <p14:creationId xmlns:p14="http://schemas.microsoft.com/office/powerpoint/2010/main" val="999727259"/>
+        <p14:creationId xmlns:p14="http://schemas.microsoft.com/office/powerpoint/2010/main" val="1665807063"/>
       </p:ext>
     </p:extLst>
   </p:cSld>
@@ -2690,7 +2779,7 @@
             <a:fld id="{C36AA9A4-5D0B-4134-89A6-D8B9DAA4F25C}" type="slidenum">
               <a:rPr lang="de-DE" smtClean="0"/>
               <a:pPr/>
-              <a:t>7</a:t>
+              <a:t>8</a:t>
             </a:fld>
             <a:endParaRPr lang="de-DE"/>
           </a:p>
@@ -2833,7 +2922,7 @@
             <a:fld id="{C36AA9A4-5D0B-4134-89A6-D8B9DAA4F25C}" type="slidenum">
               <a:rPr lang="de-DE" smtClean="0"/>
               <a:pPr/>
-              <a:t>8</a:t>
+              <a:t>9</a:t>
             </a:fld>
             <a:endParaRPr lang="de-DE"/>
           </a:p>
@@ -2976,7 +3065,7 @@
             <a:fld id="{C36AA9A4-5D0B-4134-89A6-D8B9DAA4F25C}" type="slidenum">
               <a:rPr lang="de-DE" smtClean="0"/>
               <a:pPr/>
-              <a:t>9</a:t>
+              <a:t>10</a:t>
             </a:fld>
             <a:endParaRPr lang="de-DE"/>
           </a:p>
@@ -3116,7 +3205,7 @@
             <a:fld id="{C36AA9A4-5D0B-4134-89A6-D8B9DAA4F25C}" type="slidenum">
               <a:rPr lang="de-DE" smtClean="0"/>
               <a:pPr/>
-              <a:t>10</a:t>
+              <a:t>11</a:t>
             </a:fld>
             <a:endParaRPr lang="de-DE"/>
           </a:p>
@@ -6591,6 +6680,120 @@
           <p:cNvPr id="2" name="Titel 1">
             <a:extLst>
               <a:ext uri="{FF2B5EF4-FFF2-40B4-BE49-F238E27FC236}">
+                <a16:creationId xmlns:a16="http://schemas.microsoft.com/office/drawing/2014/main" id="{094F379C-23F4-4D35-86D6-1D1C29CAB88B}"/>
+              </a:ext>
+            </a:extLst>
+          </p:cNvPr>
+          <p:cNvSpPr>
+            <a:spLocks noGrp="1"/>
+          </p:cNvSpPr>
+          <p:nvPr>
+            <p:ph type="title"/>
+          </p:nvPr>
+        </p:nvSpPr>
+        <p:spPr/>
+        <p:txBody>
+          <a:bodyPr/>
+          <a:lstStyle/>
+          <a:p>
+            <a:r>
+              <a:rPr lang="de-DE" dirty="0"/>
+              <a:t>Aachen-Turbine: Vorgehen</a:t>
+            </a:r>
+          </a:p>
+        </p:txBody>
+      </p:sp>
+      <p:sp>
+        <p:nvSpPr>
+          <p:cNvPr id="3" name="Inhaltsplatzhalter 2">
+            <a:extLst>
+              <a:ext uri="{FF2B5EF4-FFF2-40B4-BE49-F238E27FC236}">
+                <a16:creationId xmlns:a16="http://schemas.microsoft.com/office/drawing/2014/main" id="{1C3E671A-136E-4360-89A9-AD9DB1ED1606}"/>
+              </a:ext>
+            </a:extLst>
+          </p:cNvPr>
+          <p:cNvSpPr>
+            <a:spLocks noGrp="1"/>
+          </p:cNvSpPr>
+          <p:nvPr>
+            <p:ph idx="1"/>
+          </p:nvPr>
+        </p:nvSpPr>
+        <p:spPr/>
+        <p:txBody>
+          <a:bodyPr/>
+          <a:lstStyle/>
+          <a:p>
+            <a:r>
+              <a:rPr lang="de-DE" dirty="0"/>
+              <a:t>Spaltverfeinerungen</a:t>
+            </a:r>
+          </a:p>
+          <a:p>
+            <a:r>
+              <a:rPr lang="de-DE" dirty="0"/>
+              <a:t>Y+</a:t>
+            </a:r>
+          </a:p>
+          <a:p>
+            <a:r>
+              <a:rPr lang="de-DE" dirty="0"/>
+              <a:t>Gitterstudie + </a:t>
+            </a:r>
+            <a:r>
+              <a:rPr lang="de-DE" dirty="0" err="1"/>
+              <a:t>abbildung</a:t>
+            </a:r>
+            <a:endParaRPr lang="de-DE" dirty="0"/>
+          </a:p>
+          <a:p>
+            <a:r>
+              <a:rPr lang="de-DE" dirty="0"/>
+              <a:t>Ziel: netzunabhängige </a:t>
+            </a:r>
+            <a:r>
+              <a:rPr lang="de-DE" dirty="0" err="1"/>
+              <a:t>ergebnisse</a:t>
+            </a:r>
+            <a:endParaRPr lang="de-DE" dirty="0"/>
+          </a:p>
+        </p:txBody>
+      </p:sp>
+    </p:spTree>
+    <p:extLst>
+      <p:ext uri="{BB962C8B-B14F-4D97-AF65-F5344CB8AC3E}">
+        <p14:creationId xmlns:p14="http://schemas.microsoft.com/office/powerpoint/2010/main" val="378787473"/>
+      </p:ext>
+    </p:extLst>
+  </p:cSld>
+  <p:clrMapOvr>
+    <a:masterClrMapping/>
+  </p:clrMapOvr>
+</p:sld>
+</file>
+
+<file path=ppt/slides/slide11.xml><?xml version="1.0" encoding="utf-8"?>
+<p:sld xmlns:a="http://schemas.openxmlformats.org/drawingml/2006/main" xmlns:r="http://schemas.openxmlformats.org/officeDocument/2006/relationships" xmlns:p="http://schemas.openxmlformats.org/presentationml/2006/main">
+  <p:cSld>
+    <p:spTree>
+      <p:nvGrpSpPr>
+        <p:cNvPr id="1" name=""/>
+        <p:cNvGrpSpPr/>
+        <p:nvPr/>
+      </p:nvGrpSpPr>
+      <p:grpSpPr>
+        <a:xfrm>
+          <a:off x="0" y="0"/>
+          <a:ext cx="0" cy="0"/>
+          <a:chOff x="0" y="0"/>
+          <a:chExt cx="0" cy="0"/>
+        </a:xfrm>
+      </p:grpSpPr>
+      <p:sp>
+        <p:nvSpPr>
+          <p:cNvPr id="2" name="Titel 1">
+            <a:extLst>
+              <a:ext uri="{FF2B5EF4-FFF2-40B4-BE49-F238E27FC236}">
                 <a16:creationId xmlns:a16="http://schemas.microsoft.com/office/drawing/2014/main" id="{E94AB448-E08C-4FC1-AAC0-98431019A5B8}"/>
               </a:ext>
             </a:extLst>
@@ -6720,7 +6923,7 @@
 </p:sld>
 </file>
 
-<file path=ppt/slides/slide11.xml><?xml version="1.0" encoding="utf-8"?>
+<file path=ppt/slides/slide12.xml><?xml version="1.0" encoding="utf-8"?>
 <p:sld xmlns:a="http://schemas.openxmlformats.org/drawingml/2006/main" xmlns:r="http://schemas.openxmlformats.org/officeDocument/2006/relationships" xmlns:p="http://schemas.openxmlformats.org/presentationml/2006/main">
   <p:cSld>
     <p:spTree>
@@ -7863,7 +8066,7 @@
 </p:sld>
 </file>
 
-<file path=ppt/slides/slide12.xml><?xml version="1.0" encoding="utf-8"?>
+<file path=ppt/slides/slide13.xml><?xml version="1.0" encoding="utf-8"?>
 <p:sld xmlns:a="http://schemas.openxmlformats.org/drawingml/2006/main" xmlns:r="http://schemas.openxmlformats.org/officeDocument/2006/relationships" xmlns:p="http://schemas.openxmlformats.org/presentationml/2006/main">
   <p:cSld>
     <p:spTree>
@@ -8209,7 +8412,7 @@
 </p:sld>
 </file>
 
-<file path=ppt/slides/slide13.xml><?xml version="1.0" encoding="utf-8"?>
+<file path=ppt/slides/slide14.xml><?xml version="1.0" encoding="utf-8"?>
 <p:sld xmlns:a="http://schemas.openxmlformats.org/drawingml/2006/main" xmlns:r="http://schemas.openxmlformats.org/officeDocument/2006/relationships" xmlns:p="http://schemas.openxmlformats.org/presentationml/2006/main">
   <p:cSld>
     <p:spTree>
@@ -8414,7 +8617,7 @@
 </p:sld>
 </file>
 
-<file path=ppt/slides/slide14.xml><?xml version="1.0" encoding="utf-8"?>
+<file path=ppt/slides/slide15.xml><?xml version="1.0" encoding="utf-8"?>
 <p:sld xmlns:a="http://schemas.openxmlformats.org/drawingml/2006/main" xmlns:r="http://schemas.openxmlformats.org/officeDocument/2006/relationships" xmlns:p="http://schemas.openxmlformats.org/presentationml/2006/main">
   <p:cSld>
     <p:spTree>
@@ -9690,7 +9893,7 @@
 </p:sld>
 </file>
 
-<file path=ppt/slides/slide15.xml><?xml version="1.0" encoding="utf-8"?>
+<file path=ppt/slides/slide16.xml><?xml version="1.0" encoding="utf-8"?>
 <p:sld xmlns:a="http://schemas.openxmlformats.org/drawingml/2006/main" xmlns:r="http://schemas.openxmlformats.org/officeDocument/2006/relationships" xmlns:p="http://schemas.openxmlformats.org/presentationml/2006/main">
   <p:cSld>
     <p:spTree>
@@ -9826,7 +10029,7 @@
 </p:sld>
 </file>
 
-<file path=ppt/slides/slide16.xml><?xml version="1.0" encoding="utf-8"?>
+<file path=ppt/slides/slide17.xml><?xml version="1.0" encoding="utf-8"?>
 <p:sld xmlns:a="http://schemas.openxmlformats.org/drawingml/2006/main" xmlns:r="http://schemas.openxmlformats.org/officeDocument/2006/relationships" xmlns:p="http://schemas.openxmlformats.org/presentationml/2006/main">
   <p:cSld>
     <p:spTree>
@@ -10239,55 +10442,1185 @@
           </a:p>
         </p:txBody>
       </p:sp>
-      <p:sp>
-        <p:nvSpPr>
-          <p:cNvPr id="3" name="Inhaltsplatzhalter 2">
+      <mc:AlternateContent xmlns:mc="http://schemas.openxmlformats.org/markup-compatibility/2006" xmlns:a14="http://schemas.microsoft.com/office/drawing/2010/main">
+        <mc:Choice Requires="a14">
+          <p:sp>
+            <p:nvSpPr>
+              <p:cNvPr id="3" name="Inhaltsplatzhalter 2">
+                <a:extLst>
+                  <a:ext uri="{FF2B5EF4-FFF2-40B4-BE49-F238E27FC236}">
+                    <a16:creationId xmlns:a16="http://schemas.microsoft.com/office/drawing/2014/main" id="{0E9598F0-1E7C-41F5-AC85-FE84123CF1DA}"/>
+                  </a:ext>
+                </a:extLst>
+              </p:cNvPr>
+              <p:cNvSpPr>
+                <a:spLocks noGrp="1"/>
+              </p:cNvSpPr>
+              <p:nvPr>
+                <p:ph idx="1"/>
+              </p:nvPr>
+            </p:nvSpPr>
+            <p:spPr>
+              <a:xfrm>
+                <a:off x="360000" y="1620000"/>
+                <a:ext cx="7092320" cy="4627880"/>
+              </a:xfrm>
+            </p:spPr>
+            <p:txBody>
+              <a:bodyPr/>
+              <a:lstStyle/>
+              <a:p>
+                <a:r>
+                  <a:rPr lang="de-DE" dirty="0"/>
+                  <a:t>Idealer Vergleichsprozess: Joule-Prozess</a:t>
+                </a:r>
+              </a:p>
+              <a:p>
+                <a:r>
+                  <a:rPr lang="de-DE" dirty="0"/>
+                  <a:t>Adiabate ZÄ (</a:t>
+                </a:r>
+                <a14:m>
+                  <m:oMath xmlns:m="http://schemas.openxmlformats.org/officeDocument/2006/math">
+                    <m:acc>
+                      <m:accPr>
+                        <m:chr m:val="̇"/>
+                        <m:ctrlPr>
+                          <a:rPr lang="de-DE" i="1" dirty="0" smtClean="0">
+                            <a:latin typeface="Cambria Math" panose="02040503050406030204" pitchFamily="18" charset="0"/>
+                          </a:rPr>
+                        </m:ctrlPr>
+                      </m:accPr>
+                      <m:e>
+                        <m:r>
+                          <a:rPr lang="de-DE" b="0" i="1" dirty="0" smtClean="0">
+                            <a:latin typeface="Cambria Math" charset="0"/>
+                          </a:rPr>
+                          <m:t>𝑄</m:t>
+                        </m:r>
+                      </m:e>
+                    </m:acc>
+                  </m:oMath>
+                </a14:m>
+                <a:r>
+                  <a:rPr lang="de-DE" dirty="0"/>
+                  <a:t> = 0), KV Grenzen mit Gehäuse (</a:t>
+                </a:r>
+                <a14:m>
+                  <m:oMath xmlns:m="http://schemas.openxmlformats.org/officeDocument/2006/math">
+                    <m:sSub>
+                      <m:sSubPr>
+                        <m:ctrlPr>
+                          <a:rPr lang="en-US" b="0" i="1" smtClean="0">
+                            <a:latin typeface="Cambria Math" panose="02040503050406030204" pitchFamily="18" charset="0"/>
+                          </a:rPr>
+                        </m:ctrlPr>
+                      </m:sSubPr>
+                      <m:e>
+                        <m:r>
+                          <a:rPr lang="de-DE" b="0" i="1" smtClean="0">
+                            <a:latin typeface="Cambria Math" charset="0"/>
+                          </a:rPr>
+                          <m:t>𝑃</m:t>
+                        </m:r>
+                      </m:e>
+                      <m:sub>
+                        <m:r>
+                          <a:rPr lang="de-DE" b="0" i="1" smtClean="0">
+                            <a:latin typeface="Cambria Math" charset="0"/>
+                          </a:rPr>
+                          <m:t>𝑅</m:t>
+                        </m:r>
+                      </m:sub>
+                    </m:sSub>
+                  </m:oMath>
+                </a14:m>
+                <a:r>
+                  <a:rPr lang="de-DE" dirty="0"/>
+                  <a:t>= 0): </a:t>
+                </a:r>
+              </a:p>
+              <a:p>
+                <a:r>
+                  <a:rPr lang="de-DE" dirty="0"/>
+                  <a:t>1.HS: </a:t>
+                </a:r>
+                <a14:m>
+                  <m:oMath xmlns:m="http://schemas.openxmlformats.org/officeDocument/2006/math">
+                    <m:sSub>
+                      <m:sSubPr>
+                        <m:ctrlPr>
+                          <a:rPr lang="en-US" b="0" i="1" smtClean="0">
+                            <a:latin typeface="Cambria Math" panose="02040503050406030204" pitchFamily="18" charset="0"/>
+                          </a:rPr>
+                        </m:ctrlPr>
+                      </m:sSubPr>
+                      <m:e>
+                        <m:r>
+                          <a:rPr lang="de-DE" b="0" i="1" smtClean="0">
+                            <a:latin typeface="Cambria Math" charset="0"/>
+                          </a:rPr>
+                          <m:t>𝑃</m:t>
+                        </m:r>
+                      </m:e>
+                      <m:sub>
+                        <m:r>
+                          <a:rPr lang="de-DE" b="0" i="1" smtClean="0">
+                            <a:latin typeface="Cambria Math" charset="0"/>
+                          </a:rPr>
+                          <m:t>𝑇</m:t>
+                        </m:r>
+                      </m:sub>
+                    </m:sSub>
+                    <m:r>
+                      <a:rPr lang="de-DE" b="0" i="1" smtClean="0">
+                        <a:latin typeface="Cambria Math" charset="0"/>
+                      </a:rPr>
+                      <m:t>= </m:t>
+                    </m:r>
+                    <m:acc>
+                      <m:accPr>
+                        <m:chr m:val="̇"/>
+                        <m:ctrlPr>
+                          <a:rPr lang="de-DE" b="0" i="1" smtClean="0">
+                            <a:latin typeface="Cambria Math" panose="02040503050406030204" pitchFamily="18" charset="0"/>
+                          </a:rPr>
+                        </m:ctrlPr>
+                      </m:accPr>
+                      <m:e>
+                        <m:r>
+                          <a:rPr lang="de-DE" b="0" i="1" smtClean="0">
+                            <a:latin typeface="Cambria Math" charset="0"/>
+                          </a:rPr>
+                          <m:t>𝑚</m:t>
+                        </m:r>
+                      </m:e>
+                    </m:acc>
+                    <m:r>
+                      <a:rPr lang="de-DE" b="0" i="1" smtClean="0">
+                        <a:latin typeface="Cambria Math" charset="0"/>
+                      </a:rPr>
+                      <m:t>(</m:t>
+                    </m:r>
+                    <m:sSub>
+                      <m:sSubPr>
+                        <m:ctrlPr>
+                          <a:rPr lang="en-US" b="0" i="1" smtClean="0">
+                            <a:latin typeface="Cambria Math" panose="02040503050406030204" pitchFamily="18" charset="0"/>
+                          </a:rPr>
+                        </m:ctrlPr>
+                      </m:sSubPr>
+                      <m:e>
+                        <m:r>
+                          <a:rPr lang="de-DE" b="0" i="1" smtClean="0">
+                            <a:latin typeface="Cambria Math" charset="0"/>
+                          </a:rPr>
+                          <m:t>h</m:t>
+                        </m:r>
+                      </m:e>
+                      <m:sub>
+                        <m:r>
+                          <a:rPr lang="de-DE" b="0" i="1" smtClean="0">
+                            <a:latin typeface="Cambria Math" charset="0"/>
+                          </a:rPr>
+                          <m:t>𝑡</m:t>
+                        </m:r>
+                        <m:r>
+                          <a:rPr lang="de-DE" b="0" i="1" smtClean="0">
+                            <a:latin typeface="Cambria Math" charset="0"/>
+                          </a:rPr>
+                          <m:t>5</m:t>
+                        </m:r>
+                      </m:sub>
+                    </m:sSub>
+                    <m:r>
+                      <a:rPr lang="de-DE" b="0" i="1" smtClean="0">
+                        <a:latin typeface="Cambria Math" charset="0"/>
+                      </a:rPr>
+                      <m:t>−</m:t>
+                    </m:r>
+                    <m:sSub>
+                      <m:sSubPr>
+                        <m:ctrlPr>
+                          <a:rPr lang="en-US" b="0" i="1" smtClean="0">
+                            <a:latin typeface="Cambria Math" panose="02040503050406030204" pitchFamily="18" charset="0"/>
+                          </a:rPr>
+                        </m:ctrlPr>
+                      </m:sSubPr>
+                      <m:e>
+                        <m:r>
+                          <a:rPr lang="de-DE" b="0" i="1" smtClean="0">
+                            <a:latin typeface="Cambria Math" charset="0"/>
+                          </a:rPr>
+                          <m:t>h</m:t>
+                        </m:r>
+                      </m:e>
+                      <m:sub>
+                        <m:r>
+                          <a:rPr lang="de-DE" b="0" i="1" smtClean="0">
+                            <a:latin typeface="Cambria Math" charset="0"/>
+                          </a:rPr>
+                          <m:t>𝑡</m:t>
+                        </m:r>
+                        <m:r>
+                          <a:rPr lang="de-DE" b="0" i="1" smtClean="0">
+                            <a:latin typeface="Cambria Math" charset="0"/>
+                          </a:rPr>
+                          <m:t>4</m:t>
+                        </m:r>
+                      </m:sub>
+                    </m:sSub>
+                    <m:r>
+                      <a:rPr lang="de-DE" b="0" i="1" smtClean="0">
+                        <a:latin typeface="Cambria Math" charset="0"/>
+                      </a:rPr>
+                      <m:t>) </m:t>
+                    </m:r>
+                  </m:oMath>
+                </a14:m>
+                <a:endParaRPr lang="de-DE" dirty="0"/>
+              </a:p>
+              <a:p>
+                <a:r>
+                  <a:rPr lang="de-DE" dirty="0"/>
+                  <a:t>Mit isentroper ZÄ als Vergleichsprozess:</a:t>
+                </a:r>
+              </a:p>
+              <a:p>
+                <a14:m>
+                  <m:oMath xmlns:m="http://schemas.openxmlformats.org/officeDocument/2006/math">
+                    <m:sSub>
+                      <m:sSubPr>
+                        <m:ctrlPr>
+                          <a:rPr lang="en-US" i="1">
+                            <a:latin typeface="Cambria Math" panose="02040503050406030204" pitchFamily="18" charset="0"/>
+                          </a:rPr>
+                        </m:ctrlPr>
+                      </m:sSubPr>
+                      <m:e>
+                        <m:bar>
+                          <m:barPr>
+                            <m:pos m:val="top"/>
+                            <m:ctrlPr>
+                              <a:rPr lang="en-US" i="1" smtClean="0">
+                                <a:latin typeface="Cambria Math" panose="02040503050406030204" pitchFamily="18" charset="0"/>
+                                <a:ea typeface="Cambria Math" charset="0"/>
+                                <a:cs typeface="Cambria Math" charset="0"/>
+                              </a:rPr>
+                            </m:ctrlPr>
+                          </m:barPr>
+                          <m:e>
+                            <m:r>
+                              <a:rPr lang="en-US" i="1" smtClean="0">
+                                <a:latin typeface="Cambria Math" charset="0"/>
+                                <a:ea typeface="Cambria Math" charset="0"/>
+                                <a:cs typeface="Cambria Math" charset="0"/>
+                              </a:rPr>
+                              <m:t>𝜂</m:t>
+                            </m:r>
+                          </m:e>
+                        </m:bar>
+                      </m:e>
+                      <m:sub>
+                        <m:r>
+                          <a:rPr lang="de-DE" i="1">
+                            <a:latin typeface="Cambria Math" charset="0"/>
+                          </a:rPr>
+                          <m:t>𝑡𝑇</m:t>
+                        </m:r>
+                      </m:sub>
+                    </m:sSub>
+                    <m:r>
+                      <a:rPr lang="de-DE" b="0" i="1" smtClean="0">
+                        <a:latin typeface="Cambria Math" charset="0"/>
+                      </a:rPr>
+                      <m:t>= </m:t>
+                    </m:r>
+                    <m:f>
+                      <m:fPr>
+                        <m:ctrlPr>
+                          <a:rPr lang="mr-IN" b="0" i="1" smtClean="0">
+                            <a:latin typeface="Cambria Math" panose="02040503050406030204" pitchFamily="18" charset="0"/>
+                          </a:rPr>
+                        </m:ctrlPr>
+                      </m:fPr>
+                      <m:num>
+                        <m:sSub>
+                          <m:sSubPr>
+                            <m:ctrlPr>
+                              <a:rPr lang="en-US" b="0" i="1" smtClean="0">
+                                <a:latin typeface="Cambria Math" panose="02040503050406030204" pitchFamily="18" charset="0"/>
+                              </a:rPr>
+                            </m:ctrlPr>
+                          </m:sSubPr>
+                          <m:e>
+                            <m:r>
+                              <a:rPr lang="de-DE" b="0" i="1" smtClean="0">
+                                <a:latin typeface="Cambria Math" charset="0"/>
+                              </a:rPr>
+                              <m:t>𝑃</m:t>
+                            </m:r>
+                          </m:e>
+                          <m:sub>
+                            <m:r>
+                              <a:rPr lang="de-DE" b="0" i="1" smtClean="0">
+                                <a:latin typeface="Cambria Math" charset="0"/>
+                              </a:rPr>
+                              <m:t>𝑇</m:t>
+                            </m:r>
+                          </m:sub>
+                        </m:sSub>
+                      </m:num>
+                      <m:den>
+                        <m:sSub>
+                          <m:sSubPr>
+                            <m:ctrlPr>
+                              <a:rPr lang="en-US" b="0" i="1" smtClean="0">
+                                <a:latin typeface="Cambria Math" panose="02040503050406030204" pitchFamily="18" charset="0"/>
+                              </a:rPr>
+                            </m:ctrlPr>
+                          </m:sSubPr>
+                          <m:e>
+                            <m:bar>
+                              <m:barPr>
+                                <m:pos m:val="top"/>
+                                <m:ctrlPr>
+                                  <a:rPr lang="de-DE" b="0" i="1" smtClean="0">
+                                    <a:latin typeface="Cambria Math" panose="02040503050406030204" pitchFamily="18" charset="0"/>
+                                  </a:rPr>
+                                </m:ctrlPr>
+                              </m:barPr>
+                              <m:e>
+                                <m:r>
+                                  <a:rPr lang="de-DE" b="0" i="1" smtClean="0">
+                                    <a:latin typeface="Cambria Math" charset="0"/>
+                                  </a:rPr>
+                                  <m:t>𝑃</m:t>
+                                </m:r>
+                              </m:e>
+                            </m:bar>
+                          </m:e>
+                          <m:sub>
+                            <m:r>
+                              <a:rPr lang="de-DE" b="0" i="1" smtClean="0">
+                                <a:latin typeface="Cambria Math" charset="0"/>
+                              </a:rPr>
+                              <m:t>𝑇</m:t>
+                            </m:r>
+                          </m:sub>
+                        </m:sSub>
+                      </m:den>
+                    </m:f>
+                    <m:r>
+                      <a:rPr lang="de-DE" b="0" i="0" smtClean="0">
+                        <a:latin typeface="Cambria Math" charset="0"/>
+                      </a:rPr>
+                      <m:t>= </m:t>
+                    </m:r>
+                    <m:f>
+                      <m:fPr>
+                        <m:ctrlPr>
+                          <a:rPr lang="mr-IN" b="0" i="1" smtClean="0">
+                            <a:latin typeface="Cambria Math" panose="02040503050406030204" pitchFamily="18" charset="0"/>
+                          </a:rPr>
+                        </m:ctrlPr>
+                      </m:fPr>
+                      <m:num>
+                        <m:sSub>
+                          <m:sSubPr>
+                            <m:ctrlPr>
+                              <a:rPr lang="en-US" i="1">
+                                <a:latin typeface="Cambria Math" panose="02040503050406030204" pitchFamily="18" charset="0"/>
+                              </a:rPr>
+                            </m:ctrlPr>
+                          </m:sSubPr>
+                          <m:e>
+                            <m:r>
+                              <a:rPr lang="de-DE" i="1">
+                                <a:latin typeface="Cambria Math" charset="0"/>
+                              </a:rPr>
+                              <m:t>h</m:t>
+                            </m:r>
+                          </m:e>
+                          <m:sub>
+                            <m:r>
+                              <a:rPr lang="de-DE" i="1">
+                                <a:latin typeface="Cambria Math" charset="0"/>
+                              </a:rPr>
+                              <m:t>𝑡</m:t>
+                            </m:r>
+                            <m:r>
+                              <a:rPr lang="de-DE" i="1">
+                                <a:latin typeface="Cambria Math" charset="0"/>
+                              </a:rPr>
+                              <m:t>5</m:t>
+                            </m:r>
+                          </m:sub>
+                        </m:sSub>
+                        <m:r>
+                          <a:rPr lang="de-DE" i="1">
+                            <a:latin typeface="Cambria Math" charset="0"/>
+                          </a:rPr>
+                          <m:t>−</m:t>
+                        </m:r>
+                        <m:sSub>
+                          <m:sSubPr>
+                            <m:ctrlPr>
+                              <a:rPr lang="en-US" i="1">
+                                <a:latin typeface="Cambria Math" panose="02040503050406030204" pitchFamily="18" charset="0"/>
+                              </a:rPr>
+                            </m:ctrlPr>
+                          </m:sSubPr>
+                          <m:e>
+                            <m:r>
+                              <a:rPr lang="de-DE" i="1">
+                                <a:latin typeface="Cambria Math" charset="0"/>
+                              </a:rPr>
+                              <m:t>h</m:t>
+                            </m:r>
+                          </m:e>
+                          <m:sub>
+                            <m:r>
+                              <a:rPr lang="de-DE" i="1">
+                                <a:latin typeface="Cambria Math" charset="0"/>
+                              </a:rPr>
+                              <m:t>𝑡</m:t>
+                            </m:r>
+                            <m:r>
+                              <a:rPr lang="de-DE" i="1">
+                                <a:latin typeface="Cambria Math" charset="0"/>
+                              </a:rPr>
+                              <m:t>4</m:t>
+                            </m:r>
+                          </m:sub>
+                        </m:sSub>
+                      </m:num>
+                      <m:den>
+                        <m:sSub>
+                          <m:sSubPr>
+                            <m:ctrlPr>
+                              <a:rPr lang="en-US" i="1">
+                                <a:latin typeface="Cambria Math" panose="02040503050406030204" pitchFamily="18" charset="0"/>
+                              </a:rPr>
+                            </m:ctrlPr>
+                          </m:sSubPr>
+                          <m:e>
+                            <m:bar>
+                              <m:barPr>
+                                <m:pos m:val="top"/>
+                                <m:ctrlPr>
+                                  <a:rPr lang="de-DE" i="1" smtClean="0">
+                                    <a:latin typeface="Cambria Math" panose="02040503050406030204" pitchFamily="18" charset="0"/>
+                                  </a:rPr>
+                                </m:ctrlPr>
+                              </m:barPr>
+                              <m:e>
+                                <m:r>
+                                  <a:rPr lang="de-DE" b="0" i="1" smtClean="0">
+                                    <a:latin typeface="Cambria Math" charset="0"/>
+                                  </a:rPr>
+                                  <m:t>h</m:t>
+                                </m:r>
+                              </m:e>
+                            </m:bar>
+                          </m:e>
+                          <m:sub>
+                            <m:r>
+                              <a:rPr lang="de-DE" i="1">
+                                <a:latin typeface="Cambria Math" charset="0"/>
+                              </a:rPr>
+                              <m:t>𝑡</m:t>
+                            </m:r>
+                            <m:r>
+                              <a:rPr lang="de-DE" i="1">
+                                <a:latin typeface="Cambria Math" charset="0"/>
+                              </a:rPr>
+                              <m:t>5</m:t>
+                            </m:r>
+                          </m:sub>
+                        </m:sSub>
+                        <m:r>
+                          <a:rPr lang="de-DE" i="1">
+                            <a:latin typeface="Cambria Math" charset="0"/>
+                          </a:rPr>
+                          <m:t>−</m:t>
+                        </m:r>
+                        <m:sSub>
+                          <m:sSubPr>
+                            <m:ctrlPr>
+                              <a:rPr lang="en-US" i="1">
+                                <a:latin typeface="Cambria Math" panose="02040503050406030204" pitchFamily="18" charset="0"/>
+                              </a:rPr>
+                            </m:ctrlPr>
+                          </m:sSubPr>
+                          <m:e>
+                            <m:r>
+                              <a:rPr lang="de-DE" i="1">
+                                <a:latin typeface="Cambria Math" charset="0"/>
+                              </a:rPr>
+                              <m:t>h</m:t>
+                            </m:r>
+                          </m:e>
+                          <m:sub>
+                            <m:r>
+                              <a:rPr lang="de-DE" i="1">
+                                <a:latin typeface="Cambria Math" charset="0"/>
+                              </a:rPr>
+                              <m:t>𝑡</m:t>
+                            </m:r>
+                            <m:r>
+                              <a:rPr lang="de-DE" i="1">
+                                <a:latin typeface="Cambria Math" charset="0"/>
+                              </a:rPr>
+                              <m:t>4</m:t>
+                            </m:r>
+                          </m:sub>
+                        </m:sSub>
+                      </m:den>
+                    </m:f>
+                    <m:r>
+                      <a:rPr lang="de-DE" b="0" i="1" smtClean="0">
+                        <a:latin typeface="Cambria Math" charset="0"/>
+                      </a:rPr>
+                      <m:t> </m:t>
+                    </m:r>
+                    <m:r>
+                      <a:rPr lang="de-DE" b="0" i="1" smtClean="0">
+                        <a:latin typeface="Cambria Math" charset="0"/>
+                        <a:ea typeface="Cambria Math" charset="0"/>
+                        <a:cs typeface="Cambria Math" charset="0"/>
+                      </a:rPr>
+                      <m:t>≤1</m:t>
+                    </m:r>
+                  </m:oMath>
+                </a14:m>
+                <a:endParaRPr lang="de-DE" dirty="0"/>
+              </a:p>
+              <a:p>
+                <a:r>
+                  <a:rPr lang="de-DE" dirty="0"/>
+                  <a:t>Mit der isentropen </a:t>
+                </a:r>
+                <a:r>
+                  <a:rPr lang="de-DE" dirty="0" err="1"/>
+                  <a:t>Totalenthalpiedifferenz</a:t>
+                </a:r>
+                <a:r>
+                  <a:rPr lang="de-DE" dirty="0"/>
+                  <a:t>:</a:t>
+                </a:r>
+              </a:p>
+              <a:p>
+                <a14:m>
+                  <m:oMath xmlns:m="http://schemas.openxmlformats.org/officeDocument/2006/math">
+                    <m:r>
+                      <a:rPr lang="de-DE" i="1" smtClean="0">
+                        <a:latin typeface="Cambria Math" charset="0"/>
+                        <a:ea typeface="Cambria Math" charset="0"/>
+                        <a:cs typeface="Cambria Math" charset="0"/>
+                      </a:rPr>
+                      <m:t>∆</m:t>
+                    </m:r>
+                    <m:sSub>
+                      <m:sSubPr>
+                        <m:ctrlPr>
+                          <a:rPr lang="en-US" i="1" smtClean="0">
+                            <a:latin typeface="Cambria Math" panose="02040503050406030204" pitchFamily="18" charset="0"/>
+                            <a:ea typeface="Cambria Math" charset="0"/>
+                            <a:cs typeface="Cambria Math" charset="0"/>
+                          </a:rPr>
+                        </m:ctrlPr>
+                      </m:sSubPr>
+                      <m:e>
+                        <m:bar>
+                          <m:barPr>
+                            <m:pos m:val="top"/>
+                            <m:ctrlPr>
+                              <a:rPr lang="en-US" i="1" smtClean="0">
+                                <a:latin typeface="Cambria Math" panose="02040503050406030204" pitchFamily="18" charset="0"/>
+                                <a:ea typeface="Cambria Math" charset="0"/>
+                                <a:cs typeface="Cambria Math" charset="0"/>
+                              </a:rPr>
+                            </m:ctrlPr>
+                          </m:barPr>
+                          <m:e>
+                            <m:r>
+                              <a:rPr lang="de-DE" b="0" i="1" smtClean="0">
+                                <a:latin typeface="Cambria Math" charset="0"/>
+                                <a:ea typeface="Cambria Math" charset="0"/>
+                                <a:cs typeface="Cambria Math" charset="0"/>
+                              </a:rPr>
+                              <m:t>𝐻</m:t>
+                            </m:r>
+                          </m:e>
+                        </m:bar>
+                      </m:e>
+                      <m:sub>
+                        <m:r>
+                          <a:rPr lang="de-DE" b="0" i="1" smtClean="0">
+                            <a:latin typeface="Cambria Math" charset="0"/>
+                            <a:ea typeface="Cambria Math" charset="0"/>
+                            <a:cs typeface="Cambria Math" charset="0"/>
+                          </a:rPr>
+                          <m:t>𝑡</m:t>
+                        </m:r>
+                      </m:sub>
+                    </m:sSub>
+                    <m:r>
+                      <a:rPr lang="de-DE" b="0" i="1" smtClean="0">
+                        <a:latin typeface="Cambria Math" charset="0"/>
+                        <a:ea typeface="Cambria Math" charset="0"/>
+                        <a:cs typeface="Cambria Math" charset="0"/>
+                      </a:rPr>
+                      <m:t>=</m:t>
+                    </m:r>
+                    <m:sSub>
+                      <m:sSubPr>
+                        <m:ctrlPr>
+                          <a:rPr lang="en-US" i="1">
+                            <a:latin typeface="Cambria Math" panose="02040503050406030204" pitchFamily="18" charset="0"/>
+                          </a:rPr>
+                        </m:ctrlPr>
+                      </m:sSubPr>
+                      <m:e>
+                        <m:bar>
+                          <m:barPr>
+                            <m:pos m:val="top"/>
+                            <m:ctrlPr>
+                              <a:rPr lang="de-DE" i="1">
+                                <a:latin typeface="Cambria Math" panose="02040503050406030204" pitchFamily="18" charset="0"/>
+                              </a:rPr>
+                            </m:ctrlPr>
+                          </m:barPr>
+                          <m:e>
+                            <m:r>
+                              <a:rPr lang="de-DE" i="1">
+                                <a:latin typeface="Cambria Math" charset="0"/>
+                              </a:rPr>
+                              <m:t>h</m:t>
+                            </m:r>
+                          </m:e>
+                        </m:bar>
+                      </m:e>
+                      <m:sub>
+                        <m:r>
+                          <a:rPr lang="de-DE" i="1">
+                            <a:latin typeface="Cambria Math" charset="0"/>
+                          </a:rPr>
+                          <m:t>𝑡</m:t>
+                        </m:r>
+                        <m:r>
+                          <a:rPr lang="de-DE" i="1">
+                            <a:latin typeface="Cambria Math" charset="0"/>
+                          </a:rPr>
+                          <m:t>5</m:t>
+                        </m:r>
+                      </m:sub>
+                    </m:sSub>
+                    <m:r>
+                      <a:rPr lang="de-DE" i="1">
+                        <a:latin typeface="Cambria Math" charset="0"/>
+                      </a:rPr>
+                      <m:t>−</m:t>
+                    </m:r>
+                    <m:sSub>
+                      <m:sSubPr>
+                        <m:ctrlPr>
+                          <a:rPr lang="en-US" i="1">
+                            <a:latin typeface="Cambria Math" panose="02040503050406030204" pitchFamily="18" charset="0"/>
+                          </a:rPr>
+                        </m:ctrlPr>
+                      </m:sSubPr>
+                      <m:e>
+                        <m:r>
+                          <a:rPr lang="de-DE" i="1">
+                            <a:latin typeface="Cambria Math" charset="0"/>
+                          </a:rPr>
+                          <m:t>h</m:t>
+                        </m:r>
+                      </m:e>
+                      <m:sub>
+                        <m:r>
+                          <a:rPr lang="de-DE" i="1">
+                            <a:latin typeface="Cambria Math" charset="0"/>
+                          </a:rPr>
+                          <m:t>𝑡</m:t>
+                        </m:r>
+                        <m:r>
+                          <a:rPr lang="de-DE" i="1">
+                            <a:latin typeface="Cambria Math" charset="0"/>
+                          </a:rPr>
+                          <m:t>4</m:t>
+                        </m:r>
+                      </m:sub>
+                    </m:sSub>
+                    <m:r>
+                      <a:rPr lang="de-DE" b="0" i="1" smtClean="0">
+                        <a:latin typeface="Cambria Math" charset="0"/>
+                      </a:rPr>
+                      <m:t>=</m:t>
+                    </m:r>
+                    <m:acc>
+                      <m:accPr>
+                        <m:chr m:val="̇"/>
+                        <m:ctrlPr>
+                          <a:rPr lang="de-DE" i="1">
+                            <a:latin typeface="Cambria Math" panose="02040503050406030204" pitchFamily="18" charset="0"/>
+                          </a:rPr>
+                        </m:ctrlPr>
+                      </m:accPr>
+                      <m:e>
+                        <m:r>
+                          <a:rPr lang="de-DE" i="1">
+                            <a:latin typeface="Cambria Math" charset="0"/>
+                          </a:rPr>
+                          <m:t>𝑚</m:t>
+                        </m:r>
+                      </m:e>
+                    </m:acc>
+                    <m:r>
+                      <a:rPr lang="de-DE" b="0" i="1" smtClean="0">
+                        <a:latin typeface="Cambria Math" charset="0"/>
+                      </a:rPr>
+                      <m:t> </m:t>
+                    </m:r>
+                    <m:sSub>
+                      <m:sSubPr>
+                        <m:ctrlPr>
+                          <a:rPr lang="en-US" i="1">
+                            <a:latin typeface="Cambria Math" panose="02040503050406030204" pitchFamily="18" charset="0"/>
+                          </a:rPr>
+                        </m:ctrlPr>
+                      </m:sSubPr>
+                      <m:e>
+                        <m:r>
+                          <a:rPr lang="de-DE" b="0" i="1" smtClean="0">
+                            <a:latin typeface="Cambria Math" charset="0"/>
+                          </a:rPr>
+                          <m:t>𝑐</m:t>
+                        </m:r>
+                      </m:e>
+                      <m:sub>
+                        <m:r>
+                          <a:rPr lang="de-DE" b="0" i="1" smtClean="0">
+                            <a:latin typeface="Cambria Math" charset="0"/>
+                          </a:rPr>
+                          <m:t>𝑝</m:t>
+                        </m:r>
+                      </m:sub>
+                    </m:sSub>
+                    <m:sSub>
+                      <m:sSubPr>
+                        <m:ctrlPr>
+                          <a:rPr lang="en-US" i="1">
+                            <a:latin typeface="Cambria Math" panose="02040503050406030204" pitchFamily="18" charset="0"/>
+                          </a:rPr>
+                        </m:ctrlPr>
+                      </m:sSubPr>
+                      <m:e>
+                        <m:r>
+                          <a:rPr lang="de-DE" b="0" i="1" smtClean="0">
+                            <a:latin typeface="Cambria Math" charset="0"/>
+                          </a:rPr>
+                          <m:t>𝑇</m:t>
+                        </m:r>
+                      </m:e>
+                      <m:sub>
+                        <m:r>
+                          <a:rPr lang="de-DE" i="1">
+                            <a:latin typeface="Cambria Math" charset="0"/>
+                          </a:rPr>
+                          <m:t>𝑡</m:t>
+                        </m:r>
+                        <m:r>
+                          <a:rPr lang="de-DE" i="1">
+                            <a:latin typeface="Cambria Math" charset="0"/>
+                          </a:rPr>
+                          <m:t>4</m:t>
+                        </m:r>
+                      </m:sub>
+                    </m:sSub>
+                    <m:d>
+                      <m:dPr>
+                        <m:begChr m:val="["/>
+                        <m:endChr m:val="]"/>
+                        <m:ctrlPr>
+                          <a:rPr lang="mr-IN" i="1" smtClean="0">
+                            <a:latin typeface="Cambria Math" panose="02040503050406030204" pitchFamily="18" charset="0"/>
+                          </a:rPr>
+                        </m:ctrlPr>
+                      </m:dPr>
+                      <m:e>
+                        <m:sSup>
+                          <m:sSupPr>
+                            <m:ctrlPr>
+                              <a:rPr lang="mr-IN" i="1" smtClean="0">
+                                <a:latin typeface="Cambria Math" panose="02040503050406030204" pitchFamily="18" charset="0"/>
+                              </a:rPr>
+                            </m:ctrlPr>
+                          </m:sSupPr>
+                          <m:e>
+                            <m:d>
+                              <m:dPr>
+                                <m:ctrlPr>
+                                  <a:rPr lang="mr-IN" i="1">
+                                    <a:latin typeface="Cambria Math" panose="02040503050406030204" pitchFamily="18" charset="0"/>
+                                  </a:rPr>
+                                </m:ctrlPr>
+                              </m:dPr>
+                              <m:e>
+                                <m:f>
+                                  <m:fPr>
+                                    <m:ctrlPr>
+                                      <a:rPr lang="mr-IN" i="1">
+                                        <a:latin typeface="Cambria Math" panose="02040503050406030204" pitchFamily="18" charset="0"/>
+                                      </a:rPr>
+                                    </m:ctrlPr>
+                                  </m:fPr>
+                                  <m:num>
+                                    <m:sSub>
+                                      <m:sSubPr>
+                                        <m:ctrlPr>
+                                          <a:rPr lang="en-US" i="1">
+                                            <a:latin typeface="Cambria Math" panose="02040503050406030204" pitchFamily="18" charset="0"/>
+                                          </a:rPr>
+                                        </m:ctrlPr>
+                                      </m:sSubPr>
+                                      <m:e>
+                                        <m:r>
+                                          <a:rPr lang="de-DE" i="1">
+                                            <a:latin typeface="Cambria Math" charset="0"/>
+                                          </a:rPr>
+                                          <m:t>𝑝</m:t>
+                                        </m:r>
+                                      </m:e>
+                                      <m:sub>
+                                        <m:r>
+                                          <a:rPr lang="de-DE" i="1">
+                                            <a:latin typeface="Cambria Math" charset="0"/>
+                                          </a:rPr>
+                                          <m:t>𝑡</m:t>
+                                        </m:r>
+                                        <m:r>
+                                          <a:rPr lang="de-DE" i="1">
+                                            <a:latin typeface="Cambria Math" charset="0"/>
+                                          </a:rPr>
+                                          <m:t>5</m:t>
+                                        </m:r>
+                                      </m:sub>
+                                    </m:sSub>
+                                  </m:num>
+                                  <m:den>
+                                    <m:sSub>
+                                      <m:sSubPr>
+                                        <m:ctrlPr>
+                                          <a:rPr lang="en-US" i="1">
+                                            <a:latin typeface="Cambria Math" panose="02040503050406030204" pitchFamily="18" charset="0"/>
+                                          </a:rPr>
+                                        </m:ctrlPr>
+                                      </m:sSubPr>
+                                      <m:e>
+                                        <m:r>
+                                          <a:rPr lang="de-DE" i="1">
+                                            <a:latin typeface="Cambria Math" charset="0"/>
+                                          </a:rPr>
+                                          <m:t>𝑝</m:t>
+                                        </m:r>
+                                      </m:e>
+                                      <m:sub>
+                                        <m:r>
+                                          <a:rPr lang="de-DE" i="1">
+                                            <a:latin typeface="Cambria Math" charset="0"/>
+                                          </a:rPr>
+                                          <m:t>𝑡</m:t>
+                                        </m:r>
+                                        <m:r>
+                                          <a:rPr lang="de-DE" i="1">
+                                            <a:latin typeface="Cambria Math" charset="0"/>
+                                          </a:rPr>
+                                          <m:t>4</m:t>
+                                        </m:r>
+                                      </m:sub>
+                                    </m:sSub>
+                                  </m:den>
+                                </m:f>
+                              </m:e>
+                            </m:d>
+                          </m:e>
+                          <m:sup>
+                            <m:f>
+                              <m:fPr>
+                                <m:ctrlPr>
+                                  <a:rPr lang="mr-IN" i="1" smtClean="0">
+                                    <a:latin typeface="Cambria Math" panose="02040503050406030204" pitchFamily="18" charset="0"/>
+                                  </a:rPr>
+                                </m:ctrlPr>
+                              </m:fPr>
+                              <m:num>
+                                <m:r>
+                                  <a:rPr lang="mr-IN" i="1" smtClean="0">
+                                    <a:latin typeface="Cambria Math" charset="0"/>
+                                    <a:ea typeface="Cambria Math" charset="0"/>
+                                    <a:cs typeface="Cambria Math" charset="0"/>
+                                  </a:rPr>
+                                  <m:t>𝛾</m:t>
+                                </m:r>
+                                <m:r>
+                                  <a:rPr lang="de-DE" b="0" i="1" smtClean="0">
+                                    <a:latin typeface="Cambria Math" charset="0"/>
+                                    <a:ea typeface="Cambria Math" charset="0"/>
+                                    <a:cs typeface="Cambria Math" charset="0"/>
+                                  </a:rPr>
+                                  <m:t>−1</m:t>
+                                </m:r>
+                              </m:num>
+                              <m:den>
+                                <m:r>
+                                  <a:rPr lang="mr-IN" i="1" smtClean="0">
+                                    <a:latin typeface="Cambria Math" charset="0"/>
+                                    <a:ea typeface="Cambria Math" charset="0"/>
+                                    <a:cs typeface="Cambria Math" charset="0"/>
+                                  </a:rPr>
+                                  <m:t>𝛾</m:t>
+                                </m:r>
+                              </m:den>
+                            </m:f>
+                          </m:sup>
+                        </m:sSup>
+                        <m:r>
+                          <a:rPr lang="de-DE" b="0" i="1" smtClean="0">
+                            <a:latin typeface="Cambria Math" charset="0"/>
+                          </a:rPr>
+                          <m:t>−1</m:t>
+                        </m:r>
+                      </m:e>
+                    </m:d>
+                  </m:oMath>
+                </a14:m>
+                <a:endParaRPr lang="de-DE" dirty="0"/>
+              </a:p>
+              <a:p>
+                <a14:m>
+                  <m:oMath xmlns:m="http://schemas.openxmlformats.org/officeDocument/2006/math">
+                    <m:sSub>
+                      <m:sSubPr>
+                        <m:ctrlPr>
+                          <a:rPr lang="en-US" i="1">
+                            <a:latin typeface="Cambria Math" panose="02040503050406030204" pitchFamily="18" charset="0"/>
+                          </a:rPr>
+                        </m:ctrlPr>
+                      </m:sSubPr>
+                      <m:e>
+                        <m:bar>
+                          <m:barPr>
+                            <m:pos m:val="top"/>
+                            <m:ctrlPr>
+                              <a:rPr lang="en-US" i="1">
+                                <a:latin typeface="Cambria Math" panose="02040503050406030204" pitchFamily="18" charset="0"/>
+                                <a:ea typeface="Cambria Math" charset="0"/>
+                                <a:cs typeface="Cambria Math" charset="0"/>
+                              </a:rPr>
+                            </m:ctrlPr>
+                          </m:barPr>
+                          <m:e>
+                            <m:r>
+                              <a:rPr lang="en-US" i="1">
+                                <a:latin typeface="Cambria Math" charset="0"/>
+                                <a:ea typeface="Cambria Math" charset="0"/>
+                                <a:cs typeface="Cambria Math" charset="0"/>
+                              </a:rPr>
+                              <m:t>𝜂</m:t>
+                            </m:r>
+                          </m:e>
+                        </m:bar>
+                      </m:e>
+                      <m:sub>
+                        <m:r>
+                          <a:rPr lang="de-DE" i="1">
+                            <a:latin typeface="Cambria Math" charset="0"/>
+                          </a:rPr>
+                          <m:t>𝑡𝑇</m:t>
+                        </m:r>
+                      </m:sub>
+                    </m:sSub>
+                    <m:r>
+                      <a:rPr lang="de-DE" b="0" i="1" smtClean="0">
+                        <a:latin typeface="Cambria Math" charset="0"/>
+                      </a:rPr>
+                      <m:t>= </m:t>
+                    </m:r>
+                    <m:f>
+                      <m:fPr>
+                        <m:ctrlPr>
+                          <a:rPr lang="mr-IN" b="0" i="1" smtClean="0">
+                            <a:latin typeface="Cambria Math" panose="02040503050406030204" pitchFamily="18" charset="0"/>
+                          </a:rPr>
+                        </m:ctrlPr>
+                      </m:fPr>
+                      <m:num>
+                        <m:sSub>
+                          <m:sSubPr>
+                            <m:ctrlPr>
+                              <a:rPr lang="en-US" i="1">
+                                <a:latin typeface="Cambria Math" panose="02040503050406030204" pitchFamily="18" charset="0"/>
+                              </a:rPr>
+                            </m:ctrlPr>
+                          </m:sSubPr>
+                          <m:e>
+                            <m:r>
+                              <a:rPr lang="de-DE" i="1">
+                                <a:latin typeface="Cambria Math" charset="0"/>
+                              </a:rPr>
+                              <m:t>𝑃</m:t>
+                            </m:r>
+                          </m:e>
+                          <m:sub>
+                            <m:r>
+                              <a:rPr lang="de-DE" i="1">
+                                <a:latin typeface="Cambria Math" charset="0"/>
+                              </a:rPr>
+                              <m:t>𝑇</m:t>
+                            </m:r>
+                          </m:sub>
+                        </m:sSub>
+                      </m:num>
+                      <m:den>
+                        <m:r>
+                          <a:rPr lang="de-DE" i="1">
+                            <a:latin typeface="Cambria Math" charset="0"/>
+                            <a:ea typeface="Cambria Math" charset="0"/>
+                            <a:cs typeface="Cambria Math" charset="0"/>
+                          </a:rPr>
+                          <m:t>∆</m:t>
+                        </m:r>
+                        <m:sSub>
+                          <m:sSubPr>
+                            <m:ctrlPr>
+                              <a:rPr lang="en-US" i="1">
+                                <a:latin typeface="Cambria Math" panose="02040503050406030204" pitchFamily="18" charset="0"/>
+                                <a:ea typeface="Cambria Math" charset="0"/>
+                                <a:cs typeface="Cambria Math" charset="0"/>
+                              </a:rPr>
+                            </m:ctrlPr>
+                          </m:sSubPr>
+                          <m:e>
+                            <m:bar>
+                              <m:barPr>
+                                <m:pos m:val="top"/>
+                                <m:ctrlPr>
+                                  <a:rPr lang="en-US" i="1">
+                                    <a:latin typeface="Cambria Math" panose="02040503050406030204" pitchFamily="18" charset="0"/>
+                                    <a:ea typeface="Cambria Math" charset="0"/>
+                                    <a:cs typeface="Cambria Math" charset="0"/>
+                                  </a:rPr>
+                                </m:ctrlPr>
+                              </m:barPr>
+                              <m:e>
+                                <m:r>
+                                  <a:rPr lang="de-DE" i="1">
+                                    <a:latin typeface="Cambria Math" charset="0"/>
+                                    <a:ea typeface="Cambria Math" charset="0"/>
+                                    <a:cs typeface="Cambria Math" charset="0"/>
+                                  </a:rPr>
+                                  <m:t>𝐻</m:t>
+                                </m:r>
+                              </m:e>
+                            </m:bar>
+                          </m:e>
+                          <m:sub>
+                            <m:r>
+                              <a:rPr lang="de-DE" i="1">
+                                <a:latin typeface="Cambria Math" charset="0"/>
+                                <a:ea typeface="Cambria Math" charset="0"/>
+                                <a:cs typeface="Cambria Math" charset="0"/>
+                              </a:rPr>
+                              <m:t>𝑡</m:t>
+                            </m:r>
+                          </m:sub>
+                        </m:sSub>
+                      </m:den>
+                    </m:f>
+                  </m:oMath>
+                </a14:m>
+                <a:endParaRPr lang="de-DE" dirty="0"/>
+              </a:p>
+            </p:txBody>
+          </p:sp>
+        </mc:Choice>
+        <mc:Fallback xmlns="">
+          <p:sp>
+            <p:nvSpPr>
+              <p:cNvPr id="3" name="Inhaltsplatzhalter 2">
+                <a:extLst>
+                  <a:ext uri="{FF2B5EF4-FFF2-40B4-BE49-F238E27FC236}">
+                    <a16:creationId xmlns="" xmlns:a16="http://schemas.microsoft.com/office/drawing/2014/main" xmlns:a14="http://schemas.microsoft.com/office/drawing/2010/main" id="{0E9598F0-1E7C-41F5-AC85-FE84123CF1DA}"/>
+                  </a:ext>
+                </a:extLst>
+              </p:cNvPr>
+              <p:cNvSpPr>
+                <a:spLocks noGrp="1" noRot="1" noChangeAspect="1" noMove="1" noResize="1" noEditPoints="1" noAdjustHandles="1" noChangeArrowheads="1" noChangeShapeType="1" noTextEdit="1"/>
+              </p:cNvSpPr>
+              <p:nvPr>
+                <p:ph idx="1"/>
+              </p:nvPr>
+            </p:nvSpPr>
+            <p:spPr>
+              <a:xfrm>
+                <a:off x="360000" y="1620000"/>
+                <a:ext cx="7092320" cy="4627880"/>
+              </a:xfrm>
+              <a:blipFill rotWithShape="0">
+                <a:blip r:embed="rId3"/>
+                <a:stretch>
+                  <a:fillRect l="-2064"/>
+                </a:stretch>
+              </a:blipFill>
+            </p:spPr>
+            <p:txBody>
+              <a:bodyPr/>
+              <a:lstStyle/>
+              <a:p>
+                <a:r>
+                  <a:rPr lang="de-DE">
+                    <a:noFill/>
+                  </a:rPr>
+                  <a:t> </a:t>
+                </a:r>
+              </a:p>
+            </p:txBody>
+          </p:sp>
+        </mc:Fallback>
+      </mc:AlternateContent>
+      <p:pic>
+        <p:nvPicPr>
+          <p:cNvPr id="4" name="Bild 3"/>
+          <p:cNvPicPr>
+            <a:picLocks noChangeAspect="1"/>
+          </p:cNvPicPr>
+          <p:nvPr/>
+        </p:nvPicPr>
+        <p:blipFill>
+          <a:blip r:embed="rId4">
             <a:extLst>
-              <a:ext uri="{FF2B5EF4-FFF2-40B4-BE49-F238E27FC236}">
-                <a16:creationId xmlns:a16="http://schemas.microsoft.com/office/drawing/2014/main" id="{0E9598F0-1E7C-41F5-AC85-FE84123CF1DA}"/>
+              <a:ext uri="{28A0092B-C50C-407E-A947-70E740481C1C}">
+                <a14:useLocalDpi xmlns:a14="http://schemas.microsoft.com/office/drawing/2010/main" val="0"/>
               </a:ext>
             </a:extLst>
-          </p:cNvPr>
-          <p:cNvSpPr>
-            <a:spLocks noGrp="1"/>
-          </p:cNvSpPr>
-          <p:nvPr>
-            <p:ph idx="1"/>
-          </p:nvPr>
-        </p:nvSpPr>
-        <p:spPr/>
-        <p:txBody>
-          <a:bodyPr/>
-          <a:lstStyle/>
-          <a:p>
-            <a:r>
-              <a:rPr lang="de-DE" dirty="0"/>
-              <a:t> </a:t>
-            </a:r>
-            <a:r>
-              <a:rPr lang="de-DE" dirty="0" err="1"/>
-              <a:t>todo</a:t>
-            </a:r>
-            <a:r>
-              <a:rPr lang="de-DE" dirty="0"/>
-              <a:t> h-s </a:t>
-            </a:r>
-            <a:r>
-              <a:rPr lang="de-DE" dirty="0" err="1"/>
-              <a:t>diagramm</a:t>
-            </a:r>
-            <a:r>
-              <a:rPr lang="de-DE" dirty="0"/>
-              <a:t>, </a:t>
-            </a:r>
-            <a:r>
-              <a:rPr lang="de-DE" dirty="0" err="1"/>
-              <a:t>turbine</a:t>
-            </a:r>
-            <a:endParaRPr lang="de-DE" dirty="0"/>
-          </a:p>
-        </p:txBody>
-      </p:sp>
+          </a:blip>
+          <a:stretch>
+            <a:fillRect/>
+          </a:stretch>
+        </p:blipFill>
+        <p:spPr>
+          <a:xfrm>
+            <a:off x="5436096" y="3138721"/>
+            <a:ext cx="3388348" cy="3109159"/>
+          </a:xfrm>
+          <a:prstGeom prst="rect">
+            <a:avLst/>
+          </a:prstGeom>
+        </p:spPr>
+      </p:pic>
     </p:spTree>
     <p:extLst>
       <p:ext uri="{BB962C8B-B14F-4D97-AF65-F5344CB8AC3E}">
@@ -11298,6 +12631,89 @@
           <p:cNvPr id="2" name="Titel 1">
             <a:extLst>
               <a:ext uri="{FF2B5EF4-FFF2-40B4-BE49-F238E27FC236}">
+                <a16:creationId xmlns:a16="http://schemas.microsoft.com/office/drawing/2014/main" id="{567295BF-59BC-4790-BE10-E5EA8E651CF7}"/>
+              </a:ext>
+            </a:extLst>
+          </p:cNvPr>
+          <p:cNvSpPr>
+            <a:spLocks noGrp="1"/>
+          </p:cNvSpPr>
+          <p:nvPr>
+            <p:ph type="title"/>
+          </p:nvPr>
+        </p:nvSpPr>
+        <p:spPr/>
+        <p:txBody>
+          <a:bodyPr/>
+          <a:lstStyle/>
+          <a:p>
+            <a:r>
+              <a:rPr lang="de-DE" dirty="0"/>
+              <a:t>Gittertypen</a:t>
+            </a:r>
+          </a:p>
+        </p:txBody>
+      </p:sp>
+      <p:sp>
+        <p:nvSpPr>
+          <p:cNvPr id="3" name="Inhaltsplatzhalter 2">
+            <a:extLst>
+              <a:ext uri="{FF2B5EF4-FFF2-40B4-BE49-F238E27FC236}">
+                <a16:creationId xmlns:a16="http://schemas.microsoft.com/office/drawing/2014/main" id="{D606D352-88BD-413E-A7A6-8351F4C79A8D}"/>
+              </a:ext>
+            </a:extLst>
+          </p:cNvPr>
+          <p:cNvSpPr>
+            <a:spLocks noGrp="1"/>
+          </p:cNvSpPr>
+          <p:nvPr>
+            <p:ph idx="1"/>
+          </p:nvPr>
+        </p:nvSpPr>
+        <p:spPr/>
+        <p:txBody>
+          <a:bodyPr/>
+          <a:lstStyle/>
+          <a:p>
+            <a:endParaRPr lang="de-DE"/>
+          </a:p>
+        </p:txBody>
+      </p:sp>
+    </p:spTree>
+    <p:extLst>
+      <p:ext uri="{BB962C8B-B14F-4D97-AF65-F5344CB8AC3E}">
+        <p14:creationId xmlns:p14="http://schemas.microsoft.com/office/powerpoint/2010/main" val="1475235550"/>
+      </p:ext>
+    </p:extLst>
+  </p:cSld>
+  <p:clrMapOvr>
+    <a:masterClrMapping/>
+  </p:clrMapOvr>
+</p:sld>
+</file>
+
+<file path=ppt/slides/slide8.xml><?xml version="1.0" encoding="utf-8"?>
+<p:sld xmlns:a="http://schemas.openxmlformats.org/drawingml/2006/main" xmlns:r="http://schemas.openxmlformats.org/officeDocument/2006/relationships" xmlns:p="http://schemas.openxmlformats.org/presentationml/2006/main">
+  <p:cSld>
+    <p:spTree>
+      <p:nvGrpSpPr>
+        <p:cNvPr id="1" name=""/>
+        <p:cNvGrpSpPr/>
+        <p:nvPr/>
+      </p:nvGrpSpPr>
+      <p:grpSpPr>
+        <a:xfrm>
+          <a:off x="0" y="0"/>
+          <a:ext cx="0" cy="0"/>
+          <a:chOff x="0" y="0"/>
+          <a:chExt cx="0" cy="0"/>
+        </a:xfrm>
+      </p:grpSpPr>
+      <p:sp>
+        <p:nvSpPr>
+          <p:cNvPr id="2" name="Titel 1">
+            <a:extLst>
+              <a:ext uri="{FF2B5EF4-FFF2-40B4-BE49-F238E27FC236}">
                 <a16:creationId xmlns:a16="http://schemas.microsoft.com/office/drawing/2014/main" id="{8DE61EE4-0A2E-4DFD-BE73-F3D4D2210025}"/>
               </a:ext>
             </a:extLst>
@@ -11674,7 +13090,7 @@
 </p:sld>
 </file>
 
-<file path=ppt/slides/slide8.xml><?xml version="1.0" encoding="utf-8"?>
+<file path=ppt/slides/slide9.xml><?xml version="1.0" encoding="utf-8"?>
 <p:sld xmlns:a="http://schemas.openxmlformats.org/drawingml/2006/main" xmlns:r="http://schemas.openxmlformats.org/officeDocument/2006/relationships" xmlns:p="http://schemas.openxmlformats.org/presentationml/2006/main">
   <p:cSld>
     <p:spTree>
@@ -11820,7 +13236,7 @@
             </a:bodyPr>
             <a:lstStyle/>
             <a:p>
-              <a:endParaRPr lang="de-DE"/>
+              <a:endParaRPr lang="de-DE" dirty="0"/>
             </a:p>
           </p:txBody>
         </p:sp>
@@ -38868,120 +40284,6 @@
     <p:extLst>
       <p:ext uri="{BB962C8B-B14F-4D97-AF65-F5344CB8AC3E}">
         <p14:creationId xmlns:p14="http://schemas.microsoft.com/office/powerpoint/2010/main" val="3853161724"/>
-      </p:ext>
-    </p:extLst>
-  </p:cSld>
-  <p:clrMapOvr>
-    <a:masterClrMapping/>
-  </p:clrMapOvr>
-</p:sld>
-</file>
-
-<file path=ppt/slides/slide9.xml><?xml version="1.0" encoding="utf-8"?>
-<p:sld xmlns:a="http://schemas.openxmlformats.org/drawingml/2006/main" xmlns:r="http://schemas.openxmlformats.org/officeDocument/2006/relationships" xmlns:p="http://schemas.openxmlformats.org/presentationml/2006/main">
-  <p:cSld>
-    <p:spTree>
-      <p:nvGrpSpPr>
-        <p:cNvPr id="1" name=""/>
-        <p:cNvGrpSpPr/>
-        <p:nvPr/>
-      </p:nvGrpSpPr>
-      <p:grpSpPr>
-        <a:xfrm>
-          <a:off x="0" y="0"/>
-          <a:ext cx="0" cy="0"/>
-          <a:chOff x="0" y="0"/>
-          <a:chExt cx="0" cy="0"/>
-        </a:xfrm>
-      </p:grpSpPr>
-      <p:sp>
-        <p:nvSpPr>
-          <p:cNvPr id="2" name="Titel 1">
-            <a:extLst>
-              <a:ext uri="{FF2B5EF4-FFF2-40B4-BE49-F238E27FC236}">
-                <a16:creationId xmlns:a16="http://schemas.microsoft.com/office/drawing/2014/main" id="{094F379C-23F4-4D35-86D6-1D1C29CAB88B}"/>
-              </a:ext>
-            </a:extLst>
-          </p:cNvPr>
-          <p:cNvSpPr>
-            <a:spLocks noGrp="1"/>
-          </p:cNvSpPr>
-          <p:nvPr>
-            <p:ph type="title"/>
-          </p:nvPr>
-        </p:nvSpPr>
-        <p:spPr/>
-        <p:txBody>
-          <a:bodyPr/>
-          <a:lstStyle/>
-          <a:p>
-            <a:r>
-              <a:rPr lang="de-DE" dirty="0"/>
-              <a:t>Aachen-Turbine: Vorgehen</a:t>
-            </a:r>
-          </a:p>
-        </p:txBody>
-      </p:sp>
-      <p:sp>
-        <p:nvSpPr>
-          <p:cNvPr id="3" name="Inhaltsplatzhalter 2">
-            <a:extLst>
-              <a:ext uri="{FF2B5EF4-FFF2-40B4-BE49-F238E27FC236}">
-                <a16:creationId xmlns:a16="http://schemas.microsoft.com/office/drawing/2014/main" id="{1C3E671A-136E-4360-89A9-AD9DB1ED1606}"/>
-              </a:ext>
-            </a:extLst>
-          </p:cNvPr>
-          <p:cNvSpPr>
-            <a:spLocks noGrp="1"/>
-          </p:cNvSpPr>
-          <p:nvPr>
-            <p:ph idx="1"/>
-          </p:nvPr>
-        </p:nvSpPr>
-        <p:spPr/>
-        <p:txBody>
-          <a:bodyPr/>
-          <a:lstStyle/>
-          <a:p>
-            <a:r>
-              <a:rPr lang="de-DE" dirty="0"/>
-              <a:t>Spaltverfeinerungen</a:t>
-            </a:r>
-          </a:p>
-          <a:p>
-            <a:r>
-              <a:rPr lang="de-DE" dirty="0"/>
-              <a:t>Y+</a:t>
-            </a:r>
-          </a:p>
-          <a:p>
-            <a:r>
-              <a:rPr lang="de-DE" dirty="0"/>
-              <a:t>Gitterstudie + </a:t>
-            </a:r>
-            <a:r>
-              <a:rPr lang="de-DE" dirty="0" err="1"/>
-              <a:t>abbildung</a:t>
-            </a:r>
-            <a:endParaRPr lang="de-DE" dirty="0"/>
-          </a:p>
-          <a:p>
-            <a:r>
-              <a:rPr lang="de-DE" dirty="0"/>
-              <a:t>Ziel: netzunabhängige </a:t>
-            </a:r>
-            <a:r>
-              <a:rPr lang="de-DE" dirty="0" err="1"/>
-              <a:t>ergebnisse</a:t>
-            </a:r>
-            <a:endParaRPr lang="de-DE" dirty="0"/>
-          </a:p>
-        </p:txBody>
-      </p:sp>
-    </p:spTree>
-    <p:extLst>
-      <p:ext uri="{BB962C8B-B14F-4D97-AF65-F5344CB8AC3E}">
-        <p14:creationId xmlns:p14="http://schemas.microsoft.com/office/powerpoint/2010/main" val="378787473"/>
       </p:ext>
     </p:extLst>
   </p:cSld>

--- a/Präsentation/Abschluss_Präsentation.pptx
+++ b/Präsentation/Abschluss_Präsentation.pptx
@@ -5,10 +5,10 @@
     <p:sldMasterId id="2147483648" r:id="rId2"/>
   </p:sldMasterIdLst>
   <p:notesMasterIdLst>
-    <p:notesMasterId r:id="rId21"/>
+    <p:notesMasterId r:id="rId25"/>
   </p:notesMasterIdLst>
   <p:handoutMasterIdLst>
-    <p:handoutMasterId r:id="rId22"/>
+    <p:handoutMasterId r:id="rId26"/>
   </p:handoutMasterIdLst>
   <p:sldIdLst>
     <p:sldId id="281" r:id="rId3"/>
@@ -21,14 +21,18 @@
     <p:sldId id="297" r:id="rId10"/>
     <p:sldId id="290" r:id="rId11"/>
     <p:sldId id="298" r:id="rId12"/>
-    <p:sldId id="272" r:id="rId13"/>
-    <p:sldId id="273" r:id="rId14"/>
-    <p:sldId id="286" r:id="rId15"/>
-    <p:sldId id="287" r:id="rId16"/>
-    <p:sldId id="288" r:id="rId17"/>
-    <p:sldId id="289" r:id="rId18"/>
-    <p:sldId id="292" r:id="rId19"/>
-    <p:sldId id="293" r:id="rId20"/>
+    <p:sldId id="299" r:id="rId13"/>
+    <p:sldId id="300" r:id="rId14"/>
+    <p:sldId id="301" r:id="rId15"/>
+    <p:sldId id="302" r:id="rId16"/>
+    <p:sldId id="273" r:id="rId17"/>
+    <p:sldId id="286" r:id="rId18"/>
+    <p:sldId id="287" r:id="rId19"/>
+    <p:sldId id="303" r:id="rId20"/>
+    <p:sldId id="288" r:id="rId21"/>
+    <p:sldId id="289" r:id="rId22"/>
+    <p:sldId id="292" r:id="rId23"/>
+    <p:sldId id="293" r:id="rId24"/>
   </p:sldIdLst>
   <p:sldSz cx="9144000" cy="6858000" type="screen4x3"/>
   <p:notesSz cx="6858000" cy="9144000"/>
@@ -1439,7 +1443,10 @@
           <a:bodyPr/>
           <a:lstStyle/>
           <a:p>
-            <a:endParaRPr lang="de-DE" dirty="0"/>
+            <a:r>
+              <a:rPr lang="de-DE" dirty="0"/>
+              <a:t>Markus</a:t>
+            </a:r>
           </a:p>
         </p:txBody>
       </p:sp>
@@ -1520,6 +1527,432 @@
     </p:spTree>
     <p:extLst>
       <p:ext uri="{BB962C8B-B14F-4D97-AF65-F5344CB8AC3E}">
+        <p14:creationId xmlns:p14="http://schemas.microsoft.com/office/powerpoint/2010/main" val="2636701388"/>
+      </p:ext>
+    </p:extLst>
+  </p:cSld>
+  <p:clrMapOvr>
+    <a:masterClrMapping/>
+  </p:clrMapOvr>
+</p:notes>
+</file>
+
+<file path=ppt/notesSlides/notesSlide11.xml><?xml version="1.0" encoding="utf-8"?>
+<p:notes xmlns:a="http://schemas.openxmlformats.org/drawingml/2006/main" xmlns:r="http://schemas.openxmlformats.org/officeDocument/2006/relationships" xmlns:p="http://schemas.openxmlformats.org/presentationml/2006/main">
+  <p:cSld>
+    <p:spTree>
+      <p:nvGrpSpPr>
+        <p:cNvPr id="1" name=""/>
+        <p:cNvGrpSpPr/>
+        <p:nvPr/>
+      </p:nvGrpSpPr>
+      <p:grpSpPr>
+        <a:xfrm>
+          <a:off x="0" y="0"/>
+          <a:ext cx="0" cy="0"/>
+          <a:chOff x="0" y="0"/>
+          <a:chExt cx="0" cy="0"/>
+        </a:xfrm>
+      </p:grpSpPr>
+      <p:sp>
+        <p:nvSpPr>
+          <p:cNvPr id="2" name="Folienbildplatzhalter 1"/>
+          <p:cNvSpPr>
+            <a:spLocks noGrp="1" noRot="1" noChangeAspect="1"/>
+          </p:cNvSpPr>
+          <p:nvPr>
+            <p:ph type="sldImg"/>
+          </p:nvPr>
+        </p:nvSpPr>
+        <p:spPr>
+          <a:xfrm>
+            <a:off x="1371600" y="923925"/>
+            <a:ext cx="4095750" cy="3071813"/>
+          </a:xfrm>
+        </p:spPr>
+      </p:sp>
+      <p:sp>
+        <p:nvSpPr>
+          <p:cNvPr id="3" name="Notizenplatzhalter 2"/>
+          <p:cNvSpPr>
+            <a:spLocks noGrp="1"/>
+          </p:cNvSpPr>
+          <p:nvPr>
+            <p:ph type="body" idx="1"/>
+          </p:nvPr>
+        </p:nvSpPr>
+        <p:spPr/>
+        <p:txBody>
+          <a:bodyPr/>
+          <a:lstStyle/>
+          <a:p>
+            <a:r>
+              <a:rPr lang="de-DE" dirty="0"/>
+              <a:t>Markus</a:t>
+            </a:r>
+          </a:p>
+        </p:txBody>
+      </p:sp>
+      <p:sp>
+        <p:nvSpPr>
+          <p:cNvPr id="4" name="Datumsplatzhalter 3"/>
+          <p:cNvSpPr>
+            <a:spLocks noGrp="1"/>
+          </p:cNvSpPr>
+          <p:nvPr>
+            <p:ph type="dt" idx="10"/>
+          </p:nvPr>
+        </p:nvSpPr>
+        <p:spPr/>
+        <p:txBody>
+          <a:bodyPr/>
+          <a:lstStyle/>
+          <a:p>
+            <a:fld id="{065B079B-E513-489A-8A1B-D7C78493EA86}" type="datetime4">
+              <a:rPr lang="de-DE" smtClean="0"/>
+              <a:pPr/>
+              <a:t>7. Juli 2017</a:t>
+            </a:fld>
+            <a:endParaRPr lang="de-DE"/>
+          </a:p>
+        </p:txBody>
+      </p:sp>
+      <p:sp>
+        <p:nvSpPr>
+          <p:cNvPr id="5" name="Fußzeilenplatzhalter 4"/>
+          <p:cNvSpPr>
+            <a:spLocks noGrp="1"/>
+          </p:cNvSpPr>
+          <p:nvPr>
+            <p:ph type="ftr" sz="quarter" idx="11"/>
+          </p:nvPr>
+        </p:nvSpPr>
+        <p:spPr/>
+        <p:txBody>
+          <a:bodyPr/>
+          <a:lstStyle/>
+          <a:p>
+            <a:r>
+              <a:rPr lang="de-DE"/>
+              <a:t>|  </a:t>
+            </a:r>
+          </a:p>
+        </p:txBody>
+      </p:sp>
+      <p:sp>
+        <p:nvSpPr>
+          <p:cNvPr id="6" name="Foliennummernplatzhalter 5"/>
+          <p:cNvSpPr>
+            <a:spLocks noGrp="1"/>
+          </p:cNvSpPr>
+          <p:nvPr>
+            <p:ph type="sldNum" sz="quarter" idx="12"/>
+          </p:nvPr>
+        </p:nvSpPr>
+        <p:spPr/>
+        <p:txBody>
+          <a:bodyPr/>
+          <a:lstStyle/>
+          <a:p>
+            <a:r>
+              <a:rPr lang="de-DE"/>
+              <a:t>|  </a:t>
+            </a:r>
+            <a:fld id="{C36AA9A4-5D0B-4134-89A6-D8B9DAA4F25C}" type="slidenum">
+              <a:rPr lang="de-DE" smtClean="0"/>
+              <a:pPr/>
+              <a:t>13</a:t>
+            </a:fld>
+            <a:endParaRPr lang="de-DE"/>
+          </a:p>
+        </p:txBody>
+      </p:sp>
+    </p:spTree>
+    <p:extLst>
+      <p:ext uri="{BB962C8B-B14F-4D97-AF65-F5344CB8AC3E}">
+        <p14:creationId xmlns:p14="http://schemas.microsoft.com/office/powerpoint/2010/main" val="2306038979"/>
+      </p:ext>
+    </p:extLst>
+  </p:cSld>
+  <p:clrMapOvr>
+    <a:masterClrMapping/>
+  </p:clrMapOvr>
+</p:notes>
+</file>
+
+<file path=ppt/notesSlides/notesSlide12.xml><?xml version="1.0" encoding="utf-8"?>
+<p:notes xmlns:a="http://schemas.openxmlformats.org/drawingml/2006/main" xmlns:r="http://schemas.openxmlformats.org/officeDocument/2006/relationships" xmlns:p="http://schemas.openxmlformats.org/presentationml/2006/main">
+  <p:cSld>
+    <p:spTree>
+      <p:nvGrpSpPr>
+        <p:cNvPr id="1" name=""/>
+        <p:cNvGrpSpPr/>
+        <p:nvPr/>
+      </p:nvGrpSpPr>
+      <p:grpSpPr>
+        <a:xfrm>
+          <a:off x="0" y="0"/>
+          <a:ext cx="0" cy="0"/>
+          <a:chOff x="0" y="0"/>
+          <a:chExt cx="0" cy="0"/>
+        </a:xfrm>
+      </p:grpSpPr>
+      <p:sp>
+        <p:nvSpPr>
+          <p:cNvPr id="2" name="Folienbildplatzhalter 1"/>
+          <p:cNvSpPr>
+            <a:spLocks noGrp="1" noRot="1" noChangeAspect="1"/>
+          </p:cNvSpPr>
+          <p:nvPr>
+            <p:ph type="sldImg"/>
+          </p:nvPr>
+        </p:nvSpPr>
+        <p:spPr>
+          <a:xfrm>
+            <a:off x="1371600" y="923925"/>
+            <a:ext cx="4095750" cy="3071813"/>
+          </a:xfrm>
+        </p:spPr>
+      </p:sp>
+      <p:sp>
+        <p:nvSpPr>
+          <p:cNvPr id="3" name="Notizenplatzhalter 2"/>
+          <p:cNvSpPr>
+            <a:spLocks noGrp="1"/>
+          </p:cNvSpPr>
+          <p:nvPr>
+            <p:ph type="body" idx="1"/>
+          </p:nvPr>
+        </p:nvSpPr>
+        <p:spPr/>
+        <p:txBody>
+          <a:bodyPr/>
+          <a:lstStyle/>
+          <a:p>
+            <a:r>
+              <a:rPr lang="de-DE" dirty="0"/>
+              <a:t>Markus</a:t>
+            </a:r>
+          </a:p>
+        </p:txBody>
+      </p:sp>
+      <p:sp>
+        <p:nvSpPr>
+          <p:cNvPr id="4" name="Datumsplatzhalter 3"/>
+          <p:cNvSpPr>
+            <a:spLocks noGrp="1"/>
+          </p:cNvSpPr>
+          <p:nvPr>
+            <p:ph type="dt" idx="10"/>
+          </p:nvPr>
+        </p:nvSpPr>
+        <p:spPr/>
+        <p:txBody>
+          <a:bodyPr/>
+          <a:lstStyle/>
+          <a:p>
+            <a:fld id="{065B079B-E513-489A-8A1B-D7C78493EA86}" type="datetime4">
+              <a:rPr lang="de-DE" smtClean="0"/>
+              <a:pPr/>
+              <a:t>7. Juli 2017</a:t>
+            </a:fld>
+            <a:endParaRPr lang="de-DE"/>
+          </a:p>
+        </p:txBody>
+      </p:sp>
+      <p:sp>
+        <p:nvSpPr>
+          <p:cNvPr id="5" name="Fußzeilenplatzhalter 4"/>
+          <p:cNvSpPr>
+            <a:spLocks noGrp="1"/>
+          </p:cNvSpPr>
+          <p:nvPr>
+            <p:ph type="ftr" sz="quarter" idx="11"/>
+          </p:nvPr>
+        </p:nvSpPr>
+        <p:spPr/>
+        <p:txBody>
+          <a:bodyPr/>
+          <a:lstStyle/>
+          <a:p>
+            <a:r>
+              <a:rPr lang="de-DE"/>
+              <a:t>|  </a:t>
+            </a:r>
+          </a:p>
+        </p:txBody>
+      </p:sp>
+      <p:sp>
+        <p:nvSpPr>
+          <p:cNvPr id="6" name="Foliennummernplatzhalter 5"/>
+          <p:cNvSpPr>
+            <a:spLocks noGrp="1"/>
+          </p:cNvSpPr>
+          <p:nvPr>
+            <p:ph type="sldNum" sz="quarter" idx="12"/>
+          </p:nvPr>
+        </p:nvSpPr>
+        <p:spPr/>
+        <p:txBody>
+          <a:bodyPr/>
+          <a:lstStyle/>
+          <a:p>
+            <a:r>
+              <a:rPr lang="de-DE"/>
+              <a:t>|  </a:t>
+            </a:r>
+            <a:fld id="{C36AA9A4-5D0B-4134-89A6-D8B9DAA4F25C}" type="slidenum">
+              <a:rPr lang="de-DE" smtClean="0"/>
+              <a:pPr/>
+              <a:t>14</a:t>
+            </a:fld>
+            <a:endParaRPr lang="de-DE"/>
+          </a:p>
+        </p:txBody>
+      </p:sp>
+    </p:spTree>
+    <p:extLst>
+      <p:ext uri="{BB962C8B-B14F-4D97-AF65-F5344CB8AC3E}">
+        <p14:creationId xmlns:p14="http://schemas.microsoft.com/office/powerpoint/2010/main" val="720183255"/>
+      </p:ext>
+    </p:extLst>
+  </p:cSld>
+  <p:clrMapOvr>
+    <a:masterClrMapping/>
+  </p:clrMapOvr>
+</p:notes>
+</file>
+
+<file path=ppt/notesSlides/notesSlide13.xml><?xml version="1.0" encoding="utf-8"?>
+<p:notes xmlns:a="http://schemas.openxmlformats.org/drawingml/2006/main" xmlns:r="http://schemas.openxmlformats.org/officeDocument/2006/relationships" xmlns:p="http://schemas.openxmlformats.org/presentationml/2006/main">
+  <p:cSld>
+    <p:spTree>
+      <p:nvGrpSpPr>
+        <p:cNvPr id="1" name=""/>
+        <p:cNvGrpSpPr/>
+        <p:nvPr/>
+      </p:nvGrpSpPr>
+      <p:grpSpPr>
+        <a:xfrm>
+          <a:off x="0" y="0"/>
+          <a:ext cx="0" cy="0"/>
+          <a:chOff x="0" y="0"/>
+          <a:chExt cx="0" cy="0"/>
+        </a:xfrm>
+      </p:grpSpPr>
+      <p:sp>
+        <p:nvSpPr>
+          <p:cNvPr id="2" name="Folienbildplatzhalter 1"/>
+          <p:cNvSpPr>
+            <a:spLocks noGrp="1" noRot="1" noChangeAspect="1"/>
+          </p:cNvSpPr>
+          <p:nvPr>
+            <p:ph type="sldImg"/>
+          </p:nvPr>
+        </p:nvSpPr>
+        <p:spPr>
+          <a:xfrm>
+            <a:off x="1371600" y="923925"/>
+            <a:ext cx="4095750" cy="3071813"/>
+          </a:xfrm>
+        </p:spPr>
+      </p:sp>
+      <p:sp>
+        <p:nvSpPr>
+          <p:cNvPr id="3" name="Notizenplatzhalter 2"/>
+          <p:cNvSpPr>
+            <a:spLocks noGrp="1"/>
+          </p:cNvSpPr>
+          <p:nvPr>
+            <p:ph type="body" idx="1"/>
+          </p:nvPr>
+        </p:nvSpPr>
+        <p:spPr/>
+        <p:txBody>
+          <a:bodyPr/>
+          <a:lstStyle/>
+          <a:p>
+            <a:endParaRPr lang="de-DE" dirty="0"/>
+          </a:p>
+        </p:txBody>
+      </p:sp>
+      <p:sp>
+        <p:nvSpPr>
+          <p:cNvPr id="4" name="Datumsplatzhalter 3"/>
+          <p:cNvSpPr>
+            <a:spLocks noGrp="1"/>
+          </p:cNvSpPr>
+          <p:nvPr>
+            <p:ph type="dt" idx="10"/>
+          </p:nvPr>
+        </p:nvSpPr>
+        <p:spPr/>
+        <p:txBody>
+          <a:bodyPr/>
+          <a:lstStyle/>
+          <a:p>
+            <a:fld id="{065B079B-E513-489A-8A1B-D7C78493EA86}" type="datetime4">
+              <a:rPr lang="de-DE" smtClean="0"/>
+              <a:pPr/>
+              <a:t>7. Juli 2017</a:t>
+            </a:fld>
+            <a:endParaRPr lang="de-DE"/>
+          </a:p>
+        </p:txBody>
+      </p:sp>
+      <p:sp>
+        <p:nvSpPr>
+          <p:cNvPr id="5" name="Fußzeilenplatzhalter 4"/>
+          <p:cNvSpPr>
+            <a:spLocks noGrp="1"/>
+          </p:cNvSpPr>
+          <p:nvPr>
+            <p:ph type="ftr" sz="quarter" idx="11"/>
+          </p:nvPr>
+        </p:nvSpPr>
+        <p:spPr/>
+        <p:txBody>
+          <a:bodyPr/>
+          <a:lstStyle/>
+          <a:p>
+            <a:r>
+              <a:rPr lang="de-DE"/>
+              <a:t>|  </a:t>
+            </a:r>
+          </a:p>
+        </p:txBody>
+      </p:sp>
+      <p:sp>
+        <p:nvSpPr>
+          <p:cNvPr id="6" name="Foliennummernplatzhalter 5"/>
+          <p:cNvSpPr>
+            <a:spLocks noGrp="1"/>
+          </p:cNvSpPr>
+          <p:nvPr>
+            <p:ph type="sldNum" sz="quarter" idx="12"/>
+          </p:nvPr>
+        </p:nvSpPr>
+        <p:spPr/>
+        <p:txBody>
+          <a:bodyPr/>
+          <a:lstStyle/>
+          <a:p>
+            <a:r>
+              <a:rPr lang="de-DE"/>
+              <a:t>|  </a:t>
+            </a:r>
+            <a:fld id="{C36AA9A4-5D0B-4134-89A6-D8B9DAA4F25C}" type="slidenum">
+              <a:rPr lang="de-DE" smtClean="0"/>
+              <a:pPr/>
+              <a:t>15</a:t>
+            </a:fld>
+            <a:endParaRPr lang="de-DE"/>
+          </a:p>
+        </p:txBody>
+      </p:sp>
+    </p:spTree>
+    <p:extLst>
+      <p:ext uri="{BB962C8B-B14F-4D97-AF65-F5344CB8AC3E}">
         <p14:creationId xmlns:p14="http://schemas.microsoft.com/office/powerpoint/2010/main" val="228396535"/>
       </p:ext>
     </p:extLst>
@@ -1530,7 +1963,7 @@
 </p:notes>
 </file>
 
-<file path=ppt/notesSlides/notesSlide11.xml><?xml version="1.0" encoding="utf-8"?>
+<file path=ppt/notesSlides/notesSlide14.xml><?xml version="1.0" encoding="utf-8"?>
 <p:notes xmlns:a="http://schemas.openxmlformats.org/drawingml/2006/main" xmlns:r="http://schemas.openxmlformats.org/officeDocument/2006/relationships" xmlns:p="http://schemas.openxmlformats.org/presentationml/2006/main">
   <p:cSld>
     <p:spTree>
@@ -1655,7 +2088,7 @@
             <a:fld id="{C36AA9A4-5D0B-4134-89A6-D8B9DAA4F25C}" type="slidenum">
               <a:rPr lang="de-DE" smtClean="0"/>
               <a:pPr/>
-              <a:t>13</a:t>
+              <a:t>16</a:t>
             </a:fld>
             <a:endParaRPr lang="de-DE"/>
           </a:p>
@@ -1674,7 +2107,7 @@
 </p:notes>
 </file>
 
-<file path=ppt/notesSlides/notesSlide12.xml><?xml version="1.0" encoding="utf-8"?>
+<file path=ppt/notesSlides/notesSlide15.xml><?xml version="1.0" encoding="utf-8"?>
 <p:notes xmlns:a="http://schemas.openxmlformats.org/drawingml/2006/main" xmlns:r="http://schemas.openxmlformats.org/officeDocument/2006/relationships" xmlns:p="http://schemas.openxmlformats.org/presentationml/2006/main">
   <p:cSld>
     <p:spTree>
@@ -1823,7 +2256,7 @@
             <a:fld id="{C36AA9A4-5D0B-4134-89A6-D8B9DAA4F25C}" type="slidenum">
               <a:rPr lang="de-DE" smtClean="0"/>
               <a:pPr/>
-              <a:t>16</a:t>
+              <a:t>20</a:t>
             </a:fld>
             <a:endParaRPr lang="de-DE"/>
           </a:p>
@@ -1842,7 +2275,7 @@
 </p:notes>
 </file>
 
-<file path=ppt/notesSlides/notesSlide13.xml><?xml version="1.0" encoding="utf-8"?>
+<file path=ppt/notesSlides/notesSlide16.xml><?xml version="1.0" encoding="utf-8"?>
 <p:notes xmlns:a="http://schemas.openxmlformats.org/drawingml/2006/main" xmlns:r="http://schemas.openxmlformats.org/officeDocument/2006/relationships" xmlns:p="http://schemas.openxmlformats.org/presentationml/2006/main">
   <p:cSld>
     <p:spTree>
@@ -1966,7 +2399,7 @@
             <a:fld id="{C36AA9A4-5D0B-4134-89A6-D8B9DAA4F25C}" type="slidenum">
               <a:rPr lang="de-DE" smtClean="0"/>
               <a:pPr/>
-              <a:t>17</a:t>
+              <a:t>21</a:t>
             </a:fld>
             <a:endParaRPr lang="de-DE"/>
           </a:p>
@@ -1985,7 +2418,7 @@
 </p:notes>
 </file>
 
-<file path=ppt/notesSlides/notesSlide14.xml><?xml version="1.0" encoding="utf-8"?>
+<file path=ppt/notesSlides/notesSlide17.xml><?xml version="1.0" encoding="utf-8"?>
 <p:notes xmlns:a="http://schemas.openxmlformats.org/drawingml/2006/main" xmlns:r="http://schemas.openxmlformats.org/officeDocument/2006/relationships" xmlns:p="http://schemas.openxmlformats.org/presentationml/2006/main">
   <p:cSld>
     <p:spTree>
@@ -2115,7 +2548,7 @@
             <a:fld id="{C36AA9A4-5D0B-4134-89A6-D8B9DAA4F25C}" type="slidenum">
               <a:rPr lang="de-DE" smtClean="0"/>
               <a:pPr/>
-              <a:t>18</a:t>
+              <a:t>22</a:t>
             </a:fld>
             <a:endParaRPr lang="de-DE"/>
           </a:p>
@@ -3355,7 +3788,7 @@
     </p:spTree>
     <p:extLst>
       <p:ext uri="{BB962C8B-B14F-4D97-AF65-F5344CB8AC3E}">
-        <p14:creationId xmlns:p14="http://schemas.microsoft.com/office/powerpoint/2010/main" val="3915813997"/>
+        <p14:creationId xmlns:p14="http://schemas.microsoft.com/office/powerpoint/2010/main" val="2752246752"/>
       </p:ext>
     </p:extLst>
   </p:cSld>
@@ -24969,7 +25402,15 @@
             <a:pPr lvl="2"/>
             <a:r>
               <a:rPr lang="de-DE" dirty="0"/>
-              <a:t>Totaltemperatur:</a:t>
+              <a:t>Totaltemperatur (</a:t>
+            </a:r>
+            <a:r>
+              <a:rPr lang="de-DE" dirty="0" err="1"/>
+              <a:t>Inlet</a:t>
+            </a:r>
+            <a:r>
+              <a:rPr lang="de-DE" dirty="0"/>
+              <a:t>):</a:t>
             </a:r>
           </a:p>
           <a:p>
@@ -24980,7 +25421,7 @@
             <a:pPr lvl="2"/>
             <a:r>
               <a:rPr lang="de-DE" dirty="0"/>
-              <a:t>Masseneintrittsstrom:</a:t>
+              <a:t>Massenaustrittsstrom:</a:t>
             </a:r>
           </a:p>
           <a:p>
@@ -25002,7 +25443,15 @@
             <a:pPr lvl="2"/>
             <a:r>
               <a:rPr lang="de-DE" dirty="0"/>
-              <a:t>Totaldruckprofil:</a:t>
+              <a:t>Totaldruckprofil (</a:t>
+            </a:r>
+            <a:r>
+              <a:rPr lang="de-DE" dirty="0" err="1"/>
+              <a:t>Inlet</a:t>
+            </a:r>
+            <a:r>
+              <a:rPr lang="de-DE" dirty="0"/>
+              <a:t>):</a:t>
             </a:r>
           </a:p>
           <a:p>
@@ -25266,7 +25715,7 @@
           <a:p>
             <a:r>
               <a:rPr lang="de-DE" dirty="0"/>
-              <a:t>Aachen-Turbine: Vorgehen</a:t>
+              <a:t>Aachen-Turbine: Vorgehen (1)</a:t>
             </a:r>
           </a:p>
         </p:txBody>
@@ -25287,50 +25736,87 @@
             <p:ph idx="1"/>
           </p:nvPr>
         </p:nvSpPr>
-        <p:spPr/>
+        <p:spPr>
+          <a:xfrm>
+            <a:off x="360000" y="1620001"/>
+            <a:ext cx="6823569" cy="4329280"/>
+          </a:xfrm>
+        </p:spPr>
         <p:txBody>
           <a:bodyPr/>
           <a:lstStyle/>
           <a:p>
             <a:r>
               <a:rPr lang="de-DE" dirty="0"/>
-              <a:t>Spaltverfeinerungen</a:t>
+              <a:t>Erstellung eines Referenzgitters mit AutoGrid5</a:t>
             </a:r>
           </a:p>
           <a:p>
             <a:r>
               <a:rPr lang="de-DE" dirty="0"/>
-              <a:t>Y+</a:t>
+              <a:t>Manuelle Optimierung für ausreichend gute Netzqualität:</a:t>
+            </a:r>
+          </a:p>
+          <a:p>
+            <a:pPr lvl="2"/>
+            <a:r>
+              <a:rPr lang="de-DE" dirty="0"/>
+              <a:t>Keine negativen Kontrollvolumen</a:t>
+            </a:r>
+          </a:p>
+          <a:p>
+            <a:pPr lvl="2"/>
+            <a:r>
+              <a:rPr lang="de-DE" dirty="0"/>
+              <a:t>Kleinster Winkel einer Zelle &gt; 20°</a:t>
+            </a:r>
+          </a:p>
+          <a:p>
+            <a:pPr lvl="2"/>
+            <a:r>
+              <a:rPr lang="de-DE" dirty="0"/>
+              <a:t>Expansion </a:t>
+            </a:r>
+            <a:r>
+              <a:rPr lang="de-DE" dirty="0" err="1"/>
+              <a:t>ratio</a:t>
+            </a:r>
+            <a:r>
+              <a:rPr lang="de-DE" dirty="0"/>
+              <a:t> &lt; 3</a:t>
+            </a:r>
+          </a:p>
+          <a:p>
+            <a:pPr lvl="2"/>
+            <a:r>
+              <a:rPr lang="de-DE" dirty="0" err="1"/>
+              <a:t>Aspect</a:t>
+            </a:r>
+            <a:r>
+              <a:rPr lang="de-DE" dirty="0"/>
+              <a:t> </a:t>
+            </a:r>
+            <a:r>
+              <a:rPr lang="de-DE" dirty="0" err="1"/>
+              <a:t>ratio</a:t>
+            </a:r>
+            <a:r>
+              <a:rPr lang="de-DE" dirty="0"/>
+              <a:t> &lt; 1500</a:t>
             </a:r>
           </a:p>
           <a:p>
             <a:r>
               <a:rPr lang="de-DE" dirty="0"/>
-              <a:t>Gitterstudie + </a:t>
+              <a:t>Spaltverfeinerung</a:t>
             </a:r>
-            <a:r>
-              <a:rPr lang="de-DE" dirty="0" err="1"/>
-              <a:t>abbildung</a:t>
-            </a:r>
-            <a:endParaRPr lang="de-DE" dirty="0"/>
-          </a:p>
-          <a:p>
-            <a:r>
-              <a:rPr lang="de-DE" dirty="0"/>
-              <a:t>Ziel: netzunabhängige </a:t>
-            </a:r>
-            <a:r>
-              <a:rPr lang="de-DE" dirty="0" err="1"/>
-              <a:t>ergebnisse</a:t>
-            </a:r>
-            <a:endParaRPr lang="de-DE" dirty="0"/>
           </a:p>
         </p:txBody>
       </p:sp>
     </p:spTree>
     <p:extLst>
       <p:ext uri="{BB962C8B-B14F-4D97-AF65-F5344CB8AC3E}">
-        <p14:creationId xmlns:p14="http://schemas.microsoft.com/office/powerpoint/2010/main" val="378787473"/>
+        <p14:creationId xmlns:p14="http://schemas.microsoft.com/office/powerpoint/2010/main" val="909255287"/>
       </p:ext>
     </p:extLst>
   </p:cSld>
@@ -25341,6 +25827,944 @@
 </file>
 
 <file path=ppt/slides/slide12.xml><?xml version="1.0" encoding="utf-8"?>
+<p:sld xmlns:a="http://schemas.openxmlformats.org/drawingml/2006/main" xmlns:r="http://schemas.openxmlformats.org/officeDocument/2006/relationships" xmlns:p="http://schemas.openxmlformats.org/presentationml/2006/main">
+  <p:cSld>
+    <p:spTree>
+      <p:nvGrpSpPr>
+        <p:cNvPr id="1" name=""/>
+        <p:cNvGrpSpPr/>
+        <p:nvPr/>
+      </p:nvGrpSpPr>
+      <p:grpSpPr>
+        <a:xfrm>
+          <a:off x="0" y="0"/>
+          <a:ext cx="0" cy="0"/>
+          <a:chOff x="0" y="0"/>
+          <a:chExt cx="0" cy="0"/>
+        </a:xfrm>
+      </p:grpSpPr>
+      <p:sp>
+        <p:nvSpPr>
+          <p:cNvPr id="2" name="Titel 1">
+            <a:extLst>
+              <a:ext uri="{FF2B5EF4-FFF2-40B4-BE49-F238E27FC236}">
+                <a16:creationId xmlns:a16="http://schemas.microsoft.com/office/drawing/2014/main" id="{094F379C-23F4-4D35-86D6-1D1C29CAB88B}"/>
+              </a:ext>
+            </a:extLst>
+          </p:cNvPr>
+          <p:cNvSpPr>
+            <a:spLocks noGrp="1"/>
+          </p:cNvSpPr>
+          <p:nvPr>
+            <p:ph type="title"/>
+          </p:nvPr>
+        </p:nvSpPr>
+        <p:spPr/>
+        <p:txBody>
+          <a:bodyPr/>
+          <a:lstStyle/>
+          <a:p>
+            <a:r>
+              <a:rPr lang="de-DE" dirty="0"/>
+              <a:t>Aachen-Turbine: Vorgehen (2)</a:t>
+            </a:r>
+          </a:p>
+        </p:txBody>
+      </p:sp>
+      <mc:AlternateContent xmlns:mc="http://schemas.openxmlformats.org/markup-compatibility/2006" xmlns:a14="http://schemas.microsoft.com/office/drawing/2010/main">
+        <mc:Choice Requires="a14">
+          <p:sp>
+            <p:nvSpPr>
+              <p:cNvPr id="3" name="Inhaltsplatzhalter 2">
+                <a:extLst>
+                  <a:ext uri="{FF2B5EF4-FFF2-40B4-BE49-F238E27FC236}">
+                    <a16:creationId xmlns:a16="http://schemas.microsoft.com/office/drawing/2014/main" id="{1C3E671A-136E-4360-89A9-AD9DB1ED1606}"/>
+                  </a:ext>
+                </a:extLst>
+              </p:cNvPr>
+              <p:cNvSpPr>
+                <a:spLocks noGrp="1"/>
+              </p:cNvSpPr>
+              <p:nvPr>
+                <p:ph idx="1"/>
+              </p:nvPr>
+            </p:nvSpPr>
+            <p:spPr>
+              <a:xfrm>
+                <a:off x="360000" y="1620001"/>
+                <a:ext cx="8244448" cy="4329280"/>
+              </a:xfrm>
+            </p:spPr>
+            <p:txBody>
+              <a:bodyPr/>
+              <a:lstStyle/>
+              <a:p>
+                <a:r>
+                  <a:rPr lang="de-DE" dirty="0"/>
+                  <a:t>Einstellen der Grenzschichtdicke</a:t>
+                </a:r>
+              </a:p>
+              <a:p>
+                <a:pPr lvl="2"/>
+                <a:r>
+                  <a:rPr lang="de-DE" dirty="0"/>
+                  <a:t>Bestimmung von </a:t>
+                </a:r>
+                <a14:m>
+                  <m:oMath xmlns:m="http://schemas.openxmlformats.org/officeDocument/2006/math">
+                    <m:sSup>
+                      <m:sSupPr>
+                        <m:ctrlPr>
+                          <a:rPr lang="de-DE" i="1" smtClean="0">
+                            <a:latin typeface="Cambria Math" panose="02040503050406030204" pitchFamily="18" charset="0"/>
+                          </a:rPr>
+                        </m:ctrlPr>
+                      </m:sSupPr>
+                      <m:e>
+                        <m:r>
+                          <a:rPr lang="de-DE" b="0" i="1" smtClean="0">
+                            <a:latin typeface="Cambria Math" charset="0"/>
+                          </a:rPr>
+                          <m:t>𝑦</m:t>
+                        </m:r>
+                      </m:e>
+                      <m:sup>
+                        <m:r>
+                          <a:rPr lang="de-DE" b="0" i="1" smtClean="0">
+                            <a:latin typeface="Cambria Math" charset="0"/>
+                          </a:rPr>
+                          <m:t>+</m:t>
+                        </m:r>
+                      </m:sup>
+                    </m:sSup>
+                  </m:oMath>
+                </a14:m>
+                <a:r>
+                  <a:rPr lang="de-DE" dirty="0"/>
+                  <a:t>durch iteratives Ausprobieren</a:t>
+                </a:r>
+              </a:p>
+              <a:p>
+                <a:pPr lvl="2"/>
+                <a:r>
+                  <a:rPr lang="de-DE" dirty="0"/>
+                  <a:t>Ergebnis: im kompletten Simulationsgebiet </a:t>
+                </a:r>
+                <a14:m>
+                  <m:oMath xmlns:m="http://schemas.openxmlformats.org/officeDocument/2006/math">
+                    <m:r>
+                      <a:rPr lang="de-DE" b="0" i="1" smtClean="0">
+                        <a:latin typeface="Cambria Math" charset="0"/>
+                      </a:rPr>
+                      <m:t>0.3 </m:t>
+                    </m:r>
+                    <m:r>
+                      <a:rPr lang="de-DE" b="0" i="1" smtClean="0">
+                        <a:latin typeface="Cambria Math" charset="0"/>
+                        <a:ea typeface="Cambria Math" charset="0"/>
+                        <a:cs typeface="Cambria Math" charset="0"/>
+                      </a:rPr>
+                      <m:t>≤</m:t>
+                    </m:r>
+                    <m:sSup>
+                      <m:sSupPr>
+                        <m:ctrlPr>
+                          <a:rPr lang="de-DE" i="1">
+                            <a:latin typeface="Cambria Math" panose="02040503050406030204" pitchFamily="18" charset="0"/>
+                          </a:rPr>
+                        </m:ctrlPr>
+                      </m:sSupPr>
+                      <m:e>
+                        <m:r>
+                          <a:rPr lang="de-DE" i="1">
+                            <a:latin typeface="Cambria Math" charset="0"/>
+                          </a:rPr>
+                          <m:t>𝑦</m:t>
+                        </m:r>
+                      </m:e>
+                      <m:sup>
+                        <m:r>
+                          <a:rPr lang="de-DE" i="1">
+                            <a:latin typeface="Cambria Math" charset="0"/>
+                          </a:rPr>
+                          <m:t>+</m:t>
+                        </m:r>
+                      </m:sup>
+                    </m:sSup>
+                    <m:r>
+                      <a:rPr lang="de-DE" b="0" i="1" smtClean="0">
+                        <a:latin typeface="Cambria Math" charset="0"/>
+                      </a:rPr>
+                      <m:t> </m:t>
+                    </m:r>
+                    <m:r>
+                      <a:rPr lang="de-DE" b="0" i="1" smtClean="0">
+                        <a:latin typeface="Cambria Math" charset="0"/>
+                        <a:ea typeface="Cambria Math" charset="0"/>
+                        <a:cs typeface="Cambria Math" charset="0"/>
+                      </a:rPr>
+                      <m:t>≤3.0</m:t>
+                    </m:r>
+                    <m:r>
+                      <a:rPr lang="de-DE" b="0" i="0" smtClean="0">
+                        <a:latin typeface="Cambria Math" charset="0"/>
+                        <a:ea typeface="Cambria Math" charset="0"/>
+                        <a:cs typeface="Cambria Math" charset="0"/>
+                      </a:rPr>
+                      <m:t> </m:t>
+                    </m:r>
+                  </m:oMath>
+                </a14:m>
+                <a:r>
+                  <a:rPr lang="de-DE" dirty="0"/>
+                  <a:t>und in großen Teilen des Simulationsgebiets </a:t>
+                </a:r>
+                <a14:m>
+                  <m:oMath xmlns:m="http://schemas.openxmlformats.org/officeDocument/2006/math">
+                    <m:r>
+                      <a:rPr lang="de-DE" i="1">
+                        <a:latin typeface="Cambria Math" charset="0"/>
+                      </a:rPr>
+                      <m:t>0.</m:t>
+                    </m:r>
+                    <m:r>
+                      <a:rPr lang="de-DE" b="0" i="1" smtClean="0">
+                        <a:latin typeface="Cambria Math" charset="0"/>
+                      </a:rPr>
+                      <m:t>7</m:t>
+                    </m:r>
+                    <m:r>
+                      <a:rPr lang="de-DE" i="1">
+                        <a:latin typeface="Cambria Math" charset="0"/>
+                      </a:rPr>
+                      <m:t> </m:t>
+                    </m:r>
+                    <m:r>
+                      <a:rPr lang="de-DE" i="1">
+                        <a:latin typeface="Cambria Math" charset="0"/>
+                        <a:ea typeface="Cambria Math" charset="0"/>
+                        <a:cs typeface="Cambria Math" charset="0"/>
+                      </a:rPr>
+                      <m:t>≤</m:t>
+                    </m:r>
+                    <m:sSup>
+                      <m:sSupPr>
+                        <m:ctrlPr>
+                          <a:rPr lang="de-DE" i="1">
+                            <a:latin typeface="Cambria Math" panose="02040503050406030204" pitchFamily="18" charset="0"/>
+                          </a:rPr>
+                        </m:ctrlPr>
+                      </m:sSupPr>
+                      <m:e>
+                        <m:r>
+                          <a:rPr lang="de-DE" i="1">
+                            <a:latin typeface="Cambria Math" charset="0"/>
+                          </a:rPr>
+                          <m:t>𝑦</m:t>
+                        </m:r>
+                      </m:e>
+                      <m:sup>
+                        <m:r>
+                          <a:rPr lang="de-DE" i="1">
+                            <a:latin typeface="Cambria Math" charset="0"/>
+                          </a:rPr>
+                          <m:t>+</m:t>
+                        </m:r>
+                      </m:sup>
+                    </m:sSup>
+                    <m:r>
+                      <a:rPr lang="de-DE" i="1">
+                        <a:latin typeface="Cambria Math" charset="0"/>
+                      </a:rPr>
+                      <m:t> </m:t>
+                    </m:r>
+                    <m:r>
+                      <a:rPr lang="de-DE" i="1">
+                        <a:latin typeface="Cambria Math" charset="0"/>
+                        <a:ea typeface="Cambria Math" charset="0"/>
+                        <a:cs typeface="Cambria Math" charset="0"/>
+                      </a:rPr>
+                      <m:t>≤</m:t>
+                    </m:r>
+                    <m:r>
+                      <a:rPr lang="de-DE" b="0" i="1" smtClean="0">
+                        <a:latin typeface="Cambria Math" charset="0"/>
+                        <a:ea typeface="Cambria Math" charset="0"/>
+                        <a:cs typeface="Cambria Math" charset="0"/>
+                      </a:rPr>
+                      <m:t>1.2</m:t>
+                    </m:r>
+                  </m:oMath>
+                </a14:m>
+                <a:endParaRPr lang="de-DE" dirty="0"/>
+              </a:p>
+              <a:p>
+                <a:r>
+                  <a:rPr lang="de-DE" dirty="0">
+                    <a:sym typeface="Wingdings"/>
+                  </a:rPr>
+                  <a:t> Referenzgitter mit guter Gitterqualität und korrekter Grenzschichtdicke vorhanden</a:t>
+                </a:r>
+                <a:endParaRPr lang="de-DE" dirty="0"/>
+              </a:p>
+            </p:txBody>
+          </p:sp>
+        </mc:Choice>
+        <mc:Fallback xmlns="">
+          <p:sp>
+            <p:nvSpPr>
+              <p:cNvPr id="3" name="Inhaltsplatzhalter 2">
+                <a:extLst>
+                  <a:ext uri="{FF2B5EF4-FFF2-40B4-BE49-F238E27FC236}">
+                    <a16:creationId xmlns="" xmlns:a16="http://schemas.microsoft.com/office/drawing/2014/main" id="{1C3E671A-136E-4360-89A9-AD9DB1ED1606}"/>
+                  </a:ext>
+                </a:extLst>
+              </p:cNvPr>
+              <p:cNvSpPr>
+                <a:spLocks noGrp="1" noRot="1" noChangeAspect="1" noMove="1" noResize="1" noEditPoints="1" noAdjustHandles="1" noChangeArrowheads="1" noChangeShapeType="1" noTextEdit="1"/>
+              </p:cNvSpPr>
+              <p:nvPr>
+                <p:ph idx="1"/>
+              </p:nvPr>
+            </p:nvSpPr>
+            <p:spPr>
+              <a:xfrm>
+                <a:off x="360000" y="1620001"/>
+                <a:ext cx="8244448" cy="4329280"/>
+              </a:xfrm>
+              <a:blipFill rotWithShape="0">
+                <a:blip r:embed="rId3"/>
+                <a:stretch>
+                  <a:fillRect l="-1775"/>
+                </a:stretch>
+              </a:blipFill>
+            </p:spPr>
+            <p:txBody>
+              <a:bodyPr/>
+              <a:lstStyle/>
+              <a:p>
+                <a:r>
+                  <a:rPr lang="de-DE">
+                    <a:noFill/>
+                  </a:rPr>
+                  <a:t> </a:t>
+                </a:r>
+              </a:p>
+            </p:txBody>
+          </p:sp>
+        </mc:Fallback>
+      </mc:AlternateContent>
+    </p:spTree>
+    <p:extLst>
+      <p:ext uri="{BB962C8B-B14F-4D97-AF65-F5344CB8AC3E}">
+        <p14:creationId xmlns:p14="http://schemas.microsoft.com/office/powerpoint/2010/main" val="1039776186"/>
+      </p:ext>
+    </p:extLst>
+  </p:cSld>
+  <p:clrMapOvr>
+    <a:masterClrMapping/>
+  </p:clrMapOvr>
+</p:sld>
+</file>
+
+<file path=ppt/slides/slide13.xml><?xml version="1.0" encoding="utf-8"?>
+<p:sld xmlns:a="http://schemas.openxmlformats.org/drawingml/2006/main" xmlns:r="http://schemas.openxmlformats.org/officeDocument/2006/relationships" xmlns:p="http://schemas.openxmlformats.org/presentationml/2006/main">
+  <p:cSld>
+    <p:spTree>
+      <p:nvGrpSpPr>
+        <p:cNvPr id="1" name=""/>
+        <p:cNvGrpSpPr/>
+        <p:nvPr/>
+      </p:nvGrpSpPr>
+      <p:grpSpPr>
+        <a:xfrm>
+          <a:off x="0" y="0"/>
+          <a:ext cx="0" cy="0"/>
+          <a:chOff x="0" y="0"/>
+          <a:chExt cx="0" cy="0"/>
+        </a:xfrm>
+      </p:grpSpPr>
+      <p:sp>
+        <p:nvSpPr>
+          <p:cNvPr id="2" name="Titel 1">
+            <a:extLst>
+              <a:ext uri="{FF2B5EF4-FFF2-40B4-BE49-F238E27FC236}">
+                <a16:creationId xmlns:a16="http://schemas.microsoft.com/office/drawing/2014/main" id="{094F379C-23F4-4D35-86D6-1D1C29CAB88B}"/>
+              </a:ext>
+            </a:extLst>
+          </p:cNvPr>
+          <p:cNvSpPr>
+            <a:spLocks noGrp="1"/>
+          </p:cNvSpPr>
+          <p:nvPr>
+            <p:ph type="title"/>
+          </p:nvPr>
+        </p:nvSpPr>
+        <p:spPr/>
+        <p:txBody>
+          <a:bodyPr/>
+          <a:lstStyle/>
+          <a:p>
+            <a:r>
+              <a:rPr lang="de-DE" dirty="0"/>
+              <a:t>Aachen-Turbine: Vorgehen (3)</a:t>
+            </a:r>
+          </a:p>
+        </p:txBody>
+      </p:sp>
+      <p:sp>
+        <p:nvSpPr>
+          <p:cNvPr id="3" name="Inhaltsplatzhalter 2">
+            <a:extLst>
+              <a:ext uri="{FF2B5EF4-FFF2-40B4-BE49-F238E27FC236}">
+                <a16:creationId xmlns:a16="http://schemas.microsoft.com/office/drawing/2014/main" id="{1C3E671A-136E-4360-89A9-AD9DB1ED1606}"/>
+              </a:ext>
+            </a:extLst>
+          </p:cNvPr>
+          <p:cNvSpPr>
+            <a:spLocks noGrp="1"/>
+          </p:cNvSpPr>
+          <p:nvPr>
+            <p:ph idx="1"/>
+          </p:nvPr>
+        </p:nvSpPr>
+        <p:spPr>
+          <a:xfrm>
+            <a:off x="360000" y="1620001"/>
+            <a:ext cx="8244448" cy="4329280"/>
+          </a:xfrm>
+        </p:spPr>
+        <p:txBody>
+          <a:bodyPr/>
+          <a:lstStyle/>
+          <a:p>
+            <a:r>
+              <a:rPr lang="de-DE" dirty="0"/>
+              <a:t>Gitterstudie (Ziel: netzunabhängige Ergebnisse)</a:t>
+            </a:r>
+          </a:p>
+          <a:p>
+            <a:pPr lvl="2"/>
+            <a:r>
+              <a:rPr lang="de-DE" dirty="0"/>
+              <a:t>Variation der Verfeinerung des Gitters</a:t>
+            </a:r>
+          </a:p>
+          <a:p>
+            <a:pPr lvl="2"/>
+            <a:r>
+              <a:rPr lang="de-DE" dirty="0"/>
+              <a:t>Berechnung verschiedener Größen (z.B. Wirkungsgrade) auf den Gittern</a:t>
+            </a:r>
+          </a:p>
+          <a:p>
+            <a:pPr lvl="2"/>
+            <a:r>
+              <a:rPr lang="de-DE" dirty="0"/>
+              <a:t>Vergleich der Ergebnisse der verschiedenen Rechnungen</a:t>
+            </a:r>
+          </a:p>
+          <a:p>
+            <a:r>
+              <a:rPr lang="de-DE" dirty="0"/>
+              <a:t>Resultat: unabhängiges Gitter mit den Kenngrößen:</a:t>
+            </a:r>
+          </a:p>
+          <a:p>
+            <a:pPr lvl="2"/>
+            <a:r>
+              <a:rPr lang="de-DE" dirty="0"/>
+              <a:t>Je ca. 2 Mio. Elemente in den Statoren und ca. 3 Mio. Elemente im Rotor</a:t>
+            </a:r>
+          </a:p>
+          <a:p>
+            <a:pPr lvl="2"/>
+            <a:endParaRPr lang="de-DE" dirty="0"/>
+          </a:p>
+        </p:txBody>
+      </p:sp>
+      <p:graphicFrame>
+        <p:nvGraphicFramePr>
+          <p:cNvPr id="5" name="Inhaltsplatzhalter 3">
+            <a:extLst>
+              <a:ext uri="{FF2B5EF4-FFF2-40B4-BE49-F238E27FC236}">
+                <a16:creationId xmlns:a16="http://schemas.microsoft.com/office/drawing/2014/main" id="{9BE0C4F1-2D7A-4179-9985-55CFEF4AB9EA}"/>
+              </a:ext>
+            </a:extLst>
+          </p:cNvPr>
+          <p:cNvGraphicFramePr>
+            <a:graphicFrameLocks/>
+          </p:cNvGraphicFramePr>
+          <p:nvPr>
+            <p:extLst/>
+          </p:nvPr>
+        </p:nvGraphicFramePr>
+        <p:xfrm>
+          <a:off x="1061843" y="4353665"/>
+          <a:ext cx="6840761" cy="1523608"/>
+        </p:xfrm>
+        <a:graphic>
+          <a:graphicData uri="http://schemas.openxmlformats.org/drawingml/2006/table">
+            <a:tbl>
+              <a:tblPr firstRow="1" bandRow="1">
+                <a:tableStyleId>{93296810-A885-4BE3-A3E7-6D5BEEA58F35}</a:tableStyleId>
+              </a:tblPr>
+              <a:tblGrid>
+                <a:gridCol w="2470654">
+                  <a:extLst>
+                    <a:ext uri="{9D8B030D-6E8A-4147-A177-3AD203B41FA5}">
+                      <a16:colId xmlns:a16="http://schemas.microsoft.com/office/drawing/2014/main" val="20000"/>
+                    </a:ext>
+                  </a:extLst>
+                </a:gridCol>
+                <a:gridCol w="1417779">
+                  <a:extLst>
+                    <a:ext uri="{9D8B030D-6E8A-4147-A177-3AD203B41FA5}">
+                      <a16:colId xmlns:a16="http://schemas.microsoft.com/office/drawing/2014/main" val="20001"/>
+                    </a:ext>
+                  </a:extLst>
+                </a:gridCol>
+                <a:gridCol w="1512168">
+                  <a:extLst>
+                    <a:ext uri="{9D8B030D-6E8A-4147-A177-3AD203B41FA5}">
+                      <a16:colId xmlns:a16="http://schemas.microsoft.com/office/drawing/2014/main" val="2974703479"/>
+                    </a:ext>
+                  </a:extLst>
+                </a:gridCol>
+                <a:gridCol w="1440160">
+                  <a:extLst>
+                    <a:ext uri="{9D8B030D-6E8A-4147-A177-3AD203B41FA5}">
+                      <a16:colId xmlns:a16="http://schemas.microsoft.com/office/drawing/2014/main" val="20003"/>
+                    </a:ext>
+                  </a:extLst>
+                </a:gridCol>
+              </a:tblGrid>
+              <a:tr h="383496">
+                <a:tc>
+                  <a:txBody>
+                    <a:bodyPr/>
+                    <a:lstStyle/>
+                    <a:p>
+                      <a:r>
+                        <a:rPr lang="de-DE" dirty="0"/>
+                        <a:t>Kenngröße</a:t>
+                      </a:r>
+                    </a:p>
+                  </a:txBody>
+                  <a:tcPr>
+                    <a:solidFill>
+                      <a:srgbClr val="064E8A"/>
+                    </a:solidFill>
+                  </a:tcPr>
+                </a:tc>
+                <a:tc>
+                  <a:txBody>
+                    <a:bodyPr/>
+                    <a:lstStyle/>
+                    <a:p>
+                      <a:r>
+                        <a:rPr lang="de-DE" dirty="0"/>
+                        <a:t>Stator1</a:t>
+                      </a:r>
+                    </a:p>
+                  </a:txBody>
+                  <a:tcPr>
+                    <a:solidFill>
+                      <a:srgbClr val="064E8A"/>
+                    </a:solidFill>
+                  </a:tcPr>
+                </a:tc>
+                <a:tc>
+                  <a:txBody>
+                    <a:bodyPr/>
+                    <a:lstStyle/>
+                    <a:p>
+                      <a:r>
+                        <a:rPr lang="de-DE" dirty="0"/>
+                        <a:t>Rotor</a:t>
+                      </a:r>
+                    </a:p>
+                  </a:txBody>
+                  <a:tcPr>
+                    <a:solidFill>
+                      <a:srgbClr val="064E8A"/>
+                    </a:solidFill>
+                  </a:tcPr>
+                </a:tc>
+                <a:tc>
+                  <a:txBody>
+                    <a:bodyPr/>
+                    <a:lstStyle/>
+                    <a:p>
+                      <a:r>
+                        <a:rPr lang="de-DE" dirty="0"/>
+                        <a:t>Stator2</a:t>
+                      </a:r>
+                    </a:p>
+                  </a:txBody>
+                  <a:tcPr>
+                    <a:solidFill>
+                      <a:srgbClr val="064E8A"/>
+                    </a:solidFill>
+                  </a:tcPr>
+                </a:tc>
+                <a:extLst>
+                  <a:ext uri="{0D108BD9-81ED-4DB2-BD59-A6C34878D82A}">
+                    <a16:rowId xmlns:a16="http://schemas.microsoft.com/office/drawing/2014/main" val="10000"/>
+                  </a:ext>
+                </a:extLst>
+              </a:tr>
+              <a:tr h="408592">
+                <a:tc>
+                  <a:txBody>
+                    <a:bodyPr/>
+                    <a:lstStyle/>
+                    <a:p>
+                      <a:r>
+                        <a:rPr lang="de-DE" dirty="0"/>
+                        <a:t>Min. Winkel [°]</a:t>
+                      </a:r>
+                    </a:p>
+                  </a:txBody>
+                  <a:tcPr/>
+                </a:tc>
+                <a:tc>
+                  <a:txBody>
+                    <a:bodyPr/>
+                    <a:lstStyle/>
+                    <a:p>
+                      <a:pPr algn="ctr"/>
+                      <a:r>
+                        <a:rPr lang="de-DE" dirty="0"/>
+                        <a:t>29.25</a:t>
+                      </a:r>
+                    </a:p>
+                  </a:txBody>
+                  <a:tcPr/>
+                </a:tc>
+                <a:tc>
+                  <a:txBody>
+                    <a:bodyPr/>
+                    <a:lstStyle/>
+                    <a:p>
+                      <a:pPr algn="ctr"/>
+                      <a:r>
+                        <a:rPr lang="de-DE" dirty="0"/>
+                        <a:t>25.75</a:t>
+                      </a:r>
+                    </a:p>
+                  </a:txBody>
+                  <a:tcPr/>
+                </a:tc>
+                <a:tc>
+                  <a:txBody>
+                    <a:bodyPr/>
+                    <a:lstStyle/>
+                    <a:p>
+                      <a:pPr algn="ctr"/>
+                      <a:r>
+                        <a:rPr lang="de-DE" dirty="0"/>
+                        <a:t>36.10</a:t>
+                      </a:r>
+                    </a:p>
+                  </a:txBody>
+                  <a:tcPr/>
+                </a:tc>
+                <a:extLst>
+                  <a:ext uri="{0D108BD9-81ED-4DB2-BD59-A6C34878D82A}">
+                    <a16:rowId xmlns:a16="http://schemas.microsoft.com/office/drawing/2014/main" val="10001"/>
+                  </a:ext>
+                </a:extLst>
+              </a:tr>
+              <a:tr h="360040">
+                <a:tc>
+                  <a:txBody>
+                    <a:bodyPr/>
+                    <a:lstStyle/>
+                    <a:p>
+                      <a:r>
+                        <a:rPr lang="de-DE" dirty="0"/>
+                        <a:t>Max. </a:t>
+                      </a:r>
+                      <a:r>
+                        <a:rPr lang="de-DE" dirty="0" err="1"/>
+                        <a:t>Aspect</a:t>
+                      </a:r>
+                      <a:r>
+                        <a:rPr lang="de-DE" dirty="0"/>
+                        <a:t> Ratio</a:t>
+                      </a:r>
+                    </a:p>
+                  </a:txBody>
+                  <a:tcPr/>
+                </a:tc>
+                <a:tc>
+                  <a:txBody>
+                    <a:bodyPr/>
+                    <a:lstStyle/>
+                    <a:p>
+                      <a:pPr algn="ctr"/>
+                      <a:r>
+                        <a:rPr lang="de-DE" sz="1800" kern="1200" dirty="0">
+                          <a:solidFill>
+                            <a:schemeClr val="dk1"/>
+                          </a:solidFill>
+                          <a:effectLst/>
+                          <a:latin typeface="+mn-lt"/>
+                          <a:ea typeface="+mn-ea"/>
+                          <a:cs typeface="+mn-cs"/>
+                        </a:rPr>
+                        <a:t>714.51</a:t>
+                      </a:r>
+                      <a:endParaRPr lang="de-DE" dirty="0"/>
+                    </a:p>
+                  </a:txBody>
+                  <a:tcPr/>
+                </a:tc>
+                <a:tc>
+                  <a:txBody>
+                    <a:bodyPr/>
+                    <a:lstStyle/>
+                    <a:p>
+                      <a:pPr algn="ctr"/>
+                      <a:r>
+                        <a:rPr lang="de-DE" dirty="0"/>
+                        <a:t>888.64</a:t>
+                      </a:r>
+                    </a:p>
+                  </a:txBody>
+                  <a:tcPr/>
+                </a:tc>
+                <a:tc>
+                  <a:txBody>
+                    <a:bodyPr/>
+                    <a:lstStyle/>
+                    <a:p>
+                      <a:pPr algn="ctr"/>
+                      <a:r>
+                        <a:rPr lang="de-DE" dirty="0"/>
+                        <a:t>933.67</a:t>
+                      </a:r>
+                    </a:p>
+                  </a:txBody>
+                  <a:tcPr/>
+                </a:tc>
+                <a:extLst>
+                  <a:ext uri="{0D108BD9-81ED-4DB2-BD59-A6C34878D82A}">
+                    <a16:rowId xmlns:a16="http://schemas.microsoft.com/office/drawing/2014/main" val="10002"/>
+                  </a:ext>
+                </a:extLst>
+              </a:tr>
+              <a:tr h="354320">
+                <a:tc>
+                  <a:txBody>
+                    <a:bodyPr/>
+                    <a:lstStyle/>
+                    <a:p>
+                      <a:r>
+                        <a:rPr lang="de-DE" dirty="0"/>
+                        <a:t>Max. Expansion</a:t>
+                      </a:r>
+                      <a:r>
+                        <a:rPr lang="de-DE" baseline="0" dirty="0"/>
+                        <a:t> Ratio</a:t>
+                      </a:r>
+                      <a:endParaRPr lang="de-DE" dirty="0"/>
+                    </a:p>
+                  </a:txBody>
+                  <a:tcPr/>
+                </a:tc>
+                <a:tc>
+                  <a:txBody>
+                    <a:bodyPr/>
+                    <a:lstStyle/>
+                    <a:p>
+                      <a:pPr algn="ctr"/>
+                      <a:r>
+                        <a:rPr lang="de-DE" sz="1800" kern="1200" dirty="0">
+                          <a:solidFill>
+                            <a:schemeClr val="dk1"/>
+                          </a:solidFill>
+                          <a:effectLst/>
+                          <a:latin typeface="+mn-lt"/>
+                          <a:ea typeface="+mn-ea"/>
+                          <a:cs typeface="+mn-cs"/>
+                        </a:rPr>
+                        <a:t>1.61</a:t>
+                      </a:r>
+                      <a:endParaRPr lang="de-DE" dirty="0"/>
+                    </a:p>
+                  </a:txBody>
+                  <a:tcPr/>
+                </a:tc>
+                <a:tc>
+                  <a:txBody>
+                    <a:bodyPr/>
+                    <a:lstStyle/>
+                    <a:p>
+                      <a:pPr algn="ctr"/>
+                      <a:r>
+                        <a:rPr lang="de-DE" dirty="0"/>
+                        <a:t>3.00</a:t>
+                      </a:r>
+                    </a:p>
+                  </a:txBody>
+                  <a:tcPr/>
+                </a:tc>
+                <a:tc>
+                  <a:txBody>
+                    <a:bodyPr/>
+                    <a:lstStyle/>
+                    <a:p>
+                      <a:pPr algn="ctr"/>
+                      <a:r>
+                        <a:rPr lang="de-DE" dirty="0"/>
+                        <a:t>1.80</a:t>
+                      </a:r>
+                    </a:p>
+                  </a:txBody>
+                  <a:tcPr/>
+                </a:tc>
+                <a:extLst>
+                  <a:ext uri="{0D108BD9-81ED-4DB2-BD59-A6C34878D82A}">
+                    <a16:rowId xmlns:a16="http://schemas.microsoft.com/office/drawing/2014/main" val="10003"/>
+                  </a:ext>
+                </a:extLst>
+              </a:tr>
+            </a:tbl>
+          </a:graphicData>
+        </a:graphic>
+      </p:graphicFrame>
+    </p:spTree>
+    <p:extLst>
+      <p:ext uri="{BB962C8B-B14F-4D97-AF65-F5344CB8AC3E}">
+        <p14:creationId xmlns:p14="http://schemas.microsoft.com/office/powerpoint/2010/main" val="22777965"/>
+      </p:ext>
+    </p:extLst>
+  </p:cSld>
+  <p:clrMapOvr>
+    <a:masterClrMapping/>
+  </p:clrMapOvr>
+</p:sld>
+</file>
+
+<file path=ppt/slides/slide14.xml><?xml version="1.0" encoding="utf-8"?>
+<p:sld xmlns:a="http://schemas.openxmlformats.org/drawingml/2006/main" xmlns:r="http://schemas.openxmlformats.org/officeDocument/2006/relationships" xmlns:p="http://schemas.openxmlformats.org/presentationml/2006/main">
+  <p:cSld>
+    <p:spTree>
+      <p:nvGrpSpPr>
+        <p:cNvPr id="1" name=""/>
+        <p:cNvGrpSpPr/>
+        <p:nvPr/>
+      </p:nvGrpSpPr>
+      <p:grpSpPr>
+        <a:xfrm>
+          <a:off x="0" y="0"/>
+          <a:ext cx="0" cy="0"/>
+          <a:chOff x="0" y="0"/>
+          <a:chExt cx="0" cy="0"/>
+        </a:xfrm>
+      </p:grpSpPr>
+      <p:sp>
+        <p:nvSpPr>
+          <p:cNvPr id="2" name="Titel 1">
+            <a:extLst>
+              <a:ext uri="{FF2B5EF4-FFF2-40B4-BE49-F238E27FC236}">
+                <a16:creationId xmlns:a16="http://schemas.microsoft.com/office/drawing/2014/main" id="{094F379C-23F4-4D35-86D6-1D1C29CAB88B}"/>
+              </a:ext>
+            </a:extLst>
+          </p:cNvPr>
+          <p:cNvSpPr>
+            <a:spLocks noGrp="1"/>
+          </p:cNvSpPr>
+          <p:nvPr>
+            <p:ph type="title"/>
+          </p:nvPr>
+        </p:nvSpPr>
+        <p:spPr/>
+        <p:txBody>
+          <a:bodyPr/>
+          <a:lstStyle/>
+          <a:p>
+            <a:r>
+              <a:rPr lang="de-DE" dirty="0"/>
+              <a:t>Aachen-Turbine: Vorgehen (4)</a:t>
+            </a:r>
+          </a:p>
+        </p:txBody>
+      </p:sp>
+      <p:pic>
+        <p:nvPicPr>
+          <p:cNvPr id="7" name="Inhaltsplatzhalter 6"/>
+          <p:cNvPicPr>
+            <a:picLocks noGrp="1" noChangeAspect="1"/>
+          </p:cNvPicPr>
+          <p:nvPr>
+            <p:ph idx="1"/>
+          </p:nvPr>
+        </p:nvPicPr>
+        <p:blipFill>
+          <a:blip r:embed="rId3" cstate="print">
+            <a:extLst>
+              <a:ext uri="{28A0092B-C50C-407E-A947-70E740481C1C}">
+                <a14:useLocalDpi xmlns:a14="http://schemas.microsoft.com/office/drawing/2010/main" val="0"/>
+              </a:ext>
+            </a:extLst>
+          </a:blip>
+          <a:stretch>
+            <a:fillRect/>
+          </a:stretch>
+        </p:blipFill>
+        <p:spPr>
+          <a:xfrm>
+            <a:off x="1907704" y="1988840"/>
+            <a:ext cx="5359400" cy="4038600"/>
+          </a:xfrm>
+        </p:spPr>
+      </p:pic>
+      <p:sp>
+        <p:nvSpPr>
+          <p:cNvPr id="9" name="Textfeld 8"/>
+          <p:cNvSpPr txBox="1"/>
+          <p:nvPr/>
+        </p:nvSpPr>
+        <p:spPr>
+          <a:xfrm>
+            <a:off x="2366283" y="1619508"/>
+            <a:ext cx="4442242" cy="369332"/>
+          </a:xfrm>
+          <a:prstGeom prst="rect">
+            <a:avLst/>
+          </a:prstGeom>
+          <a:noFill/>
+        </p:spPr>
+        <p:txBody>
+          <a:bodyPr wrap="none" rtlCol="0">
+            <a:spAutoFit/>
+          </a:bodyPr>
+          <a:lstStyle/>
+          <a:p>
+            <a:r>
+              <a:rPr lang="de-DE" dirty="0"/>
+              <a:t>Wirkungsgrade auf verschiedenen Gittern</a:t>
+            </a:r>
+          </a:p>
+        </p:txBody>
+      </p:sp>
+    </p:spTree>
+    <p:extLst>
+      <p:ext uri="{BB962C8B-B14F-4D97-AF65-F5344CB8AC3E}">
+        <p14:creationId xmlns:p14="http://schemas.microsoft.com/office/powerpoint/2010/main" val="849022025"/>
+      </p:ext>
+    </p:extLst>
+  </p:cSld>
+  <p:clrMapOvr>
+    <a:masterClrMapping/>
+  </p:clrMapOvr>
+</p:sld>
+</file>
+
+<file path=ppt/slides/slide15.xml><?xml version="1.0" encoding="utf-8"?>
 <p:sld xmlns:a="http://schemas.openxmlformats.org/drawingml/2006/main" xmlns:r="http://schemas.openxmlformats.org/officeDocument/2006/relationships" xmlns:p="http://schemas.openxmlformats.org/presentationml/2006/main">
   <p:cSld>
     <p:spTree>
@@ -25491,7 +26915,7 @@
 </p:sld>
 </file>
 
-<file path=ppt/slides/slide13.xml><?xml version="1.0" encoding="utf-8"?>
+<file path=ppt/slides/slide16.xml><?xml version="1.0" encoding="utf-8"?>
 <p:sld xmlns:a="http://schemas.openxmlformats.org/drawingml/2006/main" xmlns:r="http://schemas.openxmlformats.org/officeDocument/2006/relationships" xmlns:p="http://schemas.openxmlformats.org/presentationml/2006/main">
   <p:cSld>
     <p:spTree>
@@ -26634,7 +28058,7 @@
 </p:sld>
 </file>
 
-<file path=ppt/slides/slide14.xml><?xml version="1.0" encoding="utf-8"?>
+<file path=ppt/slides/slide17.xml><?xml version="1.0" encoding="utf-8"?>
 <p:sld xmlns:a="http://schemas.openxmlformats.org/drawingml/2006/main" xmlns:r="http://schemas.openxmlformats.org/officeDocument/2006/relationships" xmlns:p="http://schemas.openxmlformats.org/presentationml/2006/main">
   <p:cSld>
     <p:spTree>
@@ -26980,7 +28404,285 @@
 </p:sld>
 </file>
 
-<file path=ppt/slides/slide15.xml><?xml version="1.0" encoding="utf-8"?>
+<file path=ppt/slides/slide18.xml><?xml version="1.0" encoding="utf-8"?>
+<p:sld xmlns:a="http://schemas.openxmlformats.org/drawingml/2006/main" xmlns:r="http://schemas.openxmlformats.org/officeDocument/2006/relationships" xmlns:p="http://schemas.openxmlformats.org/presentationml/2006/main">
+  <p:cSld>
+    <p:spTree>
+      <p:nvGrpSpPr>
+        <p:cNvPr id="1" name=""/>
+        <p:cNvGrpSpPr/>
+        <p:nvPr/>
+      </p:nvGrpSpPr>
+      <p:grpSpPr>
+        <a:xfrm>
+          <a:off x="0" y="0"/>
+          <a:ext cx="0" cy="0"/>
+          <a:chOff x="0" y="0"/>
+          <a:chExt cx="0" cy="0"/>
+        </a:xfrm>
+      </p:grpSpPr>
+      <p:sp>
+        <p:nvSpPr>
+          <p:cNvPr id="2" name="Titel 1"/>
+          <p:cNvSpPr>
+            <a:spLocks noGrp="1"/>
+          </p:cNvSpPr>
+          <p:nvPr>
+            <p:ph type="title"/>
+          </p:nvPr>
+        </p:nvSpPr>
+        <p:spPr/>
+        <p:txBody>
+          <a:bodyPr/>
+          <a:lstStyle/>
+          <a:p>
+            <a:r>
+              <a:rPr lang="de-DE" dirty="0"/>
+              <a:t>Mixing Plane</a:t>
+            </a:r>
+          </a:p>
+        </p:txBody>
+      </p:sp>
+      <p:sp>
+        <p:nvSpPr>
+          <p:cNvPr id="3" name="Inhaltsplatzhalter 2"/>
+          <p:cNvSpPr>
+            <a:spLocks noGrp="1"/>
+          </p:cNvSpPr>
+          <p:nvPr>
+            <p:ph idx="1"/>
+          </p:nvPr>
+        </p:nvSpPr>
+        <p:spPr/>
+        <p:txBody>
+          <a:bodyPr/>
+          <a:lstStyle/>
+          <a:p>
+            <a:r>
+              <a:rPr lang="de-DE" dirty="0"/>
+              <a:t>1 Stator – 1 Rotor – 1 Stator zur Berechnung notwendig</a:t>
+            </a:r>
+          </a:p>
+          <a:p>
+            <a:pPr lvl="2"/>
+            <a:r>
+              <a:rPr lang="de-DE" dirty="0"/>
+              <a:t>Periodische Randbedingung</a:t>
+            </a:r>
+          </a:p>
+          <a:p>
+            <a:pPr lvl="2"/>
+            <a:r>
+              <a:rPr lang="de-DE" dirty="0"/>
+              <a:t>Geringerer Rechenaufwand</a:t>
+            </a:r>
+          </a:p>
+          <a:p>
+            <a:r>
+              <a:rPr lang="de-DE" dirty="0"/>
+              <a:t>Bestimmen </a:t>
+            </a:r>
+            <a:r>
+              <a:rPr lang="de-DE"/>
+              <a:t>des Strömungsfeldes </a:t>
+            </a:r>
+            <a:r>
+              <a:rPr lang="de-DE">
+                <a:sym typeface="Wingdings" panose="05000000000000000000" pitchFamily="2" charset="2"/>
+              </a:rPr>
+              <a:t></a:t>
+            </a:r>
+            <a:r>
+              <a:rPr lang="de-DE"/>
+              <a:t> Mittelung </a:t>
+            </a:r>
+            <a:r>
+              <a:rPr lang="de-DE" dirty="0"/>
+              <a:t>der Strömungsgrößen in Umfangsrichtung auf beiden Seiten der Mixing Plane</a:t>
+            </a:r>
+          </a:p>
+        </p:txBody>
+      </p:sp>
+      <p:pic>
+        <p:nvPicPr>
+          <p:cNvPr id="4" name="Grafik 3"/>
+          <p:cNvPicPr>
+            <a:picLocks noChangeAspect="1"/>
+          </p:cNvPicPr>
+          <p:nvPr/>
+        </p:nvPicPr>
+        <p:blipFill>
+          <a:blip r:embed="rId2" cstate="print">
+            <a:extLst>
+              <a:ext uri="{28A0092B-C50C-407E-A947-70E740481C1C}">
+                <a14:useLocalDpi xmlns:a14="http://schemas.microsoft.com/office/drawing/2010/main" val="0"/>
+              </a:ext>
+            </a:extLst>
+          </a:blip>
+          <a:stretch>
+            <a:fillRect/>
+          </a:stretch>
+        </p:blipFill>
+        <p:spPr>
+          <a:xfrm>
+            <a:off x="5222786" y="5080725"/>
+            <a:ext cx="3213507" cy="1224194"/>
+          </a:xfrm>
+          <a:prstGeom prst="rect">
+            <a:avLst/>
+          </a:prstGeom>
+        </p:spPr>
+      </p:pic>
+      <p:pic>
+        <p:nvPicPr>
+          <p:cNvPr id="5" name="Grafik 4"/>
+          <p:cNvPicPr>
+            <a:picLocks noChangeAspect="1"/>
+          </p:cNvPicPr>
+          <p:nvPr/>
+        </p:nvPicPr>
+        <p:blipFill>
+          <a:blip r:embed="rId3" cstate="print">
+            <a:extLst>
+              <a:ext uri="{28A0092B-C50C-407E-A947-70E740481C1C}">
+                <a14:useLocalDpi xmlns:a14="http://schemas.microsoft.com/office/drawing/2010/main" val="0"/>
+              </a:ext>
+            </a:extLst>
+          </a:blip>
+          <a:stretch>
+            <a:fillRect/>
+          </a:stretch>
+        </p:blipFill>
+        <p:spPr>
+          <a:xfrm>
+            <a:off x="694873" y="5086710"/>
+            <a:ext cx="3213507" cy="1137871"/>
+          </a:xfrm>
+          <a:prstGeom prst="rect">
+            <a:avLst/>
+          </a:prstGeom>
+        </p:spPr>
+      </p:pic>
+      <p:sp>
+        <p:nvSpPr>
+          <p:cNvPr id="6" name="Pfeil nach rechts 5"/>
+          <p:cNvSpPr/>
+          <p:nvPr/>
+        </p:nvSpPr>
+        <p:spPr>
+          <a:xfrm>
+            <a:off x="4139952" y="5531656"/>
+            <a:ext cx="936104" cy="360040"/>
+          </a:xfrm>
+          <a:prstGeom prst="rightArrow">
+            <a:avLst/>
+          </a:prstGeom>
+          <a:solidFill>
+            <a:srgbClr val="004E8A"/>
+          </a:solidFill>
+          <a:ln>
+            <a:solidFill>
+              <a:srgbClr val="004274"/>
+            </a:solidFill>
+          </a:ln>
+        </p:spPr>
+        <p:style>
+          <a:lnRef idx="2">
+            <a:schemeClr val="accent1">
+              <a:shade val="50000"/>
+            </a:schemeClr>
+          </a:lnRef>
+          <a:fillRef idx="1">
+            <a:schemeClr val="accent1"/>
+          </a:fillRef>
+          <a:effectRef idx="0">
+            <a:schemeClr val="accent1"/>
+          </a:effectRef>
+          <a:fontRef idx="minor">
+            <a:schemeClr val="lt1"/>
+          </a:fontRef>
+        </p:style>
+        <p:txBody>
+          <a:bodyPr rtlCol="0" anchor="ctr"/>
+          <a:lstStyle/>
+          <a:p>
+            <a:pPr algn="ctr"/>
+            <a:endParaRPr lang="de-DE"/>
+          </a:p>
+        </p:txBody>
+      </p:sp>
+      <p:sp>
+        <p:nvSpPr>
+          <p:cNvPr id="8" name="Textfeld 7"/>
+          <p:cNvSpPr txBox="1"/>
+          <p:nvPr/>
+        </p:nvSpPr>
+        <p:spPr>
+          <a:xfrm>
+            <a:off x="1353105" y="4707884"/>
+            <a:ext cx="1944216" cy="369332"/>
+          </a:xfrm>
+          <a:prstGeom prst="rect">
+            <a:avLst/>
+          </a:prstGeom>
+          <a:noFill/>
+        </p:spPr>
+        <p:txBody>
+          <a:bodyPr wrap="square" rtlCol="0">
+            <a:spAutoFit/>
+          </a:bodyPr>
+          <a:lstStyle/>
+          <a:p>
+            <a:r>
+              <a:rPr lang="de-DE" dirty="0"/>
+              <a:t>Vor Mixing Plane</a:t>
+            </a:r>
+          </a:p>
+        </p:txBody>
+      </p:sp>
+      <p:sp>
+        <p:nvSpPr>
+          <p:cNvPr id="9" name="Textfeld 8"/>
+          <p:cNvSpPr txBox="1"/>
+          <p:nvPr/>
+        </p:nvSpPr>
+        <p:spPr>
+          <a:xfrm>
+            <a:off x="5818398" y="4707884"/>
+            <a:ext cx="2088232" cy="369332"/>
+          </a:xfrm>
+          <a:prstGeom prst="rect">
+            <a:avLst/>
+          </a:prstGeom>
+          <a:noFill/>
+        </p:spPr>
+        <p:txBody>
+          <a:bodyPr wrap="square" rtlCol="0">
+            <a:spAutoFit/>
+          </a:bodyPr>
+          <a:lstStyle/>
+          <a:p>
+            <a:r>
+              <a:rPr lang="de-DE" dirty="0"/>
+              <a:t>Nach Mixing Plane</a:t>
+            </a:r>
+          </a:p>
+        </p:txBody>
+      </p:sp>
+    </p:spTree>
+    <p:extLst>
+      <p:ext uri="{BB962C8B-B14F-4D97-AF65-F5344CB8AC3E}">
+        <p14:creationId xmlns:p14="http://schemas.microsoft.com/office/powerpoint/2010/main" val="2123467357"/>
+      </p:ext>
+    </p:extLst>
+  </p:cSld>
+  <p:clrMapOvr>
+    <a:masterClrMapping/>
+  </p:clrMapOvr>
+</p:sld>
+</file>
+
+<file path=ppt/slides/slide19.xml><?xml version="1.0" encoding="utf-8"?>
 <p:sld xmlns:a="http://schemas.openxmlformats.org/drawingml/2006/main" xmlns:r="http://schemas.openxmlformats.org/officeDocument/2006/relationships" xmlns:p="http://schemas.openxmlformats.org/presentationml/2006/main">
   <p:cSld>
     <p:spTree>
@@ -27185,7 +28887,126 @@
 </p:sld>
 </file>
 
-<file path=ppt/slides/slide16.xml><?xml version="1.0" encoding="utf-8"?>
+<file path=ppt/slides/slide2.xml><?xml version="1.0" encoding="utf-8"?>
+<p:sld xmlns:a="http://schemas.openxmlformats.org/drawingml/2006/main" xmlns:r="http://schemas.openxmlformats.org/officeDocument/2006/relationships" xmlns:p="http://schemas.openxmlformats.org/presentationml/2006/main">
+  <p:cSld>
+    <p:spTree>
+      <p:nvGrpSpPr>
+        <p:cNvPr id="1" name=""/>
+        <p:cNvGrpSpPr/>
+        <p:nvPr/>
+      </p:nvGrpSpPr>
+      <p:grpSpPr>
+        <a:xfrm>
+          <a:off x="0" y="0"/>
+          <a:ext cx="0" cy="0"/>
+          <a:chOff x="0" y="0"/>
+          <a:chExt cx="0" cy="0"/>
+        </a:xfrm>
+      </p:grpSpPr>
+      <p:sp>
+        <p:nvSpPr>
+          <p:cNvPr id="2" name="Titel 1">
+            <a:extLst>
+              <a:ext uri="{FF2B5EF4-FFF2-40B4-BE49-F238E27FC236}">
+                <a16:creationId xmlns:a16="http://schemas.microsoft.com/office/drawing/2014/main" id="{D27A44A1-7D5C-4ED1-B1CC-16A1827DE5CE}"/>
+              </a:ext>
+            </a:extLst>
+          </p:cNvPr>
+          <p:cNvSpPr>
+            <a:spLocks noGrp="1"/>
+          </p:cNvSpPr>
+          <p:nvPr>
+            <p:ph type="title"/>
+          </p:nvPr>
+        </p:nvSpPr>
+        <p:spPr/>
+        <p:txBody>
+          <a:bodyPr/>
+          <a:lstStyle/>
+          <a:p>
+            <a:r>
+              <a:rPr lang="de-DE" dirty="0"/>
+              <a:t>Gliederung</a:t>
+            </a:r>
+          </a:p>
+        </p:txBody>
+      </p:sp>
+      <p:sp>
+        <p:nvSpPr>
+          <p:cNvPr id="3" name="Inhaltsplatzhalter 2">
+            <a:extLst>
+              <a:ext uri="{FF2B5EF4-FFF2-40B4-BE49-F238E27FC236}">
+                <a16:creationId xmlns:a16="http://schemas.microsoft.com/office/drawing/2014/main" id="{0A11E94A-080C-4F4A-B9ED-FC1B878B8CE0}"/>
+              </a:ext>
+            </a:extLst>
+          </p:cNvPr>
+          <p:cNvSpPr>
+            <a:spLocks noGrp="1"/>
+          </p:cNvSpPr>
+          <p:nvPr>
+            <p:ph idx="1"/>
+          </p:nvPr>
+        </p:nvSpPr>
+        <p:spPr>
+          <a:xfrm>
+            <a:off x="360000" y="1620000"/>
+            <a:ext cx="7164328" cy="4479943"/>
+          </a:xfrm>
+        </p:spPr>
+        <p:txBody>
+          <a:bodyPr/>
+          <a:lstStyle/>
+          <a:p>
+            <a:r>
+              <a:rPr lang="de-DE" dirty="0"/>
+              <a:t>Grundlagen der Thermodynamik und von Wirkungsgraden</a:t>
+            </a:r>
+          </a:p>
+          <a:p>
+            <a:r>
+              <a:rPr lang="de-DE" dirty="0"/>
+              <a:t>Aachen-Turbine</a:t>
+            </a:r>
+          </a:p>
+          <a:p>
+            <a:r>
+              <a:rPr lang="de-DE" dirty="0"/>
+              <a:t>Kanalströmung</a:t>
+            </a:r>
+          </a:p>
+          <a:p>
+            <a:r>
+              <a:rPr lang="de-DE" dirty="0"/>
+              <a:t>Auswertungstool für Gitterstudien</a:t>
+            </a:r>
+          </a:p>
+          <a:p>
+            <a:r>
+              <a:rPr lang="de-DE" dirty="0"/>
+              <a:t>Fazit</a:t>
+            </a:r>
+          </a:p>
+          <a:p>
+            <a:pPr lvl="1"/>
+            <a:endParaRPr lang="de-DE" dirty="0"/>
+          </a:p>
+        </p:txBody>
+      </p:sp>
+    </p:spTree>
+    <p:extLst>
+      <p:ext uri="{BB962C8B-B14F-4D97-AF65-F5344CB8AC3E}">
+        <p14:creationId xmlns:p14="http://schemas.microsoft.com/office/powerpoint/2010/main" val="3165109670"/>
+      </p:ext>
+    </p:extLst>
+  </p:cSld>
+  <p:clrMapOvr>
+    <a:masterClrMapping/>
+  </p:clrMapOvr>
+</p:sld>
+</file>
+
+<file path=ppt/slides/slide20.xml><?xml version="1.0" encoding="utf-8"?>
 <p:sld xmlns:a="http://schemas.openxmlformats.org/drawingml/2006/main" xmlns:r="http://schemas.openxmlformats.org/officeDocument/2006/relationships" xmlns:p="http://schemas.openxmlformats.org/presentationml/2006/main">
   <p:cSld>
     <p:spTree>
@@ -28461,7 +30282,7 @@
 </p:sld>
 </file>
 
-<file path=ppt/slides/slide17.xml><?xml version="1.0" encoding="utf-8"?>
+<file path=ppt/slides/slide21.xml><?xml version="1.0" encoding="utf-8"?>
 <p:sld xmlns:a="http://schemas.openxmlformats.org/drawingml/2006/main" xmlns:r="http://schemas.openxmlformats.org/officeDocument/2006/relationships" xmlns:p="http://schemas.openxmlformats.org/presentationml/2006/main">
   <p:cSld>
     <p:spTree>
@@ -28582,6 +30403,16 @@
               <a:t>Vergleich verschiedener CFX-Versionen</a:t>
             </a:r>
           </a:p>
+          <a:p>
+            <a:pPr lvl="1">
+              <a:buFont typeface="Wingdings" panose="05000000000000000000" pitchFamily="2" charset="2"/>
+              <a:buChar char="Ø"/>
+            </a:pPr>
+            <a:r>
+              <a:rPr lang="de-DE" dirty="0"/>
+              <a:t>Tiefergehende Untersuchungen zur Mixing Plane</a:t>
+            </a:r>
+          </a:p>
         </p:txBody>
       </p:sp>
     </p:spTree>
@@ -28597,7 +30428,7 @@
 </p:sld>
 </file>
 
-<file path=ppt/slides/slide18.xml><?xml version="1.0" encoding="utf-8"?>
+<file path=ppt/slides/slide22.xml><?xml version="1.0" encoding="utf-8"?>
 <p:sld xmlns:a="http://schemas.openxmlformats.org/drawingml/2006/main" xmlns:r="http://schemas.openxmlformats.org/officeDocument/2006/relationships" xmlns:p="http://schemas.openxmlformats.org/presentationml/2006/main">
   <p:cSld>
     <p:spTree>
@@ -28665,7 +30496,7 @@
           </p:blipFill>
           <p:spPr>
             <a:xfrm>
-              <a:off x="3026570" y="2601228"/>
+              <a:off x="3015772" y="2601228"/>
               <a:ext cx="3140404" cy="3140404"/>
             </a:xfrm>
             <a:prstGeom prst="rect">
@@ -28837,125 +30668,6 @@
     <p:extLst>
       <p:ext uri="{BB962C8B-B14F-4D97-AF65-F5344CB8AC3E}">
         <p14:creationId xmlns:p14="http://schemas.microsoft.com/office/powerpoint/2010/main" val="959592748"/>
-      </p:ext>
-    </p:extLst>
-  </p:cSld>
-  <p:clrMapOvr>
-    <a:masterClrMapping/>
-  </p:clrMapOvr>
-</p:sld>
-</file>
-
-<file path=ppt/slides/slide2.xml><?xml version="1.0" encoding="utf-8"?>
-<p:sld xmlns:a="http://schemas.openxmlformats.org/drawingml/2006/main" xmlns:r="http://schemas.openxmlformats.org/officeDocument/2006/relationships" xmlns:p="http://schemas.openxmlformats.org/presentationml/2006/main">
-  <p:cSld>
-    <p:spTree>
-      <p:nvGrpSpPr>
-        <p:cNvPr id="1" name=""/>
-        <p:cNvGrpSpPr/>
-        <p:nvPr/>
-      </p:nvGrpSpPr>
-      <p:grpSpPr>
-        <a:xfrm>
-          <a:off x="0" y="0"/>
-          <a:ext cx="0" cy="0"/>
-          <a:chOff x="0" y="0"/>
-          <a:chExt cx="0" cy="0"/>
-        </a:xfrm>
-      </p:grpSpPr>
-      <p:sp>
-        <p:nvSpPr>
-          <p:cNvPr id="2" name="Titel 1">
-            <a:extLst>
-              <a:ext uri="{FF2B5EF4-FFF2-40B4-BE49-F238E27FC236}">
-                <a16:creationId xmlns:a16="http://schemas.microsoft.com/office/drawing/2014/main" id="{D27A44A1-7D5C-4ED1-B1CC-16A1827DE5CE}"/>
-              </a:ext>
-            </a:extLst>
-          </p:cNvPr>
-          <p:cNvSpPr>
-            <a:spLocks noGrp="1"/>
-          </p:cNvSpPr>
-          <p:nvPr>
-            <p:ph type="title"/>
-          </p:nvPr>
-        </p:nvSpPr>
-        <p:spPr/>
-        <p:txBody>
-          <a:bodyPr/>
-          <a:lstStyle/>
-          <a:p>
-            <a:r>
-              <a:rPr lang="de-DE" dirty="0"/>
-              <a:t>Gliederung</a:t>
-            </a:r>
-          </a:p>
-        </p:txBody>
-      </p:sp>
-      <p:sp>
-        <p:nvSpPr>
-          <p:cNvPr id="3" name="Inhaltsplatzhalter 2">
-            <a:extLst>
-              <a:ext uri="{FF2B5EF4-FFF2-40B4-BE49-F238E27FC236}">
-                <a16:creationId xmlns:a16="http://schemas.microsoft.com/office/drawing/2014/main" id="{0A11E94A-080C-4F4A-B9ED-FC1B878B8CE0}"/>
-              </a:ext>
-            </a:extLst>
-          </p:cNvPr>
-          <p:cNvSpPr>
-            <a:spLocks noGrp="1"/>
-          </p:cNvSpPr>
-          <p:nvPr>
-            <p:ph idx="1"/>
-          </p:nvPr>
-        </p:nvSpPr>
-        <p:spPr>
-          <a:xfrm>
-            <a:off x="360000" y="1620000"/>
-            <a:ext cx="7164328" cy="4479943"/>
-          </a:xfrm>
-        </p:spPr>
-        <p:txBody>
-          <a:bodyPr/>
-          <a:lstStyle/>
-          <a:p>
-            <a:r>
-              <a:rPr lang="de-DE" dirty="0"/>
-              <a:t>Grundlagen der Thermodynamik und von Wirkungsgraden</a:t>
-            </a:r>
-          </a:p>
-          <a:p>
-            <a:r>
-              <a:rPr lang="de-DE" dirty="0"/>
-              <a:t>Aachen-Turbine</a:t>
-            </a:r>
-          </a:p>
-          <a:p>
-            <a:r>
-              <a:rPr lang="de-DE" dirty="0"/>
-              <a:t>Kanalströmung</a:t>
-            </a:r>
-          </a:p>
-          <a:p>
-            <a:r>
-              <a:rPr lang="de-DE" dirty="0"/>
-              <a:t>Auswertungstool für Gitterstudien</a:t>
-            </a:r>
-          </a:p>
-          <a:p>
-            <a:r>
-              <a:rPr lang="de-DE" dirty="0"/>
-              <a:t>Fazit</a:t>
-            </a:r>
-          </a:p>
-          <a:p>
-            <a:pPr lvl="1"/>
-            <a:endParaRPr lang="de-DE" dirty="0"/>
-          </a:p>
-        </p:txBody>
-      </p:sp>
-    </p:spTree>
-    <p:extLst>
-      <p:ext uri="{BB962C8B-B14F-4D97-AF65-F5344CB8AC3E}">
-        <p14:creationId xmlns:p14="http://schemas.microsoft.com/office/powerpoint/2010/main" val="3165109670"/>
       </p:ext>
     </p:extLst>
   </p:cSld>
@@ -31356,7 +33068,7 @@
           <a:graphicData uri="http://schemas.openxmlformats.org/presentationml/2006/ole">
             <mc:AlternateContent xmlns:mc="http://schemas.openxmlformats.org/markup-compatibility/2006">
               <mc:Choice xmlns:v="urn:schemas-microsoft-com:vml" Requires="v">
-                <p:oleObj spid="_x0000_s1026" name="Image" r:id="rId5" imgW="5104440" imgH="5155200" progId="Photoshop.Image.13">
+                <p:oleObj spid="_x0000_s1028" name="Image" r:id="rId5" imgW="5104440" imgH="5155200" progId="Photoshop.Image.13">
                   <p:embed/>
                 </p:oleObj>
               </mc:Choice>

--- a/Präsentation/Abschluss_Präsentation.pptx
+++ b/Präsentation/Abschluss_Präsentation.pptx
@@ -25462,6 +25462,10 @@
             <a:pPr marL="350838" lvl="2" indent="0">
               <a:buNone/>
             </a:pPr>
+            <a:r>
+              <a:rPr lang="de-DE" dirty="0" err="1"/>
+              <a:t>WOher</a:t>
+            </a:r>
             <a:endParaRPr lang="de-DE" dirty="0"/>
           </a:p>
         </p:txBody>
@@ -25813,6 +25817,288 @@
           </a:p>
         </p:txBody>
       </p:sp>
+      <p:sp>
+        <p:nvSpPr>
+          <p:cNvPr id="5" name="Rechteck 4">
+            <a:extLst>
+              <a:ext uri="{FF2B5EF4-FFF2-40B4-BE49-F238E27FC236}">
+                <a16:creationId xmlns:a16="http://schemas.microsoft.com/office/drawing/2014/main" id="{100A8661-918C-422A-9F12-1449593EB770}"/>
+              </a:ext>
+            </a:extLst>
+          </p:cNvPr>
+          <p:cNvSpPr/>
+          <p:nvPr/>
+        </p:nvSpPr>
+        <p:spPr>
+          <a:xfrm>
+            <a:off x="3419872" y="5013176"/>
+            <a:ext cx="2016224" cy="1228956"/>
+          </a:xfrm>
+          <a:prstGeom prst="rect">
+            <a:avLst/>
+          </a:prstGeom>
+        </p:spPr>
+        <p:style>
+          <a:lnRef idx="2">
+            <a:schemeClr val="accent1">
+              <a:shade val="50000"/>
+            </a:schemeClr>
+          </a:lnRef>
+          <a:fillRef idx="1">
+            <a:schemeClr val="accent1"/>
+          </a:fillRef>
+          <a:effectRef idx="0">
+            <a:schemeClr val="accent1"/>
+          </a:effectRef>
+          <a:fontRef idx="minor">
+            <a:schemeClr val="lt1"/>
+          </a:fontRef>
+        </p:style>
+        <p:txBody>
+          <a:bodyPr rtlCol="0" anchor="ctr"/>
+          <a:lstStyle/>
+          <a:p>
+            <a:pPr algn="ctr"/>
+            <a:endParaRPr lang="de-DE"/>
+          </a:p>
+        </p:txBody>
+      </p:sp>
+      <p:cxnSp>
+        <p:nvCxnSpPr>
+          <p:cNvPr id="7" name="Gerader Verbinder 6">
+            <a:extLst>
+              <a:ext uri="{FF2B5EF4-FFF2-40B4-BE49-F238E27FC236}">
+                <a16:creationId xmlns:a16="http://schemas.microsoft.com/office/drawing/2014/main" id="{99319621-456B-4F9C-8AE3-990417BC162B}"/>
+              </a:ext>
+            </a:extLst>
+          </p:cNvPr>
+          <p:cNvCxnSpPr/>
+          <p:nvPr/>
+        </p:nvCxnSpPr>
+        <p:spPr>
+          <a:xfrm>
+            <a:off x="3419872" y="5373216"/>
+            <a:ext cx="2016224" cy="0"/>
+          </a:xfrm>
+          <a:prstGeom prst="line">
+            <a:avLst/>
+          </a:prstGeom>
+          <a:ln>
+            <a:solidFill>
+              <a:srgbClr val="004E8A"/>
+            </a:solidFill>
+          </a:ln>
+        </p:spPr>
+        <p:style>
+          <a:lnRef idx="1">
+            <a:schemeClr val="accent1"/>
+          </a:lnRef>
+          <a:fillRef idx="0">
+            <a:schemeClr val="accent1"/>
+          </a:fillRef>
+          <a:effectRef idx="0">
+            <a:schemeClr val="accent1"/>
+          </a:effectRef>
+          <a:fontRef idx="minor">
+            <a:schemeClr val="tx1"/>
+          </a:fontRef>
+        </p:style>
+      </p:cxnSp>
+      <p:sp>
+        <p:nvSpPr>
+          <p:cNvPr id="8" name="Rechteck 7">
+            <a:extLst>
+              <a:ext uri="{FF2B5EF4-FFF2-40B4-BE49-F238E27FC236}">
+                <a16:creationId xmlns:a16="http://schemas.microsoft.com/office/drawing/2014/main" id="{8524B71A-AA14-47C0-A247-D8BE9E17ACA5}"/>
+              </a:ext>
+            </a:extLst>
+          </p:cNvPr>
+          <p:cNvSpPr/>
+          <p:nvPr/>
+        </p:nvSpPr>
+        <p:spPr>
+          <a:xfrm>
+            <a:off x="5940152" y="5661248"/>
+            <a:ext cx="2520280" cy="288033"/>
+          </a:xfrm>
+          <a:prstGeom prst="rect">
+            <a:avLst/>
+          </a:prstGeom>
+        </p:spPr>
+        <p:style>
+          <a:lnRef idx="2">
+            <a:schemeClr val="accent1">
+              <a:shade val="50000"/>
+            </a:schemeClr>
+          </a:lnRef>
+          <a:fillRef idx="1">
+            <a:schemeClr val="accent1"/>
+          </a:fillRef>
+          <a:effectRef idx="0">
+            <a:schemeClr val="accent1"/>
+          </a:effectRef>
+          <a:fontRef idx="minor">
+            <a:schemeClr val="lt1"/>
+          </a:fontRef>
+        </p:style>
+        <p:txBody>
+          <a:bodyPr rtlCol="0" anchor="ctr"/>
+          <a:lstStyle/>
+          <a:p>
+            <a:pPr algn="ctr"/>
+            <a:endParaRPr lang="de-DE"/>
+          </a:p>
+        </p:txBody>
+      </p:sp>
+      <p:sp>
+        <p:nvSpPr>
+          <p:cNvPr id="9" name="Rechteck 8">
+            <a:extLst>
+              <a:ext uri="{FF2B5EF4-FFF2-40B4-BE49-F238E27FC236}">
+                <a16:creationId xmlns:a16="http://schemas.microsoft.com/office/drawing/2014/main" id="{23415BAE-D7D5-4829-BF66-AFDCFFC74C89}"/>
+              </a:ext>
+            </a:extLst>
+          </p:cNvPr>
+          <p:cNvSpPr/>
+          <p:nvPr/>
+        </p:nvSpPr>
+        <p:spPr>
+          <a:xfrm flipH="1">
+            <a:off x="5954547" y="3306688"/>
+            <a:ext cx="2282552" cy="2282552"/>
+          </a:xfrm>
+          <a:prstGeom prst="rect">
+            <a:avLst/>
+          </a:prstGeom>
+        </p:spPr>
+        <p:style>
+          <a:lnRef idx="2">
+            <a:schemeClr val="accent1">
+              <a:shade val="50000"/>
+            </a:schemeClr>
+          </a:lnRef>
+          <a:fillRef idx="1">
+            <a:schemeClr val="accent1"/>
+          </a:fillRef>
+          <a:effectRef idx="0">
+            <a:schemeClr val="accent1"/>
+          </a:effectRef>
+          <a:fontRef idx="minor">
+            <a:schemeClr val="lt1"/>
+          </a:fontRef>
+        </p:style>
+        <p:txBody>
+          <a:bodyPr rtlCol="0" anchor="ctr"/>
+          <a:lstStyle/>
+          <a:p>
+            <a:pPr algn="ctr"/>
+            <a:endParaRPr lang="de-DE"/>
+          </a:p>
+        </p:txBody>
+      </p:sp>
+      <p:sp>
+        <p:nvSpPr>
+          <p:cNvPr id="10" name="Parallelogramm 9">
+            <a:extLst>
+              <a:ext uri="{FF2B5EF4-FFF2-40B4-BE49-F238E27FC236}">
+                <a16:creationId xmlns:a16="http://schemas.microsoft.com/office/drawing/2014/main" id="{F6BBA9AE-BA91-4C42-9E5C-0256A3AD969E}"/>
+              </a:ext>
+            </a:extLst>
+          </p:cNvPr>
+          <p:cNvSpPr/>
+          <p:nvPr/>
+        </p:nvSpPr>
+        <p:spPr>
+          <a:xfrm>
+            <a:off x="467544" y="5157192"/>
+            <a:ext cx="2736304" cy="936104"/>
+          </a:xfrm>
+          <a:prstGeom prst="parallelogram">
+            <a:avLst>
+              <a:gd name="adj" fmla="val 214936"/>
+            </a:avLst>
+          </a:prstGeom>
+        </p:spPr>
+        <p:style>
+          <a:lnRef idx="2">
+            <a:schemeClr val="accent1">
+              <a:shade val="50000"/>
+            </a:schemeClr>
+          </a:lnRef>
+          <a:fillRef idx="1">
+            <a:schemeClr val="accent1"/>
+          </a:fillRef>
+          <a:effectRef idx="0">
+            <a:schemeClr val="accent1"/>
+          </a:effectRef>
+          <a:fontRef idx="minor">
+            <a:schemeClr val="lt1"/>
+          </a:fontRef>
+        </p:style>
+        <p:txBody>
+          <a:bodyPr rtlCol="0" anchor="ctr"/>
+          <a:lstStyle/>
+          <a:p>
+            <a:pPr algn="ctr"/>
+            <a:endParaRPr lang="de-DE"/>
+          </a:p>
+        </p:txBody>
+      </p:sp>
+      <p:sp>
+        <p:nvSpPr>
+          <p:cNvPr id="11" name="Textfeld 10">
+            <a:extLst>
+              <a:ext uri="{FF2B5EF4-FFF2-40B4-BE49-F238E27FC236}">
+                <a16:creationId xmlns:a16="http://schemas.microsoft.com/office/drawing/2014/main" id="{EDFCA95E-EBAF-4A26-9BAD-73C882BC9FBA}"/>
+              </a:ext>
+            </a:extLst>
+          </p:cNvPr>
+          <p:cNvSpPr txBox="1"/>
+          <p:nvPr/>
+        </p:nvSpPr>
+        <p:spPr>
+          <a:xfrm>
+            <a:off x="5923429" y="5948409"/>
+            <a:ext cx="2520280" cy="646331"/>
+          </a:xfrm>
+          <a:prstGeom prst="rect">
+            <a:avLst/>
+          </a:prstGeom>
+          <a:noFill/>
+          <a:ln>
+            <a:solidFill>
+              <a:srgbClr val="004E8A"/>
+            </a:solidFill>
+          </a:ln>
+        </p:spPr>
+        <p:txBody>
+          <a:bodyPr wrap="square" rtlCol="0">
+            <a:spAutoFit/>
+          </a:bodyPr>
+          <a:lstStyle/>
+          <a:p>
+            <a:r>
+              <a:rPr lang="de-DE" dirty="0" err="1"/>
+              <a:t>Aspect</a:t>
+            </a:r>
+            <a:r>
+              <a:rPr lang="de-DE" dirty="0"/>
+              <a:t> </a:t>
+            </a:r>
+            <a:r>
+              <a:rPr lang="de-DE" dirty="0" err="1"/>
+              <a:t>ratio</a:t>
+            </a:r>
+            <a:r>
+              <a:rPr lang="de-DE" dirty="0"/>
+              <a:t> &lt; 1500</a:t>
+            </a:r>
+          </a:p>
+          <a:p>
+            <a:endParaRPr lang="de-DE" dirty="0"/>
+          </a:p>
+        </p:txBody>
+      </p:sp>
     </p:spTree>
     <p:extLst>
       <p:ext uri="{BB962C8B-B14F-4D97-AF65-F5344CB8AC3E}">
@@ -25871,8 +26157,8 @@
           </a:p>
         </p:txBody>
       </p:sp>
-      <mc:AlternateContent xmlns:mc="http://schemas.openxmlformats.org/markup-compatibility/2006" xmlns:a14="http://schemas.microsoft.com/office/drawing/2010/main">
-        <mc:Choice Requires="a14">
+      <mc:AlternateContent xmlns:mc="http://schemas.openxmlformats.org/markup-compatibility/2006">
+        <mc:Choice xmlns:a14="http://schemas.microsoft.com/office/drawing/2010/main" Requires="a14">
           <p:sp>
             <p:nvSpPr>
               <p:cNvPr id="3" name="Inhaltsplatzhalter 2">
@@ -26099,24 +26385,28 @@
                 <a:endParaRPr lang="de-DE" dirty="0"/>
               </a:p>
               <a:p>
+                <a:pPr>
+                  <a:buFont typeface="Wingdings" panose="05000000000000000000" pitchFamily="2" charset="2"/>
+                  <a:buChar char="Ø"/>
+                </a:pPr>
                 <a:r>
                   <a:rPr lang="de-DE" dirty="0">
                     <a:sym typeface="Wingdings"/>
                   </a:rPr>
-                  <a:t> Referenzgitter mit guter Gitterqualität und korrekter Grenzschichtdicke vorhanden</a:t>
+                  <a:t>Referenzgitter mit guter Gitterqualität und korrekter Grenzschichtdicke</a:t>
                 </a:r>
                 <a:endParaRPr lang="de-DE" dirty="0"/>
               </a:p>
             </p:txBody>
           </p:sp>
         </mc:Choice>
-        <mc:Fallback xmlns="">
+        <mc:Fallback>
           <p:sp>
             <p:nvSpPr>
               <p:cNvPr id="3" name="Inhaltsplatzhalter 2">
                 <a:extLst>
                   <a:ext uri="{FF2B5EF4-FFF2-40B4-BE49-F238E27FC236}">
-                    <a16:creationId xmlns="" xmlns:a16="http://schemas.microsoft.com/office/drawing/2014/main" id="{1C3E671A-136E-4360-89A9-AD9DB1ED1606}"/>
+                    <a16:creationId xmlns:a16="http://schemas.microsoft.com/office/drawing/2014/main" id="{1C3E671A-136E-4360-89A9-AD9DB1ED1606}"/>
                   </a:ext>
                 </a:extLst>
               </p:cNvPr>
@@ -26132,10 +26422,10 @@
                 <a:off x="360000" y="1620001"/>
                 <a:ext cx="8244448" cy="4329280"/>
               </a:xfrm>
-              <a:blipFill rotWithShape="0">
+              <a:blipFill>
                 <a:blip r:embed="rId3"/>
                 <a:stretch>
-                  <a:fillRect l="-1775"/>
+                  <a:fillRect l="-1775" r="-1627"/>
                 </a:stretch>
               </a:blipFill>
             </p:spPr>
@@ -33068,7 +33358,7 @@
           <a:graphicData uri="http://schemas.openxmlformats.org/presentationml/2006/ole">
             <mc:AlternateContent xmlns:mc="http://schemas.openxmlformats.org/markup-compatibility/2006">
               <mc:Choice xmlns:v="urn:schemas-microsoft-com:vml" Requires="v">
-                <p:oleObj spid="_x0000_s1028" name="Image" r:id="rId5" imgW="5104440" imgH="5155200" progId="Photoshop.Image.13">
+                <p:oleObj spid="_x0000_s1030" name="Image" r:id="rId5" imgW="5104440" imgH="5155200" progId="Photoshop.Image.13">
                   <p:embed/>
                 </p:oleObj>
               </mc:Choice>
